--- a/recursivePatterns.pptx
+++ b/recursivePatterns.pptx
@@ -7,9 +7,11 @@
   <p:sldIdLst>
     <p:sldId id="256" r:id="rId2"/>
     <p:sldId id="257" r:id="rId3"/>
-    <p:sldId id="258" r:id="rId4"/>
-    <p:sldId id="259" r:id="rId5"/>
-    <p:sldId id="260" r:id="rId6"/>
+    <p:sldId id="262" r:id="rId4"/>
+    <p:sldId id="258" r:id="rId5"/>
+    <p:sldId id="259" r:id="rId6"/>
+    <p:sldId id="260" r:id="rId7"/>
+    <p:sldId id="261" r:id="rId8"/>
   </p:sldIdLst>
   <p:sldSz cx="9144000" cy="6858000" type="screen4x3"/>
   <p:notesSz cx="6858000" cy="9144000"/>
@@ -7605,8 +7607,8 @@
         </p:nvSpPr>
         <p:spPr>
           <a:xfrm>
-            <a:off x="3299108" y="533400"/>
-            <a:ext cx="3123356" cy="369332"/>
+            <a:off x="2514600" y="533400"/>
+            <a:ext cx="4083490" cy="369332"/>
           </a:xfrm>
           <a:prstGeom prst="rect">
             <a:avLst/>
@@ -7621,7 +7623,19 @@
           <a:p>
             <a:r>
               <a:rPr lang="en-US" dirty="0" smtClean="0"/>
-              <a:t>Calls to Recursive Permutations</a:t>
+              <a:t>Calls to Recursive </a:t>
+            </a:r>
+            <a:r>
+              <a:rPr lang="en-US" dirty="0" smtClean="0"/>
+              <a:t>Permutations for [</a:t>
+            </a:r>
+            <a:r>
+              <a:rPr lang="en-US" dirty="0" err="1" smtClean="0"/>
+              <a:t>a,b,c</a:t>
+            </a:r>
+            <a:r>
+              <a:rPr lang="en-US" dirty="0" smtClean="0"/>
+              <a:t>]</a:t>
             </a:r>
             <a:endParaRPr lang="en-US" dirty="0"/>
           </a:p>
@@ -8250,22 +8264,44 @@
       </p:grpSpPr>
       <p:sp>
         <p:nvSpPr>
-          <p:cNvPr id="2" name="Title 1"/>
-          <p:cNvSpPr>
-            <a:spLocks noGrp="1"/>
-          </p:cNvSpPr>
-          <p:nvPr>
-            <p:ph type="title"/>
-          </p:nvPr>
-        </p:nvSpPr>
-        <p:spPr/>
-        <p:txBody>
-          <a:bodyPr/>
-          <a:lstStyle/>
-          <a:p>
-            <a:r>
-              <a:rPr lang="en-US" dirty="0" smtClean="0"/>
-              <a:t>Exhaustive recursion is ‘exhaustive’</a:t>
+          <p:cNvPr id="4" name="TextBox 3"/>
+          <p:cNvSpPr txBox="1"/>
+          <p:nvPr/>
+        </p:nvSpPr>
+        <p:spPr>
+          <a:xfrm>
+            <a:off x="4082363" y="1371600"/>
+            <a:ext cx="1202573" cy="369332"/>
+          </a:xfrm>
+          <a:prstGeom prst="rect">
+            <a:avLst/>
+          </a:prstGeom>
+          <a:noFill/>
+          <a:ln>
+            <a:solidFill>
+              <a:schemeClr val="bg1">
+                <a:lumMod val="65000"/>
+              </a:schemeClr>
+            </a:solidFill>
+          </a:ln>
+        </p:spPr>
+        <p:txBody>
+          <a:bodyPr wrap="none" rtlCol="0">
+            <a:spAutoFit/>
+          </a:bodyPr>
+          <a:lstStyle/>
+          <a:p>
+            <a:r>
+              <a:rPr lang="en-US" dirty="0" smtClean="0"/>
+              <a:t>[], [</a:t>
+            </a:r>
+            <a:r>
+              <a:rPr lang="en-US" dirty="0" err="1" smtClean="0"/>
+              <a:t>a,b,c,d</a:t>
+            </a:r>
+            <a:r>
+              <a:rPr lang="en-US" dirty="0" smtClean="0"/>
+              <a:t>]</a:t>
             </a:r>
             <a:endParaRPr lang="en-US" dirty="0"/>
           </a:p>
@@ -8273,324 +8309,1791 @@
       </p:sp>
       <p:sp>
         <p:nvSpPr>
-          <p:cNvPr id="3" name="Content Placeholder 2"/>
-          <p:cNvSpPr>
-            <a:spLocks noGrp="1"/>
-          </p:cNvSpPr>
-          <p:nvPr>
-            <p:ph idx="1"/>
-          </p:nvPr>
-        </p:nvSpPr>
-        <p:spPr/>
-        <p:txBody>
-          <a:bodyPr>
-            <a:normAutofit/>
+          <p:cNvPr id="5" name="TextBox 4"/>
+          <p:cNvSpPr txBox="1"/>
+          <p:nvPr/>
+        </p:nvSpPr>
+        <p:spPr>
+          <a:xfrm>
+            <a:off x="2362200" y="2971800"/>
+            <a:ext cx="1144865" cy="369332"/>
+          </a:xfrm>
+          <a:prstGeom prst="rect">
+            <a:avLst/>
+          </a:prstGeom>
+          <a:noFill/>
+          <a:ln>
+            <a:solidFill>
+              <a:schemeClr val="bg1">
+                <a:lumMod val="65000"/>
+              </a:schemeClr>
+            </a:solidFill>
+          </a:ln>
+        </p:spPr>
+        <p:txBody>
+          <a:bodyPr wrap="none" rtlCol="0">
+            <a:spAutoFit/>
           </a:bodyPr>
           <a:lstStyle/>
           <a:p>
-            <a:pPr>
-              <a:buNone/>
-            </a:pPr>
-            <a:r>
-              <a:rPr lang="en-US" sz="1800" dirty="0" err="1" smtClean="0"/>
-              <a:t>var</a:t>
-            </a:r>
-            <a:r>
-              <a:rPr lang="en-US" sz="1800" dirty="0" smtClean="0"/>
-              <a:t> </a:t>
-            </a:r>
-            <a:r>
-              <a:rPr lang="en-US" sz="1800" dirty="0" err="1" smtClean="0"/>
-              <a:t>recPerms</a:t>
-            </a:r>
-            <a:r>
-              <a:rPr lang="en-US" sz="1800" dirty="0" smtClean="0"/>
-              <a:t> = function(</a:t>
-            </a:r>
-            <a:r>
-              <a:rPr lang="en-US" sz="1800" dirty="0" err="1" smtClean="0"/>
-              <a:t>sofar</a:t>
-            </a:r>
-            <a:r>
-              <a:rPr lang="en-US" sz="1800" dirty="0" smtClean="0"/>
-              <a:t>, rest){ </a:t>
-            </a:r>
-          </a:p>
-          <a:p>
-            <a:pPr>
-              <a:buNone/>
-            </a:pPr>
-            <a:r>
-              <a:rPr lang="en-US" sz="1800" dirty="0" smtClean="0"/>
-              <a:t> </a:t>
-            </a:r>
-            <a:r>
-              <a:rPr lang="en-US" sz="1800" dirty="0" smtClean="0"/>
-              <a:t> if( </a:t>
-            </a:r>
-            <a:r>
-              <a:rPr lang="en-US" sz="1800" dirty="0" err="1" smtClean="0"/>
-              <a:t>rest.length</a:t>
-            </a:r>
-            <a:r>
-              <a:rPr lang="en-US" sz="1800" dirty="0" smtClean="0"/>
-              <a:t> === 0) { </a:t>
-            </a:r>
-          </a:p>
-          <a:p>
-            <a:pPr>
-              <a:buNone/>
-            </a:pPr>
-            <a:r>
-              <a:rPr lang="en-US" sz="1800" dirty="0" smtClean="0"/>
-              <a:t> </a:t>
-            </a:r>
-            <a:r>
-              <a:rPr lang="en-US" sz="1800" dirty="0" smtClean="0"/>
-              <a:t>   console.log(‘base case reached:’, </a:t>
-            </a:r>
-            <a:r>
-              <a:rPr lang="en-US" sz="1800" dirty="0" err="1" smtClean="0"/>
-              <a:t>sofar</a:t>
-            </a:r>
-            <a:r>
-              <a:rPr lang="en-US" sz="1800" dirty="0" smtClean="0"/>
-              <a:t>);</a:t>
-            </a:r>
-          </a:p>
-          <a:p>
-            <a:pPr>
-              <a:buNone/>
-            </a:pPr>
-            <a:r>
-              <a:rPr lang="en-US" sz="1800" dirty="0" smtClean="0"/>
-              <a:t>  } else { </a:t>
-            </a:r>
-          </a:p>
-          <a:p>
-            <a:pPr>
-              <a:buNone/>
-            </a:pPr>
-            <a:r>
-              <a:rPr lang="en-US" sz="1800" dirty="0" smtClean="0"/>
-              <a:t> </a:t>
-            </a:r>
-            <a:r>
-              <a:rPr lang="en-US" sz="1800" dirty="0" smtClean="0"/>
-              <a:t>   for( </a:t>
-            </a:r>
-            <a:r>
-              <a:rPr lang="en-US" sz="1800" dirty="0" err="1" smtClean="0"/>
-              <a:t>var</a:t>
-            </a:r>
-            <a:r>
-              <a:rPr lang="en-US" sz="1800" dirty="0" smtClean="0"/>
-              <a:t> </a:t>
-            </a:r>
-            <a:r>
-              <a:rPr lang="en-US" sz="1800" dirty="0" err="1" smtClean="0"/>
-              <a:t>i</a:t>
-            </a:r>
-            <a:r>
-              <a:rPr lang="en-US" sz="1800" dirty="0" smtClean="0"/>
-              <a:t> = 0; </a:t>
-            </a:r>
-            <a:r>
-              <a:rPr lang="en-US" sz="1800" dirty="0" err="1" smtClean="0"/>
-              <a:t>i</a:t>
-            </a:r>
-            <a:r>
-              <a:rPr lang="en-US" sz="1800" dirty="0" smtClean="0"/>
-              <a:t> &lt; </a:t>
-            </a:r>
-            <a:r>
-              <a:rPr lang="en-US" sz="1800" dirty="0" err="1" smtClean="0"/>
-              <a:t>rest.length</a:t>
-            </a:r>
-            <a:r>
-              <a:rPr lang="en-US" sz="1800" dirty="0" smtClean="0"/>
-              <a:t>; </a:t>
-            </a:r>
-            <a:r>
-              <a:rPr lang="en-US" sz="1800" dirty="0" err="1" smtClean="0"/>
-              <a:t>i</a:t>
-            </a:r>
-            <a:r>
-              <a:rPr lang="en-US" sz="1800" dirty="0" smtClean="0"/>
-              <a:t>++ ){ </a:t>
-            </a:r>
-          </a:p>
-          <a:p>
-            <a:pPr>
-              <a:buNone/>
-            </a:pPr>
-            <a:r>
-              <a:rPr lang="en-US" sz="1800" dirty="0" smtClean="0"/>
-              <a:t> </a:t>
-            </a:r>
-            <a:r>
-              <a:rPr lang="en-US" sz="1800" dirty="0" smtClean="0"/>
-              <a:t>     </a:t>
-            </a:r>
-            <a:r>
-              <a:rPr lang="en-US" sz="1800" dirty="0" err="1" smtClean="0"/>
-              <a:t>var</a:t>
-            </a:r>
-            <a:r>
-              <a:rPr lang="en-US" sz="1800" dirty="0" smtClean="0"/>
-              <a:t> remaining = </a:t>
-            </a:r>
-            <a:r>
-              <a:rPr lang="en-US" sz="1800" dirty="0" err="1" smtClean="0"/>
-              <a:t>rest.slice</a:t>
-            </a:r>
-            <a:r>
-              <a:rPr lang="en-US" sz="1800" dirty="0" smtClean="0"/>
-              <a:t>(); </a:t>
-            </a:r>
-          </a:p>
-          <a:p>
-            <a:pPr>
-              <a:buNone/>
-            </a:pPr>
-            <a:r>
-              <a:rPr lang="en-US" sz="1800" dirty="0" smtClean="0"/>
-              <a:t> </a:t>
-            </a:r>
-            <a:r>
-              <a:rPr lang="en-US" sz="1800" dirty="0" smtClean="0"/>
-              <a:t>     </a:t>
-            </a:r>
-            <a:r>
-              <a:rPr lang="en-US" sz="1800" dirty="0" err="1" smtClean="0"/>
-              <a:t>remaining.splice</a:t>
-            </a:r>
-            <a:r>
-              <a:rPr lang="en-US" sz="1800" dirty="0" smtClean="0"/>
-              <a:t>(</a:t>
-            </a:r>
-            <a:r>
-              <a:rPr lang="en-US" sz="1800" dirty="0" err="1" smtClean="0"/>
-              <a:t>i</a:t>
-            </a:r>
-            <a:r>
-              <a:rPr lang="en-US" sz="1800" dirty="0" smtClean="0"/>
-              <a:t>, 1); </a:t>
-            </a:r>
-          </a:p>
-          <a:p>
-            <a:pPr>
-              <a:buNone/>
-            </a:pPr>
-            <a:r>
-              <a:rPr lang="en-US" sz="1800" dirty="0" smtClean="0"/>
-              <a:t> </a:t>
-            </a:r>
-            <a:r>
-              <a:rPr lang="en-US" sz="1800" dirty="0" smtClean="0"/>
-              <a:t>     </a:t>
-            </a:r>
-            <a:r>
-              <a:rPr lang="en-US" sz="1800" dirty="0" err="1" smtClean="0"/>
-              <a:t>var</a:t>
-            </a:r>
-            <a:r>
-              <a:rPr lang="en-US" sz="1800" dirty="0" smtClean="0"/>
-              <a:t> next = </a:t>
-            </a:r>
-            <a:r>
-              <a:rPr lang="en-US" sz="1800" dirty="0" err="1" smtClean="0"/>
-              <a:t>sofar.slice</a:t>
-            </a:r>
-            <a:r>
-              <a:rPr lang="en-US" sz="1800" dirty="0" smtClean="0"/>
-              <a:t>(); </a:t>
-            </a:r>
-          </a:p>
-          <a:p>
-            <a:pPr>
-              <a:buNone/>
-            </a:pPr>
-            <a:r>
-              <a:rPr lang="en-US" sz="1800" dirty="0" smtClean="0"/>
-              <a:t> </a:t>
-            </a:r>
-            <a:r>
-              <a:rPr lang="en-US" sz="1800" dirty="0" smtClean="0"/>
-              <a:t>     </a:t>
-            </a:r>
-            <a:r>
-              <a:rPr lang="en-US" sz="1800" dirty="0" err="1" smtClean="0"/>
-              <a:t>next.push</a:t>
-            </a:r>
-            <a:r>
-              <a:rPr lang="en-US" sz="1800" dirty="0" smtClean="0"/>
-              <a:t>(rest[</a:t>
-            </a:r>
-            <a:r>
-              <a:rPr lang="en-US" sz="1800" dirty="0" err="1" smtClean="0"/>
-              <a:t>i</a:t>
-            </a:r>
-            <a:r>
-              <a:rPr lang="en-US" sz="1800" dirty="0" smtClean="0"/>
-              <a:t>]); </a:t>
-            </a:r>
-          </a:p>
-          <a:p>
-            <a:pPr>
-              <a:buNone/>
-            </a:pPr>
-            <a:r>
-              <a:rPr lang="en-US" sz="1800" dirty="0" smtClean="0"/>
-              <a:t> </a:t>
-            </a:r>
-            <a:r>
-              <a:rPr lang="en-US" sz="1800" dirty="0" smtClean="0"/>
-              <a:t>     </a:t>
-            </a:r>
-            <a:r>
-              <a:rPr lang="en-US" sz="1800" dirty="0" err="1" smtClean="0"/>
-              <a:t>recPerms</a:t>
-            </a:r>
-            <a:r>
-              <a:rPr lang="en-US" sz="1800" dirty="0" smtClean="0"/>
-              <a:t>(next, remaining);</a:t>
-            </a:r>
-          </a:p>
-          <a:p>
-            <a:pPr>
-              <a:buNone/>
-            </a:pPr>
-            <a:r>
-              <a:rPr lang="en-US" sz="1800" dirty="0" smtClean="0"/>
-              <a:t>    }</a:t>
-            </a:r>
-          </a:p>
-          <a:p>
-            <a:pPr>
-              <a:buNone/>
-            </a:pPr>
-            <a:r>
-              <a:rPr lang="en-US" sz="1800" dirty="0" smtClean="0"/>
-              <a:t> </a:t>
-            </a:r>
-            <a:r>
-              <a:rPr lang="en-US" sz="1800" dirty="0" smtClean="0"/>
-              <a:t> }</a:t>
-            </a:r>
-          </a:p>
-          <a:p>
-            <a:pPr>
-              <a:buNone/>
-            </a:pPr>
-            <a:r>
-              <a:rPr lang="en-US" sz="1800" dirty="0" smtClean="0"/>
-              <a:t>}</a:t>
-            </a:r>
-            <a:endParaRPr lang="en-US" sz="1800" dirty="0" smtClean="0"/>
-          </a:p>
-        </p:txBody>
-      </p:sp>
+            <a:r>
+              <a:rPr lang="en-US" dirty="0" smtClean="0"/>
+              <a:t>[a], [</a:t>
+            </a:r>
+            <a:r>
+              <a:rPr lang="en-US" dirty="0" err="1" smtClean="0"/>
+              <a:t>b,c,d</a:t>
+            </a:r>
+            <a:r>
+              <a:rPr lang="en-US" dirty="0" smtClean="0"/>
+              <a:t>]</a:t>
+            </a:r>
+            <a:endParaRPr lang="en-US" dirty="0"/>
+          </a:p>
+        </p:txBody>
+      </p:sp>
+      <p:sp>
+        <p:nvSpPr>
+          <p:cNvPr id="6" name="TextBox 5"/>
+          <p:cNvSpPr txBox="1"/>
+          <p:nvPr/>
+        </p:nvSpPr>
+        <p:spPr>
+          <a:xfrm>
+            <a:off x="1141135" y="3810000"/>
+            <a:ext cx="1144865" cy="369332"/>
+          </a:xfrm>
+          <a:prstGeom prst="rect">
+            <a:avLst/>
+          </a:prstGeom>
+          <a:noFill/>
+          <a:ln>
+            <a:solidFill>
+              <a:schemeClr val="bg1">
+                <a:lumMod val="65000"/>
+              </a:schemeClr>
+            </a:solidFill>
+          </a:ln>
+        </p:spPr>
+        <p:txBody>
+          <a:bodyPr wrap="none" rtlCol="0">
+            <a:spAutoFit/>
+          </a:bodyPr>
+          <a:lstStyle/>
+          <a:p>
+            <a:r>
+              <a:rPr lang="en-US" dirty="0" smtClean="0"/>
+              <a:t>[</a:t>
+            </a:r>
+            <a:r>
+              <a:rPr lang="en-US" dirty="0" err="1" smtClean="0"/>
+              <a:t>a,b</a:t>
+            </a:r>
+            <a:r>
+              <a:rPr lang="en-US" dirty="0" smtClean="0"/>
+              <a:t>], [</a:t>
+            </a:r>
+            <a:r>
+              <a:rPr lang="en-US" dirty="0" err="1" smtClean="0"/>
+              <a:t>c,d</a:t>
+            </a:r>
+            <a:r>
+              <a:rPr lang="en-US" dirty="0" smtClean="0"/>
+              <a:t>]</a:t>
+            </a:r>
+            <a:endParaRPr lang="en-US" dirty="0"/>
+          </a:p>
+        </p:txBody>
+      </p:sp>
+      <p:sp>
+        <p:nvSpPr>
+          <p:cNvPr id="7" name="TextBox 6"/>
+          <p:cNvSpPr txBox="1"/>
+          <p:nvPr/>
+        </p:nvSpPr>
+        <p:spPr>
+          <a:xfrm>
+            <a:off x="990600" y="5955268"/>
+            <a:ext cx="1255472" cy="369332"/>
+          </a:xfrm>
+          <a:prstGeom prst="rect">
+            <a:avLst/>
+          </a:prstGeom>
+          <a:noFill/>
+          <a:ln w="31750">
+            <a:solidFill>
+              <a:srgbClr val="00B050"/>
+            </a:solidFill>
+          </a:ln>
+        </p:spPr>
+        <p:txBody>
+          <a:bodyPr wrap="none" rtlCol="0">
+            <a:spAutoFit/>
+          </a:bodyPr>
+          <a:lstStyle/>
+          <a:p>
+            <a:r>
+              <a:rPr lang="en-US" dirty="0" smtClean="0"/>
+              <a:t>[</a:t>
+            </a:r>
+            <a:r>
+              <a:rPr lang="en-US" dirty="0" err="1" smtClean="0"/>
+              <a:t>a,b,c,d</a:t>
+            </a:r>
+            <a:r>
+              <a:rPr lang="en-US" dirty="0" smtClean="0"/>
+              <a:t>], </a:t>
+            </a:r>
+            <a:r>
+              <a:rPr lang="en-US" dirty="0" smtClean="0"/>
+              <a:t>[] </a:t>
+            </a:r>
+          </a:p>
+        </p:txBody>
+      </p:sp>
+      <p:sp>
+        <p:nvSpPr>
+          <p:cNvPr id="9" name="TextBox 8"/>
+          <p:cNvSpPr txBox="1"/>
+          <p:nvPr/>
+        </p:nvSpPr>
+        <p:spPr>
+          <a:xfrm>
+            <a:off x="4341535" y="3810000"/>
+            <a:ext cx="1143000" cy="369332"/>
+          </a:xfrm>
+          <a:prstGeom prst="rect">
+            <a:avLst/>
+          </a:prstGeom>
+          <a:noFill/>
+          <a:ln>
+            <a:solidFill>
+              <a:schemeClr val="bg1">
+                <a:lumMod val="65000"/>
+              </a:schemeClr>
+            </a:solidFill>
+          </a:ln>
+        </p:spPr>
+        <p:txBody>
+          <a:bodyPr wrap="square" rtlCol="0">
+            <a:spAutoFit/>
+          </a:bodyPr>
+          <a:lstStyle/>
+          <a:p>
+            <a:r>
+              <a:rPr lang="en-US" dirty="0" smtClean="0"/>
+              <a:t>[</a:t>
+            </a:r>
+            <a:r>
+              <a:rPr lang="en-US" dirty="0" err="1" smtClean="0"/>
+              <a:t>a,c</a:t>
+            </a:r>
+            <a:r>
+              <a:rPr lang="en-US" dirty="0" smtClean="0"/>
+              <a:t>], [</a:t>
+            </a:r>
+            <a:r>
+              <a:rPr lang="en-US" dirty="0" err="1" smtClean="0"/>
+              <a:t>b,d</a:t>
+            </a:r>
+            <a:r>
+              <a:rPr lang="en-US" dirty="0" smtClean="0"/>
+              <a:t>]</a:t>
+            </a:r>
+            <a:endParaRPr lang="en-US" dirty="0"/>
+          </a:p>
+        </p:txBody>
+      </p:sp>
+      <p:sp>
+        <p:nvSpPr>
+          <p:cNvPr id="10" name="TextBox 9"/>
+          <p:cNvSpPr txBox="1"/>
+          <p:nvPr/>
+        </p:nvSpPr>
+        <p:spPr>
+          <a:xfrm>
+            <a:off x="2362200" y="5955268"/>
+            <a:ext cx="1327837" cy="369332"/>
+          </a:xfrm>
+          <a:prstGeom prst="rect">
+            <a:avLst/>
+          </a:prstGeom>
+          <a:noFill/>
+          <a:ln w="31750">
+            <a:solidFill>
+              <a:srgbClr val="00B050"/>
+            </a:solidFill>
+          </a:ln>
+        </p:spPr>
+        <p:txBody>
+          <a:bodyPr wrap="square" rtlCol="0">
+            <a:spAutoFit/>
+          </a:bodyPr>
+          <a:lstStyle/>
+          <a:p>
+            <a:r>
+              <a:rPr lang="en-US" dirty="0" smtClean="0"/>
+              <a:t>[</a:t>
+            </a:r>
+            <a:r>
+              <a:rPr lang="en-US" dirty="0" err="1" smtClean="0"/>
+              <a:t>a,b,d,c</a:t>
+            </a:r>
+            <a:r>
+              <a:rPr lang="en-US" dirty="0" smtClean="0"/>
+              <a:t>], </a:t>
+            </a:r>
+            <a:r>
+              <a:rPr lang="en-US" dirty="0" smtClean="0"/>
+              <a:t>[]</a:t>
+            </a:r>
+            <a:endParaRPr lang="en-US" dirty="0"/>
+          </a:p>
+        </p:txBody>
+      </p:sp>
+      <p:cxnSp>
+        <p:nvCxnSpPr>
+          <p:cNvPr id="20" name="Straight Arrow Connector 19"/>
+          <p:cNvCxnSpPr>
+            <a:stCxn id="4" idx="2"/>
+            <a:endCxn id="5" idx="0"/>
+          </p:cNvCxnSpPr>
+          <p:nvPr/>
+        </p:nvCxnSpPr>
+        <p:spPr>
+          <a:xfrm flipH="1">
+            <a:off x="2934633" y="1740932"/>
+            <a:ext cx="1749017" cy="1230868"/>
+          </a:xfrm>
+          <a:prstGeom prst="straightConnector1">
+            <a:avLst/>
+          </a:prstGeom>
+          <a:ln>
+            <a:solidFill>
+              <a:srgbClr val="00B050"/>
+            </a:solidFill>
+            <a:tailEnd type="arrow"/>
+          </a:ln>
+        </p:spPr>
+        <p:style>
+          <a:lnRef idx="1">
+            <a:schemeClr val="accent1"/>
+          </a:lnRef>
+          <a:fillRef idx="0">
+            <a:schemeClr val="accent1"/>
+          </a:fillRef>
+          <a:effectRef idx="0">
+            <a:schemeClr val="accent1"/>
+          </a:effectRef>
+          <a:fontRef idx="minor">
+            <a:schemeClr val="tx1"/>
+          </a:fontRef>
+        </p:style>
+      </p:cxnSp>
+      <p:cxnSp>
+        <p:nvCxnSpPr>
+          <p:cNvPr id="21" name="Straight Arrow Connector 20"/>
+          <p:cNvCxnSpPr>
+            <a:stCxn id="6" idx="2"/>
+            <a:endCxn id="82" idx="0"/>
+          </p:cNvCxnSpPr>
+          <p:nvPr/>
+        </p:nvCxnSpPr>
+        <p:spPr>
+          <a:xfrm flipH="1">
+            <a:off x="1637368" y="4179332"/>
+            <a:ext cx="76200" cy="468868"/>
+          </a:xfrm>
+          <a:prstGeom prst="straightConnector1">
+            <a:avLst/>
+          </a:prstGeom>
+          <a:ln>
+            <a:solidFill>
+              <a:srgbClr val="00B050"/>
+            </a:solidFill>
+            <a:tailEnd type="arrow"/>
+          </a:ln>
+        </p:spPr>
+        <p:style>
+          <a:lnRef idx="1">
+            <a:schemeClr val="accent1"/>
+          </a:lnRef>
+          <a:fillRef idx="0">
+            <a:schemeClr val="accent1"/>
+          </a:fillRef>
+          <a:effectRef idx="0">
+            <a:schemeClr val="accent1"/>
+          </a:effectRef>
+          <a:fontRef idx="minor">
+            <a:schemeClr val="tx1"/>
+          </a:fontRef>
+        </p:style>
+      </p:cxnSp>
+      <p:cxnSp>
+        <p:nvCxnSpPr>
+          <p:cNvPr id="23" name="Straight Arrow Connector 22"/>
+          <p:cNvCxnSpPr>
+            <a:stCxn id="5" idx="2"/>
+            <a:endCxn id="6" idx="0"/>
+          </p:cNvCxnSpPr>
+          <p:nvPr/>
+        </p:nvCxnSpPr>
+        <p:spPr>
+          <a:xfrm flipH="1">
+            <a:off x="1713568" y="3341132"/>
+            <a:ext cx="1221065" cy="468868"/>
+          </a:xfrm>
+          <a:prstGeom prst="straightConnector1">
+            <a:avLst/>
+          </a:prstGeom>
+          <a:ln>
+            <a:solidFill>
+              <a:srgbClr val="00B050"/>
+            </a:solidFill>
+            <a:tailEnd type="arrow"/>
+          </a:ln>
+        </p:spPr>
+        <p:style>
+          <a:lnRef idx="1">
+            <a:schemeClr val="accent1"/>
+          </a:lnRef>
+          <a:fillRef idx="0">
+            <a:schemeClr val="accent1"/>
+          </a:fillRef>
+          <a:effectRef idx="0">
+            <a:schemeClr val="accent1"/>
+          </a:effectRef>
+          <a:fontRef idx="minor">
+            <a:schemeClr val="tx1"/>
+          </a:fontRef>
+        </p:style>
+      </p:cxnSp>
+      <p:cxnSp>
+        <p:nvCxnSpPr>
+          <p:cNvPr id="30" name="Straight Arrow Connector 29"/>
+          <p:cNvCxnSpPr>
+            <a:stCxn id="6" idx="2"/>
+            <a:endCxn id="84" idx="0"/>
+          </p:cNvCxnSpPr>
+          <p:nvPr/>
+        </p:nvCxnSpPr>
+        <p:spPr>
+          <a:xfrm>
+            <a:off x="1713568" y="4179332"/>
+            <a:ext cx="1219200" cy="480536"/>
+          </a:xfrm>
+          <a:prstGeom prst="straightConnector1">
+            <a:avLst/>
+          </a:prstGeom>
+          <a:ln>
+            <a:solidFill>
+              <a:srgbClr val="00B050"/>
+            </a:solidFill>
+            <a:tailEnd type="arrow"/>
+          </a:ln>
+        </p:spPr>
+        <p:style>
+          <a:lnRef idx="1">
+            <a:schemeClr val="accent1"/>
+          </a:lnRef>
+          <a:fillRef idx="0">
+            <a:schemeClr val="accent1"/>
+          </a:fillRef>
+          <a:effectRef idx="0">
+            <a:schemeClr val="accent1"/>
+          </a:effectRef>
+          <a:fontRef idx="minor">
+            <a:schemeClr val="tx1"/>
+          </a:fontRef>
+        </p:style>
+      </p:cxnSp>
+      <p:cxnSp>
+        <p:nvCxnSpPr>
+          <p:cNvPr id="33" name="Straight Arrow Connector 32"/>
+          <p:cNvCxnSpPr>
+            <a:stCxn id="5" idx="2"/>
+            <a:endCxn id="9" idx="0"/>
+          </p:cNvCxnSpPr>
+          <p:nvPr/>
+        </p:nvCxnSpPr>
+        <p:spPr>
+          <a:xfrm>
+            <a:off x="2934633" y="3341132"/>
+            <a:ext cx="1978402" cy="468868"/>
+          </a:xfrm>
+          <a:prstGeom prst="straightConnector1">
+            <a:avLst/>
+          </a:prstGeom>
+          <a:ln>
+            <a:solidFill>
+              <a:srgbClr val="00B050"/>
+            </a:solidFill>
+            <a:tailEnd type="arrow"/>
+          </a:ln>
+        </p:spPr>
+        <p:style>
+          <a:lnRef idx="1">
+            <a:schemeClr val="accent1"/>
+          </a:lnRef>
+          <a:fillRef idx="0">
+            <a:schemeClr val="accent1"/>
+          </a:fillRef>
+          <a:effectRef idx="0">
+            <a:schemeClr val="accent1"/>
+          </a:effectRef>
+          <a:fontRef idx="minor">
+            <a:schemeClr val="tx1"/>
+          </a:fontRef>
+        </p:style>
+      </p:cxnSp>
+      <p:cxnSp>
+        <p:nvCxnSpPr>
+          <p:cNvPr id="44" name="Straight Arrow Connector 43"/>
+          <p:cNvCxnSpPr>
+            <a:stCxn id="4" idx="2"/>
+            <a:endCxn id="54" idx="0"/>
+          </p:cNvCxnSpPr>
+          <p:nvPr/>
+        </p:nvCxnSpPr>
+        <p:spPr>
+          <a:xfrm>
+            <a:off x="4683650" y="1740932"/>
+            <a:ext cx="2060983" cy="1242536"/>
+          </a:xfrm>
+          <a:prstGeom prst="straightConnector1">
+            <a:avLst/>
+          </a:prstGeom>
+          <a:ln>
+            <a:solidFill>
+              <a:schemeClr val="bg1">
+                <a:lumMod val="65000"/>
+              </a:schemeClr>
+            </a:solidFill>
+            <a:tailEnd type="arrow"/>
+          </a:ln>
+        </p:spPr>
+        <p:style>
+          <a:lnRef idx="1">
+            <a:schemeClr val="accent1"/>
+          </a:lnRef>
+          <a:fillRef idx="0">
+            <a:schemeClr val="accent1"/>
+          </a:fillRef>
+          <a:effectRef idx="0">
+            <a:schemeClr val="accent1"/>
+          </a:effectRef>
+          <a:fontRef idx="minor">
+            <a:schemeClr val="tx1"/>
+          </a:fontRef>
+        </p:style>
+      </p:cxnSp>
+      <p:sp>
+        <p:nvSpPr>
+          <p:cNvPr id="68" name="TextBox 67"/>
+          <p:cNvSpPr txBox="1"/>
+          <p:nvPr/>
+        </p:nvSpPr>
+        <p:spPr>
+          <a:xfrm>
+            <a:off x="3124200" y="2450068"/>
+            <a:ext cx="301686" cy="369332"/>
+          </a:xfrm>
+          <a:prstGeom prst="rect">
+            <a:avLst/>
+          </a:prstGeom>
+          <a:noFill/>
+        </p:spPr>
+        <p:txBody>
+          <a:bodyPr wrap="none" rtlCol="0">
+            <a:spAutoFit/>
+          </a:bodyPr>
+          <a:lstStyle/>
+          <a:p>
+            <a:r>
+              <a:rPr lang="en-US" dirty="0" smtClean="0"/>
+              <a:t>0</a:t>
+            </a:r>
+            <a:endParaRPr lang="en-US" dirty="0"/>
+          </a:p>
+        </p:txBody>
+      </p:sp>
+      <p:sp>
+        <p:nvSpPr>
+          <p:cNvPr id="69" name="TextBox 68"/>
+          <p:cNvSpPr txBox="1"/>
+          <p:nvPr/>
+        </p:nvSpPr>
+        <p:spPr>
+          <a:xfrm>
+            <a:off x="1447800" y="3440668"/>
+            <a:ext cx="301686" cy="369332"/>
+          </a:xfrm>
+          <a:prstGeom prst="rect">
+            <a:avLst/>
+          </a:prstGeom>
+          <a:noFill/>
+        </p:spPr>
+        <p:txBody>
+          <a:bodyPr wrap="none" rtlCol="0">
+            <a:spAutoFit/>
+          </a:bodyPr>
+          <a:lstStyle/>
+          <a:p>
+            <a:r>
+              <a:rPr lang="en-US" dirty="0"/>
+              <a:t>1</a:t>
+            </a:r>
+          </a:p>
+        </p:txBody>
+      </p:sp>
+      <p:sp>
+        <p:nvSpPr>
+          <p:cNvPr id="70" name="TextBox 69"/>
+          <p:cNvSpPr txBox="1"/>
+          <p:nvPr/>
+        </p:nvSpPr>
+        <p:spPr>
+          <a:xfrm>
+            <a:off x="2667000" y="3429000"/>
+            <a:ext cx="301686" cy="369332"/>
+          </a:xfrm>
+          <a:prstGeom prst="rect">
+            <a:avLst/>
+          </a:prstGeom>
+          <a:noFill/>
+        </p:spPr>
+        <p:txBody>
+          <a:bodyPr wrap="none" rtlCol="0">
+            <a:spAutoFit/>
+          </a:bodyPr>
+          <a:lstStyle/>
+          <a:p>
+            <a:r>
+              <a:rPr lang="en-US" dirty="0" smtClean="0"/>
+              <a:t>3</a:t>
+            </a:r>
+            <a:endParaRPr lang="en-US" dirty="0"/>
+          </a:p>
+        </p:txBody>
+      </p:sp>
+      <p:sp>
+        <p:nvSpPr>
+          <p:cNvPr id="72" name="TextBox 71"/>
+          <p:cNvSpPr txBox="1"/>
+          <p:nvPr/>
+        </p:nvSpPr>
+        <p:spPr>
+          <a:xfrm>
+            <a:off x="1982449" y="4191000"/>
+            <a:ext cx="301686" cy="369332"/>
+          </a:xfrm>
+          <a:prstGeom prst="rect">
+            <a:avLst/>
+          </a:prstGeom>
+          <a:noFill/>
+        </p:spPr>
+        <p:txBody>
+          <a:bodyPr wrap="none" rtlCol="0">
+            <a:spAutoFit/>
+          </a:bodyPr>
+          <a:lstStyle/>
+          <a:p>
+            <a:r>
+              <a:rPr lang="en-US" dirty="0"/>
+              <a:t>2</a:t>
+            </a:r>
+          </a:p>
+        </p:txBody>
+      </p:sp>
+      <p:sp>
+        <p:nvSpPr>
+          <p:cNvPr id="73" name="TextBox 72"/>
+          <p:cNvSpPr txBox="1"/>
+          <p:nvPr/>
+        </p:nvSpPr>
+        <p:spPr>
+          <a:xfrm>
+            <a:off x="3430249" y="4202668"/>
+            <a:ext cx="301686" cy="369332"/>
+          </a:xfrm>
+          <a:prstGeom prst="rect">
+            <a:avLst/>
+          </a:prstGeom>
+          <a:noFill/>
+        </p:spPr>
+        <p:txBody>
+          <a:bodyPr wrap="square" rtlCol="0">
+            <a:spAutoFit/>
+          </a:bodyPr>
+          <a:lstStyle/>
+          <a:p>
+            <a:r>
+              <a:rPr lang="en-US" dirty="0" smtClean="0"/>
+              <a:t>4</a:t>
+            </a:r>
+            <a:endParaRPr lang="en-US" dirty="0"/>
+          </a:p>
+        </p:txBody>
+      </p:sp>
+      <p:sp>
+        <p:nvSpPr>
+          <p:cNvPr id="75" name="TextBox 74"/>
+          <p:cNvSpPr txBox="1"/>
+          <p:nvPr/>
+        </p:nvSpPr>
+        <p:spPr>
+          <a:xfrm>
+            <a:off x="4267200" y="2590800"/>
+            <a:ext cx="301686" cy="369332"/>
+          </a:xfrm>
+          <a:prstGeom prst="rect">
+            <a:avLst/>
+          </a:prstGeom>
+          <a:noFill/>
+        </p:spPr>
+        <p:txBody>
+          <a:bodyPr wrap="none" rtlCol="0">
+            <a:spAutoFit/>
+          </a:bodyPr>
+          <a:lstStyle/>
+          <a:p>
+            <a:r>
+              <a:rPr lang="en-US" dirty="0" smtClean="0"/>
+              <a:t>5</a:t>
+            </a:r>
+            <a:endParaRPr lang="en-US" dirty="0"/>
+          </a:p>
+        </p:txBody>
+      </p:sp>
+      <p:sp>
+        <p:nvSpPr>
+          <p:cNvPr id="83" name="TextBox 82"/>
+          <p:cNvSpPr txBox="1"/>
+          <p:nvPr/>
+        </p:nvSpPr>
+        <p:spPr>
+          <a:xfrm>
+            <a:off x="-76200" y="5830669"/>
+            <a:ext cx="1117614" cy="646331"/>
+          </a:xfrm>
+          <a:prstGeom prst="rect">
+            <a:avLst/>
+          </a:prstGeom>
+          <a:noFill/>
+        </p:spPr>
+        <p:txBody>
+          <a:bodyPr wrap="none" rtlCol="0">
+            <a:spAutoFit/>
+          </a:bodyPr>
+          <a:lstStyle/>
+          <a:p>
+            <a:r>
+              <a:rPr lang="en-US" dirty="0" smtClean="0"/>
+              <a:t>Recursive</a:t>
+            </a:r>
+          </a:p>
+          <a:p>
+            <a:r>
+              <a:rPr lang="en-US" dirty="0" smtClean="0"/>
+              <a:t>Base Case</a:t>
+            </a:r>
+            <a:endParaRPr lang="en-US" dirty="0"/>
+          </a:p>
+        </p:txBody>
+      </p:sp>
+      <p:sp>
+        <p:nvSpPr>
+          <p:cNvPr id="85" name="TextBox 84"/>
+          <p:cNvSpPr txBox="1"/>
+          <p:nvPr/>
+        </p:nvSpPr>
+        <p:spPr>
+          <a:xfrm>
+            <a:off x="1828800" y="533400"/>
+            <a:ext cx="5434886" cy="369332"/>
+          </a:xfrm>
+          <a:prstGeom prst="rect">
+            <a:avLst/>
+          </a:prstGeom>
+          <a:noFill/>
+        </p:spPr>
+        <p:txBody>
+          <a:bodyPr wrap="none" rtlCol="0">
+            <a:spAutoFit/>
+          </a:bodyPr>
+          <a:lstStyle/>
+          <a:p>
+            <a:r>
+              <a:rPr lang="en-US" dirty="0" smtClean="0"/>
+              <a:t>Calls to Recursive </a:t>
+            </a:r>
+            <a:r>
+              <a:rPr lang="en-US" dirty="0" smtClean="0"/>
+              <a:t>Permutations for [</a:t>
+            </a:r>
+            <a:r>
+              <a:rPr lang="en-US" dirty="0" err="1" smtClean="0"/>
+              <a:t>a,b,c,d</a:t>
+            </a:r>
+            <a:r>
+              <a:rPr lang="en-US" dirty="0" smtClean="0"/>
+              <a:t>], one branch</a:t>
+            </a:r>
+            <a:endParaRPr lang="en-US" dirty="0"/>
+          </a:p>
+        </p:txBody>
+      </p:sp>
+      <p:cxnSp>
+        <p:nvCxnSpPr>
+          <p:cNvPr id="91" name="Straight Arrow Connector 90"/>
+          <p:cNvCxnSpPr>
+            <a:stCxn id="4" idx="2"/>
+            <a:endCxn id="55" idx="0"/>
+          </p:cNvCxnSpPr>
+          <p:nvPr/>
+        </p:nvCxnSpPr>
+        <p:spPr>
+          <a:xfrm>
+            <a:off x="4683650" y="1740932"/>
+            <a:ext cx="3583118" cy="1230868"/>
+          </a:xfrm>
+          <a:prstGeom prst="straightConnector1">
+            <a:avLst/>
+          </a:prstGeom>
+          <a:ln>
+            <a:solidFill>
+              <a:schemeClr val="bg1">
+                <a:lumMod val="65000"/>
+              </a:schemeClr>
+            </a:solidFill>
+            <a:tailEnd type="arrow"/>
+          </a:ln>
+        </p:spPr>
+        <p:style>
+          <a:lnRef idx="1">
+            <a:schemeClr val="accent1"/>
+          </a:lnRef>
+          <a:fillRef idx="0">
+            <a:schemeClr val="accent1"/>
+          </a:fillRef>
+          <a:effectRef idx="0">
+            <a:schemeClr val="accent1"/>
+          </a:effectRef>
+          <a:fontRef idx="minor">
+            <a:schemeClr val="tx1"/>
+          </a:fontRef>
+        </p:style>
+      </p:cxnSp>
+      <p:sp>
+        <p:nvSpPr>
+          <p:cNvPr id="98" name="TextBox 97"/>
+          <p:cNvSpPr txBox="1"/>
+          <p:nvPr/>
+        </p:nvSpPr>
+        <p:spPr>
+          <a:xfrm>
+            <a:off x="8649096" y="4202668"/>
+            <a:ext cx="418704" cy="369332"/>
+          </a:xfrm>
+          <a:prstGeom prst="rect">
+            <a:avLst/>
+          </a:prstGeom>
+          <a:noFill/>
+        </p:spPr>
+        <p:txBody>
+          <a:bodyPr wrap="none" rtlCol="0">
+            <a:spAutoFit/>
+          </a:bodyPr>
+          <a:lstStyle/>
+          <a:p>
+            <a:r>
+              <a:rPr lang="en-US" dirty="0" smtClean="0"/>
+              <a:t>14</a:t>
+            </a:r>
+            <a:endParaRPr lang="en-US" dirty="0"/>
+          </a:p>
+        </p:txBody>
+      </p:sp>
+      <p:sp>
+        <p:nvSpPr>
+          <p:cNvPr id="53" name="TextBox 52"/>
+          <p:cNvSpPr txBox="1"/>
+          <p:nvPr/>
+        </p:nvSpPr>
+        <p:spPr>
+          <a:xfrm>
+            <a:off x="4874935" y="2971800"/>
+            <a:ext cx="1144865" cy="369332"/>
+          </a:xfrm>
+          <a:prstGeom prst="rect">
+            <a:avLst/>
+          </a:prstGeom>
+          <a:noFill/>
+          <a:ln>
+            <a:solidFill>
+              <a:schemeClr val="bg1">
+                <a:lumMod val="65000"/>
+              </a:schemeClr>
+            </a:solidFill>
+          </a:ln>
+        </p:spPr>
+        <p:txBody>
+          <a:bodyPr wrap="none" rtlCol="0">
+            <a:spAutoFit/>
+          </a:bodyPr>
+          <a:lstStyle/>
+          <a:p>
+            <a:r>
+              <a:rPr lang="en-US" dirty="0" smtClean="0"/>
+              <a:t>[b], [</a:t>
+            </a:r>
+            <a:r>
+              <a:rPr lang="en-US" dirty="0" err="1" smtClean="0"/>
+              <a:t>a</a:t>
+            </a:r>
+            <a:r>
+              <a:rPr lang="en-US" dirty="0" err="1" smtClean="0"/>
+              <a:t>,c,d</a:t>
+            </a:r>
+            <a:r>
+              <a:rPr lang="en-US" dirty="0" smtClean="0"/>
+              <a:t>]</a:t>
+            </a:r>
+            <a:endParaRPr lang="en-US" dirty="0"/>
+          </a:p>
+        </p:txBody>
+      </p:sp>
+      <p:sp>
+        <p:nvSpPr>
+          <p:cNvPr id="54" name="TextBox 53"/>
+          <p:cNvSpPr txBox="1"/>
+          <p:nvPr/>
+        </p:nvSpPr>
+        <p:spPr>
+          <a:xfrm>
+            <a:off x="6172200" y="2983468"/>
+            <a:ext cx="1144865" cy="369332"/>
+          </a:xfrm>
+          <a:prstGeom prst="rect">
+            <a:avLst/>
+          </a:prstGeom>
+          <a:noFill/>
+          <a:ln>
+            <a:solidFill>
+              <a:schemeClr val="bg1">
+                <a:lumMod val="65000"/>
+              </a:schemeClr>
+            </a:solidFill>
+          </a:ln>
+        </p:spPr>
+        <p:txBody>
+          <a:bodyPr wrap="none" rtlCol="0">
+            <a:spAutoFit/>
+          </a:bodyPr>
+          <a:lstStyle/>
+          <a:p>
+            <a:r>
+              <a:rPr lang="en-US" dirty="0" smtClean="0"/>
+              <a:t>[c], [</a:t>
+            </a:r>
+            <a:r>
+              <a:rPr lang="en-US" dirty="0" err="1" smtClean="0"/>
+              <a:t>a</a:t>
+            </a:r>
+            <a:r>
+              <a:rPr lang="en-US" dirty="0" err="1" smtClean="0"/>
+              <a:t>,b,d</a:t>
+            </a:r>
+            <a:r>
+              <a:rPr lang="en-US" dirty="0" smtClean="0"/>
+              <a:t>]</a:t>
+            </a:r>
+            <a:endParaRPr lang="en-US" dirty="0"/>
+          </a:p>
+        </p:txBody>
+      </p:sp>
+      <p:sp>
+        <p:nvSpPr>
+          <p:cNvPr id="55" name="TextBox 54"/>
+          <p:cNvSpPr txBox="1"/>
+          <p:nvPr/>
+        </p:nvSpPr>
+        <p:spPr>
+          <a:xfrm>
+            <a:off x="7694335" y="2971800"/>
+            <a:ext cx="1144865" cy="369332"/>
+          </a:xfrm>
+          <a:prstGeom prst="rect">
+            <a:avLst/>
+          </a:prstGeom>
+          <a:noFill/>
+          <a:ln>
+            <a:solidFill>
+              <a:schemeClr val="bg1">
+                <a:lumMod val="65000"/>
+              </a:schemeClr>
+            </a:solidFill>
+          </a:ln>
+        </p:spPr>
+        <p:txBody>
+          <a:bodyPr wrap="none" rtlCol="0">
+            <a:spAutoFit/>
+          </a:bodyPr>
+          <a:lstStyle/>
+          <a:p>
+            <a:r>
+              <a:rPr lang="en-US" dirty="0" smtClean="0"/>
+              <a:t>[d], [</a:t>
+            </a:r>
+            <a:r>
+              <a:rPr lang="en-US" dirty="0" err="1" smtClean="0"/>
+              <a:t>a,b,c</a:t>
+            </a:r>
+            <a:r>
+              <a:rPr lang="en-US" dirty="0" smtClean="0"/>
+              <a:t>]</a:t>
+            </a:r>
+            <a:endParaRPr lang="en-US" dirty="0"/>
+          </a:p>
+        </p:txBody>
+      </p:sp>
+      <p:cxnSp>
+        <p:nvCxnSpPr>
+          <p:cNvPr id="58" name="Straight Arrow Connector 57"/>
+          <p:cNvCxnSpPr>
+            <a:stCxn id="4" idx="2"/>
+            <a:endCxn id="53" idx="0"/>
+          </p:cNvCxnSpPr>
+          <p:nvPr/>
+        </p:nvCxnSpPr>
+        <p:spPr>
+          <a:xfrm>
+            <a:off x="4683650" y="1740932"/>
+            <a:ext cx="763718" cy="1230868"/>
+          </a:xfrm>
+          <a:prstGeom prst="straightConnector1">
+            <a:avLst/>
+          </a:prstGeom>
+          <a:ln>
+            <a:solidFill>
+              <a:schemeClr val="bg1">
+                <a:lumMod val="65000"/>
+              </a:schemeClr>
+            </a:solidFill>
+            <a:tailEnd type="arrow"/>
+          </a:ln>
+        </p:spPr>
+        <p:style>
+          <a:lnRef idx="1">
+            <a:schemeClr val="accent1"/>
+          </a:lnRef>
+          <a:fillRef idx="0">
+            <a:schemeClr val="accent1"/>
+          </a:fillRef>
+          <a:effectRef idx="0">
+            <a:schemeClr val="accent1"/>
+          </a:effectRef>
+          <a:fontRef idx="minor">
+            <a:schemeClr val="tx1"/>
+          </a:fontRef>
+        </p:style>
+      </p:cxnSp>
+      <p:sp>
+        <p:nvSpPr>
+          <p:cNvPr id="71" name="TextBox 70"/>
+          <p:cNvSpPr txBox="1"/>
+          <p:nvPr/>
+        </p:nvSpPr>
+        <p:spPr>
+          <a:xfrm>
+            <a:off x="7274382" y="3810000"/>
+            <a:ext cx="1219200" cy="369332"/>
+          </a:xfrm>
+          <a:prstGeom prst="rect">
+            <a:avLst/>
+          </a:prstGeom>
+          <a:noFill/>
+          <a:ln>
+            <a:solidFill>
+              <a:schemeClr val="bg1">
+                <a:lumMod val="65000"/>
+              </a:schemeClr>
+            </a:solidFill>
+          </a:ln>
+        </p:spPr>
+        <p:txBody>
+          <a:bodyPr wrap="square" rtlCol="0">
+            <a:spAutoFit/>
+          </a:bodyPr>
+          <a:lstStyle/>
+          <a:p>
+            <a:r>
+              <a:rPr lang="en-US" dirty="0" smtClean="0"/>
+              <a:t>[</a:t>
+            </a:r>
+            <a:r>
+              <a:rPr lang="en-US" dirty="0" err="1" smtClean="0"/>
+              <a:t>a,d</a:t>
+            </a:r>
+            <a:r>
+              <a:rPr lang="en-US" dirty="0" smtClean="0"/>
+              <a:t>], </a:t>
+            </a:r>
+            <a:r>
+              <a:rPr lang="en-US" dirty="0" smtClean="0"/>
+              <a:t>[</a:t>
+            </a:r>
+            <a:r>
+              <a:rPr lang="en-US" dirty="0" err="1" smtClean="0"/>
+              <a:t>b,c</a:t>
+            </a:r>
+            <a:r>
+              <a:rPr lang="en-US" dirty="0" smtClean="0"/>
+              <a:t>]</a:t>
+            </a:r>
+            <a:endParaRPr lang="en-US" dirty="0"/>
+          </a:p>
+        </p:txBody>
+      </p:sp>
+      <p:cxnSp>
+        <p:nvCxnSpPr>
+          <p:cNvPr id="74" name="Straight Arrow Connector 73"/>
+          <p:cNvCxnSpPr>
+            <a:stCxn id="5" idx="2"/>
+            <a:endCxn id="71" idx="0"/>
+          </p:cNvCxnSpPr>
+          <p:nvPr/>
+        </p:nvCxnSpPr>
+        <p:spPr>
+          <a:xfrm>
+            <a:off x="2934633" y="3341132"/>
+            <a:ext cx="4949349" cy="468868"/>
+          </a:xfrm>
+          <a:prstGeom prst="straightConnector1">
+            <a:avLst/>
+          </a:prstGeom>
+          <a:ln>
+            <a:solidFill>
+              <a:srgbClr val="00B050"/>
+            </a:solidFill>
+            <a:tailEnd type="arrow"/>
+          </a:ln>
+        </p:spPr>
+        <p:style>
+          <a:lnRef idx="1">
+            <a:schemeClr val="accent1"/>
+          </a:lnRef>
+          <a:fillRef idx="0">
+            <a:schemeClr val="accent1"/>
+          </a:fillRef>
+          <a:effectRef idx="0">
+            <a:schemeClr val="accent1"/>
+          </a:effectRef>
+          <a:fontRef idx="minor">
+            <a:schemeClr val="tx1"/>
+          </a:fontRef>
+        </p:style>
+      </p:cxnSp>
+      <p:sp>
+        <p:nvSpPr>
+          <p:cNvPr id="82" name="TextBox 81"/>
+          <p:cNvSpPr txBox="1"/>
+          <p:nvPr/>
+        </p:nvSpPr>
+        <p:spPr>
+          <a:xfrm>
+            <a:off x="1064935" y="4648200"/>
+            <a:ext cx="1144865" cy="369332"/>
+          </a:xfrm>
+          <a:prstGeom prst="rect">
+            <a:avLst/>
+          </a:prstGeom>
+          <a:noFill/>
+          <a:ln>
+            <a:solidFill>
+              <a:schemeClr val="bg1">
+                <a:lumMod val="65000"/>
+              </a:schemeClr>
+            </a:solidFill>
+          </a:ln>
+        </p:spPr>
+        <p:txBody>
+          <a:bodyPr wrap="none" rtlCol="0">
+            <a:spAutoFit/>
+          </a:bodyPr>
+          <a:lstStyle/>
+          <a:p>
+            <a:r>
+              <a:rPr lang="en-US" dirty="0" smtClean="0"/>
+              <a:t>[</a:t>
+            </a:r>
+            <a:r>
+              <a:rPr lang="en-US" dirty="0" err="1" smtClean="0"/>
+              <a:t>a,b,c</a:t>
+            </a:r>
+            <a:r>
+              <a:rPr lang="en-US" dirty="0" smtClean="0"/>
+              <a:t>], [d]</a:t>
+            </a:r>
+            <a:endParaRPr lang="en-US" dirty="0"/>
+          </a:p>
+        </p:txBody>
+      </p:sp>
+      <p:sp>
+        <p:nvSpPr>
+          <p:cNvPr id="84" name="TextBox 83"/>
+          <p:cNvSpPr txBox="1"/>
+          <p:nvPr/>
+        </p:nvSpPr>
+        <p:spPr>
+          <a:xfrm>
+            <a:off x="2360335" y="4659868"/>
+            <a:ext cx="1144865" cy="369332"/>
+          </a:xfrm>
+          <a:prstGeom prst="rect">
+            <a:avLst/>
+          </a:prstGeom>
+          <a:noFill/>
+          <a:ln>
+            <a:solidFill>
+              <a:schemeClr val="bg1">
+                <a:lumMod val="65000"/>
+              </a:schemeClr>
+            </a:solidFill>
+          </a:ln>
+        </p:spPr>
+        <p:txBody>
+          <a:bodyPr wrap="none" rtlCol="0">
+            <a:spAutoFit/>
+          </a:bodyPr>
+          <a:lstStyle/>
+          <a:p>
+            <a:r>
+              <a:rPr lang="en-US" dirty="0" smtClean="0"/>
+              <a:t>[</a:t>
+            </a:r>
+            <a:r>
+              <a:rPr lang="en-US" dirty="0" err="1" smtClean="0"/>
+              <a:t>a,b,d</a:t>
+            </a:r>
+            <a:r>
+              <a:rPr lang="en-US" dirty="0" smtClean="0"/>
+              <a:t>], </a:t>
+            </a:r>
+            <a:r>
+              <a:rPr lang="en-US" dirty="0" smtClean="0"/>
+              <a:t>[</a:t>
+            </a:r>
+            <a:r>
+              <a:rPr lang="en-US" dirty="0" smtClean="0"/>
+              <a:t>c]</a:t>
+            </a:r>
+            <a:endParaRPr lang="en-US" dirty="0"/>
+          </a:p>
+        </p:txBody>
+      </p:sp>
+      <p:sp>
+        <p:nvSpPr>
+          <p:cNvPr id="101" name="TextBox 100"/>
+          <p:cNvSpPr txBox="1"/>
+          <p:nvPr/>
+        </p:nvSpPr>
+        <p:spPr>
+          <a:xfrm>
+            <a:off x="3655735" y="4648200"/>
+            <a:ext cx="1144865" cy="369332"/>
+          </a:xfrm>
+          <a:prstGeom prst="rect">
+            <a:avLst/>
+          </a:prstGeom>
+          <a:noFill/>
+          <a:ln>
+            <a:solidFill>
+              <a:schemeClr val="bg1">
+                <a:lumMod val="65000"/>
+              </a:schemeClr>
+            </a:solidFill>
+          </a:ln>
+        </p:spPr>
+        <p:txBody>
+          <a:bodyPr wrap="none" rtlCol="0">
+            <a:spAutoFit/>
+          </a:bodyPr>
+          <a:lstStyle/>
+          <a:p>
+            <a:r>
+              <a:rPr lang="en-US" dirty="0" smtClean="0"/>
+              <a:t>[</a:t>
+            </a:r>
+            <a:r>
+              <a:rPr lang="en-US" dirty="0" err="1" smtClean="0"/>
+              <a:t>a,c,b</a:t>
+            </a:r>
+            <a:r>
+              <a:rPr lang="en-US" dirty="0" smtClean="0"/>
+              <a:t>], [d]</a:t>
+            </a:r>
+            <a:endParaRPr lang="en-US" dirty="0"/>
+          </a:p>
+        </p:txBody>
+      </p:sp>
+      <p:sp>
+        <p:nvSpPr>
+          <p:cNvPr id="102" name="TextBox 101"/>
+          <p:cNvSpPr txBox="1"/>
+          <p:nvPr/>
+        </p:nvSpPr>
+        <p:spPr>
+          <a:xfrm>
+            <a:off x="4951135" y="4659868"/>
+            <a:ext cx="1144865" cy="369332"/>
+          </a:xfrm>
+          <a:prstGeom prst="rect">
+            <a:avLst/>
+          </a:prstGeom>
+          <a:noFill/>
+          <a:ln>
+            <a:solidFill>
+              <a:schemeClr val="bg1">
+                <a:lumMod val="65000"/>
+              </a:schemeClr>
+            </a:solidFill>
+          </a:ln>
+        </p:spPr>
+        <p:txBody>
+          <a:bodyPr wrap="none" rtlCol="0">
+            <a:spAutoFit/>
+          </a:bodyPr>
+          <a:lstStyle/>
+          <a:p>
+            <a:r>
+              <a:rPr lang="en-US" dirty="0" smtClean="0"/>
+              <a:t>[</a:t>
+            </a:r>
+            <a:r>
+              <a:rPr lang="en-US" dirty="0" err="1" smtClean="0"/>
+              <a:t>a,c,d</a:t>
+            </a:r>
+            <a:r>
+              <a:rPr lang="en-US" dirty="0" smtClean="0"/>
+              <a:t>], [</a:t>
+            </a:r>
+            <a:r>
+              <a:rPr lang="en-US" dirty="0" smtClean="0"/>
+              <a:t>b</a:t>
+            </a:r>
+            <a:r>
+              <a:rPr lang="en-US" dirty="0" smtClean="0"/>
+              <a:t>]</a:t>
+            </a:r>
+            <a:endParaRPr lang="en-US" dirty="0"/>
+          </a:p>
+        </p:txBody>
+      </p:sp>
+      <p:cxnSp>
+        <p:nvCxnSpPr>
+          <p:cNvPr id="106" name="Straight Arrow Connector 105"/>
+          <p:cNvCxnSpPr>
+            <a:stCxn id="9" idx="2"/>
+            <a:endCxn id="101" idx="0"/>
+          </p:cNvCxnSpPr>
+          <p:nvPr/>
+        </p:nvCxnSpPr>
+        <p:spPr>
+          <a:xfrm flipH="1">
+            <a:off x="4228168" y="4179332"/>
+            <a:ext cx="684867" cy="468868"/>
+          </a:xfrm>
+          <a:prstGeom prst="straightConnector1">
+            <a:avLst/>
+          </a:prstGeom>
+          <a:ln>
+            <a:solidFill>
+              <a:srgbClr val="00B050"/>
+            </a:solidFill>
+            <a:tailEnd type="arrow"/>
+          </a:ln>
+        </p:spPr>
+        <p:style>
+          <a:lnRef idx="1">
+            <a:schemeClr val="accent1"/>
+          </a:lnRef>
+          <a:fillRef idx="0">
+            <a:schemeClr val="accent1"/>
+          </a:fillRef>
+          <a:effectRef idx="0">
+            <a:schemeClr val="accent1"/>
+          </a:effectRef>
+          <a:fontRef idx="minor">
+            <a:schemeClr val="tx1"/>
+          </a:fontRef>
+        </p:style>
+      </p:cxnSp>
+      <p:cxnSp>
+        <p:nvCxnSpPr>
+          <p:cNvPr id="109" name="Straight Arrow Connector 108"/>
+          <p:cNvCxnSpPr>
+            <a:stCxn id="9" idx="2"/>
+            <a:endCxn id="102" idx="0"/>
+          </p:cNvCxnSpPr>
+          <p:nvPr/>
+        </p:nvCxnSpPr>
+        <p:spPr>
+          <a:xfrm>
+            <a:off x="4913035" y="4179332"/>
+            <a:ext cx="610533" cy="480536"/>
+          </a:xfrm>
+          <a:prstGeom prst="straightConnector1">
+            <a:avLst/>
+          </a:prstGeom>
+          <a:ln>
+            <a:solidFill>
+              <a:srgbClr val="00B050"/>
+            </a:solidFill>
+            <a:tailEnd type="arrow"/>
+          </a:ln>
+        </p:spPr>
+        <p:style>
+          <a:lnRef idx="1">
+            <a:schemeClr val="accent1"/>
+          </a:lnRef>
+          <a:fillRef idx="0">
+            <a:schemeClr val="accent1"/>
+          </a:fillRef>
+          <a:effectRef idx="0">
+            <a:schemeClr val="accent1"/>
+          </a:effectRef>
+          <a:fontRef idx="minor">
+            <a:schemeClr val="tx1"/>
+          </a:fontRef>
+        </p:style>
+      </p:cxnSp>
+      <p:sp>
+        <p:nvSpPr>
+          <p:cNvPr id="112" name="TextBox 111"/>
+          <p:cNvSpPr txBox="1"/>
+          <p:nvPr/>
+        </p:nvSpPr>
+        <p:spPr>
+          <a:xfrm>
+            <a:off x="6283782" y="4648200"/>
+            <a:ext cx="1144865" cy="369332"/>
+          </a:xfrm>
+          <a:prstGeom prst="rect">
+            <a:avLst/>
+          </a:prstGeom>
+          <a:noFill/>
+          <a:ln>
+            <a:solidFill>
+              <a:schemeClr val="bg1">
+                <a:lumMod val="65000"/>
+              </a:schemeClr>
+            </a:solidFill>
+          </a:ln>
+        </p:spPr>
+        <p:txBody>
+          <a:bodyPr wrap="none" rtlCol="0">
+            <a:spAutoFit/>
+          </a:bodyPr>
+          <a:lstStyle/>
+          <a:p>
+            <a:r>
+              <a:rPr lang="en-US" dirty="0" smtClean="0"/>
+              <a:t>[</a:t>
+            </a:r>
+            <a:r>
+              <a:rPr lang="en-US" dirty="0" err="1" smtClean="0"/>
+              <a:t>a,d,b</a:t>
+            </a:r>
+            <a:r>
+              <a:rPr lang="en-US" dirty="0" smtClean="0"/>
+              <a:t>], [c]</a:t>
+            </a:r>
+            <a:endParaRPr lang="en-US" dirty="0"/>
+          </a:p>
+        </p:txBody>
+      </p:sp>
+      <p:sp>
+        <p:nvSpPr>
+          <p:cNvPr id="113" name="TextBox 112"/>
+          <p:cNvSpPr txBox="1"/>
+          <p:nvPr/>
+        </p:nvSpPr>
+        <p:spPr>
+          <a:xfrm>
+            <a:off x="7807782" y="4648200"/>
+            <a:ext cx="1144865" cy="369332"/>
+          </a:xfrm>
+          <a:prstGeom prst="rect">
+            <a:avLst/>
+          </a:prstGeom>
+          <a:noFill/>
+          <a:ln>
+            <a:solidFill>
+              <a:schemeClr val="bg1">
+                <a:lumMod val="65000"/>
+              </a:schemeClr>
+            </a:solidFill>
+          </a:ln>
+        </p:spPr>
+        <p:txBody>
+          <a:bodyPr wrap="none" rtlCol="0">
+            <a:spAutoFit/>
+          </a:bodyPr>
+          <a:lstStyle/>
+          <a:p>
+            <a:r>
+              <a:rPr lang="en-US" dirty="0" smtClean="0"/>
+              <a:t>[</a:t>
+            </a:r>
+            <a:r>
+              <a:rPr lang="en-US" dirty="0" err="1" smtClean="0"/>
+              <a:t>a,d,c</a:t>
+            </a:r>
+            <a:r>
+              <a:rPr lang="en-US" dirty="0" smtClean="0"/>
+              <a:t>], [</a:t>
+            </a:r>
+            <a:r>
+              <a:rPr lang="en-US" dirty="0" smtClean="0"/>
+              <a:t>b</a:t>
+            </a:r>
+            <a:r>
+              <a:rPr lang="en-US" dirty="0" smtClean="0"/>
+              <a:t>]</a:t>
+            </a:r>
+            <a:endParaRPr lang="en-US" dirty="0"/>
+          </a:p>
+        </p:txBody>
+      </p:sp>
+      <p:cxnSp>
+        <p:nvCxnSpPr>
+          <p:cNvPr id="114" name="Straight Arrow Connector 113"/>
+          <p:cNvCxnSpPr>
+            <a:stCxn id="71" idx="2"/>
+            <a:endCxn id="113" idx="0"/>
+          </p:cNvCxnSpPr>
+          <p:nvPr/>
+        </p:nvCxnSpPr>
+        <p:spPr>
+          <a:xfrm>
+            <a:off x="7883982" y="4179332"/>
+            <a:ext cx="496233" cy="468868"/>
+          </a:xfrm>
+          <a:prstGeom prst="straightConnector1">
+            <a:avLst/>
+          </a:prstGeom>
+          <a:ln>
+            <a:solidFill>
+              <a:srgbClr val="00B050"/>
+            </a:solidFill>
+            <a:tailEnd type="arrow"/>
+          </a:ln>
+        </p:spPr>
+        <p:style>
+          <a:lnRef idx="1">
+            <a:schemeClr val="accent1"/>
+          </a:lnRef>
+          <a:fillRef idx="0">
+            <a:schemeClr val="accent1"/>
+          </a:fillRef>
+          <a:effectRef idx="0">
+            <a:schemeClr val="accent1"/>
+          </a:effectRef>
+          <a:fontRef idx="minor">
+            <a:schemeClr val="tx1"/>
+          </a:fontRef>
+        </p:style>
+      </p:cxnSp>
+      <p:cxnSp>
+        <p:nvCxnSpPr>
+          <p:cNvPr id="117" name="Straight Arrow Connector 116"/>
+          <p:cNvCxnSpPr>
+            <a:stCxn id="71" idx="2"/>
+            <a:endCxn id="112" idx="0"/>
+          </p:cNvCxnSpPr>
+          <p:nvPr/>
+        </p:nvCxnSpPr>
+        <p:spPr>
+          <a:xfrm flipH="1">
+            <a:off x="6856215" y="4179332"/>
+            <a:ext cx="1027767" cy="468868"/>
+          </a:xfrm>
+          <a:prstGeom prst="straightConnector1">
+            <a:avLst/>
+          </a:prstGeom>
+          <a:ln>
+            <a:solidFill>
+              <a:srgbClr val="00B050"/>
+            </a:solidFill>
+            <a:tailEnd type="arrow"/>
+          </a:ln>
+        </p:spPr>
+        <p:style>
+          <a:lnRef idx="1">
+            <a:schemeClr val="accent1"/>
+          </a:lnRef>
+          <a:fillRef idx="0">
+            <a:schemeClr val="accent1"/>
+          </a:fillRef>
+          <a:effectRef idx="0">
+            <a:schemeClr val="accent1"/>
+          </a:effectRef>
+          <a:fontRef idx="minor">
+            <a:schemeClr val="tx1"/>
+          </a:fontRef>
+        </p:style>
+      </p:cxnSp>
+      <p:cxnSp>
+        <p:nvCxnSpPr>
+          <p:cNvPr id="120" name="Straight Arrow Connector 119"/>
+          <p:cNvCxnSpPr>
+            <a:stCxn id="82" idx="2"/>
+            <a:endCxn id="7" idx="0"/>
+          </p:cNvCxnSpPr>
+          <p:nvPr/>
+        </p:nvCxnSpPr>
+        <p:spPr>
+          <a:xfrm flipH="1">
+            <a:off x="1618336" y="5017532"/>
+            <a:ext cx="19032" cy="937736"/>
+          </a:xfrm>
+          <a:prstGeom prst="straightConnector1">
+            <a:avLst/>
+          </a:prstGeom>
+          <a:ln>
+            <a:solidFill>
+              <a:srgbClr val="00B050"/>
+            </a:solidFill>
+            <a:tailEnd type="arrow"/>
+          </a:ln>
+        </p:spPr>
+        <p:style>
+          <a:lnRef idx="1">
+            <a:schemeClr val="accent1"/>
+          </a:lnRef>
+          <a:fillRef idx="0">
+            <a:schemeClr val="accent1"/>
+          </a:fillRef>
+          <a:effectRef idx="0">
+            <a:schemeClr val="accent1"/>
+          </a:effectRef>
+          <a:fontRef idx="minor">
+            <a:schemeClr val="tx1"/>
+          </a:fontRef>
+        </p:style>
+      </p:cxnSp>
+      <p:cxnSp>
+        <p:nvCxnSpPr>
+          <p:cNvPr id="129" name="Straight Arrow Connector 128"/>
+          <p:cNvCxnSpPr>
+            <a:stCxn id="84" idx="2"/>
+            <a:endCxn id="10" idx="0"/>
+          </p:cNvCxnSpPr>
+          <p:nvPr/>
+        </p:nvCxnSpPr>
+        <p:spPr>
+          <a:xfrm>
+            <a:off x="2932768" y="5029200"/>
+            <a:ext cx="93351" cy="926068"/>
+          </a:xfrm>
+          <a:prstGeom prst="straightConnector1">
+            <a:avLst/>
+          </a:prstGeom>
+          <a:ln>
+            <a:solidFill>
+              <a:srgbClr val="00B050"/>
+            </a:solidFill>
+            <a:tailEnd type="arrow"/>
+          </a:ln>
+        </p:spPr>
+        <p:style>
+          <a:lnRef idx="1">
+            <a:schemeClr val="accent1"/>
+          </a:lnRef>
+          <a:fillRef idx="0">
+            <a:schemeClr val="accent1"/>
+          </a:fillRef>
+          <a:effectRef idx="0">
+            <a:schemeClr val="accent1"/>
+          </a:effectRef>
+          <a:fontRef idx="minor">
+            <a:schemeClr val="tx1"/>
+          </a:fontRef>
+        </p:style>
+      </p:cxnSp>
+      <p:sp>
+        <p:nvSpPr>
+          <p:cNvPr id="132" name="TextBox 131"/>
+          <p:cNvSpPr txBox="1"/>
+          <p:nvPr/>
+        </p:nvSpPr>
+        <p:spPr>
+          <a:xfrm>
+            <a:off x="3810000" y="5943600"/>
+            <a:ext cx="1327837" cy="369332"/>
+          </a:xfrm>
+          <a:prstGeom prst="rect">
+            <a:avLst/>
+          </a:prstGeom>
+          <a:noFill/>
+          <a:ln w="31750">
+            <a:solidFill>
+              <a:srgbClr val="00B050"/>
+            </a:solidFill>
+          </a:ln>
+        </p:spPr>
+        <p:txBody>
+          <a:bodyPr wrap="square" rtlCol="0">
+            <a:spAutoFit/>
+          </a:bodyPr>
+          <a:lstStyle/>
+          <a:p>
+            <a:r>
+              <a:rPr lang="en-US" dirty="0" smtClean="0"/>
+              <a:t>[</a:t>
+            </a:r>
+            <a:r>
+              <a:rPr lang="en-US" dirty="0" err="1" smtClean="0"/>
+              <a:t>a,c,b,d</a:t>
+            </a:r>
+            <a:r>
+              <a:rPr lang="en-US" dirty="0" smtClean="0"/>
+              <a:t>], </a:t>
+            </a:r>
+            <a:r>
+              <a:rPr lang="en-US" dirty="0" smtClean="0"/>
+              <a:t>[]</a:t>
+            </a:r>
+            <a:endParaRPr lang="en-US" dirty="0"/>
+          </a:p>
+        </p:txBody>
+      </p:sp>
+      <p:sp>
+        <p:nvSpPr>
+          <p:cNvPr id="133" name="TextBox 132"/>
+          <p:cNvSpPr txBox="1"/>
+          <p:nvPr/>
+        </p:nvSpPr>
+        <p:spPr>
+          <a:xfrm>
+            <a:off x="5257800" y="5943600"/>
+            <a:ext cx="1327837" cy="369332"/>
+          </a:xfrm>
+          <a:prstGeom prst="rect">
+            <a:avLst/>
+          </a:prstGeom>
+          <a:noFill/>
+          <a:ln w="31750">
+            <a:solidFill>
+              <a:srgbClr val="00B050"/>
+            </a:solidFill>
+          </a:ln>
+        </p:spPr>
+        <p:txBody>
+          <a:bodyPr wrap="square" rtlCol="0">
+            <a:spAutoFit/>
+          </a:bodyPr>
+          <a:lstStyle/>
+          <a:p>
+            <a:r>
+              <a:rPr lang="en-US" dirty="0" smtClean="0"/>
+              <a:t>[</a:t>
+            </a:r>
+            <a:r>
+              <a:rPr lang="en-US" dirty="0" err="1" smtClean="0"/>
+              <a:t>a,c,d,b</a:t>
+            </a:r>
+            <a:r>
+              <a:rPr lang="en-US" dirty="0" smtClean="0"/>
+              <a:t>], </a:t>
+            </a:r>
+            <a:r>
+              <a:rPr lang="en-US" dirty="0" smtClean="0"/>
+              <a:t>[]</a:t>
+            </a:r>
+            <a:endParaRPr lang="en-US" dirty="0"/>
+          </a:p>
+        </p:txBody>
+      </p:sp>
+      <p:cxnSp>
+        <p:nvCxnSpPr>
+          <p:cNvPr id="134" name="Straight Arrow Connector 133"/>
+          <p:cNvCxnSpPr>
+            <a:stCxn id="101" idx="2"/>
+            <a:endCxn id="132" idx="0"/>
+          </p:cNvCxnSpPr>
+          <p:nvPr/>
+        </p:nvCxnSpPr>
+        <p:spPr>
+          <a:xfrm>
+            <a:off x="4228168" y="5017532"/>
+            <a:ext cx="245751" cy="926068"/>
+          </a:xfrm>
+          <a:prstGeom prst="straightConnector1">
+            <a:avLst/>
+          </a:prstGeom>
+          <a:ln>
+            <a:solidFill>
+              <a:srgbClr val="00B050"/>
+            </a:solidFill>
+            <a:tailEnd type="arrow"/>
+          </a:ln>
+        </p:spPr>
+        <p:style>
+          <a:lnRef idx="1">
+            <a:schemeClr val="accent1"/>
+          </a:lnRef>
+          <a:fillRef idx="0">
+            <a:schemeClr val="accent1"/>
+          </a:fillRef>
+          <a:effectRef idx="0">
+            <a:schemeClr val="accent1"/>
+          </a:effectRef>
+          <a:fontRef idx="minor">
+            <a:schemeClr val="tx1"/>
+          </a:fontRef>
+        </p:style>
+      </p:cxnSp>
+      <p:cxnSp>
+        <p:nvCxnSpPr>
+          <p:cNvPr id="137" name="Straight Arrow Connector 136"/>
+          <p:cNvCxnSpPr>
+            <a:stCxn id="102" idx="2"/>
+            <a:endCxn id="133" idx="0"/>
+          </p:cNvCxnSpPr>
+          <p:nvPr/>
+        </p:nvCxnSpPr>
+        <p:spPr>
+          <a:xfrm>
+            <a:off x="5523568" y="5029200"/>
+            <a:ext cx="398151" cy="914400"/>
+          </a:xfrm>
+          <a:prstGeom prst="straightConnector1">
+            <a:avLst/>
+          </a:prstGeom>
+          <a:ln>
+            <a:solidFill>
+              <a:srgbClr val="00B050"/>
+            </a:solidFill>
+            <a:tailEnd type="arrow"/>
+          </a:ln>
+        </p:spPr>
+        <p:style>
+          <a:lnRef idx="1">
+            <a:schemeClr val="accent1"/>
+          </a:lnRef>
+          <a:fillRef idx="0">
+            <a:schemeClr val="accent1"/>
+          </a:fillRef>
+          <a:effectRef idx="0">
+            <a:schemeClr val="accent1"/>
+          </a:effectRef>
+          <a:fontRef idx="minor">
+            <a:schemeClr val="tx1"/>
+          </a:fontRef>
+        </p:style>
+      </p:cxnSp>
     </p:spTree>
   </p:cSld>
   <p:clrMapOvr>
@@ -8633,11 +10136,7 @@
           <a:p>
             <a:r>
               <a:rPr lang="en-US" dirty="0" smtClean="0"/>
-              <a:t>Recursive </a:t>
-            </a:r>
-            <a:r>
-              <a:rPr lang="en-US" dirty="0" err="1" smtClean="0"/>
-              <a:t>backtrackcing</a:t>
+              <a:t>Exhaustive recursion is ‘exhaustive’</a:t>
             </a:r>
             <a:endParaRPr lang="en-US" dirty="0"/>
           </a:p>
@@ -8656,6 +10155,345 @@
         <p:spPr/>
         <p:txBody>
           <a:bodyPr>
+            <a:normAutofit/>
+          </a:bodyPr>
+          <a:lstStyle/>
+          <a:p>
+            <a:pPr>
+              <a:buNone/>
+            </a:pPr>
+            <a:r>
+              <a:rPr lang="en-US" sz="1800" dirty="0" err="1" smtClean="0"/>
+              <a:t>var</a:t>
+            </a:r>
+            <a:r>
+              <a:rPr lang="en-US" sz="1800" dirty="0" smtClean="0"/>
+              <a:t> </a:t>
+            </a:r>
+            <a:r>
+              <a:rPr lang="en-US" sz="1800" dirty="0" err="1" smtClean="0"/>
+              <a:t>recPerms</a:t>
+            </a:r>
+            <a:r>
+              <a:rPr lang="en-US" sz="1800" dirty="0" smtClean="0"/>
+              <a:t> = function(</a:t>
+            </a:r>
+            <a:r>
+              <a:rPr lang="en-US" sz="1800" dirty="0" err="1" smtClean="0"/>
+              <a:t>sofar</a:t>
+            </a:r>
+            <a:r>
+              <a:rPr lang="en-US" sz="1800" dirty="0" smtClean="0"/>
+              <a:t>, rest){ </a:t>
+            </a:r>
+          </a:p>
+          <a:p>
+            <a:pPr>
+              <a:buNone/>
+            </a:pPr>
+            <a:r>
+              <a:rPr lang="en-US" sz="1800" dirty="0" smtClean="0"/>
+              <a:t>  if( </a:t>
+            </a:r>
+            <a:r>
+              <a:rPr lang="en-US" sz="1800" dirty="0" err="1" smtClean="0"/>
+              <a:t>rest.length</a:t>
+            </a:r>
+            <a:r>
+              <a:rPr lang="en-US" sz="1800" dirty="0" smtClean="0"/>
+              <a:t> === 0) { </a:t>
+            </a:r>
+          </a:p>
+          <a:p>
+            <a:pPr>
+              <a:buNone/>
+            </a:pPr>
+            <a:r>
+              <a:rPr lang="en-US" sz="1800" dirty="0" smtClean="0"/>
+              <a:t>    console.log(‘base case reached:’, </a:t>
+            </a:r>
+            <a:r>
+              <a:rPr lang="en-US" sz="1800" dirty="0" err="1" smtClean="0"/>
+              <a:t>sofar</a:t>
+            </a:r>
+            <a:r>
+              <a:rPr lang="en-US" sz="1800" dirty="0" smtClean="0"/>
+              <a:t>);</a:t>
+            </a:r>
+          </a:p>
+          <a:p>
+            <a:pPr>
+              <a:buNone/>
+            </a:pPr>
+            <a:r>
+              <a:rPr lang="en-US" sz="1800" dirty="0" smtClean="0"/>
+              <a:t>  } else { </a:t>
+            </a:r>
+          </a:p>
+          <a:p>
+            <a:pPr>
+              <a:buNone/>
+            </a:pPr>
+            <a:r>
+              <a:rPr lang="en-US" sz="1800" dirty="0" smtClean="0"/>
+              <a:t>    for( </a:t>
+            </a:r>
+            <a:r>
+              <a:rPr lang="en-US" sz="1800" dirty="0" err="1" smtClean="0"/>
+              <a:t>var</a:t>
+            </a:r>
+            <a:r>
+              <a:rPr lang="en-US" sz="1800" dirty="0" smtClean="0"/>
+              <a:t> </a:t>
+            </a:r>
+            <a:r>
+              <a:rPr lang="en-US" sz="1800" dirty="0" err="1" smtClean="0"/>
+              <a:t>i</a:t>
+            </a:r>
+            <a:r>
+              <a:rPr lang="en-US" sz="1800" dirty="0" smtClean="0"/>
+              <a:t> = 0; </a:t>
+            </a:r>
+            <a:r>
+              <a:rPr lang="en-US" sz="1800" dirty="0" err="1" smtClean="0"/>
+              <a:t>i</a:t>
+            </a:r>
+            <a:r>
+              <a:rPr lang="en-US" sz="1800" dirty="0" smtClean="0"/>
+              <a:t> &lt; </a:t>
+            </a:r>
+            <a:r>
+              <a:rPr lang="en-US" sz="1800" dirty="0" err="1" smtClean="0"/>
+              <a:t>rest.length</a:t>
+            </a:r>
+            <a:r>
+              <a:rPr lang="en-US" sz="1800" dirty="0" smtClean="0"/>
+              <a:t>; </a:t>
+            </a:r>
+            <a:r>
+              <a:rPr lang="en-US" sz="1800" dirty="0" err="1" smtClean="0"/>
+              <a:t>i</a:t>
+            </a:r>
+            <a:r>
+              <a:rPr lang="en-US" sz="1800" dirty="0" smtClean="0"/>
+              <a:t>++ ){ </a:t>
+            </a:r>
+          </a:p>
+          <a:p>
+            <a:pPr>
+              <a:buNone/>
+            </a:pPr>
+            <a:r>
+              <a:rPr lang="en-US" sz="1800" dirty="0" smtClean="0"/>
+              <a:t>      </a:t>
+            </a:r>
+            <a:r>
+              <a:rPr lang="en-US" sz="1800" dirty="0" err="1" smtClean="0"/>
+              <a:t>var</a:t>
+            </a:r>
+            <a:r>
+              <a:rPr lang="en-US" sz="1800" dirty="0" smtClean="0"/>
+              <a:t> remaining = </a:t>
+            </a:r>
+            <a:r>
+              <a:rPr lang="en-US" sz="1800" dirty="0" err="1" smtClean="0"/>
+              <a:t>rest.slice</a:t>
+            </a:r>
+            <a:r>
+              <a:rPr lang="en-US" sz="1800" dirty="0" smtClean="0"/>
+              <a:t>(); </a:t>
+            </a:r>
+          </a:p>
+          <a:p>
+            <a:pPr>
+              <a:buNone/>
+            </a:pPr>
+            <a:r>
+              <a:rPr lang="en-US" sz="1800" dirty="0" smtClean="0"/>
+              <a:t>      </a:t>
+            </a:r>
+            <a:r>
+              <a:rPr lang="en-US" sz="1800" dirty="0" err="1" smtClean="0"/>
+              <a:t>remaining.splice</a:t>
+            </a:r>
+            <a:r>
+              <a:rPr lang="en-US" sz="1800" dirty="0" smtClean="0"/>
+              <a:t>(</a:t>
+            </a:r>
+            <a:r>
+              <a:rPr lang="en-US" sz="1800" dirty="0" err="1" smtClean="0"/>
+              <a:t>i</a:t>
+            </a:r>
+            <a:r>
+              <a:rPr lang="en-US" sz="1800" dirty="0" smtClean="0"/>
+              <a:t>, 1); </a:t>
+            </a:r>
+          </a:p>
+          <a:p>
+            <a:pPr>
+              <a:buNone/>
+            </a:pPr>
+            <a:r>
+              <a:rPr lang="en-US" sz="1800" dirty="0" smtClean="0"/>
+              <a:t>      </a:t>
+            </a:r>
+            <a:r>
+              <a:rPr lang="en-US" sz="1800" dirty="0" err="1" smtClean="0"/>
+              <a:t>var</a:t>
+            </a:r>
+            <a:r>
+              <a:rPr lang="en-US" sz="1800" dirty="0" smtClean="0"/>
+              <a:t> next = </a:t>
+            </a:r>
+            <a:r>
+              <a:rPr lang="en-US" sz="1800" dirty="0" err="1" smtClean="0"/>
+              <a:t>sofar.slice</a:t>
+            </a:r>
+            <a:r>
+              <a:rPr lang="en-US" sz="1800" dirty="0" smtClean="0"/>
+              <a:t>(); </a:t>
+            </a:r>
+          </a:p>
+          <a:p>
+            <a:pPr>
+              <a:buNone/>
+            </a:pPr>
+            <a:r>
+              <a:rPr lang="en-US" sz="1800" dirty="0" smtClean="0"/>
+              <a:t>      </a:t>
+            </a:r>
+            <a:r>
+              <a:rPr lang="en-US" sz="1800" dirty="0" err="1" smtClean="0"/>
+              <a:t>next.push</a:t>
+            </a:r>
+            <a:r>
+              <a:rPr lang="en-US" sz="1800" dirty="0" smtClean="0"/>
+              <a:t>(rest[</a:t>
+            </a:r>
+            <a:r>
+              <a:rPr lang="en-US" sz="1800" dirty="0" err="1" smtClean="0"/>
+              <a:t>i</a:t>
+            </a:r>
+            <a:r>
+              <a:rPr lang="en-US" sz="1800" dirty="0" smtClean="0"/>
+              <a:t>]); </a:t>
+            </a:r>
+          </a:p>
+          <a:p>
+            <a:pPr>
+              <a:buNone/>
+            </a:pPr>
+            <a:r>
+              <a:rPr lang="en-US" sz="1800" dirty="0" smtClean="0"/>
+              <a:t>      </a:t>
+            </a:r>
+            <a:r>
+              <a:rPr lang="en-US" sz="1800" dirty="0" err="1" smtClean="0"/>
+              <a:t>recPerms</a:t>
+            </a:r>
+            <a:r>
+              <a:rPr lang="en-US" sz="1800" dirty="0" smtClean="0"/>
+              <a:t>(next, remaining);</a:t>
+            </a:r>
+          </a:p>
+          <a:p>
+            <a:pPr>
+              <a:buNone/>
+            </a:pPr>
+            <a:r>
+              <a:rPr lang="en-US" sz="1800" dirty="0" smtClean="0"/>
+              <a:t>    }</a:t>
+            </a:r>
+          </a:p>
+          <a:p>
+            <a:pPr>
+              <a:buNone/>
+            </a:pPr>
+            <a:r>
+              <a:rPr lang="en-US" sz="1800" dirty="0" smtClean="0"/>
+              <a:t>  }</a:t>
+            </a:r>
+          </a:p>
+          <a:p>
+            <a:pPr>
+              <a:buNone/>
+            </a:pPr>
+            <a:r>
+              <a:rPr lang="en-US" sz="1800" dirty="0" smtClean="0"/>
+              <a:t>}</a:t>
+            </a:r>
+          </a:p>
+        </p:txBody>
+      </p:sp>
+    </p:spTree>
+  </p:cSld>
+  <p:clrMapOvr>
+    <a:masterClrMapping/>
+  </p:clrMapOvr>
+</p:sld>
+</file>
+
+<file path=ppt/slides/slide6.xml><?xml version="1.0" encoding="utf-8"?>
+<p:sld xmlns:a="http://schemas.openxmlformats.org/drawingml/2006/main" xmlns:r="http://schemas.openxmlformats.org/officeDocument/2006/relationships" xmlns:p="http://schemas.openxmlformats.org/presentationml/2006/main">
+  <p:cSld>
+    <p:spTree>
+      <p:nvGrpSpPr>
+        <p:cNvPr id="1" name=""/>
+        <p:cNvGrpSpPr/>
+        <p:nvPr/>
+      </p:nvGrpSpPr>
+      <p:grpSpPr>
+        <a:xfrm>
+          <a:off x="0" y="0"/>
+          <a:ext cx="0" cy="0"/>
+          <a:chOff x="0" y="0"/>
+          <a:chExt cx="0" cy="0"/>
+        </a:xfrm>
+      </p:grpSpPr>
+      <p:sp>
+        <p:nvSpPr>
+          <p:cNvPr id="2" name="Title 1"/>
+          <p:cNvSpPr>
+            <a:spLocks noGrp="1"/>
+          </p:cNvSpPr>
+          <p:nvPr>
+            <p:ph type="title"/>
+          </p:nvPr>
+        </p:nvSpPr>
+        <p:spPr/>
+        <p:txBody>
+          <a:bodyPr/>
+          <a:lstStyle/>
+          <a:p>
+            <a:r>
+              <a:rPr lang="en-US" dirty="0" smtClean="0"/>
+              <a:t>Recursive </a:t>
+            </a:r>
+            <a:r>
+              <a:rPr lang="en-US" dirty="0" smtClean="0"/>
+              <a:t>back-</a:t>
+            </a:r>
+            <a:r>
+              <a:rPr lang="en-US" dirty="0" err="1" smtClean="0"/>
+              <a:t>trackcing</a:t>
+            </a:r>
+            <a:endParaRPr lang="en-US" dirty="0"/>
+          </a:p>
+        </p:txBody>
+      </p:sp>
+      <p:sp>
+        <p:nvSpPr>
+          <p:cNvPr id="3" name="Content Placeholder 2"/>
+          <p:cNvSpPr>
+            <a:spLocks noGrp="1"/>
+          </p:cNvSpPr>
+          <p:nvPr>
+            <p:ph idx="1"/>
+          </p:nvPr>
+        </p:nvSpPr>
+        <p:spPr/>
+        <p:txBody>
+          <a:bodyPr>
             <a:normAutofit fontScale="92500" lnSpcReduction="10000"/>
           </a:bodyPr>
           <a:lstStyle/>
@@ -8745,19 +10583,15 @@
             </a:pPr>
             <a:r>
               <a:rPr lang="en-US" sz="1400" dirty="0" smtClean="0"/>
-              <a:t> </a:t>
+              <a:t>  if( </a:t>
+            </a:r>
+            <a:r>
+              <a:rPr lang="en-US" sz="1400" dirty="0" err="1" smtClean="0"/>
+              <a:t>rest.length</a:t>
             </a:r>
             <a:r>
               <a:rPr lang="en-US" sz="1400" dirty="0" smtClean="0"/>
-              <a:t> if( dictionary[</a:t>
-            </a:r>
-            <a:r>
-              <a:rPr lang="en-US" sz="1400" dirty="0" err="1" smtClean="0"/>
-              <a:t>sofar</a:t>
-            </a:r>
-            <a:r>
-              <a:rPr lang="en-US" sz="1400" dirty="0" smtClean="0"/>
-              <a:t>]){ </a:t>
+              <a:t> === 0 ) {</a:t>
             </a:r>
           </a:p>
           <a:p>
@@ -8770,8 +10604,21 @@
             </a:r>
             <a:r>
               <a:rPr lang="en-US" sz="1400" dirty="0" smtClean="0"/>
-              <a:t>   return true; </a:t>
-            </a:r>
+              <a:t>   return </a:t>
+            </a:r>
+            <a:r>
+              <a:rPr lang="en-US" sz="1400" dirty="0" smtClean="0"/>
+              <a:t>dictionary[</a:t>
+            </a:r>
+            <a:r>
+              <a:rPr lang="en-US" sz="1400" dirty="0" err="1" smtClean="0"/>
+              <a:t>sofar</a:t>
+            </a:r>
+            <a:r>
+              <a:rPr lang="en-US" sz="1400" dirty="0" smtClean="0"/>
+              <a:t>]);</a:t>
+            </a:r>
+            <a:endParaRPr lang="en-US" sz="1400" dirty="0" smtClean="0"/>
           </a:p>
           <a:p>
             <a:pPr>
@@ -8779,11 +10626,7 @@
             </a:pPr>
             <a:r>
               <a:rPr lang="en-US" sz="1400" dirty="0" smtClean="0"/>
-              <a:t> </a:t>
-            </a:r>
-            <a:r>
-              <a:rPr lang="en-US" sz="1400" dirty="0" smtClean="0"/>
-              <a:t> } else { </a:t>
+              <a:t>  } else { </a:t>
             </a:r>
           </a:p>
           <a:p>
@@ -8792,11 +10635,7 @@
             </a:pPr>
             <a:r>
               <a:rPr lang="en-US" sz="1400" dirty="0" smtClean="0"/>
-              <a:t> </a:t>
-            </a:r>
-            <a:r>
-              <a:rPr lang="en-US" sz="1400" dirty="0" smtClean="0"/>
-              <a:t>   for( </a:t>
+              <a:t>    for( </a:t>
             </a:r>
             <a:r>
               <a:rPr lang="en-US" sz="1400" dirty="0" err="1" smtClean="0"/>
@@ -8845,11 +10684,7 @@
             </a:pPr>
             <a:r>
               <a:rPr lang="en-US" sz="1400" dirty="0" smtClean="0"/>
-              <a:t> </a:t>
-            </a:r>
-            <a:r>
-              <a:rPr lang="en-US" sz="1400" dirty="0" smtClean="0"/>
-              <a:t>     </a:t>
+              <a:t>      </a:t>
             </a:r>
             <a:r>
               <a:rPr lang="en-US" sz="1400" dirty="0" err="1" smtClean="0"/>
@@ -8882,11 +10717,7 @@
             </a:pPr>
             <a:r>
               <a:rPr lang="en-US" sz="1400" dirty="0" smtClean="0"/>
-              <a:t> </a:t>
-            </a:r>
-            <a:r>
-              <a:rPr lang="en-US" sz="1400" dirty="0" smtClean="0"/>
-              <a:t>     </a:t>
+              <a:t>      </a:t>
             </a:r>
             <a:r>
               <a:rPr lang="en-US" sz="1400" dirty="0" err="1" smtClean="0"/>
@@ -8927,11 +10758,7 @@
             </a:pPr>
             <a:r>
               <a:rPr lang="en-US" sz="1400" dirty="0" smtClean="0"/>
-              <a:t> </a:t>
-            </a:r>
-            <a:r>
-              <a:rPr lang="en-US" sz="1400" dirty="0" smtClean="0"/>
-              <a:t>     if( </a:t>
+              <a:t>      if( </a:t>
             </a:r>
             <a:r>
               <a:rPr lang="en-US" sz="1400" dirty="0" err="1" smtClean="0"/>
@@ -8948,13 +10775,8 @@
             </a:pPr>
             <a:r>
               <a:rPr lang="en-US" sz="1400" dirty="0" smtClean="0"/>
-              <a:t> </a:t>
-            </a:r>
-            <a:r>
-              <a:rPr lang="en-US" sz="1400" dirty="0" smtClean="0"/>
-              <a:t>       return true; </a:t>
-            </a:r>
-            <a:endParaRPr lang="en-US" sz="1400" dirty="0" smtClean="0"/>
+              <a:t>        return true; </a:t>
+            </a:r>
           </a:p>
           <a:p>
             <a:pPr>
@@ -8971,11 +10793,7 @@
             </a:pPr>
             <a:r>
               <a:rPr lang="en-US" sz="1400" dirty="0" smtClean="0"/>
-              <a:t> </a:t>
-            </a:r>
-            <a:r>
-              <a:rPr lang="en-US" sz="1400" dirty="0" smtClean="0"/>
-              <a:t>   }</a:t>
+              <a:t>    }</a:t>
             </a:r>
           </a:p>
           <a:p>
@@ -8984,11 +10802,7 @@
             </a:pPr>
             <a:r>
               <a:rPr lang="en-US" sz="1400" dirty="0" smtClean="0"/>
-              <a:t> </a:t>
-            </a:r>
-            <a:r>
-              <a:rPr lang="en-US" sz="1400" dirty="0" smtClean="0"/>
-              <a:t> }</a:t>
+              <a:t>  }</a:t>
             </a:r>
           </a:p>
           <a:p>
@@ -9014,6 +10828,170 @@
               <a:buNone/>
             </a:pPr>
             <a:endParaRPr lang="en-US" sz="1600" dirty="0" smtClean="0"/>
+          </a:p>
+        </p:txBody>
+      </p:sp>
+    </p:spTree>
+  </p:cSld>
+  <p:clrMapOvr>
+    <a:masterClrMapping/>
+  </p:clrMapOvr>
+</p:sld>
+</file>
+
+<file path=ppt/slides/slide7.xml><?xml version="1.0" encoding="utf-8"?>
+<p:sld xmlns:a="http://schemas.openxmlformats.org/drawingml/2006/main" xmlns:r="http://schemas.openxmlformats.org/officeDocument/2006/relationships" xmlns:p="http://schemas.openxmlformats.org/presentationml/2006/main">
+  <p:cSld>
+    <p:spTree>
+      <p:nvGrpSpPr>
+        <p:cNvPr id="1" name=""/>
+        <p:cNvGrpSpPr/>
+        <p:nvPr/>
+      </p:nvGrpSpPr>
+      <p:grpSpPr>
+        <a:xfrm>
+          <a:off x="0" y="0"/>
+          <a:ext cx="0" cy="0"/>
+          <a:chOff x="0" y="0"/>
+          <a:chExt cx="0" cy="0"/>
+        </a:xfrm>
+      </p:grpSpPr>
+      <p:sp>
+        <p:nvSpPr>
+          <p:cNvPr id="2" name="Title 1"/>
+          <p:cNvSpPr>
+            <a:spLocks noGrp="1"/>
+          </p:cNvSpPr>
+          <p:nvPr>
+            <p:ph type="title"/>
+          </p:nvPr>
+        </p:nvSpPr>
+        <p:spPr/>
+        <p:txBody>
+          <a:bodyPr/>
+          <a:lstStyle/>
+          <a:p>
+            <a:r>
+              <a:rPr lang="en-US" dirty="0" smtClean="0"/>
+              <a:t>Further Resources</a:t>
+            </a:r>
+            <a:endParaRPr lang="en-US" dirty="0"/>
+          </a:p>
+        </p:txBody>
+      </p:sp>
+      <p:sp>
+        <p:nvSpPr>
+          <p:cNvPr id="3" name="Content Placeholder 2"/>
+          <p:cNvSpPr>
+            <a:spLocks noGrp="1"/>
+          </p:cNvSpPr>
+          <p:nvPr>
+            <p:ph idx="1"/>
+          </p:nvPr>
+        </p:nvSpPr>
+        <p:spPr/>
+        <p:txBody>
+          <a:bodyPr>
+            <a:normAutofit/>
+          </a:bodyPr>
+          <a:lstStyle/>
+          <a:p>
+            <a:r>
+              <a:rPr lang="en-US" sz="2400" dirty="0" smtClean="0"/>
+              <a:t>Covered well by Stanford Engineering Everywhere Programming Abstractions, lectures 8-10 on </a:t>
+            </a:r>
+            <a:r>
+              <a:rPr lang="en-US" sz="2400" dirty="0" err="1" smtClean="0"/>
+              <a:t>youtube</a:t>
+            </a:r>
+            <a:endParaRPr lang="en-US" sz="2400" dirty="0" smtClean="0"/>
+          </a:p>
+          <a:p>
+            <a:pPr>
+              <a:buNone/>
+            </a:pPr>
+            <a:r>
+              <a:rPr lang="en-US" sz="2400" dirty="0" smtClean="0"/>
+              <a:t>Recursive subsets</a:t>
+            </a:r>
+          </a:p>
+          <a:p>
+            <a:pPr>
+              <a:buNone/>
+            </a:pPr>
+            <a:r>
+              <a:rPr lang="en-US" sz="2400" dirty="0" smtClean="0">
+                <a:hlinkClick r:id="rId2"/>
+              </a:rPr>
+              <a:t>https://</a:t>
+            </a:r>
+            <a:r>
+              <a:rPr lang="en-US" sz="2400" dirty="0" smtClean="0">
+                <a:hlinkClick r:id="rId2"/>
+              </a:rPr>
+              <a:t>www.youtube.com/watch?v=NdF1QDTRkck#t=12m19s</a:t>
+            </a:r>
+            <a:endParaRPr lang="en-US" sz="2400" dirty="0" smtClean="0"/>
+          </a:p>
+          <a:p>
+            <a:pPr>
+              <a:buNone/>
+            </a:pPr>
+            <a:r>
+              <a:rPr lang="en-US" sz="2400" dirty="0" smtClean="0"/>
+              <a:t>Recursive permutations: </a:t>
+            </a:r>
+          </a:p>
+          <a:p>
+            <a:pPr>
+              <a:buNone/>
+            </a:pPr>
+            <a:r>
+              <a:rPr lang="en-US" sz="2400" dirty="0" smtClean="0">
+                <a:hlinkClick r:id="rId3"/>
+              </a:rPr>
+              <a:t>https://</a:t>
+            </a:r>
+            <a:r>
+              <a:rPr lang="en-US" sz="2400" dirty="0" smtClean="0">
+                <a:hlinkClick r:id="rId3"/>
+              </a:rPr>
+              <a:t>www.youtube.com/watch?v=uFJhEPrbycQ#t=37m00s</a:t>
+            </a:r>
+            <a:endParaRPr lang="en-US" sz="2400" dirty="0" smtClean="0"/>
+          </a:p>
+          <a:p>
+            <a:pPr>
+              <a:buNone/>
+            </a:pPr>
+            <a:r>
+              <a:rPr lang="en-US" sz="2400" dirty="0" smtClean="0"/>
+              <a:t>Recursive back-tracking: </a:t>
+            </a:r>
+          </a:p>
+          <a:p>
+            <a:pPr>
+              <a:buNone/>
+            </a:pPr>
+            <a:r>
+              <a:rPr lang="en-US" sz="2400" dirty="0" smtClean="0">
+                <a:hlinkClick r:id="rId2"/>
+              </a:rPr>
+              <a:t>https://</a:t>
+            </a:r>
+            <a:r>
+              <a:rPr lang="en-US" sz="2400" dirty="0" smtClean="0">
+                <a:hlinkClick r:id="rId2"/>
+              </a:rPr>
+              <a:t>www.youtube.com/watch?v=NdF1QDTRkck#t=25m00s</a:t>
+            </a:r>
+            <a:endParaRPr lang="en-US" sz="2400" dirty="0" smtClean="0"/>
+          </a:p>
+          <a:p>
+            <a:pPr>
+              <a:buNone/>
+            </a:pPr>
+            <a:endParaRPr lang="en-US" sz="2400" dirty="0" smtClean="0"/>
           </a:p>
         </p:txBody>
       </p:sp>

--- a/recursivePatterns.pptx
+++ b/recursivePatterns.pptx
@@ -5,13 +5,14 @@
     <p:sldMasterId id="2147483648" r:id="rId1"/>
   </p:sldMasterIdLst>
   <p:sldIdLst>
-    <p:sldId id="256" r:id="rId2"/>
-    <p:sldId id="257" r:id="rId3"/>
-    <p:sldId id="262" r:id="rId4"/>
-    <p:sldId id="258" r:id="rId5"/>
-    <p:sldId id="259" r:id="rId6"/>
-    <p:sldId id="260" r:id="rId7"/>
-    <p:sldId id="261" r:id="rId8"/>
+    <p:sldId id="263" r:id="rId2"/>
+    <p:sldId id="256" r:id="rId3"/>
+    <p:sldId id="257" r:id="rId4"/>
+    <p:sldId id="262" r:id="rId5"/>
+    <p:sldId id="258" r:id="rId6"/>
+    <p:sldId id="259" r:id="rId7"/>
+    <p:sldId id="260" r:id="rId8"/>
+    <p:sldId id="261" r:id="rId9"/>
   </p:sldIdLst>
   <p:sldSz cx="9144000" cy="6858000" type="screen4x3"/>
   <p:notesSz cx="6858000" cy="9144000"/>
@@ -295,7 +296,7 @@
             <a:fld id="{8BA07F4D-B7D6-4DAF-A44F-7F2488E5B170}" type="datetimeFigureOut">
               <a:rPr lang="en-US" smtClean="0"/>
               <a:pPr/>
-              <a:t>6/15/2014</a:t>
+              <a:t>6/16/2014</a:t>
             </a:fld>
             <a:endParaRPr lang="en-US"/>
           </a:p>
@@ -462,7 +463,7 @@
             <a:fld id="{8BA07F4D-B7D6-4DAF-A44F-7F2488E5B170}" type="datetimeFigureOut">
               <a:rPr lang="en-US" smtClean="0"/>
               <a:pPr/>
-              <a:t>6/15/2014</a:t>
+              <a:t>6/16/2014</a:t>
             </a:fld>
             <a:endParaRPr lang="en-US"/>
           </a:p>
@@ -639,7 +640,7 @@
             <a:fld id="{8BA07F4D-B7D6-4DAF-A44F-7F2488E5B170}" type="datetimeFigureOut">
               <a:rPr lang="en-US" smtClean="0"/>
               <a:pPr/>
-              <a:t>6/15/2014</a:t>
+              <a:t>6/16/2014</a:t>
             </a:fld>
             <a:endParaRPr lang="en-US"/>
           </a:p>
@@ -806,7 +807,7 @@
             <a:fld id="{8BA07F4D-B7D6-4DAF-A44F-7F2488E5B170}" type="datetimeFigureOut">
               <a:rPr lang="en-US" smtClean="0"/>
               <a:pPr/>
-              <a:t>6/15/2014</a:t>
+              <a:t>6/16/2014</a:t>
             </a:fld>
             <a:endParaRPr lang="en-US"/>
           </a:p>
@@ -1049,7 +1050,7 @@
             <a:fld id="{8BA07F4D-B7D6-4DAF-A44F-7F2488E5B170}" type="datetimeFigureOut">
               <a:rPr lang="en-US" smtClean="0"/>
               <a:pPr/>
-              <a:t>6/15/2014</a:t>
+              <a:t>6/16/2014</a:t>
             </a:fld>
             <a:endParaRPr lang="en-US"/>
           </a:p>
@@ -1334,7 +1335,7 @@
             <a:fld id="{8BA07F4D-B7D6-4DAF-A44F-7F2488E5B170}" type="datetimeFigureOut">
               <a:rPr lang="en-US" smtClean="0"/>
               <a:pPr/>
-              <a:t>6/15/2014</a:t>
+              <a:t>6/16/2014</a:t>
             </a:fld>
             <a:endParaRPr lang="en-US"/>
           </a:p>
@@ -1753,7 +1754,7 @@
             <a:fld id="{8BA07F4D-B7D6-4DAF-A44F-7F2488E5B170}" type="datetimeFigureOut">
               <a:rPr lang="en-US" smtClean="0"/>
               <a:pPr/>
-              <a:t>6/15/2014</a:t>
+              <a:t>6/16/2014</a:t>
             </a:fld>
             <a:endParaRPr lang="en-US"/>
           </a:p>
@@ -1868,7 +1869,7 @@
             <a:fld id="{8BA07F4D-B7D6-4DAF-A44F-7F2488E5B170}" type="datetimeFigureOut">
               <a:rPr lang="en-US" smtClean="0"/>
               <a:pPr/>
-              <a:t>6/15/2014</a:t>
+              <a:t>6/16/2014</a:t>
             </a:fld>
             <a:endParaRPr lang="en-US"/>
           </a:p>
@@ -1960,7 +1961,7 @@
             <a:fld id="{8BA07F4D-B7D6-4DAF-A44F-7F2488E5B170}" type="datetimeFigureOut">
               <a:rPr lang="en-US" smtClean="0"/>
               <a:pPr/>
-              <a:t>6/15/2014</a:t>
+              <a:t>6/16/2014</a:t>
             </a:fld>
             <a:endParaRPr lang="en-US"/>
           </a:p>
@@ -2234,7 +2235,7 @@
             <a:fld id="{8BA07F4D-B7D6-4DAF-A44F-7F2488E5B170}" type="datetimeFigureOut">
               <a:rPr lang="en-US" smtClean="0"/>
               <a:pPr/>
-              <a:t>6/15/2014</a:t>
+              <a:t>6/16/2014</a:t>
             </a:fld>
             <a:endParaRPr lang="en-US"/>
           </a:p>
@@ -2484,7 +2485,7 @@
             <a:fld id="{8BA07F4D-B7D6-4DAF-A44F-7F2488E5B170}" type="datetimeFigureOut">
               <a:rPr lang="en-US" smtClean="0"/>
               <a:pPr/>
-              <a:t>6/15/2014</a:t>
+              <a:t>6/16/2014</a:t>
             </a:fld>
             <a:endParaRPr lang="en-US"/>
           </a:p>
@@ -2694,7 +2695,7 @@
             <a:fld id="{8BA07F4D-B7D6-4DAF-A44F-7F2488E5B170}" type="datetimeFigureOut">
               <a:rPr lang="en-US" smtClean="0"/>
               <a:pPr/>
-              <a:t>6/15/2014</a:t>
+              <a:t>6/16/2014</a:t>
             </a:fld>
             <a:endParaRPr lang="en-US"/>
           </a:p>
@@ -3049,6 +3050,94 @@
 </file>
 
 <file path=ppt/slides/slide1.xml><?xml version="1.0" encoding="utf-8"?>
+<p:sld xmlns:a="http://schemas.openxmlformats.org/drawingml/2006/main" xmlns:r="http://schemas.openxmlformats.org/officeDocument/2006/relationships" xmlns:p="http://schemas.openxmlformats.org/presentationml/2006/main">
+  <p:cSld>
+    <p:spTree>
+      <p:nvGrpSpPr>
+        <p:cNvPr id="1" name=""/>
+        <p:cNvGrpSpPr/>
+        <p:nvPr/>
+      </p:nvGrpSpPr>
+      <p:grpSpPr>
+        <a:xfrm>
+          <a:off x="0" y="0"/>
+          <a:ext cx="0" cy="0"/>
+          <a:chOff x="0" y="0"/>
+          <a:chExt cx="0" cy="0"/>
+        </a:xfrm>
+      </p:grpSpPr>
+      <p:sp>
+        <p:nvSpPr>
+          <p:cNvPr id="2" name="Title 1"/>
+          <p:cNvSpPr>
+            <a:spLocks noGrp="1"/>
+          </p:cNvSpPr>
+          <p:nvPr>
+            <p:ph type="title"/>
+          </p:nvPr>
+        </p:nvSpPr>
+        <p:spPr/>
+        <p:txBody>
+          <a:bodyPr/>
+          <a:lstStyle/>
+          <a:p>
+            <a:r>
+              <a:rPr lang="en-US" dirty="0" smtClean="0"/>
+              <a:t>Recursive Patterns</a:t>
+            </a:r>
+            <a:endParaRPr lang="en-US" dirty="0"/>
+          </a:p>
+        </p:txBody>
+      </p:sp>
+      <p:sp>
+        <p:nvSpPr>
+          <p:cNvPr id="3" name="Content Placeholder 2"/>
+          <p:cNvSpPr>
+            <a:spLocks noGrp="1"/>
+          </p:cNvSpPr>
+          <p:nvPr>
+            <p:ph idx="1"/>
+          </p:nvPr>
+        </p:nvSpPr>
+        <p:spPr/>
+        <p:txBody>
+          <a:bodyPr/>
+          <a:lstStyle/>
+          <a:p>
+            <a:pPr>
+              <a:buNone/>
+            </a:pPr>
+            <a:r>
+              <a:rPr lang="en-US" dirty="0" smtClean="0"/>
+              <a:t>All </a:t>
+            </a:r>
+            <a:r>
+              <a:rPr lang="en-US" smtClean="0"/>
+              <a:t>materials available at</a:t>
+            </a:r>
+            <a:endParaRPr lang="en-US" dirty="0" smtClean="0"/>
+          </a:p>
+          <a:p>
+            <a:pPr>
+              <a:buNone/>
+            </a:pPr>
+            <a:r>
+              <a:rPr lang="en-US" dirty="0" smtClean="0"/>
+              <a:t>https://github.com/azavadil/az_recursion.git</a:t>
+            </a:r>
+            <a:endParaRPr lang="en-US" dirty="0"/>
+          </a:p>
+        </p:txBody>
+      </p:sp>
+    </p:spTree>
+  </p:cSld>
+  <p:clrMapOvr>
+    <a:masterClrMapping/>
+  </p:clrMapOvr>
+</p:sld>
+</file>
+
+<file path=ppt/slides/slide2.xml><?xml version="1.0" encoding="utf-8"?>
 <p:sld xmlns:a="http://schemas.openxmlformats.org/drawingml/2006/main" xmlns:r="http://schemas.openxmlformats.org/officeDocument/2006/relationships" xmlns:p="http://schemas.openxmlformats.org/presentationml/2006/main">
   <p:cSld>
     <p:spTree>
@@ -4729,7 +4818,7 @@
 </p:sld>
 </file>
 
-<file path=ppt/slides/slide2.xml><?xml version="1.0" encoding="utf-8"?>
+<file path=ppt/slides/slide3.xml><?xml version="1.0" encoding="utf-8"?>
 <p:sld xmlns:a="http://schemas.openxmlformats.org/drawingml/2006/main" xmlns:r="http://schemas.openxmlformats.org/officeDocument/2006/relationships" xmlns:p="http://schemas.openxmlformats.org/presentationml/2006/main">
   <p:cSld>
     <p:spTree>
@@ -6374,1877 +6463,6 @@
 </p:sld>
 </file>
 
-<file path=ppt/slides/slide3.xml><?xml version="1.0" encoding="utf-8"?>
-<p:sld xmlns:a="http://schemas.openxmlformats.org/drawingml/2006/main" xmlns:r="http://schemas.openxmlformats.org/officeDocument/2006/relationships" xmlns:p="http://schemas.openxmlformats.org/presentationml/2006/main">
-  <p:cSld>
-    <p:spTree>
-      <p:nvGrpSpPr>
-        <p:cNvPr id="1" name=""/>
-        <p:cNvGrpSpPr/>
-        <p:nvPr/>
-      </p:nvGrpSpPr>
-      <p:grpSpPr>
-        <a:xfrm>
-          <a:off x="0" y="0"/>
-          <a:ext cx="0" cy="0"/>
-          <a:chOff x="0" y="0"/>
-          <a:chExt cx="0" cy="0"/>
-        </a:xfrm>
-      </p:grpSpPr>
-      <p:sp>
-        <p:nvSpPr>
-          <p:cNvPr id="4" name="TextBox 3"/>
-          <p:cNvSpPr txBox="1"/>
-          <p:nvPr/>
-        </p:nvSpPr>
-        <p:spPr>
-          <a:xfrm>
-            <a:off x="4082363" y="2133600"/>
-            <a:ext cx="1023037" cy="369332"/>
-          </a:xfrm>
-          <a:prstGeom prst="rect">
-            <a:avLst/>
-          </a:prstGeom>
-          <a:noFill/>
-          <a:ln>
-            <a:solidFill>
-              <a:schemeClr val="bg1">
-                <a:lumMod val="65000"/>
-              </a:schemeClr>
-            </a:solidFill>
-          </a:ln>
-        </p:spPr>
-        <p:txBody>
-          <a:bodyPr wrap="none" rtlCol="0">
-            <a:spAutoFit/>
-          </a:bodyPr>
-          <a:lstStyle/>
-          <a:p>
-            <a:r>
-              <a:rPr lang="en-US" dirty="0" smtClean="0"/>
-              <a:t>[], [</a:t>
-            </a:r>
-            <a:r>
-              <a:rPr lang="en-US" dirty="0" err="1" smtClean="0"/>
-              <a:t>a,b,c</a:t>
-            </a:r>
-            <a:r>
-              <a:rPr lang="en-US" dirty="0" smtClean="0"/>
-              <a:t>]</a:t>
-            </a:r>
-            <a:endParaRPr lang="en-US" dirty="0"/>
-          </a:p>
-        </p:txBody>
-      </p:sp>
-      <p:sp>
-        <p:nvSpPr>
-          <p:cNvPr id="5" name="TextBox 4"/>
-          <p:cNvSpPr txBox="1"/>
-          <p:nvPr/>
-        </p:nvSpPr>
-        <p:spPr>
-          <a:xfrm>
-            <a:off x="1777871" y="2971800"/>
-            <a:ext cx="965329" cy="369332"/>
-          </a:xfrm>
-          <a:prstGeom prst="rect">
-            <a:avLst/>
-          </a:prstGeom>
-          <a:noFill/>
-          <a:ln>
-            <a:solidFill>
-              <a:schemeClr val="bg1">
-                <a:lumMod val="65000"/>
-              </a:schemeClr>
-            </a:solidFill>
-          </a:ln>
-        </p:spPr>
-        <p:txBody>
-          <a:bodyPr wrap="none" rtlCol="0">
-            <a:spAutoFit/>
-          </a:bodyPr>
-          <a:lstStyle/>
-          <a:p>
-            <a:r>
-              <a:rPr lang="en-US" dirty="0" smtClean="0"/>
-              <a:t>[a], [</a:t>
-            </a:r>
-            <a:r>
-              <a:rPr lang="en-US" dirty="0" err="1" smtClean="0"/>
-              <a:t>b,c</a:t>
-            </a:r>
-            <a:r>
-              <a:rPr lang="en-US" dirty="0" smtClean="0"/>
-              <a:t>]</a:t>
-            </a:r>
-            <a:endParaRPr lang="en-US" dirty="0"/>
-          </a:p>
-        </p:txBody>
-      </p:sp>
-      <p:sp>
-        <p:nvSpPr>
-          <p:cNvPr id="6" name="TextBox 5"/>
-          <p:cNvSpPr txBox="1"/>
-          <p:nvPr/>
-        </p:nvSpPr>
-        <p:spPr>
-          <a:xfrm>
-            <a:off x="1219200" y="3810000"/>
-            <a:ext cx="965329" cy="369332"/>
-          </a:xfrm>
-          <a:prstGeom prst="rect">
-            <a:avLst/>
-          </a:prstGeom>
-          <a:noFill/>
-          <a:ln>
-            <a:solidFill>
-              <a:schemeClr val="bg1">
-                <a:lumMod val="65000"/>
-              </a:schemeClr>
-            </a:solidFill>
-          </a:ln>
-        </p:spPr>
-        <p:txBody>
-          <a:bodyPr wrap="none" rtlCol="0">
-            <a:spAutoFit/>
-          </a:bodyPr>
-          <a:lstStyle/>
-          <a:p>
-            <a:r>
-              <a:rPr lang="en-US" dirty="0" smtClean="0"/>
-              <a:t>[</a:t>
-            </a:r>
-            <a:r>
-              <a:rPr lang="en-US" dirty="0" err="1" smtClean="0"/>
-              <a:t>a,b</a:t>
-            </a:r>
-            <a:r>
-              <a:rPr lang="en-US" dirty="0" smtClean="0"/>
-              <a:t>], [c]</a:t>
-            </a:r>
-            <a:endParaRPr lang="en-US" dirty="0"/>
-          </a:p>
-        </p:txBody>
-      </p:sp>
-      <p:sp>
-        <p:nvSpPr>
-          <p:cNvPr id="7" name="TextBox 6"/>
-          <p:cNvSpPr txBox="1"/>
-          <p:nvPr/>
-        </p:nvSpPr>
-        <p:spPr>
-          <a:xfrm>
-            <a:off x="1095368" y="4572000"/>
-            <a:ext cx="1075936" cy="369332"/>
-          </a:xfrm>
-          <a:prstGeom prst="rect">
-            <a:avLst/>
-          </a:prstGeom>
-          <a:noFill/>
-          <a:ln w="31750">
-            <a:solidFill>
-              <a:srgbClr val="00B050"/>
-            </a:solidFill>
-          </a:ln>
-        </p:spPr>
-        <p:txBody>
-          <a:bodyPr wrap="none" rtlCol="0">
-            <a:spAutoFit/>
-          </a:bodyPr>
-          <a:lstStyle/>
-          <a:p>
-            <a:r>
-              <a:rPr lang="en-US" dirty="0" smtClean="0"/>
-              <a:t>[</a:t>
-            </a:r>
-            <a:r>
-              <a:rPr lang="en-US" dirty="0" err="1" smtClean="0"/>
-              <a:t>a,b,c</a:t>
-            </a:r>
-            <a:r>
-              <a:rPr lang="en-US" dirty="0" smtClean="0"/>
-              <a:t>], [] </a:t>
-            </a:r>
-          </a:p>
-        </p:txBody>
-      </p:sp>
-      <p:sp>
-        <p:nvSpPr>
-          <p:cNvPr id="9" name="TextBox 8"/>
-          <p:cNvSpPr txBox="1"/>
-          <p:nvPr/>
-        </p:nvSpPr>
-        <p:spPr>
-          <a:xfrm>
-            <a:off x="2286000" y="3810000"/>
-            <a:ext cx="965329" cy="369332"/>
-          </a:xfrm>
-          <a:prstGeom prst="rect">
-            <a:avLst/>
-          </a:prstGeom>
-          <a:noFill/>
-          <a:ln>
-            <a:solidFill>
-              <a:schemeClr val="bg1">
-                <a:lumMod val="65000"/>
-              </a:schemeClr>
-            </a:solidFill>
-          </a:ln>
-        </p:spPr>
-        <p:txBody>
-          <a:bodyPr wrap="square" rtlCol="0">
-            <a:spAutoFit/>
-          </a:bodyPr>
-          <a:lstStyle/>
-          <a:p>
-            <a:r>
-              <a:rPr lang="en-US" dirty="0" smtClean="0"/>
-              <a:t>[</a:t>
-            </a:r>
-            <a:r>
-              <a:rPr lang="en-US" dirty="0" err="1" smtClean="0"/>
-              <a:t>a,c</a:t>
-            </a:r>
-            <a:r>
-              <a:rPr lang="en-US" dirty="0" smtClean="0"/>
-              <a:t>], [b]</a:t>
-            </a:r>
-            <a:endParaRPr lang="en-US" dirty="0"/>
-          </a:p>
-        </p:txBody>
-      </p:sp>
-      <p:sp>
-        <p:nvSpPr>
-          <p:cNvPr id="10" name="TextBox 9"/>
-          <p:cNvSpPr txBox="1"/>
-          <p:nvPr/>
-        </p:nvSpPr>
-        <p:spPr>
-          <a:xfrm>
-            <a:off x="2286000" y="4572000"/>
-            <a:ext cx="1023037" cy="369332"/>
-          </a:xfrm>
-          <a:prstGeom prst="rect">
-            <a:avLst/>
-          </a:prstGeom>
-          <a:noFill/>
-          <a:ln w="31750">
-            <a:solidFill>
-              <a:srgbClr val="00B050"/>
-            </a:solidFill>
-          </a:ln>
-        </p:spPr>
-        <p:txBody>
-          <a:bodyPr wrap="square" rtlCol="0">
-            <a:spAutoFit/>
-          </a:bodyPr>
-          <a:lstStyle/>
-          <a:p>
-            <a:r>
-              <a:rPr lang="en-US" dirty="0" smtClean="0"/>
-              <a:t>[</a:t>
-            </a:r>
-            <a:r>
-              <a:rPr lang="en-US" dirty="0" err="1" smtClean="0"/>
-              <a:t>a,c,b</a:t>
-            </a:r>
-            <a:r>
-              <a:rPr lang="en-US" dirty="0" smtClean="0"/>
-              <a:t>], []</a:t>
-            </a:r>
-            <a:endParaRPr lang="en-US" dirty="0"/>
-          </a:p>
-        </p:txBody>
-      </p:sp>
-      <p:sp>
-        <p:nvSpPr>
-          <p:cNvPr id="12" name="TextBox 11"/>
-          <p:cNvSpPr txBox="1"/>
-          <p:nvPr/>
-        </p:nvSpPr>
-        <p:spPr>
-          <a:xfrm>
-            <a:off x="4114800" y="2971800"/>
-            <a:ext cx="965329" cy="369332"/>
-          </a:xfrm>
-          <a:prstGeom prst="rect">
-            <a:avLst/>
-          </a:prstGeom>
-          <a:noFill/>
-          <a:ln>
-            <a:solidFill>
-              <a:schemeClr val="bg1">
-                <a:lumMod val="65000"/>
-              </a:schemeClr>
-            </a:solidFill>
-          </a:ln>
-        </p:spPr>
-        <p:txBody>
-          <a:bodyPr wrap="none" rtlCol="0">
-            <a:spAutoFit/>
-          </a:bodyPr>
-          <a:lstStyle/>
-          <a:p>
-            <a:r>
-              <a:rPr lang="en-US" dirty="0" smtClean="0"/>
-              <a:t>[b], [</a:t>
-            </a:r>
-            <a:r>
-              <a:rPr lang="en-US" dirty="0" err="1" smtClean="0"/>
-              <a:t>a,c</a:t>
-            </a:r>
-            <a:r>
-              <a:rPr lang="en-US" dirty="0" smtClean="0"/>
-              <a:t>]</a:t>
-            </a:r>
-            <a:endParaRPr lang="en-US" dirty="0"/>
-          </a:p>
-        </p:txBody>
-      </p:sp>
-      <p:sp>
-        <p:nvSpPr>
-          <p:cNvPr id="13" name="TextBox 12"/>
-          <p:cNvSpPr txBox="1"/>
-          <p:nvPr/>
-        </p:nvSpPr>
-        <p:spPr>
-          <a:xfrm>
-            <a:off x="3581400" y="3810000"/>
-            <a:ext cx="965329" cy="369332"/>
-          </a:xfrm>
-          <a:prstGeom prst="rect">
-            <a:avLst/>
-          </a:prstGeom>
-          <a:noFill/>
-          <a:ln>
-            <a:solidFill>
-              <a:schemeClr val="bg1">
-                <a:lumMod val="65000"/>
-              </a:schemeClr>
-            </a:solidFill>
-          </a:ln>
-        </p:spPr>
-        <p:txBody>
-          <a:bodyPr wrap="none" rtlCol="0">
-            <a:spAutoFit/>
-          </a:bodyPr>
-          <a:lstStyle/>
-          <a:p>
-            <a:r>
-              <a:rPr lang="en-US" dirty="0" smtClean="0"/>
-              <a:t>[</a:t>
-            </a:r>
-            <a:r>
-              <a:rPr lang="en-US" dirty="0" err="1" smtClean="0"/>
-              <a:t>b,a</a:t>
-            </a:r>
-            <a:r>
-              <a:rPr lang="en-US" dirty="0" smtClean="0"/>
-              <a:t>], [c]</a:t>
-            </a:r>
-            <a:endParaRPr lang="en-US" dirty="0"/>
-          </a:p>
-        </p:txBody>
-      </p:sp>
-      <p:sp>
-        <p:nvSpPr>
-          <p:cNvPr id="14" name="TextBox 13"/>
-          <p:cNvSpPr txBox="1"/>
-          <p:nvPr/>
-        </p:nvSpPr>
-        <p:spPr>
-          <a:xfrm>
-            <a:off x="4648200" y="3810000"/>
-            <a:ext cx="965329" cy="369332"/>
-          </a:xfrm>
-          <a:prstGeom prst="rect">
-            <a:avLst/>
-          </a:prstGeom>
-          <a:noFill/>
-          <a:ln>
-            <a:solidFill>
-              <a:schemeClr val="bg1">
-                <a:lumMod val="65000"/>
-              </a:schemeClr>
-            </a:solidFill>
-          </a:ln>
-        </p:spPr>
-        <p:txBody>
-          <a:bodyPr wrap="none" rtlCol="0">
-            <a:spAutoFit/>
-          </a:bodyPr>
-          <a:lstStyle/>
-          <a:p>
-            <a:r>
-              <a:rPr lang="en-US" dirty="0" smtClean="0"/>
-              <a:t>[</a:t>
-            </a:r>
-            <a:r>
-              <a:rPr lang="en-US" dirty="0" err="1" smtClean="0"/>
-              <a:t>b,c</a:t>
-            </a:r>
-            <a:r>
-              <a:rPr lang="en-US" dirty="0" smtClean="0"/>
-              <a:t>], [a]</a:t>
-            </a:r>
-            <a:endParaRPr lang="en-US" dirty="0"/>
-          </a:p>
-        </p:txBody>
-      </p:sp>
-      <p:sp>
-        <p:nvSpPr>
-          <p:cNvPr id="15" name="TextBox 14"/>
-          <p:cNvSpPr txBox="1"/>
-          <p:nvPr/>
-        </p:nvSpPr>
-        <p:spPr>
-          <a:xfrm>
-            <a:off x="3505200" y="4572000"/>
-            <a:ext cx="1023037" cy="369332"/>
-          </a:xfrm>
-          <a:prstGeom prst="rect">
-            <a:avLst/>
-          </a:prstGeom>
-          <a:noFill/>
-          <a:ln w="31750">
-            <a:solidFill>
-              <a:srgbClr val="00B050"/>
-            </a:solidFill>
-          </a:ln>
-        </p:spPr>
-        <p:txBody>
-          <a:bodyPr wrap="none" rtlCol="0">
-            <a:spAutoFit/>
-          </a:bodyPr>
-          <a:lstStyle/>
-          <a:p>
-            <a:r>
-              <a:rPr lang="en-US" dirty="0" smtClean="0"/>
-              <a:t>[</a:t>
-            </a:r>
-            <a:r>
-              <a:rPr lang="en-US" dirty="0" err="1" smtClean="0"/>
-              <a:t>b,a,c</a:t>
-            </a:r>
-            <a:r>
-              <a:rPr lang="en-US" dirty="0" smtClean="0"/>
-              <a:t>], []</a:t>
-            </a:r>
-            <a:endParaRPr lang="en-US" dirty="0"/>
-          </a:p>
-        </p:txBody>
-      </p:sp>
-      <p:sp>
-        <p:nvSpPr>
-          <p:cNvPr id="17" name="TextBox 16"/>
-          <p:cNvSpPr txBox="1"/>
-          <p:nvPr/>
-        </p:nvSpPr>
-        <p:spPr>
-          <a:xfrm>
-            <a:off x="4876800" y="4572000"/>
-            <a:ext cx="1023037" cy="369332"/>
-          </a:xfrm>
-          <a:prstGeom prst="rect">
-            <a:avLst/>
-          </a:prstGeom>
-          <a:noFill/>
-          <a:ln w="31750">
-            <a:solidFill>
-              <a:srgbClr val="00B050"/>
-            </a:solidFill>
-          </a:ln>
-        </p:spPr>
-        <p:txBody>
-          <a:bodyPr wrap="none" rtlCol="0">
-            <a:spAutoFit/>
-          </a:bodyPr>
-          <a:lstStyle/>
-          <a:p>
-            <a:r>
-              <a:rPr lang="en-US" dirty="0" smtClean="0"/>
-              <a:t>[</a:t>
-            </a:r>
-            <a:r>
-              <a:rPr lang="en-US" dirty="0" err="1" smtClean="0"/>
-              <a:t>b,c,a</a:t>
-            </a:r>
-            <a:r>
-              <a:rPr lang="en-US" dirty="0" smtClean="0"/>
-              <a:t>], []</a:t>
-            </a:r>
-            <a:endParaRPr lang="en-US" dirty="0"/>
-          </a:p>
-        </p:txBody>
-      </p:sp>
-      <p:cxnSp>
-        <p:nvCxnSpPr>
-          <p:cNvPr id="20" name="Straight Arrow Connector 19"/>
-          <p:cNvCxnSpPr>
-            <a:stCxn id="4" idx="2"/>
-            <a:endCxn id="5" idx="0"/>
-          </p:cNvCxnSpPr>
-          <p:nvPr/>
-        </p:nvCxnSpPr>
-        <p:spPr>
-          <a:xfrm flipH="1">
-            <a:off x="2260536" y="2502932"/>
-            <a:ext cx="2333346" cy="468868"/>
-          </a:xfrm>
-          <a:prstGeom prst="straightConnector1">
-            <a:avLst/>
-          </a:prstGeom>
-          <a:ln>
-            <a:solidFill>
-              <a:srgbClr val="00B050"/>
-            </a:solidFill>
-            <a:tailEnd type="arrow"/>
-          </a:ln>
-        </p:spPr>
-        <p:style>
-          <a:lnRef idx="1">
-            <a:schemeClr val="accent1"/>
-          </a:lnRef>
-          <a:fillRef idx="0">
-            <a:schemeClr val="accent1"/>
-          </a:fillRef>
-          <a:effectRef idx="0">
-            <a:schemeClr val="accent1"/>
-          </a:effectRef>
-          <a:fontRef idx="minor">
-            <a:schemeClr val="tx1"/>
-          </a:fontRef>
-        </p:style>
-      </p:cxnSp>
-      <p:cxnSp>
-        <p:nvCxnSpPr>
-          <p:cNvPr id="21" name="Straight Arrow Connector 20"/>
-          <p:cNvCxnSpPr>
-            <a:stCxn id="6" idx="2"/>
-            <a:endCxn id="7" idx="0"/>
-          </p:cNvCxnSpPr>
-          <p:nvPr/>
-        </p:nvCxnSpPr>
-        <p:spPr>
-          <a:xfrm flipH="1">
-            <a:off x="1633336" y="4179332"/>
-            <a:ext cx="68529" cy="392668"/>
-          </a:xfrm>
-          <a:prstGeom prst="straightConnector1">
-            <a:avLst/>
-          </a:prstGeom>
-          <a:ln>
-            <a:solidFill>
-              <a:srgbClr val="00B050"/>
-            </a:solidFill>
-            <a:tailEnd type="arrow"/>
-          </a:ln>
-        </p:spPr>
-        <p:style>
-          <a:lnRef idx="1">
-            <a:schemeClr val="accent1"/>
-          </a:lnRef>
-          <a:fillRef idx="0">
-            <a:schemeClr val="accent1"/>
-          </a:fillRef>
-          <a:effectRef idx="0">
-            <a:schemeClr val="accent1"/>
-          </a:effectRef>
-          <a:fontRef idx="minor">
-            <a:schemeClr val="tx1"/>
-          </a:fontRef>
-        </p:style>
-      </p:cxnSp>
-      <p:cxnSp>
-        <p:nvCxnSpPr>
-          <p:cNvPr id="23" name="Straight Arrow Connector 22"/>
-          <p:cNvCxnSpPr>
-            <a:stCxn id="5" idx="2"/>
-            <a:endCxn id="6" idx="0"/>
-          </p:cNvCxnSpPr>
-          <p:nvPr/>
-        </p:nvCxnSpPr>
-        <p:spPr>
-          <a:xfrm flipH="1">
-            <a:off x="1701865" y="3341132"/>
-            <a:ext cx="558671" cy="468868"/>
-          </a:xfrm>
-          <a:prstGeom prst="straightConnector1">
-            <a:avLst/>
-          </a:prstGeom>
-          <a:ln>
-            <a:solidFill>
-              <a:srgbClr val="00B050"/>
-            </a:solidFill>
-            <a:tailEnd type="arrow"/>
-          </a:ln>
-        </p:spPr>
-        <p:style>
-          <a:lnRef idx="1">
-            <a:schemeClr val="accent1"/>
-          </a:lnRef>
-          <a:fillRef idx="0">
-            <a:schemeClr val="accent1"/>
-          </a:fillRef>
-          <a:effectRef idx="0">
-            <a:schemeClr val="accent1"/>
-          </a:effectRef>
-          <a:fontRef idx="minor">
-            <a:schemeClr val="tx1"/>
-          </a:fontRef>
-        </p:style>
-      </p:cxnSp>
-      <p:cxnSp>
-        <p:nvCxnSpPr>
-          <p:cNvPr id="30" name="Straight Arrow Connector 29"/>
-          <p:cNvCxnSpPr>
-            <a:stCxn id="9" idx="2"/>
-            <a:endCxn id="10" idx="0"/>
-          </p:cNvCxnSpPr>
-          <p:nvPr/>
-        </p:nvCxnSpPr>
-        <p:spPr>
-          <a:xfrm>
-            <a:off x="2768665" y="4179332"/>
-            <a:ext cx="28854" cy="392668"/>
-          </a:xfrm>
-          <a:prstGeom prst="straightConnector1">
-            <a:avLst/>
-          </a:prstGeom>
-          <a:ln>
-            <a:solidFill>
-              <a:srgbClr val="00B050"/>
-            </a:solidFill>
-            <a:tailEnd type="arrow"/>
-          </a:ln>
-        </p:spPr>
-        <p:style>
-          <a:lnRef idx="1">
-            <a:schemeClr val="accent1"/>
-          </a:lnRef>
-          <a:fillRef idx="0">
-            <a:schemeClr val="accent1"/>
-          </a:fillRef>
-          <a:effectRef idx="0">
-            <a:schemeClr val="accent1"/>
-          </a:effectRef>
-          <a:fontRef idx="minor">
-            <a:schemeClr val="tx1"/>
-          </a:fontRef>
-        </p:style>
-      </p:cxnSp>
-      <p:cxnSp>
-        <p:nvCxnSpPr>
-          <p:cNvPr id="33" name="Straight Arrow Connector 32"/>
-          <p:cNvCxnSpPr>
-            <a:stCxn id="5" idx="2"/>
-            <a:endCxn id="9" idx="0"/>
-          </p:cNvCxnSpPr>
-          <p:nvPr/>
-        </p:nvCxnSpPr>
-        <p:spPr>
-          <a:xfrm>
-            <a:off x="2260536" y="3341132"/>
-            <a:ext cx="508129" cy="468868"/>
-          </a:xfrm>
-          <a:prstGeom prst="straightConnector1">
-            <a:avLst/>
-          </a:prstGeom>
-          <a:ln>
-            <a:solidFill>
-              <a:srgbClr val="00B050"/>
-            </a:solidFill>
-            <a:tailEnd type="arrow"/>
-          </a:ln>
-        </p:spPr>
-        <p:style>
-          <a:lnRef idx="1">
-            <a:schemeClr val="accent1"/>
-          </a:lnRef>
-          <a:fillRef idx="0">
-            <a:schemeClr val="accent1"/>
-          </a:fillRef>
-          <a:effectRef idx="0">
-            <a:schemeClr val="accent1"/>
-          </a:effectRef>
-          <a:fontRef idx="minor">
-            <a:schemeClr val="tx1"/>
-          </a:fontRef>
-        </p:style>
-      </p:cxnSp>
-      <p:cxnSp>
-        <p:nvCxnSpPr>
-          <p:cNvPr id="44" name="Straight Arrow Connector 43"/>
-          <p:cNvCxnSpPr>
-            <a:stCxn id="4" idx="2"/>
-            <a:endCxn id="12" idx="0"/>
-          </p:cNvCxnSpPr>
-          <p:nvPr/>
-        </p:nvCxnSpPr>
-        <p:spPr>
-          <a:xfrm>
-            <a:off x="4593882" y="2502932"/>
-            <a:ext cx="3583" cy="468868"/>
-          </a:xfrm>
-          <a:prstGeom prst="straightConnector1">
-            <a:avLst/>
-          </a:prstGeom>
-          <a:ln>
-            <a:solidFill>
-              <a:srgbClr val="00B050"/>
-            </a:solidFill>
-            <a:tailEnd type="arrow"/>
-          </a:ln>
-        </p:spPr>
-        <p:style>
-          <a:lnRef idx="1">
-            <a:schemeClr val="accent1"/>
-          </a:lnRef>
-          <a:fillRef idx="0">
-            <a:schemeClr val="accent1"/>
-          </a:fillRef>
-          <a:effectRef idx="0">
-            <a:schemeClr val="accent1"/>
-          </a:effectRef>
-          <a:fontRef idx="minor">
-            <a:schemeClr val="tx1"/>
-          </a:fontRef>
-        </p:style>
-      </p:cxnSp>
-      <p:cxnSp>
-        <p:nvCxnSpPr>
-          <p:cNvPr id="47" name="Straight Arrow Connector 46"/>
-          <p:cNvCxnSpPr>
-            <a:stCxn id="12" idx="2"/>
-            <a:endCxn id="13" idx="0"/>
-          </p:cNvCxnSpPr>
-          <p:nvPr/>
-        </p:nvCxnSpPr>
-        <p:spPr>
-          <a:xfrm flipH="1">
-            <a:off x="4064065" y="3341132"/>
-            <a:ext cx="533400" cy="468868"/>
-          </a:xfrm>
-          <a:prstGeom prst="straightConnector1">
-            <a:avLst/>
-          </a:prstGeom>
-          <a:ln>
-            <a:solidFill>
-              <a:srgbClr val="00B050"/>
-            </a:solidFill>
-            <a:tailEnd type="arrow"/>
-          </a:ln>
-        </p:spPr>
-        <p:style>
-          <a:lnRef idx="1">
-            <a:schemeClr val="accent1"/>
-          </a:lnRef>
-          <a:fillRef idx="0">
-            <a:schemeClr val="accent1"/>
-          </a:fillRef>
-          <a:effectRef idx="0">
-            <a:schemeClr val="accent1"/>
-          </a:effectRef>
-          <a:fontRef idx="minor">
-            <a:schemeClr val="tx1"/>
-          </a:fontRef>
-        </p:style>
-      </p:cxnSp>
-      <p:cxnSp>
-        <p:nvCxnSpPr>
-          <p:cNvPr id="52" name="Straight Arrow Connector 51"/>
-          <p:cNvCxnSpPr>
-            <a:stCxn id="12" idx="2"/>
-            <a:endCxn id="14" idx="0"/>
-          </p:cNvCxnSpPr>
-          <p:nvPr/>
-        </p:nvCxnSpPr>
-        <p:spPr>
-          <a:xfrm>
-            <a:off x="4597465" y="3341132"/>
-            <a:ext cx="533400" cy="468868"/>
-          </a:xfrm>
-          <a:prstGeom prst="straightConnector1">
-            <a:avLst/>
-          </a:prstGeom>
-          <a:ln>
-            <a:solidFill>
-              <a:srgbClr val="00B050"/>
-            </a:solidFill>
-            <a:tailEnd type="arrow"/>
-          </a:ln>
-        </p:spPr>
-        <p:style>
-          <a:lnRef idx="1">
-            <a:schemeClr val="accent1"/>
-          </a:lnRef>
-          <a:fillRef idx="0">
-            <a:schemeClr val="accent1"/>
-          </a:fillRef>
-          <a:effectRef idx="0">
-            <a:schemeClr val="accent1"/>
-          </a:effectRef>
-          <a:fontRef idx="minor">
-            <a:schemeClr val="tx1"/>
-          </a:fontRef>
-        </p:style>
-      </p:cxnSp>
-      <p:cxnSp>
-        <p:nvCxnSpPr>
-          <p:cNvPr id="59" name="Straight Arrow Connector 58"/>
-          <p:cNvCxnSpPr>
-            <a:stCxn id="14" idx="2"/>
-            <a:endCxn id="17" idx="0"/>
-          </p:cNvCxnSpPr>
-          <p:nvPr/>
-        </p:nvCxnSpPr>
-        <p:spPr>
-          <a:xfrm>
-            <a:off x="5130865" y="4179332"/>
-            <a:ext cx="257454" cy="392668"/>
-          </a:xfrm>
-          <a:prstGeom prst="straightConnector1">
-            <a:avLst/>
-          </a:prstGeom>
-          <a:ln>
-            <a:solidFill>
-              <a:srgbClr val="00B050"/>
-            </a:solidFill>
-            <a:tailEnd type="arrow"/>
-          </a:ln>
-        </p:spPr>
-        <p:style>
-          <a:lnRef idx="1">
-            <a:schemeClr val="accent1"/>
-          </a:lnRef>
-          <a:fillRef idx="0">
-            <a:schemeClr val="accent1"/>
-          </a:fillRef>
-          <a:effectRef idx="0">
-            <a:schemeClr val="accent1"/>
-          </a:effectRef>
-          <a:fontRef idx="minor">
-            <a:schemeClr val="tx1"/>
-          </a:fontRef>
-        </p:style>
-      </p:cxnSp>
-      <p:cxnSp>
-        <p:nvCxnSpPr>
-          <p:cNvPr id="62" name="Straight Arrow Connector 61"/>
-          <p:cNvCxnSpPr>
-            <a:stCxn id="13" idx="2"/>
-            <a:endCxn id="15" idx="0"/>
-          </p:cNvCxnSpPr>
-          <p:nvPr/>
-        </p:nvCxnSpPr>
-        <p:spPr>
-          <a:xfrm flipH="1">
-            <a:off x="4016719" y="4179332"/>
-            <a:ext cx="47346" cy="392668"/>
-          </a:xfrm>
-          <a:prstGeom prst="straightConnector1">
-            <a:avLst/>
-          </a:prstGeom>
-          <a:ln>
-            <a:solidFill>
-              <a:srgbClr val="00B050"/>
-            </a:solidFill>
-            <a:tailEnd type="arrow"/>
-          </a:ln>
-        </p:spPr>
-        <p:style>
-          <a:lnRef idx="1">
-            <a:schemeClr val="accent1"/>
-          </a:lnRef>
-          <a:fillRef idx="0">
-            <a:schemeClr val="accent1"/>
-          </a:fillRef>
-          <a:effectRef idx="0">
-            <a:schemeClr val="accent1"/>
-          </a:effectRef>
-          <a:fontRef idx="minor">
-            <a:schemeClr val="tx1"/>
-          </a:fontRef>
-        </p:style>
-      </p:cxnSp>
-      <p:sp>
-        <p:nvSpPr>
-          <p:cNvPr id="68" name="TextBox 67"/>
-          <p:cNvSpPr txBox="1"/>
-          <p:nvPr/>
-        </p:nvSpPr>
-        <p:spPr>
-          <a:xfrm>
-            <a:off x="3124200" y="2450068"/>
-            <a:ext cx="301686" cy="369332"/>
-          </a:xfrm>
-          <a:prstGeom prst="rect">
-            <a:avLst/>
-          </a:prstGeom>
-          <a:noFill/>
-        </p:spPr>
-        <p:txBody>
-          <a:bodyPr wrap="none" rtlCol="0">
-            <a:spAutoFit/>
-          </a:bodyPr>
-          <a:lstStyle/>
-          <a:p>
-            <a:r>
-              <a:rPr lang="en-US" dirty="0" smtClean="0"/>
-              <a:t>0</a:t>
-            </a:r>
-            <a:endParaRPr lang="en-US" dirty="0"/>
-          </a:p>
-        </p:txBody>
-      </p:sp>
-      <p:sp>
-        <p:nvSpPr>
-          <p:cNvPr id="69" name="TextBox 68"/>
-          <p:cNvSpPr txBox="1"/>
-          <p:nvPr/>
-        </p:nvSpPr>
-        <p:spPr>
-          <a:xfrm>
-            <a:off x="1447800" y="3440668"/>
-            <a:ext cx="301686" cy="369332"/>
-          </a:xfrm>
-          <a:prstGeom prst="rect">
-            <a:avLst/>
-          </a:prstGeom>
-          <a:noFill/>
-        </p:spPr>
-        <p:txBody>
-          <a:bodyPr wrap="none" rtlCol="0">
-            <a:spAutoFit/>
-          </a:bodyPr>
-          <a:lstStyle/>
-          <a:p>
-            <a:r>
-              <a:rPr lang="en-US" dirty="0"/>
-              <a:t>1</a:t>
-            </a:r>
-          </a:p>
-        </p:txBody>
-      </p:sp>
-      <p:sp>
-        <p:nvSpPr>
-          <p:cNvPr id="70" name="TextBox 69"/>
-          <p:cNvSpPr txBox="1"/>
-          <p:nvPr/>
-        </p:nvSpPr>
-        <p:spPr>
-          <a:xfrm>
-            <a:off x="2667000" y="3429000"/>
-            <a:ext cx="301686" cy="369332"/>
-          </a:xfrm>
-          <a:prstGeom prst="rect">
-            <a:avLst/>
-          </a:prstGeom>
-          <a:noFill/>
-        </p:spPr>
-        <p:txBody>
-          <a:bodyPr wrap="none" rtlCol="0">
-            <a:spAutoFit/>
-          </a:bodyPr>
-          <a:lstStyle/>
-          <a:p>
-            <a:r>
-              <a:rPr lang="en-US" dirty="0" smtClean="0"/>
-              <a:t>3</a:t>
-            </a:r>
-            <a:endParaRPr lang="en-US" dirty="0"/>
-          </a:p>
-        </p:txBody>
-      </p:sp>
-      <p:sp>
-        <p:nvSpPr>
-          <p:cNvPr id="72" name="TextBox 71"/>
-          <p:cNvSpPr txBox="1"/>
-          <p:nvPr/>
-        </p:nvSpPr>
-        <p:spPr>
-          <a:xfrm>
-            <a:off x="1298514" y="4191000"/>
-            <a:ext cx="301686" cy="369332"/>
-          </a:xfrm>
-          <a:prstGeom prst="rect">
-            <a:avLst/>
-          </a:prstGeom>
-          <a:noFill/>
-        </p:spPr>
-        <p:txBody>
-          <a:bodyPr wrap="none" rtlCol="0">
-            <a:spAutoFit/>
-          </a:bodyPr>
-          <a:lstStyle/>
-          <a:p>
-            <a:r>
-              <a:rPr lang="en-US" dirty="0"/>
-              <a:t>2</a:t>
-            </a:r>
-          </a:p>
-        </p:txBody>
-      </p:sp>
-      <p:sp>
-        <p:nvSpPr>
-          <p:cNvPr id="73" name="TextBox 72"/>
-          <p:cNvSpPr txBox="1"/>
-          <p:nvPr/>
-        </p:nvSpPr>
-        <p:spPr>
-          <a:xfrm>
-            <a:off x="2822514" y="4202668"/>
-            <a:ext cx="301686" cy="369332"/>
-          </a:xfrm>
-          <a:prstGeom prst="rect">
-            <a:avLst/>
-          </a:prstGeom>
-          <a:noFill/>
-        </p:spPr>
-        <p:txBody>
-          <a:bodyPr wrap="square" rtlCol="0">
-            <a:spAutoFit/>
-          </a:bodyPr>
-          <a:lstStyle/>
-          <a:p>
-            <a:r>
-              <a:rPr lang="en-US" dirty="0" smtClean="0"/>
-              <a:t>4</a:t>
-            </a:r>
-            <a:endParaRPr lang="en-US" dirty="0"/>
-          </a:p>
-        </p:txBody>
-      </p:sp>
-      <p:sp>
-        <p:nvSpPr>
-          <p:cNvPr id="75" name="TextBox 74"/>
-          <p:cNvSpPr txBox="1"/>
-          <p:nvPr/>
-        </p:nvSpPr>
-        <p:spPr>
-          <a:xfrm>
-            <a:off x="4267200" y="2590800"/>
-            <a:ext cx="301686" cy="369332"/>
-          </a:xfrm>
-          <a:prstGeom prst="rect">
-            <a:avLst/>
-          </a:prstGeom>
-          <a:noFill/>
-        </p:spPr>
-        <p:txBody>
-          <a:bodyPr wrap="none" rtlCol="0">
-            <a:spAutoFit/>
-          </a:bodyPr>
-          <a:lstStyle/>
-          <a:p>
-            <a:r>
-              <a:rPr lang="en-US" dirty="0" smtClean="0"/>
-              <a:t>5</a:t>
-            </a:r>
-            <a:endParaRPr lang="en-US" dirty="0"/>
-          </a:p>
-        </p:txBody>
-      </p:sp>
-      <p:sp>
-        <p:nvSpPr>
-          <p:cNvPr id="76" name="TextBox 75"/>
-          <p:cNvSpPr txBox="1"/>
-          <p:nvPr/>
-        </p:nvSpPr>
-        <p:spPr>
-          <a:xfrm>
-            <a:off x="6210696" y="4202668"/>
-            <a:ext cx="418704" cy="369332"/>
-          </a:xfrm>
-          <a:prstGeom prst="rect">
-            <a:avLst/>
-          </a:prstGeom>
-          <a:noFill/>
-        </p:spPr>
-        <p:txBody>
-          <a:bodyPr wrap="none" rtlCol="0">
-            <a:spAutoFit/>
-          </a:bodyPr>
-          <a:lstStyle/>
-          <a:p>
-            <a:r>
-              <a:rPr lang="en-US" dirty="0" smtClean="0"/>
-              <a:t>12</a:t>
-            </a:r>
-            <a:endParaRPr lang="en-US" dirty="0"/>
-          </a:p>
-        </p:txBody>
-      </p:sp>
-      <p:sp>
-        <p:nvSpPr>
-          <p:cNvPr id="78" name="TextBox 77"/>
-          <p:cNvSpPr txBox="1"/>
-          <p:nvPr/>
-        </p:nvSpPr>
-        <p:spPr>
-          <a:xfrm>
-            <a:off x="3657600" y="4202668"/>
-            <a:ext cx="301686" cy="369332"/>
-          </a:xfrm>
-          <a:prstGeom prst="rect">
-            <a:avLst/>
-          </a:prstGeom>
-          <a:noFill/>
-        </p:spPr>
-        <p:txBody>
-          <a:bodyPr wrap="none" rtlCol="0">
-            <a:spAutoFit/>
-          </a:bodyPr>
-          <a:lstStyle/>
-          <a:p>
-            <a:r>
-              <a:rPr lang="en-US" dirty="0"/>
-              <a:t>7</a:t>
-            </a:r>
-          </a:p>
-        </p:txBody>
-      </p:sp>
-      <p:sp>
-        <p:nvSpPr>
-          <p:cNvPr id="79" name="TextBox 78"/>
-          <p:cNvSpPr txBox="1"/>
-          <p:nvPr/>
-        </p:nvSpPr>
-        <p:spPr>
-          <a:xfrm>
-            <a:off x="5489514" y="4202668"/>
-            <a:ext cx="301686" cy="369332"/>
-          </a:xfrm>
-          <a:prstGeom prst="rect">
-            <a:avLst/>
-          </a:prstGeom>
-          <a:noFill/>
-        </p:spPr>
-        <p:txBody>
-          <a:bodyPr wrap="none" rtlCol="0">
-            <a:spAutoFit/>
-          </a:bodyPr>
-          <a:lstStyle/>
-          <a:p>
-            <a:r>
-              <a:rPr lang="en-US" dirty="0" smtClean="0"/>
-              <a:t>9</a:t>
-            </a:r>
-            <a:endParaRPr lang="en-US" dirty="0"/>
-          </a:p>
-        </p:txBody>
-      </p:sp>
-      <p:sp>
-        <p:nvSpPr>
-          <p:cNvPr id="80" name="TextBox 79"/>
-          <p:cNvSpPr txBox="1"/>
-          <p:nvPr/>
-        </p:nvSpPr>
-        <p:spPr>
-          <a:xfrm>
-            <a:off x="3886200" y="3440668"/>
-            <a:ext cx="301686" cy="369332"/>
-          </a:xfrm>
-          <a:prstGeom prst="rect">
-            <a:avLst/>
-          </a:prstGeom>
-          <a:noFill/>
-        </p:spPr>
-        <p:txBody>
-          <a:bodyPr wrap="none" rtlCol="0">
-            <a:spAutoFit/>
-          </a:bodyPr>
-          <a:lstStyle/>
-          <a:p>
-            <a:r>
-              <a:rPr lang="en-US" dirty="0"/>
-              <a:t>6</a:t>
-            </a:r>
-          </a:p>
-        </p:txBody>
-      </p:sp>
-      <p:sp>
-        <p:nvSpPr>
-          <p:cNvPr id="83" name="TextBox 82"/>
-          <p:cNvSpPr txBox="1"/>
-          <p:nvPr/>
-        </p:nvSpPr>
-        <p:spPr>
-          <a:xfrm>
-            <a:off x="0" y="4419600"/>
-            <a:ext cx="1117614" cy="646331"/>
-          </a:xfrm>
-          <a:prstGeom prst="rect">
-            <a:avLst/>
-          </a:prstGeom>
-          <a:noFill/>
-        </p:spPr>
-        <p:txBody>
-          <a:bodyPr wrap="none" rtlCol="0">
-            <a:spAutoFit/>
-          </a:bodyPr>
-          <a:lstStyle/>
-          <a:p>
-            <a:r>
-              <a:rPr lang="en-US" dirty="0" smtClean="0"/>
-              <a:t>Recursive</a:t>
-            </a:r>
-          </a:p>
-          <a:p>
-            <a:r>
-              <a:rPr lang="en-US" dirty="0" smtClean="0"/>
-              <a:t>Base Case</a:t>
-            </a:r>
-            <a:endParaRPr lang="en-US" dirty="0"/>
-          </a:p>
-        </p:txBody>
-      </p:sp>
-      <p:sp>
-        <p:nvSpPr>
-          <p:cNvPr id="85" name="TextBox 84"/>
-          <p:cNvSpPr txBox="1"/>
-          <p:nvPr/>
-        </p:nvSpPr>
-        <p:spPr>
-          <a:xfrm>
-            <a:off x="2514600" y="533400"/>
-            <a:ext cx="4083490" cy="369332"/>
-          </a:xfrm>
-          <a:prstGeom prst="rect">
-            <a:avLst/>
-          </a:prstGeom>
-          <a:noFill/>
-        </p:spPr>
-        <p:txBody>
-          <a:bodyPr wrap="none" rtlCol="0">
-            <a:spAutoFit/>
-          </a:bodyPr>
-          <a:lstStyle/>
-          <a:p>
-            <a:r>
-              <a:rPr lang="en-US" dirty="0" smtClean="0"/>
-              <a:t>Calls to Recursive </a:t>
-            </a:r>
-            <a:r>
-              <a:rPr lang="en-US" dirty="0" smtClean="0"/>
-              <a:t>Permutations for [</a:t>
-            </a:r>
-            <a:r>
-              <a:rPr lang="en-US" dirty="0" err="1" smtClean="0"/>
-              <a:t>a,b,c</a:t>
-            </a:r>
-            <a:r>
-              <a:rPr lang="en-US" dirty="0" smtClean="0"/>
-              <a:t>]</a:t>
-            </a:r>
-            <a:endParaRPr lang="en-US" dirty="0"/>
-          </a:p>
-        </p:txBody>
-      </p:sp>
-      <p:sp>
-        <p:nvSpPr>
-          <p:cNvPr id="67" name="TextBox 66"/>
-          <p:cNvSpPr txBox="1"/>
-          <p:nvPr/>
-        </p:nvSpPr>
-        <p:spPr>
-          <a:xfrm>
-            <a:off x="5108514" y="3429000"/>
-            <a:ext cx="301686" cy="369332"/>
-          </a:xfrm>
-          <a:prstGeom prst="rect">
-            <a:avLst/>
-          </a:prstGeom>
-          <a:noFill/>
-        </p:spPr>
-        <p:txBody>
-          <a:bodyPr wrap="none" rtlCol="0">
-            <a:spAutoFit/>
-          </a:bodyPr>
-          <a:lstStyle/>
-          <a:p>
-            <a:r>
-              <a:rPr lang="en-US" dirty="0" smtClean="0"/>
-              <a:t>8</a:t>
-            </a:r>
-            <a:endParaRPr lang="en-US" dirty="0"/>
-          </a:p>
-        </p:txBody>
-      </p:sp>
-      <p:sp>
-        <p:nvSpPr>
-          <p:cNvPr id="86" name="TextBox 85"/>
-          <p:cNvSpPr txBox="1"/>
-          <p:nvPr/>
-        </p:nvSpPr>
-        <p:spPr>
-          <a:xfrm>
-            <a:off x="6781800" y="2971800"/>
-            <a:ext cx="965329" cy="369332"/>
-          </a:xfrm>
-          <a:prstGeom prst="rect">
-            <a:avLst/>
-          </a:prstGeom>
-          <a:noFill/>
-          <a:ln>
-            <a:solidFill>
-              <a:schemeClr val="bg1">
-                <a:lumMod val="65000"/>
-              </a:schemeClr>
-            </a:solidFill>
-          </a:ln>
-        </p:spPr>
-        <p:txBody>
-          <a:bodyPr wrap="none" rtlCol="0">
-            <a:spAutoFit/>
-          </a:bodyPr>
-          <a:lstStyle/>
-          <a:p>
-            <a:r>
-              <a:rPr lang="en-US" dirty="0" smtClean="0"/>
-              <a:t>[c], [</a:t>
-            </a:r>
-            <a:r>
-              <a:rPr lang="en-US" dirty="0" err="1" smtClean="0"/>
-              <a:t>a,b</a:t>
-            </a:r>
-            <a:r>
-              <a:rPr lang="en-US" dirty="0" smtClean="0"/>
-              <a:t>]</a:t>
-            </a:r>
-            <a:endParaRPr lang="en-US" dirty="0"/>
-          </a:p>
-        </p:txBody>
-      </p:sp>
-      <p:sp>
-        <p:nvSpPr>
-          <p:cNvPr id="87" name="TextBox 86"/>
-          <p:cNvSpPr txBox="1"/>
-          <p:nvPr/>
-        </p:nvSpPr>
-        <p:spPr>
-          <a:xfrm>
-            <a:off x="6248400" y="3810000"/>
-            <a:ext cx="965329" cy="369332"/>
-          </a:xfrm>
-          <a:prstGeom prst="rect">
-            <a:avLst/>
-          </a:prstGeom>
-          <a:noFill/>
-          <a:ln>
-            <a:solidFill>
-              <a:schemeClr val="bg1">
-                <a:lumMod val="65000"/>
-              </a:schemeClr>
-            </a:solidFill>
-          </a:ln>
-        </p:spPr>
-        <p:txBody>
-          <a:bodyPr wrap="none" rtlCol="0">
-            <a:spAutoFit/>
-          </a:bodyPr>
-          <a:lstStyle/>
-          <a:p>
-            <a:r>
-              <a:rPr lang="en-US" dirty="0" smtClean="0"/>
-              <a:t>[</a:t>
-            </a:r>
-            <a:r>
-              <a:rPr lang="en-US" dirty="0" err="1" smtClean="0"/>
-              <a:t>c,a</a:t>
-            </a:r>
-            <a:r>
-              <a:rPr lang="en-US" dirty="0" smtClean="0"/>
-              <a:t>], [b]</a:t>
-            </a:r>
-            <a:endParaRPr lang="en-US" dirty="0"/>
-          </a:p>
-        </p:txBody>
-      </p:sp>
-      <p:sp>
-        <p:nvSpPr>
-          <p:cNvPr id="88" name="TextBox 87"/>
-          <p:cNvSpPr txBox="1"/>
-          <p:nvPr/>
-        </p:nvSpPr>
-        <p:spPr>
-          <a:xfrm>
-            <a:off x="7315200" y="3810000"/>
-            <a:ext cx="965329" cy="369332"/>
-          </a:xfrm>
-          <a:prstGeom prst="rect">
-            <a:avLst/>
-          </a:prstGeom>
-          <a:noFill/>
-          <a:ln>
-            <a:solidFill>
-              <a:schemeClr val="bg1">
-                <a:lumMod val="65000"/>
-              </a:schemeClr>
-            </a:solidFill>
-          </a:ln>
-        </p:spPr>
-        <p:txBody>
-          <a:bodyPr wrap="none" rtlCol="0">
-            <a:spAutoFit/>
-          </a:bodyPr>
-          <a:lstStyle/>
-          <a:p>
-            <a:r>
-              <a:rPr lang="en-US" dirty="0" smtClean="0"/>
-              <a:t>[</a:t>
-            </a:r>
-            <a:r>
-              <a:rPr lang="en-US" dirty="0" err="1" smtClean="0"/>
-              <a:t>c,b</a:t>
-            </a:r>
-            <a:r>
-              <a:rPr lang="en-US" dirty="0" smtClean="0"/>
-              <a:t>], [a]</a:t>
-            </a:r>
-            <a:endParaRPr lang="en-US" dirty="0"/>
-          </a:p>
-        </p:txBody>
-      </p:sp>
-      <p:sp>
-        <p:nvSpPr>
-          <p:cNvPr id="89" name="TextBox 88"/>
-          <p:cNvSpPr txBox="1"/>
-          <p:nvPr/>
-        </p:nvSpPr>
-        <p:spPr>
-          <a:xfrm>
-            <a:off x="6172200" y="4572000"/>
-            <a:ext cx="1023037" cy="369332"/>
-          </a:xfrm>
-          <a:prstGeom prst="rect">
-            <a:avLst/>
-          </a:prstGeom>
-          <a:noFill/>
-          <a:ln w="31750">
-            <a:solidFill>
-              <a:srgbClr val="00B050"/>
-            </a:solidFill>
-          </a:ln>
-        </p:spPr>
-        <p:txBody>
-          <a:bodyPr wrap="none" rtlCol="0">
-            <a:spAutoFit/>
-          </a:bodyPr>
-          <a:lstStyle/>
-          <a:p>
-            <a:r>
-              <a:rPr lang="en-US" dirty="0" smtClean="0"/>
-              <a:t>[</a:t>
-            </a:r>
-            <a:r>
-              <a:rPr lang="en-US" dirty="0" err="1" smtClean="0"/>
-              <a:t>c,a,b</a:t>
-            </a:r>
-            <a:r>
-              <a:rPr lang="en-US" dirty="0" smtClean="0"/>
-              <a:t>], []</a:t>
-            </a:r>
-            <a:endParaRPr lang="en-US" dirty="0"/>
-          </a:p>
-        </p:txBody>
-      </p:sp>
-      <p:sp>
-        <p:nvSpPr>
-          <p:cNvPr id="90" name="TextBox 89"/>
-          <p:cNvSpPr txBox="1"/>
-          <p:nvPr/>
-        </p:nvSpPr>
-        <p:spPr>
-          <a:xfrm>
-            <a:off x="7543800" y="4572000"/>
-            <a:ext cx="1023037" cy="369332"/>
-          </a:xfrm>
-          <a:prstGeom prst="rect">
-            <a:avLst/>
-          </a:prstGeom>
-          <a:noFill/>
-          <a:ln w="31750">
-            <a:solidFill>
-              <a:srgbClr val="00B050"/>
-            </a:solidFill>
-          </a:ln>
-        </p:spPr>
-        <p:txBody>
-          <a:bodyPr wrap="none" rtlCol="0">
-            <a:spAutoFit/>
-          </a:bodyPr>
-          <a:lstStyle/>
-          <a:p>
-            <a:r>
-              <a:rPr lang="en-US" dirty="0" smtClean="0"/>
-              <a:t>[</a:t>
-            </a:r>
-            <a:r>
-              <a:rPr lang="en-US" dirty="0" err="1" smtClean="0"/>
-              <a:t>c,b,a</a:t>
-            </a:r>
-            <a:r>
-              <a:rPr lang="en-US" dirty="0" smtClean="0"/>
-              <a:t>], []</a:t>
-            </a:r>
-            <a:endParaRPr lang="en-US" dirty="0"/>
-          </a:p>
-        </p:txBody>
-      </p:sp>
-      <p:cxnSp>
-        <p:nvCxnSpPr>
-          <p:cNvPr id="91" name="Straight Arrow Connector 90"/>
-          <p:cNvCxnSpPr>
-            <a:stCxn id="4" idx="2"/>
-            <a:endCxn id="86" idx="0"/>
-          </p:cNvCxnSpPr>
-          <p:nvPr/>
-        </p:nvCxnSpPr>
-        <p:spPr>
-          <a:xfrm>
-            <a:off x="4593882" y="2502932"/>
-            <a:ext cx="2670583" cy="468868"/>
-          </a:xfrm>
-          <a:prstGeom prst="straightConnector1">
-            <a:avLst/>
-          </a:prstGeom>
-          <a:ln>
-            <a:solidFill>
-              <a:srgbClr val="00B050"/>
-            </a:solidFill>
-            <a:tailEnd type="arrow"/>
-          </a:ln>
-        </p:spPr>
-        <p:style>
-          <a:lnRef idx="1">
-            <a:schemeClr val="accent1"/>
-          </a:lnRef>
-          <a:fillRef idx="0">
-            <a:schemeClr val="accent1"/>
-          </a:fillRef>
-          <a:effectRef idx="0">
-            <a:schemeClr val="accent1"/>
-          </a:effectRef>
-          <a:fontRef idx="minor">
-            <a:schemeClr val="tx1"/>
-          </a:fontRef>
-        </p:style>
-      </p:cxnSp>
-      <p:cxnSp>
-        <p:nvCxnSpPr>
-          <p:cNvPr id="92" name="Straight Arrow Connector 91"/>
-          <p:cNvCxnSpPr>
-            <a:stCxn id="86" idx="2"/>
-            <a:endCxn id="87" idx="0"/>
-          </p:cNvCxnSpPr>
-          <p:nvPr/>
-        </p:nvCxnSpPr>
-        <p:spPr>
-          <a:xfrm flipH="1">
-            <a:off x="6731065" y="3341132"/>
-            <a:ext cx="533400" cy="468868"/>
-          </a:xfrm>
-          <a:prstGeom prst="straightConnector1">
-            <a:avLst/>
-          </a:prstGeom>
-          <a:ln>
-            <a:solidFill>
-              <a:srgbClr val="00B050"/>
-            </a:solidFill>
-            <a:tailEnd type="arrow"/>
-          </a:ln>
-        </p:spPr>
-        <p:style>
-          <a:lnRef idx="1">
-            <a:schemeClr val="accent1"/>
-          </a:lnRef>
-          <a:fillRef idx="0">
-            <a:schemeClr val="accent1"/>
-          </a:fillRef>
-          <a:effectRef idx="0">
-            <a:schemeClr val="accent1"/>
-          </a:effectRef>
-          <a:fontRef idx="minor">
-            <a:schemeClr val="tx1"/>
-          </a:fontRef>
-        </p:style>
-      </p:cxnSp>
-      <p:cxnSp>
-        <p:nvCxnSpPr>
-          <p:cNvPr id="93" name="Straight Arrow Connector 92"/>
-          <p:cNvCxnSpPr>
-            <a:stCxn id="86" idx="2"/>
-            <a:endCxn id="88" idx="0"/>
-          </p:cNvCxnSpPr>
-          <p:nvPr/>
-        </p:nvCxnSpPr>
-        <p:spPr>
-          <a:xfrm>
-            <a:off x="7264465" y="3341132"/>
-            <a:ext cx="533400" cy="468868"/>
-          </a:xfrm>
-          <a:prstGeom prst="straightConnector1">
-            <a:avLst/>
-          </a:prstGeom>
-          <a:ln>
-            <a:solidFill>
-              <a:srgbClr val="00B050"/>
-            </a:solidFill>
-            <a:tailEnd type="arrow"/>
-          </a:ln>
-        </p:spPr>
-        <p:style>
-          <a:lnRef idx="1">
-            <a:schemeClr val="accent1"/>
-          </a:lnRef>
-          <a:fillRef idx="0">
-            <a:schemeClr val="accent1"/>
-          </a:fillRef>
-          <a:effectRef idx="0">
-            <a:schemeClr val="accent1"/>
-          </a:effectRef>
-          <a:fontRef idx="minor">
-            <a:schemeClr val="tx1"/>
-          </a:fontRef>
-        </p:style>
-      </p:cxnSp>
-      <p:cxnSp>
-        <p:nvCxnSpPr>
-          <p:cNvPr id="94" name="Straight Arrow Connector 93"/>
-          <p:cNvCxnSpPr>
-            <a:stCxn id="88" idx="2"/>
-            <a:endCxn id="90" idx="0"/>
-          </p:cNvCxnSpPr>
-          <p:nvPr/>
-        </p:nvCxnSpPr>
-        <p:spPr>
-          <a:xfrm>
-            <a:off x="7797865" y="4179332"/>
-            <a:ext cx="257454" cy="392668"/>
-          </a:xfrm>
-          <a:prstGeom prst="straightConnector1">
-            <a:avLst/>
-          </a:prstGeom>
-          <a:ln>
-            <a:solidFill>
-              <a:srgbClr val="00B050"/>
-            </a:solidFill>
-            <a:tailEnd type="arrow"/>
-          </a:ln>
-        </p:spPr>
-        <p:style>
-          <a:lnRef idx="1">
-            <a:schemeClr val="accent1"/>
-          </a:lnRef>
-          <a:fillRef idx="0">
-            <a:schemeClr val="accent1"/>
-          </a:fillRef>
-          <a:effectRef idx="0">
-            <a:schemeClr val="accent1"/>
-          </a:effectRef>
-          <a:fontRef idx="minor">
-            <a:schemeClr val="tx1"/>
-          </a:fontRef>
-        </p:style>
-      </p:cxnSp>
-      <p:cxnSp>
-        <p:nvCxnSpPr>
-          <p:cNvPr id="95" name="Straight Arrow Connector 94"/>
-          <p:cNvCxnSpPr>
-            <a:stCxn id="87" idx="2"/>
-            <a:endCxn id="89" idx="0"/>
-          </p:cNvCxnSpPr>
-          <p:nvPr/>
-        </p:nvCxnSpPr>
-        <p:spPr>
-          <a:xfrm flipH="1">
-            <a:off x="6683719" y="4179332"/>
-            <a:ext cx="47346" cy="392668"/>
-          </a:xfrm>
-          <a:prstGeom prst="straightConnector1">
-            <a:avLst/>
-          </a:prstGeom>
-          <a:ln>
-            <a:solidFill>
-              <a:srgbClr val="00B050"/>
-            </a:solidFill>
-            <a:tailEnd type="arrow"/>
-          </a:ln>
-        </p:spPr>
-        <p:style>
-          <a:lnRef idx="1">
-            <a:schemeClr val="accent1"/>
-          </a:lnRef>
-          <a:fillRef idx="0">
-            <a:schemeClr val="accent1"/>
-          </a:fillRef>
-          <a:effectRef idx="0">
-            <a:schemeClr val="accent1"/>
-          </a:effectRef>
-          <a:fontRef idx="minor">
-            <a:schemeClr val="tx1"/>
-          </a:fontRef>
-        </p:style>
-      </p:cxnSp>
-      <p:sp>
-        <p:nvSpPr>
-          <p:cNvPr id="96" name="TextBox 95"/>
-          <p:cNvSpPr txBox="1"/>
-          <p:nvPr/>
-        </p:nvSpPr>
-        <p:spPr>
-          <a:xfrm>
-            <a:off x="6934200" y="2590800"/>
-            <a:ext cx="418704" cy="369332"/>
-          </a:xfrm>
-          <a:prstGeom prst="rect">
-            <a:avLst/>
-          </a:prstGeom>
-          <a:noFill/>
-        </p:spPr>
-        <p:txBody>
-          <a:bodyPr wrap="none" rtlCol="0">
-            <a:spAutoFit/>
-          </a:bodyPr>
-          <a:lstStyle/>
-          <a:p>
-            <a:r>
-              <a:rPr lang="en-US" dirty="0" smtClean="0"/>
-              <a:t>10</a:t>
-            </a:r>
-            <a:endParaRPr lang="en-US" dirty="0"/>
-          </a:p>
-        </p:txBody>
-      </p:sp>
-      <p:sp>
-        <p:nvSpPr>
-          <p:cNvPr id="97" name="TextBox 96"/>
-          <p:cNvSpPr txBox="1"/>
-          <p:nvPr/>
-        </p:nvSpPr>
-        <p:spPr>
-          <a:xfrm>
-            <a:off x="6324600" y="4202668"/>
-            <a:ext cx="301686" cy="369332"/>
-          </a:xfrm>
-          <a:prstGeom prst="rect">
-            <a:avLst/>
-          </a:prstGeom>
-          <a:noFill/>
-        </p:spPr>
-        <p:txBody>
-          <a:bodyPr wrap="none" rtlCol="0">
-            <a:spAutoFit/>
-          </a:bodyPr>
-          <a:lstStyle/>
-          <a:p>
-            <a:r>
-              <a:rPr lang="en-US" dirty="0" smtClean="0"/>
-              <a:t>2</a:t>
-            </a:r>
-            <a:endParaRPr lang="en-US" dirty="0"/>
-          </a:p>
-        </p:txBody>
-      </p:sp>
-      <p:sp>
-        <p:nvSpPr>
-          <p:cNvPr id="98" name="TextBox 97"/>
-          <p:cNvSpPr txBox="1"/>
-          <p:nvPr/>
-        </p:nvSpPr>
-        <p:spPr>
-          <a:xfrm>
-            <a:off x="8156514" y="4202668"/>
-            <a:ext cx="418704" cy="369332"/>
-          </a:xfrm>
-          <a:prstGeom prst="rect">
-            <a:avLst/>
-          </a:prstGeom>
-          <a:noFill/>
-        </p:spPr>
-        <p:txBody>
-          <a:bodyPr wrap="none" rtlCol="0">
-            <a:spAutoFit/>
-          </a:bodyPr>
-          <a:lstStyle/>
-          <a:p>
-            <a:r>
-              <a:rPr lang="en-US" dirty="0" smtClean="0"/>
-              <a:t>14</a:t>
-            </a:r>
-            <a:endParaRPr lang="en-US" dirty="0"/>
-          </a:p>
-        </p:txBody>
-      </p:sp>
-      <p:sp>
-        <p:nvSpPr>
-          <p:cNvPr id="99" name="TextBox 98"/>
-          <p:cNvSpPr txBox="1"/>
-          <p:nvPr/>
-        </p:nvSpPr>
-        <p:spPr>
-          <a:xfrm>
-            <a:off x="6553200" y="3440668"/>
-            <a:ext cx="418704" cy="369332"/>
-          </a:xfrm>
-          <a:prstGeom prst="rect">
-            <a:avLst/>
-          </a:prstGeom>
-          <a:noFill/>
-        </p:spPr>
-        <p:txBody>
-          <a:bodyPr wrap="none" rtlCol="0">
-            <a:spAutoFit/>
-          </a:bodyPr>
-          <a:lstStyle/>
-          <a:p>
-            <a:r>
-              <a:rPr lang="en-US" dirty="0" smtClean="0"/>
-              <a:t>11</a:t>
-            </a:r>
-            <a:endParaRPr lang="en-US" dirty="0"/>
-          </a:p>
-        </p:txBody>
-      </p:sp>
-      <p:sp>
-        <p:nvSpPr>
-          <p:cNvPr id="100" name="TextBox 99"/>
-          <p:cNvSpPr txBox="1"/>
-          <p:nvPr/>
-        </p:nvSpPr>
-        <p:spPr>
-          <a:xfrm>
-            <a:off x="7775514" y="3429000"/>
-            <a:ext cx="418704" cy="369332"/>
-          </a:xfrm>
-          <a:prstGeom prst="rect">
-            <a:avLst/>
-          </a:prstGeom>
-          <a:noFill/>
-        </p:spPr>
-        <p:txBody>
-          <a:bodyPr wrap="none" rtlCol="0">
-            <a:spAutoFit/>
-          </a:bodyPr>
-          <a:lstStyle/>
-          <a:p>
-            <a:r>
-              <a:rPr lang="en-US" dirty="0" smtClean="0"/>
-              <a:t>13</a:t>
-            </a:r>
-            <a:endParaRPr lang="en-US" dirty="0"/>
-          </a:p>
-        </p:txBody>
-      </p:sp>
-    </p:spTree>
-  </p:cSld>
-  <p:clrMapOvr>
-    <a:masterClrMapping/>
-  </p:clrMapOvr>
-</p:sld>
-</file>
-
 <file path=ppt/slides/slide4.xml><?xml version="1.0" encoding="utf-8"?>
 <p:sld xmlns:a="http://schemas.openxmlformats.org/drawingml/2006/main" xmlns:r="http://schemas.openxmlformats.org/officeDocument/2006/relationships" xmlns:p="http://schemas.openxmlformats.org/presentationml/2006/main">
   <p:cSld>
@@ -8270,8 +6488,8 @@
         </p:nvSpPr>
         <p:spPr>
           <a:xfrm>
-            <a:off x="4082363" y="1371600"/>
-            <a:ext cx="1202573" cy="369332"/>
+            <a:off x="4082363" y="2133600"/>
+            <a:ext cx="1023037" cy="369332"/>
           </a:xfrm>
           <a:prstGeom prst="rect">
             <a:avLst/>
@@ -8297,7 +6515,7 @@
             </a:r>
             <a:r>
               <a:rPr lang="en-US" dirty="0" err="1" smtClean="0"/>
-              <a:t>a,b,c,d</a:t>
+              <a:t>a,b,c</a:t>
             </a:r>
             <a:r>
               <a:rPr lang="en-US" dirty="0" smtClean="0"/>
@@ -8315,8 +6533,8 @@
         </p:nvSpPr>
         <p:spPr>
           <a:xfrm>
-            <a:off x="2362200" y="2971800"/>
-            <a:ext cx="1144865" cy="369332"/>
+            <a:off x="1777871" y="2971800"/>
+            <a:ext cx="965329" cy="369332"/>
           </a:xfrm>
           <a:prstGeom prst="rect">
             <a:avLst/>
@@ -8342,7 +6560,7 @@
             </a:r>
             <a:r>
               <a:rPr lang="en-US" dirty="0" err="1" smtClean="0"/>
-              <a:t>b,c,d</a:t>
+              <a:t>b,c</a:t>
             </a:r>
             <a:r>
               <a:rPr lang="en-US" dirty="0" smtClean="0"/>
@@ -8360,8 +6578,8 @@
         </p:nvSpPr>
         <p:spPr>
           <a:xfrm>
-            <a:off x="1141135" y="3810000"/>
-            <a:ext cx="1144865" cy="369332"/>
+            <a:off x="1219200" y="3810000"/>
+            <a:ext cx="965329" cy="369332"/>
           </a:xfrm>
           <a:prstGeom prst="rect">
             <a:avLst/>
@@ -8391,15 +6609,7 @@
             </a:r>
             <a:r>
               <a:rPr lang="en-US" dirty="0" smtClean="0"/>
-              <a:t>], [</a:t>
-            </a:r>
-            <a:r>
-              <a:rPr lang="en-US" dirty="0" err="1" smtClean="0"/>
-              <a:t>c,d</a:t>
-            </a:r>
-            <a:r>
-              <a:rPr lang="en-US" dirty="0" smtClean="0"/>
-              <a:t>]</a:t>
+              <a:t>], [c]</a:t>
             </a:r>
             <a:endParaRPr lang="en-US" dirty="0"/>
           </a:p>
@@ -8413,8 +6623,8 @@
         </p:nvSpPr>
         <p:spPr>
           <a:xfrm>
-            <a:off x="990600" y="5955268"/>
-            <a:ext cx="1255472" cy="369332"/>
+            <a:off x="1095368" y="4572000"/>
+            <a:ext cx="1075936" cy="369332"/>
           </a:xfrm>
           <a:prstGeom prst="rect">
             <a:avLst/>
@@ -8438,15 +6648,11 @@
             </a:r>
             <a:r>
               <a:rPr lang="en-US" dirty="0" err="1" smtClean="0"/>
-              <a:t>a,b,c,d</a:t>
+              <a:t>a,b,c</a:t>
             </a:r>
             <a:r>
               <a:rPr lang="en-US" dirty="0" smtClean="0"/>
-              <a:t>], </a:t>
-            </a:r>
-            <a:r>
-              <a:rPr lang="en-US" dirty="0" smtClean="0"/>
-              <a:t>[] </a:t>
+              <a:t>], [] </a:t>
             </a:r>
           </a:p>
         </p:txBody>
@@ -8459,8 +6665,8 @@
         </p:nvSpPr>
         <p:spPr>
           <a:xfrm>
-            <a:off x="4341535" y="3810000"/>
-            <a:ext cx="1143000" cy="369332"/>
+            <a:off x="2286000" y="3810000"/>
+            <a:ext cx="965329" cy="369332"/>
           </a:xfrm>
           <a:prstGeom prst="rect">
             <a:avLst/>
@@ -8490,15 +6696,7 @@
             </a:r>
             <a:r>
               <a:rPr lang="en-US" dirty="0" smtClean="0"/>
-              <a:t>], [</a:t>
-            </a:r>
-            <a:r>
-              <a:rPr lang="en-US" dirty="0" err="1" smtClean="0"/>
-              <a:t>b,d</a:t>
-            </a:r>
-            <a:r>
-              <a:rPr lang="en-US" dirty="0" smtClean="0"/>
-              <a:t>]</a:t>
+              <a:t>], [b]</a:t>
             </a:r>
             <a:endParaRPr lang="en-US" dirty="0"/>
           </a:p>
@@ -8512,8 +6710,8 @@
         </p:nvSpPr>
         <p:spPr>
           <a:xfrm>
-            <a:off x="2362200" y="5955268"/>
-            <a:ext cx="1327837" cy="369332"/>
+            <a:off x="2286000" y="4572000"/>
+            <a:ext cx="1023037" cy="369332"/>
           </a:xfrm>
           <a:prstGeom prst="rect">
             <a:avLst/>
@@ -8537,15 +6735,232 @@
             </a:r>
             <a:r>
               <a:rPr lang="en-US" dirty="0" err="1" smtClean="0"/>
-              <a:t>a,b,d,c</a:t>
+              <a:t>a,c,b</a:t>
             </a:r>
             <a:r>
               <a:rPr lang="en-US" dirty="0" smtClean="0"/>
-              <a:t>], </a:t>
-            </a:r>
+              <a:t>], []</a:t>
+            </a:r>
+            <a:endParaRPr lang="en-US" dirty="0"/>
+          </a:p>
+        </p:txBody>
+      </p:sp>
+      <p:sp>
+        <p:nvSpPr>
+          <p:cNvPr id="12" name="TextBox 11"/>
+          <p:cNvSpPr txBox="1"/>
+          <p:nvPr/>
+        </p:nvSpPr>
+        <p:spPr>
+          <a:xfrm>
+            <a:off x="4114800" y="2971800"/>
+            <a:ext cx="965329" cy="369332"/>
+          </a:xfrm>
+          <a:prstGeom prst="rect">
+            <a:avLst/>
+          </a:prstGeom>
+          <a:noFill/>
+          <a:ln>
+            <a:solidFill>
+              <a:schemeClr val="bg1">
+                <a:lumMod val="65000"/>
+              </a:schemeClr>
+            </a:solidFill>
+          </a:ln>
+        </p:spPr>
+        <p:txBody>
+          <a:bodyPr wrap="none" rtlCol="0">
+            <a:spAutoFit/>
+          </a:bodyPr>
+          <a:lstStyle/>
+          <a:p>
             <a:r>
               <a:rPr lang="en-US" dirty="0" smtClean="0"/>
-              <a:t>[]</a:t>
+              <a:t>[b], [</a:t>
+            </a:r>
+            <a:r>
+              <a:rPr lang="en-US" dirty="0" err="1" smtClean="0"/>
+              <a:t>a,c</a:t>
+            </a:r>
+            <a:r>
+              <a:rPr lang="en-US" dirty="0" smtClean="0"/>
+              <a:t>]</a:t>
+            </a:r>
+            <a:endParaRPr lang="en-US" dirty="0"/>
+          </a:p>
+        </p:txBody>
+      </p:sp>
+      <p:sp>
+        <p:nvSpPr>
+          <p:cNvPr id="13" name="TextBox 12"/>
+          <p:cNvSpPr txBox="1"/>
+          <p:nvPr/>
+        </p:nvSpPr>
+        <p:spPr>
+          <a:xfrm>
+            <a:off x="3581400" y="3810000"/>
+            <a:ext cx="965329" cy="369332"/>
+          </a:xfrm>
+          <a:prstGeom prst="rect">
+            <a:avLst/>
+          </a:prstGeom>
+          <a:noFill/>
+          <a:ln>
+            <a:solidFill>
+              <a:schemeClr val="bg1">
+                <a:lumMod val="65000"/>
+              </a:schemeClr>
+            </a:solidFill>
+          </a:ln>
+        </p:spPr>
+        <p:txBody>
+          <a:bodyPr wrap="none" rtlCol="0">
+            <a:spAutoFit/>
+          </a:bodyPr>
+          <a:lstStyle/>
+          <a:p>
+            <a:r>
+              <a:rPr lang="en-US" dirty="0" smtClean="0"/>
+              <a:t>[</a:t>
+            </a:r>
+            <a:r>
+              <a:rPr lang="en-US" dirty="0" err="1" smtClean="0"/>
+              <a:t>b,a</a:t>
+            </a:r>
+            <a:r>
+              <a:rPr lang="en-US" dirty="0" smtClean="0"/>
+              <a:t>], [c]</a:t>
+            </a:r>
+            <a:endParaRPr lang="en-US" dirty="0"/>
+          </a:p>
+        </p:txBody>
+      </p:sp>
+      <p:sp>
+        <p:nvSpPr>
+          <p:cNvPr id="14" name="TextBox 13"/>
+          <p:cNvSpPr txBox="1"/>
+          <p:nvPr/>
+        </p:nvSpPr>
+        <p:spPr>
+          <a:xfrm>
+            <a:off x="4648200" y="3810000"/>
+            <a:ext cx="965329" cy="369332"/>
+          </a:xfrm>
+          <a:prstGeom prst="rect">
+            <a:avLst/>
+          </a:prstGeom>
+          <a:noFill/>
+          <a:ln>
+            <a:solidFill>
+              <a:schemeClr val="bg1">
+                <a:lumMod val="65000"/>
+              </a:schemeClr>
+            </a:solidFill>
+          </a:ln>
+        </p:spPr>
+        <p:txBody>
+          <a:bodyPr wrap="none" rtlCol="0">
+            <a:spAutoFit/>
+          </a:bodyPr>
+          <a:lstStyle/>
+          <a:p>
+            <a:r>
+              <a:rPr lang="en-US" dirty="0" smtClean="0"/>
+              <a:t>[</a:t>
+            </a:r>
+            <a:r>
+              <a:rPr lang="en-US" dirty="0" err="1" smtClean="0"/>
+              <a:t>b,c</a:t>
+            </a:r>
+            <a:r>
+              <a:rPr lang="en-US" dirty="0" smtClean="0"/>
+              <a:t>], [a]</a:t>
+            </a:r>
+            <a:endParaRPr lang="en-US" dirty="0"/>
+          </a:p>
+        </p:txBody>
+      </p:sp>
+      <p:sp>
+        <p:nvSpPr>
+          <p:cNvPr id="15" name="TextBox 14"/>
+          <p:cNvSpPr txBox="1"/>
+          <p:nvPr/>
+        </p:nvSpPr>
+        <p:spPr>
+          <a:xfrm>
+            <a:off x="3505200" y="4572000"/>
+            <a:ext cx="1023037" cy="369332"/>
+          </a:xfrm>
+          <a:prstGeom prst="rect">
+            <a:avLst/>
+          </a:prstGeom>
+          <a:noFill/>
+          <a:ln w="31750">
+            <a:solidFill>
+              <a:srgbClr val="00B050"/>
+            </a:solidFill>
+          </a:ln>
+        </p:spPr>
+        <p:txBody>
+          <a:bodyPr wrap="none" rtlCol="0">
+            <a:spAutoFit/>
+          </a:bodyPr>
+          <a:lstStyle/>
+          <a:p>
+            <a:r>
+              <a:rPr lang="en-US" dirty="0" smtClean="0"/>
+              <a:t>[</a:t>
+            </a:r>
+            <a:r>
+              <a:rPr lang="en-US" dirty="0" err="1" smtClean="0"/>
+              <a:t>b,a,c</a:t>
+            </a:r>
+            <a:r>
+              <a:rPr lang="en-US" dirty="0" smtClean="0"/>
+              <a:t>], []</a:t>
+            </a:r>
+            <a:endParaRPr lang="en-US" dirty="0"/>
+          </a:p>
+        </p:txBody>
+      </p:sp>
+      <p:sp>
+        <p:nvSpPr>
+          <p:cNvPr id="17" name="TextBox 16"/>
+          <p:cNvSpPr txBox="1"/>
+          <p:nvPr/>
+        </p:nvSpPr>
+        <p:spPr>
+          <a:xfrm>
+            <a:off x="4876800" y="4572000"/>
+            <a:ext cx="1023037" cy="369332"/>
+          </a:xfrm>
+          <a:prstGeom prst="rect">
+            <a:avLst/>
+          </a:prstGeom>
+          <a:noFill/>
+          <a:ln w="31750">
+            <a:solidFill>
+              <a:srgbClr val="00B050"/>
+            </a:solidFill>
+          </a:ln>
+        </p:spPr>
+        <p:txBody>
+          <a:bodyPr wrap="none" rtlCol="0">
+            <a:spAutoFit/>
+          </a:bodyPr>
+          <a:lstStyle/>
+          <a:p>
+            <a:r>
+              <a:rPr lang="en-US" dirty="0" smtClean="0"/>
+              <a:t>[</a:t>
+            </a:r>
+            <a:r>
+              <a:rPr lang="en-US" dirty="0" err="1" smtClean="0"/>
+              <a:t>b,c,a</a:t>
+            </a:r>
+            <a:r>
+              <a:rPr lang="en-US" dirty="0" smtClean="0"/>
+              <a:t>], []</a:t>
             </a:r>
             <a:endParaRPr lang="en-US" dirty="0"/>
           </a:p>
@@ -8562,8 +6977,8 @@
         </p:nvCxnSpPr>
         <p:spPr>
           <a:xfrm flipH="1">
-            <a:off x="2934633" y="1740932"/>
-            <a:ext cx="1749017" cy="1230868"/>
+            <a:off x="2260536" y="2502932"/>
+            <a:ext cx="2333346" cy="468868"/>
           </a:xfrm>
           <a:prstGeom prst="straightConnector1">
             <a:avLst/>
@@ -8595,14 +7010,14 @@
           <p:cNvPr id="21" name="Straight Arrow Connector 20"/>
           <p:cNvCxnSpPr>
             <a:stCxn id="6" idx="2"/>
-            <a:endCxn id="82" idx="0"/>
+            <a:endCxn id="7" idx="0"/>
           </p:cNvCxnSpPr>
           <p:nvPr/>
         </p:nvCxnSpPr>
         <p:spPr>
           <a:xfrm flipH="1">
-            <a:off x="1637368" y="4179332"/>
-            <a:ext cx="76200" cy="468868"/>
+            <a:off x="1633336" y="4179332"/>
+            <a:ext cx="68529" cy="392668"/>
           </a:xfrm>
           <a:prstGeom prst="straightConnector1">
             <a:avLst/>
@@ -8640,8 +7055,8 @@
         </p:nvCxnSpPr>
         <p:spPr>
           <a:xfrm flipH="1">
-            <a:off x="1713568" y="3341132"/>
-            <a:ext cx="1221065" cy="468868"/>
+            <a:off x="1701865" y="3341132"/>
+            <a:ext cx="558671" cy="468868"/>
           </a:xfrm>
           <a:prstGeom prst="straightConnector1">
             <a:avLst/>
@@ -8672,15 +7087,15 @@
         <p:nvCxnSpPr>
           <p:cNvPr id="30" name="Straight Arrow Connector 29"/>
           <p:cNvCxnSpPr>
-            <a:stCxn id="6" idx="2"/>
-            <a:endCxn id="84" idx="0"/>
+            <a:stCxn id="9" idx="2"/>
+            <a:endCxn id="10" idx="0"/>
           </p:cNvCxnSpPr>
           <p:nvPr/>
         </p:nvCxnSpPr>
         <p:spPr>
           <a:xfrm>
-            <a:off x="1713568" y="4179332"/>
-            <a:ext cx="1219200" cy="480536"/>
+            <a:off x="2768665" y="4179332"/>
+            <a:ext cx="28854" cy="392668"/>
           </a:xfrm>
           <a:prstGeom prst="straightConnector1">
             <a:avLst/>
@@ -8718,8 +7133,8 @@
         </p:nvCxnSpPr>
         <p:spPr>
           <a:xfrm>
-            <a:off x="2934633" y="3341132"/>
-            <a:ext cx="1978402" cy="468868"/>
+            <a:off x="2260536" y="3341132"/>
+            <a:ext cx="508129" cy="468868"/>
           </a:xfrm>
           <a:prstGeom prst="straightConnector1">
             <a:avLst/>
@@ -8751,23 +7166,21 @@
           <p:cNvPr id="44" name="Straight Arrow Connector 43"/>
           <p:cNvCxnSpPr>
             <a:stCxn id="4" idx="2"/>
-            <a:endCxn id="54" idx="0"/>
+            <a:endCxn id="12" idx="0"/>
           </p:cNvCxnSpPr>
           <p:nvPr/>
         </p:nvCxnSpPr>
         <p:spPr>
           <a:xfrm>
-            <a:off x="4683650" y="1740932"/>
-            <a:ext cx="2060983" cy="1242536"/>
+            <a:off x="4593882" y="2502932"/>
+            <a:ext cx="3583" cy="468868"/>
           </a:xfrm>
           <a:prstGeom prst="straightConnector1">
             <a:avLst/>
           </a:prstGeom>
           <a:ln>
             <a:solidFill>
-              <a:schemeClr val="bg1">
-                <a:lumMod val="65000"/>
-              </a:schemeClr>
+              <a:srgbClr val="00B050"/>
             </a:solidFill>
             <a:tailEnd type="arrow"/>
           </a:ln>
@@ -8787,284 +7200,26 @@
           </a:fontRef>
         </p:style>
       </p:cxnSp>
-      <p:sp>
-        <p:nvSpPr>
-          <p:cNvPr id="68" name="TextBox 67"/>
-          <p:cNvSpPr txBox="1"/>
-          <p:nvPr/>
-        </p:nvSpPr>
-        <p:spPr>
-          <a:xfrm>
-            <a:off x="3124200" y="2450068"/>
-            <a:ext cx="301686" cy="369332"/>
-          </a:xfrm>
-          <a:prstGeom prst="rect">
-            <a:avLst/>
-          </a:prstGeom>
-          <a:noFill/>
-        </p:spPr>
-        <p:txBody>
-          <a:bodyPr wrap="none" rtlCol="0">
-            <a:spAutoFit/>
-          </a:bodyPr>
-          <a:lstStyle/>
-          <a:p>
-            <a:r>
-              <a:rPr lang="en-US" dirty="0" smtClean="0"/>
-              <a:t>0</a:t>
-            </a:r>
-            <a:endParaRPr lang="en-US" dirty="0"/>
-          </a:p>
-        </p:txBody>
-      </p:sp>
-      <p:sp>
-        <p:nvSpPr>
-          <p:cNvPr id="69" name="TextBox 68"/>
-          <p:cNvSpPr txBox="1"/>
-          <p:nvPr/>
-        </p:nvSpPr>
-        <p:spPr>
-          <a:xfrm>
-            <a:off x="1447800" y="3440668"/>
-            <a:ext cx="301686" cy="369332"/>
-          </a:xfrm>
-          <a:prstGeom prst="rect">
-            <a:avLst/>
-          </a:prstGeom>
-          <a:noFill/>
-        </p:spPr>
-        <p:txBody>
-          <a:bodyPr wrap="none" rtlCol="0">
-            <a:spAutoFit/>
-          </a:bodyPr>
-          <a:lstStyle/>
-          <a:p>
-            <a:r>
-              <a:rPr lang="en-US" dirty="0"/>
-              <a:t>1</a:t>
-            </a:r>
-          </a:p>
-        </p:txBody>
-      </p:sp>
-      <p:sp>
-        <p:nvSpPr>
-          <p:cNvPr id="70" name="TextBox 69"/>
-          <p:cNvSpPr txBox="1"/>
-          <p:nvPr/>
-        </p:nvSpPr>
-        <p:spPr>
-          <a:xfrm>
-            <a:off x="2667000" y="3429000"/>
-            <a:ext cx="301686" cy="369332"/>
-          </a:xfrm>
-          <a:prstGeom prst="rect">
-            <a:avLst/>
-          </a:prstGeom>
-          <a:noFill/>
-        </p:spPr>
-        <p:txBody>
-          <a:bodyPr wrap="none" rtlCol="0">
-            <a:spAutoFit/>
-          </a:bodyPr>
-          <a:lstStyle/>
-          <a:p>
-            <a:r>
-              <a:rPr lang="en-US" dirty="0" smtClean="0"/>
-              <a:t>3</a:t>
-            </a:r>
-            <a:endParaRPr lang="en-US" dirty="0"/>
-          </a:p>
-        </p:txBody>
-      </p:sp>
-      <p:sp>
-        <p:nvSpPr>
-          <p:cNvPr id="72" name="TextBox 71"/>
-          <p:cNvSpPr txBox="1"/>
-          <p:nvPr/>
-        </p:nvSpPr>
-        <p:spPr>
-          <a:xfrm>
-            <a:off x="1982449" y="4191000"/>
-            <a:ext cx="301686" cy="369332"/>
-          </a:xfrm>
-          <a:prstGeom prst="rect">
-            <a:avLst/>
-          </a:prstGeom>
-          <a:noFill/>
-        </p:spPr>
-        <p:txBody>
-          <a:bodyPr wrap="none" rtlCol="0">
-            <a:spAutoFit/>
-          </a:bodyPr>
-          <a:lstStyle/>
-          <a:p>
-            <a:r>
-              <a:rPr lang="en-US" dirty="0"/>
-              <a:t>2</a:t>
-            </a:r>
-          </a:p>
-        </p:txBody>
-      </p:sp>
-      <p:sp>
-        <p:nvSpPr>
-          <p:cNvPr id="73" name="TextBox 72"/>
-          <p:cNvSpPr txBox="1"/>
-          <p:nvPr/>
-        </p:nvSpPr>
-        <p:spPr>
-          <a:xfrm>
-            <a:off x="3430249" y="4202668"/>
-            <a:ext cx="301686" cy="369332"/>
-          </a:xfrm>
-          <a:prstGeom prst="rect">
-            <a:avLst/>
-          </a:prstGeom>
-          <a:noFill/>
-        </p:spPr>
-        <p:txBody>
-          <a:bodyPr wrap="square" rtlCol="0">
-            <a:spAutoFit/>
-          </a:bodyPr>
-          <a:lstStyle/>
-          <a:p>
-            <a:r>
-              <a:rPr lang="en-US" dirty="0" smtClean="0"/>
-              <a:t>4</a:t>
-            </a:r>
-            <a:endParaRPr lang="en-US" dirty="0"/>
-          </a:p>
-        </p:txBody>
-      </p:sp>
-      <p:sp>
-        <p:nvSpPr>
-          <p:cNvPr id="75" name="TextBox 74"/>
-          <p:cNvSpPr txBox="1"/>
-          <p:nvPr/>
-        </p:nvSpPr>
-        <p:spPr>
-          <a:xfrm>
-            <a:off x="4267200" y="2590800"/>
-            <a:ext cx="301686" cy="369332"/>
-          </a:xfrm>
-          <a:prstGeom prst="rect">
-            <a:avLst/>
-          </a:prstGeom>
-          <a:noFill/>
-        </p:spPr>
-        <p:txBody>
-          <a:bodyPr wrap="none" rtlCol="0">
-            <a:spAutoFit/>
-          </a:bodyPr>
-          <a:lstStyle/>
-          <a:p>
-            <a:r>
-              <a:rPr lang="en-US" dirty="0" smtClean="0"/>
-              <a:t>5</a:t>
-            </a:r>
-            <a:endParaRPr lang="en-US" dirty="0"/>
-          </a:p>
-        </p:txBody>
-      </p:sp>
-      <p:sp>
-        <p:nvSpPr>
-          <p:cNvPr id="83" name="TextBox 82"/>
-          <p:cNvSpPr txBox="1"/>
-          <p:nvPr/>
-        </p:nvSpPr>
-        <p:spPr>
-          <a:xfrm>
-            <a:off x="-76200" y="5830669"/>
-            <a:ext cx="1117614" cy="646331"/>
-          </a:xfrm>
-          <a:prstGeom prst="rect">
-            <a:avLst/>
-          </a:prstGeom>
-          <a:noFill/>
-        </p:spPr>
-        <p:txBody>
-          <a:bodyPr wrap="none" rtlCol="0">
-            <a:spAutoFit/>
-          </a:bodyPr>
-          <a:lstStyle/>
-          <a:p>
-            <a:r>
-              <a:rPr lang="en-US" dirty="0" smtClean="0"/>
-              <a:t>Recursive</a:t>
-            </a:r>
-          </a:p>
-          <a:p>
-            <a:r>
-              <a:rPr lang="en-US" dirty="0" smtClean="0"/>
-              <a:t>Base Case</a:t>
-            </a:r>
-            <a:endParaRPr lang="en-US" dirty="0"/>
-          </a:p>
-        </p:txBody>
-      </p:sp>
-      <p:sp>
-        <p:nvSpPr>
-          <p:cNvPr id="85" name="TextBox 84"/>
-          <p:cNvSpPr txBox="1"/>
-          <p:nvPr/>
-        </p:nvSpPr>
-        <p:spPr>
-          <a:xfrm>
-            <a:off x="1828800" y="533400"/>
-            <a:ext cx="5434886" cy="369332"/>
-          </a:xfrm>
-          <a:prstGeom prst="rect">
-            <a:avLst/>
-          </a:prstGeom>
-          <a:noFill/>
-        </p:spPr>
-        <p:txBody>
-          <a:bodyPr wrap="none" rtlCol="0">
-            <a:spAutoFit/>
-          </a:bodyPr>
-          <a:lstStyle/>
-          <a:p>
-            <a:r>
-              <a:rPr lang="en-US" dirty="0" smtClean="0"/>
-              <a:t>Calls to Recursive </a:t>
-            </a:r>
-            <a:r>
-              <a:rPr lang="en-US" dirty="0" smtClean="0"/>
-              <a:t>Permutations for [</a:t>
-            </a:r>
-            <a:r>
-              <a:rPr lang="en-US" dirty="0" err="1" smtClean="0"/>
-              <a:t>a,b,c,d</a:t>
-            </a:r>
-            <a:r>
-              <a:rPr lang="en-US" dirty="0" smtClean="0"/>
-              <a:t>], one branch</a:t>
-            </a:r>
-            <a:endParaRPr lang="en-US" dirty="0"/>
-          </a:p>
-        </p:txBody>
-      </p:sp>
       <p:cxnSp>
         <p:nvCxnSpPr>
-          <p:cNvPr id="91" name="Straight Arrow Connector 90"/>
+          <p:cNvPr id="47" name="Straight Arrow Connector 46"/>
           <p:cNvCxnSpPr>
-            <a:stCxn id="4" idx="2"/>
-            <a:endCxn id="55" idx="0"/>
+            <a:stCxn id="12" idx="2"/>
+            <a:endCxn id="13" idx="0"/>
           </p:cNvCxnSpPr>
           <p:nvPr/>
         </p:nvCxnSpPr>
         <p:spPr>
-          <a:xfrm>
-            <a:off x="4683650" y="1740932"/>
-            <a:ext cx="3583118" cy="1230868"/>
+          <a:xfrm flipH="1">
+            <a:off x="4064065" y="3341132"/>
+            <a:ext cx="533400" cy="468868"/>
           </a:xfrm>
           <a:prstGeom prst="straightConnector1">
             <a:avLst/>
           </a:prstGeom>
           <a:ln>
             <a:solidFill>
-              <a:schemeClr val="bg1">
-                <a:lumMod val="65000"/>
-              </a:schemeClr>
+              <a:srgbClr val="00B050"/>
             </a:solidFill>
             <a:tailEnd type="arrow"/>
           </a:ln>
@@ -9084,16 +7239,133 @@
           </a:fontRef>
         </p:style>
       </p:cxnSp>
-      <p:sp>
-        <p:nvSpPr>
-          <p:cNvPr id="98" name="TextBox 97"/>
+      <p:cxnSp>
+        <p:nvCxnSpPr>
+          <p:cNvPr id="52" name="Straight Arrow Connector 51"/>
+          <p:cNvCxnSpPr>
+            <a:stCxn id="12" idx="2"/>
+            <a:endCxn id="14" idx="0"/>
+          </p:cNvCxnSpPr>
+          <p:nvPr/>
+        </p:nvCxnSpPr>
+        <p:spPr>
+          <a:xfrm>
+            <a:off x="4597465" y="3341132"/>
+            <a:ext cx="533400" cy="468868"/>
+          </a:xfrm>
+          <a:prstGeom prst="straightConnector1">
+            <a:avLst/>
+          </a:prstGeom>
+          <a:ln>
+            <a:solidFill>
+              <a:srgbClr val="00B050"/>
+            </a:solidFill>
+            <a:tailEnd type="arrow"/>
+          </a:ln>
+        </p:spPr>
+        <p:style>
+          <a:lnRef idx="1">
+            <a:schemeClr val="accent1"/>
+          </a:lnRef>
+          <a:fillRef idx="0">
+            <a:schemeClr val="accent1"/>
+          </a:fillRef>
+          <a:effectRef idx="0">
+            <a:schemeClr val="accent1"/>
+          </a:effectRef>
+          <a:fontRef idx="minor">
+            <a:schemeClr val="tx1"/>
+          </a:fontRef>
+        </p:style>
+      </p:cxnSp>
+      <p:cxnSp>
+        <p:nvCxnSpPr>
+          <p:cNvPr id="59" name="Straight Arrow Connector 58"/>
+          <p:cNvCxnSpPr>
+            <a:stCxn id="14" idx="2"/>
+            <a:endCxn id="17" idx="0"/>
+          </p:cNvCxnSpPr>
+          <p:nvPr/>
+        </p:nvCxnSpPr>
+        <p:spPr>
+          <a:xfrm>
+            <a:off x="5130865" y="4179332"/>
+            <a:ext cx="257454" cy="392668"/>
+          </a:xfrm>
+          <a:prstGeom prst="straightConnector1">
+            <a:avLst/>
+          </a:prstGeom>
+          <a:ln>
+            <a:solidFill>
+              <a:srgbClr val="00B050"/>
+            </a:solidFill>
+            <a:tailEnd type="arrow"/>
+          </a:ln>
+        </p:spPr>
+        <p:style>
+          <a:lnRef idx="1">
+            <a:schemeClr val="accent1"/>
+          </a:lnRef>
+          <a:fillRef idx="0">
+            <a:schemeClr val="accent1"/>
+          </a:fillRef>
+          <a:effectRef idx="0">
+            <a:schemeClr val="accent1"/>
+          </a:effectRef>
+          <a:fontRef idx="minor">
+            <a:schemeClr val="tx1"/>
+          </a:fontRef>
+        </p:style>
+      </p:cxnSp>
+      <p:cxnSp>
+        <p:nvCxnSpPr>
+          <p:cNvPr id="62" name="Straight Arrow Connector 61"/>
+          <p:cNvCxnSpPr>
+            <a:stCxn id="13" idx="2"/>
+            <a:endCxn id="15" idx="0"/>
+          </p:cNvCxnSpPr>
+          <p:nvPr/>
+        </p:nvCxnSpPr>
+        <p:spPr>
+          <a:xfrm flipH="1">
+            <a:off x="4016719" y="4179332"/>
+            <a:ext cx="47346" cy="392668"/>
+          </a:xfrm>
+          <a:prstGeom prst="straightConnector1">
+            <a:avLst/>
+          </a:prstGeom>
+          <a:ln>
+            <a:solidFill>
+              <a:srgbClr val="00B050"/>
+            </a:solidFill>
+            <a:tailEnd type="arrow"/>
+          </a:ln>
+        </p:spPr>
+        <p:style>
+          <a:lnRef idx="1">
+            <a:schemeClr val="accent1"/>
+          </a:lnRef>
+          <a:fillRef idx="0">
+            <a:schemeClr val="accent1"/>
+          </a:fillRef>
+          <a:effectRef idx="0">
+            <a:schemeClr val="accent1"/>
+          </a:effectRef>
+          <a:fontRef idx="minor">
+            <a:schemeClr val="tx1"/>
+          </a:fontRef>
+        </p:style>
+      </p:cxnSp>
+      <p:sp>
+        <p:nvSpPr>
+          <p:cNvPr id="68" name="TextBox 67"/>
           <p:cNvSpPr txBox="1"/>
           <p:nvPr/>
         </p:nvSpPr>
         <p:spPr>
           <a:xfrm>
-            <a:off x="8649096" y="4202668"/>
-            <a:ext cx="418704" cy="369332"/>
+            <a:off x="3124200" y="2450068"/>
+            <a:ext cx="301686" cy="369332"/>
           </a:xfrm>
           <a:prstGeom prst="rect">
             <a:avLst/>
@@ -9108,7 +7380,7 @@
           <a:p>
             <a:r>
               <a:rPr lang="en-US" dirty="0" smtClean="0"/>
-              <a:t>14</a:t>
+              <a:t>0</a:t>
             </a:r>
             <a:endParaRPr lang="en-US" dirty="0"/>
           </a:p>
@@ -9116,14 +7388,384 @@
       </p:sp>
       <p:sp>
         <p:nvSpPr>
-          <p:cNvPr id="53" name="TextBox 52"/>
+          <p:cNvPr id="69" name="TextBox 68"/>
           <p:cNvSpPr txBox="1"/>
           <p:nvPr/>
         </p:nvSpPr>
         <p:spPr>
           <a:xfrm>
-            <a:off x="4874935" y="2971800"/>
-            <a:ext cx="1144865" cy="369332"/>
+            <a:off x="1447800" y="3440668"/>
+            <a:ext cx="301686" cy="369332"/>
+          </a:xfrm>
+          <a:prstGeom prst="rect">
+            <a:avLst/>
+          </a:prstGeom>
+          <a:noFill/>
+        </p:spPr>
+        <p:txBody>
+          <a:bodyPr wrap="none" rtlCol="0">
+            <a:spAutoFit/>
+          </a:bodyPr>
+          <a:lstStyle/>
+          <a:p>
+            <a:r>
+              <a:rPr lang="en-US" dirty="0"/>
+              <a:t>1</a:t>
+            </a:r>
+          </a:p>
+        </p:txBody>
+      </p:sp>
+      <p:sp>
+        <p:nvSpPr>
+          <p:cNvPr id="70" name="TextBox 69"/>
+          <p:cNvSpPr txBox="1"/>
+          <p:nvPr/>
+        </p:nvSpPr>
+        <p:spPr>
+          <a:xfrm>
+            <a:off x="2667000" y="3429000"/>
+            <a:ext cx="301686" cy="369332"/>
+          </a:xfrm>
+          <a:prstGeom prst="rect">
+            <a:avLst/>
+          </a:prstGeom>
+          <a:noFill/>
+        </p:spPr>
+        <p:txBody>
+          <a:bodyPr wrap="none" rtlCol="0">
+            <a:spAutoFit/>
+          </a:bodyPr>
+          <a:lstStyle/>
+          <a:p>
+            <a:r>
+              <a:rPr lang="en-US" dirty="0" smtClean="0"/>
+              <a:t>3</a:t>
+            </a:r>
+            <a:endParaRPr lang="en-US" dirty="0"/>
+          </a:p>
+        </p:txBody>
+      </p:sp>
+      <p:sp>
+        <p:nvSpPr>
+          <p:cNvPr id="72" name="TextBox 71"/>
+          <p:cNvSpPr txBox="1"/>
+          <p:nvPr/>
+        </p:nvSpPr>
+        <p:spPr>
+          <a:xfrm>
+            <a:off x="1298514" y="4191000"/>
+            <a:ext cx="301686" cy="369332"/>
+          </a:xfrm>
+          <a:prstGeom prst="rect">
+            <a:avLst/>
+          </a:prstGeom>
+          <a:noFill/>
+        </p:spPr>
+        <p:txBody>
+          <a:bodyPr wrap="none" rtlCol="0">
+            <a:spAutoFit/>
+          </a:bodyPr>
+          <a:lstStyle/>
+          <a:p>
+            <a:r>
+              <a:rPr lang="en-US" dirty="0"/>
+              <a:t>2</a:t>
+            </a:r>
+          </a:p>
+        </p:txBody>
+      </p:sp>
+      <p:sp>
+        <p:nvSpPr>
+          <p:cNvPr id="73" name="TextBox 72"/>
+          <p:cNvSpPr txBox="1"/>
+          <p:nvPr/>
+        </p:nvSpPr>
+        <p:spPr>
+          <a:xfrm>
+            <a:off x="2822514" y="4202668"/>
+            <a:ext cx="301686" cy="369332"/>
+          </a:xfrm>
+          <a:prstGeom prst="rect">
+            <a:avLst/>
+          </a:prstGeom>
+          <a:noFill/>
+        </p:spPr>
+        <p:txBody>
+          <a:bodyPr wrap="square" rtlCol="0">
+            <a:spAutoFit/>
+          </a:bodyPr>
+          <a:lstStyle/>
+          <a:p>
+            <a:r>
+              <a:rPr lang="en-US" dirty="0" smtClean="0"/>
+              <a:t>4</a:t>
+            </a:r>
+            <a:endParaRPr lang="en-US" dirty="0"/>
+          </a:p>
+        </p:txBody>
+      </p:sp>
+      <p:sp>
+        <p:nvSpPr>
+          <p:cNvPr id="75" name="TextBox 74"/>
+          <p:cNvSpPr txBox="1"/>
+          <p:nvPr/>
+        </p:nvSpPr>
+        <p:spPr>
+          <a:xfrm>
+            <a:off x="4267200" y="2590800"/>
+            <a:ext cx="301686" cy="369332"/>
+          </a:xfrm>
+          <a:prstGeom prst="rect">
+            <a:avLst/>
+          </a:prstGeom>
+          <a:noFill/>
+        </p:spPr>
+        <p:txBody>
+          <a:bodyPr wrap="none" rtlCol="0">
+            <a:spAutoFit/>
+          </a:bodyPr>
+          <a:lstStyle/>
+          <a:p>
+            <a:r>
+              <a:rPr lang="en-US" dirty="0" smtClean="0"/>
+              <a:t>5</a:t>
+            </a:r>
+            <a:endParaRPr lang="en-US" dirty="0"/>
+          </a:p>
+        </p:txBody>
+      </p:sp>
+      <p:sp>
+        <p:nvSpPr>
+          <p:cNvPr id="76" name="TextBox 75"/>
+          <p:cNvSpPr txBox="1"/>
+          <p:nvPr/>
+        </p:nvSpPr>
+        <p:spPr>
+          <a:xfrm>
+            <a:off x="6210696" y="4202668"/>
+            <a:ext cx="418704" cy="369332"/>
+          </a:xfrm>
+          <a:prstGeom prst="rect">
+            <a:avLst/>
+          </a:prstGeom>
+          <a:noFill/>
+        </p:spPr>
+        <p:txBody>
+          <a:bodyPr wrap="none" rtlCol="0">
+            <a:spAutoFit/>
+          </a:bodyPr>
+          <a:lstStyle/>
+          <a:p>
+            <a:r>
+              <a:rPr lang="en-US" dirty="0" smtClean="0"/>
+              <a:t>12</a:t>
+            </a:r>
+            <a:endParaRPr lang="en-US" dirty="0"/>
+          </a:p>
+        </p:txBody>
+      </p:sp>
+      <p:sp>
+        <p:nvSpPr>
+          <p:cNvPr id="78" name="TextBox 77"/>
+          <p:cNvSpPr txBox="1"/>
+          <p:nvPr/>
+        </p:nvSpPr>
+        <p:spPr>
+          <a:xfrm>
+            <a:off x="3657600" y="4202668"/>
+            <a:ext cx="301686" cy="369332"/>
+          </a:xfrm>
+          <a:prstGeom prst="rect">
+            <a:avLst/>
+          </a:prstGeom>
+          <a:noFill/>
+        </p:spPr>
+        <p:txBody>
+          <a:bodyPr wrap="none" rtlCol="0">
+            <a:spAutoFit/>
+          </a:bodyPr>
+          <a:lstStyle/>
+          <a:p>
+            <a:r>
+              <a:rPr lang="en-US" dirty="0"/>
+              <a:t>7</a:t>
+            </a:r>
+          </a:p>
+        </p:txBody>
+      </p:sp>
+      <p:sp>
+        <p:nvSpPr>
+          <p:cNvPr id="79" name="TextBox 78"/>
+          <p:cNvSpPr txBox="1"/>
+          <p:nvPr/>
+        </p:nvSpPr>
+        <p:spPr>
+          <a:xfrm>
+            <a:off x="5489514" y="4202668"/>
+            <a:ext cx="301686" cy="369332"/>
+          </a:xfrm>
+          <a:prstGeom prst="rect">
+            <a:avLst/>
+          </a:prstGeom>
+          <a:noFill/>
+        </p:spPr>
+        <p:txBody>
+          <a:bodyPr wrap="none" rtlCol="0">
+            <a:spAutoFit/>
+          </a:bodyPr>
+          <a:lstStyle/>
+          <a:p>
+            <a:r>
+              <a:rPr lang="en-US" dirty="0" smtClean="0"/>
+              <a:t>9</a:t>
+            </a:r>
+            <a:endParaRPr lang="en-US" dirty="0"/>
+          </a:p>
+        </p:txBody>
+      </p:sp>
+      <p:sp>
+        <p:nvSpPr>
+          <p:cNvPr id="80" name="TextBox 79"/>
+          <p:cNvSpPr txBox="1"/>
+          <p:nvPr/>
+        </p:nvSpPr>
+        <p:spPr>
+          <a:xfrm>
+            <a:off x="3886200" y="3440668"/>
+            <a:ext cx="301686" cy="369332"/>
+          </a:xfrm>
+          <a:prstGeom prst="rect">
+            <a:avLst/>
+          </a:prstGeom>
+          <a:noFill/>
+        </p:spPr>
+        <p:txBody>
+          <a:bodyPr wrap="none" rtlCol="0">
+            <a:spAutoFit/>
+          </a:bodyPr>
+          <a:lstStyle/>
+          <a:p>
+            <a:r>
+              <a:rPr lang="en-US" dirty="0"/>
+              <a:t>6</a:t>
+            </a:r>
+          </a:p>
+        </p:txBody>
+      </p:sp>
+      <p:sp>
+        <p:nvSpPr>
+          <p:cNvPr id="83" name="TextBox 82"/>
+          <p:cNvSpPr txBox="1"/>
+          <p:nvPr/>
+        </p:nvSpPr>
+        <p:spPr>
+          <a:xfrm>
+            <a:off x="0" y="4419600"/>
+            <a:ext cx="1117614" cy="646331"/>
+          </a:xfrm>
+          <a:prstGeom prst="rect">
+            <a:avLst/>
+          </a:prstGeom>
+          <a:noFill/>
+        </p:spPr>
+        <p:txBody>
+          <a:bodyPr wrap="none" rtlCol="0">
+            <a:spAutoFit/>
+          </a:bodyPr>
+          <a:lstStyle/>
+          <a:p>
+            <a:r>
+              <a:rPr lang="en-US" dirty="0" smtClean="0"/>
+              <a:t>Recursive</a:t>
+            </a:r>
+          </a:p>
+          <a:p>
+            <a:r>
+              <a:rPr lang="en-US" dirty="0" smtClean="0"/>
+              <a:t>Base Case</a:t>
+            </a:r>
+            <a:endParaRPr lang="en-US" dirty="0"/>
+          </a:p>
+        </p:txBody>
+      </p:sp>
+      <p:sp>
+        <p:nvSpPr>
+          <p:cNvPr id="85" name="TextBox 84"/>
+          <p:cNvSpPr txBox="1"/>
+          <p:nvPr/>
+        </p:nvSpPr>
+        <p:spPr>
+          <a:xfrm>
+            <a:off x="2514600" y="533400"/>
+            <a:ext cx="4083490" cy="369332"/>
+          </a:xfrm>
+          <a:prstGeom prst="rect">
+            <a:avLst/>
+          </a:prstGeom>
+          <a:noFill/>
+        </p:spPr>
+        <p:txBody>
+          <a:bodyPr wrap="none" rtlCol="0">
+            <a:spAutoFit/>
+          </a:bodyPr>
+          <a:lstStyle/>
+          <a:p>
+            <a:r>
+              <a:rPr lang="en-US" dirty="0" smtClean="0"/>
+              <a:t>Calls to Recursive Permutations for [</a:t>
+            </a:r>
+            <a:r>
+              <a:rPr lang="en-US" dirty="0" err="1" smtClean="0"/>
+              <a:t>a,b,c</a:t>
+            </a:r>
+            <a:r>
+              <a:rPr lang="en-US" dirty="0" smtClean="0"/>
+              <a:t>]</a:t>
+            </a:r>
+            <a:endParaRPr lang="en-US" dirty="0"/>
+          </a:p>
+        </p:txBody>
+      </p:sp>
+      <p:sp>
+        <p:nvSpPr>
+          <p:cNvPr id="67" name="TextBox 66"/>
+          <p:cNvSpPr txBox="1"/>
+          <p:nvPr/>
+        </p:nvSpPr>
+        <p:spPr>
+          <a:xfrm>
+            <a:off x="5108514" y="3429000"/>
+            <a:ext cx="301686" cy="369332"/>
+          </a:xfrm>
+          <a:prstGeom prst="rect">
+            <a:avLst/>
+          </a:prstGeom>
+          <a:noFill/>
+        </p:spPr>
+        <p:txBody>
+          <a:bodyPr wrap="none" rtlCol="0">
+            <a:spAutoFit/>
+          </a:bodyPr>
+          <a:lstStyle/>
+          <a:p>
+            <a:r>
+              <a:rPr lang="en-US" dirty="0" smtClean="0"/>
+              <a:t>8</a:t>
+            </a:r>
+            <a:endParaRPr lang="en-US" dirty="0"/>
+          </a:p>
+        </p:txBody>
+      </p:sp>
+      <p:sp>
+        <p:nvSpPr>
+          <p:cNvPr id="86" name="TextBox 85"/>
+          <p:cNvSpPr txBox="1"/>
+          <p:nvPr/>
+        </p:nvSpPr>
+        <p:spPr>
+          <a:xfrm>
+            <a:off x="6781800" y="2971800"/>
+            <a:ext cx="965329" cy="369332"/>
           </a:xfrm>
           <a:prstGeom prst="rect">
             <a:avLst/>
@@ -9145,15 +7787,11 @@
           <a:p>
             <a:r>
               <a:rPr lang="en-US" dirty="0" smtClean="0"/>
-              <a:t>[b], [</a:t>
+              <a:t>[c], [</a:t>
             </a:r>
             <a:r>
               <a:rPr lang="en-US" dirty="0" err="1" smtClean="0"/>
-              <a:t>a</a:t>
-            </a:r>
-            <a:r>
-              <a:rPr lang="en-US" dirty="0" err="1" smtClean="0"/>
-              <a:t>,c,d</a:t>
+              <a:t>a,b</a:t>
             </a:r>
             <a:r>
               <a:rPr lang="en-US" dirty="0" smtClean="0"/>
@@ -9165,14 +7803,14 @@
       </p:sp>
       <p:sp>
         <p:nvSpPr>
-          <p:cNvPr id="54" name="TextBox 53"/>
+          <p:cNvPr id="87" name="TextBox 86"/>
           <p:cNvSpPr txBox="1"/>
           <p:nvPr/>
         </p:nvSpPr>
         <p:spPr>
           <a:xfrm>
-            <a:off x="6172200" y="2983468"/>
-            <a:ext cx="1144865" cy="369332"/>
+            <a:off x="6248400" y="3810000"/>
+            <a:ext cx="965329" cy="369332"/>
           </a:xfrm>
           <a:prstGeom prst="rect">
             <a:avLst/>
@@ -9194,19 +7832,15 @@
           <a:p>
             <a:r>
               <a:rPr lang="en-US" dirty="0" smtClean="0"/>
-              <a:t>[c], [</a:t>
+              <a:t>[</a:t>
             </a:r>
             <a:r>
               <a:rPr lang="en-US" dirty="0" err="1" smtClean="0"/>
-              <a:t>a</a:t>
-            </a:r>
-            <a:r>
-              <a:rPr lang="en-US" dirty="0" err="1" smtClean="0"/>
-              <a:t>,b,d</a:t>
+              <a:t>c,a</a:t>
             </a:r>
             <a:r>
               <a:rPr lang="en-US" dirty="0" smtClean="0"/>
-              <a:t>]</a:t>
+              <a:t>], [b]</a:t>
             </a:r>
             <a:endParaRPr lang="en-US" dirty="0"/>
           </a:p>
@@ -9214,14 +7848,14 @@
       </p:sp>
       <p:sp>
         <p:nvSpPr>
-          <p:cNvPr id="55" name="TextBox 54"/>
+          <p:cNvPr id="88" name="TextBox 87"/>
           <p:cNvSpPr txBox="1"/>
           <p:nvPr/>
         </p:nvSpPr>
         <p:spPr>
           <a:xfrm>
-            <a:off x="7694335" y="2971800"/>
-            <a:ext cx="1144865" cy="369332"/>
+            <a:off x="7315200" y="3810000"/>
+            <a:ext cx="965329" cy="369332"/>
           </a:xfrm>
           <a:prstGeom prst="rect">
             <a:avLst/>
@@ -9243,178 +7877,39 @@
           <a:p>
             <a:r>
               <a:rPr lang="en-US" dirty="0" smtClean="0"/>
-              <a:t>[d], [</a:t>
+              <a:t>[</a:t>
             </a:r>
             <a:r>
               <a:rPr lang="en-US" dirty="0" err="1" smtClean="0"/>
-              <a:t>a,b,c</a:t>
+              <a:t>c,b</a:t>
             </a:r>
             <a:r>
               <a:rPr lang="en-US" dirty="0" smtClean="0"/>
-              <a:t>]</a:t>
+              <a:t>], [a]</a:t>
             </a:r>
             <a:endParaRPr lang="en-US" dirty="0"/>
           </a:p>
         </p:txBody>
       </p:sp>
-      <p:cxnSp>
-        <p:nvCxnSpPr>
-          <p:cNvPr id="58" name="Straight Arrow Connector 57"/>
-          <p:cNvCxnSpPr>
-            <a:stCxn id="4" idx="2"/>
-            <a:endCxn id="53" idx="0"/>
-          </p:cNvCxnSpPr>
-          <p:nvPr/>
-        </p:nvCxnSpPr>
-        <p:spPr>
-          <a:xfrm>
-            <a:off x="4683650" y="1740932"/>
-            <a:ext cx="763718" cy="1230868"/>
-          </a:xfrm>
-          <a:prstGeom prst="straightConnector1">
-            <a:avLst/>
-          </a:prstGeom>
-          <a:ln>
-            <a:solidFill>
-              <a:schemeClr val="bg1">
-                <a:lumMod val="65000"/>
-              </a:schemeClr>
-            </a:solidFill>
-            <a:tailEnd type="arrow"/>
-          </a:ln>
-        </p:spPr>
-        <p:style>
-          <a:lnRef idx="1">
-            <a:schemeClr val="accent1"/>
-          </a:lnRef>
-          <a:fillRef idx="0">
-            <a:schemeClr val="accent1"/>
-          </a:fillRef>
-          <a:effectRef idx="0">
-            <a:schemeClr val="accent1"/>
-          </a:effectRef>
-          <a:fontRef idx="minor">
-            <a:schemeClr val="tx1"/>
-          </a:fontRef>
-        </p:style>
-      </p:cxnSp>
-      <p:sp>
-        <p:nvSpPr>
-          <p:cNvPr id="71" name="TextBox 70"/>
+      <p:sp>
+        <p:nvSpPr>
+          <p:cNvPr id="89" name="TextBox 88"/>
           <p:cNvSpPr txBox="1"/>
           <p:nvPr/>
         </p:nvSpPr>
         <p:spPr>
           <a:xfrm>
-            <a:off x="7274382" y="3810000"/>
-            <a:ext cx="1219200" cy="369332"/>
+            <a:off x="6172200" y="4572000"/>
+            <a:ext cx="1023037" cy="369332"/>
           </a:xfrm>
           <a:prstGeom prst="rect">
             <a:avLst/>
           </a:prstGeom>
           <a:noFill/>
-          <a:ln>
-            <a:solidFill>
-              <a:schemeClr val="bg1">
-                <a:lumMod val="65000"/>
-              </a:schemeClr>
-            </a:solidFill>
-          </a:ln>
-        </p:spPr>
-        <p:txBody>
-          <a:bodyPr wrap="square" rtlCol="0">
-            <a:spAutoFit/>
-          </a:bodyPr>
-          <a:lstStyle/>
-          <a:p>
-            <a:r>
-              <a:rPr lang="en-US" dirty="0" smtClean="0"/>
-              <a:t>[</a:t>
-            </a:r>
-            <a:r>
-              <a:rPr lang="en-US" dirty="0" err="1" smtClean="0"/>
-              <a:t>a,d</a:t>
-            </a:r>
-            <a:r>
-              <a:rPr lang="en-US" dirty="0" smtClean="0"/>
-              <a:t>], </a:t>
-            </a:r>
-            <a:r>
-              <a:rPr lang="en-US" dirty="0" smtClean="0"/>
-              <a:t>[</a:t>
-            </a:r>
-            <a:r>
-              <a:rPr lang="en-US" dirty="0" err="1" smtClean="0"/>
-              <a:t>b,c</a:t>
-            </a:r>
-            <a:r>
-              <a:rPr lang="en-US" dirty="0" smtClean="0"/>
-              <a:t>]</a:t>
-            </a:r>
-            <a:endParaRPr lang="en-US" dirty="0"/>
-          </a:p>
-        </p:txBody>
-      </p:sp>
-      <p:cxnSp>
-        <p:nvCxnSpPr>
-          <p:cNvPr id="74" name="Straight Arrow Connector 73"/>
-          <p:cNvCxnSpPr>
-            <a:stCxn id="5" idx="2"/>
-            <a:endCxn id="71" idx="0"/>
-          </p:cNvCxnSpPr>
-          <p:nvPr/>
-        </p:nvCxnSpPr>
-        <p:spPr>
-          <a:xfrm>
-            <a:off x="2934633" y="3341132"/>
-            <a:ext cx="4949349" cy="468868"/>
-          </a:xfrm>
-          <a:prstGeom prst="straightConnector1">
-            <a:avLst/>
-          </a:prstGeom>
-          <a:ln>
+          <a:ln w="31750">
             <a:solidFill>
               <a:srgbClr val="00B050"/>
             </a:solidFill>
-            <a:tailEnd type="arrow"/>
-          </a:ln>
-        </p:spPr>
-        <p:style>
-          <a:lnRef idx="1">
-            <a:schemeClr val="accent1"/>
-          </a:lnRef>
-          <a:fillRef idx="0">
-            <a:schemeClr val="accent1"/>
-          </a:fillRef>
-          <a:effectRef idx="0">
-            <a:schemeClr val="accent1"/>
-          </a:effectRef>
-          <a:fontRef idx="minor">
-            <a:schemeClr val="tx1"/>
-          </a:fontRef>
-        </p:style>
-      </p:cxnSp>
-      <p:sp>
-        <p:nvSpPr>
-          <p:cNvPr id="82" name="TextBox 81"/>
-          <p:cNvSpPr txBox="1"/>
-          <p:nvPr/>
-        </p:nvSpPr>
-        <p:spPr>
-          <a:xfrm>
-            <a:off x="1064935" y="4648200"/>
-            <a:ext cx="1144865" cy="369332"/>
-          </a:xfrm>
-          <a:prstGeom prst="rect">
-            <a:avLst/>
-          </a:prstGeom>
-          <a:noFill/>
-          <a:ln>
-            <a:solidFill>
-              <a:schemeClr val="bg1">
-                <a:lumMod val="65000"/>
-              </a:schemeClr>
-            </a:solidFill>
           </a:ln>
         </p:spPr>
         <p:txBody>
@@ -9429,11 +7924,11 @@
             </a:r>
             <a:r>
               <a:rPr lang="en-US" dirty="0" err="1" smtClean="0"/>
-              <a:t>a,b,c</a:t>
+              <a:t>c,a,b</a:t>
             </a:r>
             <a:r>
               <a:rPr lang="en-US" dirty="0" smtClean="0"/>
-              <a:t>], [d]</a:t>
+              <a:t>], []</a:t>
             </a:r>
             <a:endParaRPr lang="en-US" dirty="0"/>
           </a:p>
@@ -9441,24 +7936,22 @@
       </p:sp>
       <p:sp>
         <p:nvSpPr>
-          <p:cNvPr id="84" name="TextBox 83"/>
+          <p:cNvPr id="90" name="TextBox 89"/>
           <p:cNvSpPr txBox="1"/>
           <p:nvPr/>
         </p:nvSpPr>
         <p:spPr>
           <a:xfrm>
-            <a:off x="2360335" y="4659868"/>
-            <a:ext cx="1144865" cy="369332"/>
+            <a:off x="7543800" y="4572000"/>
+            <a:ext cx="1023037" cy="369332"/>
           </a:xfrm>
           <a:prstGeom prst="rect">
             <a:avLst/>
           </a:prstGeom>
           <a:noFill/>
-          <a:ln>
+          <a:ln w="31750">
             <a:solidFill>
-              <a:schemeClr val="bg1">
-                <a:lumMod val="65000"/>
-              </a:schemeClr>
+              <a:srgbClr val="00B050"/>
             </a:solidFill>
           </a:ln>
         </p:spPr>
@@ -9474,117 +7967,11 @@
             </a:r>
             <a:r>
               <a:rPr lang="en-US" dirty="0" err="1" smtClean="0"/>
-              <a:t>a,b,d</a:t>
+              <a:t>c,b,a</a:t>
             </a:r>
             <a:r>
               <a:rPr lang="en-US" dirty="0" smtClean="0"/>
-              <a:t>], </a:t>
-            </a:r>
-            <a:r>
-              <a:rPr lang="en-US" dirty="0" smtClean="0"/>
-              <a:t>[</a:t>
-            </a:r>
-            <a:r>
-              <a:rPr lang="en-US" dirty="0" smtClean="0"/>
-              <a:t>c]</a:t>
-            </a:r>
-            <a:endParaRPr lang="en-US" dirty="0"/>
-          </a:p>
-        </p:txBody>
-      </p:sp>
-      <p:sp>
-        <p:nvSpPr>
-          <p:cNvPr id="101" name="TextBox 100"/>
-          <p:cNvSpPr txBox="1"/>
-          <p:nvPr/>
-        </p:nvSpPr>
-        <p:spPr>
-          <a:xfrm>
-            <a:off x="3655735" y="4648200"/>
-            <a:ext cx="1144865" cy="369332"/>
-          </a:xfrm>
-          <a:prstGeom prst="rect">
-            <a:avLst/>
-          </a:prstGeom>
-          <a:noFill/>
-          <a:ln>
-            <a:solidFill>
-              <a:schemeClr val="bg1">
-                <a:lumMod val="65000"/>
-              </a:schemeClr>
-            </a:solidFill>
-          </a:ln>
-        </p:spPr>
-        <p:txBody>
-          <a:bodyPr wrap="none" rtlCol="0">
-            <a:spAutoFit/>
-          </a:bodyPr>
-          <a:lstStyle/>
-          <a:p>
-            <a:r>
-              <a:rPr lang="en-US" dirty="0" smtClean="0"/>
-              <a:t>[</a:t>
-            </a:r>
-            <a:r>
-              <a:rPr lang="en-US" dirty="0" err="1" smtClean="0"/>
-              <a:t>a,c,b</a:t>
-            </a:r>
-            <a:r>
-              <a:rPr lang="en-US" dirty="0" smtClean="0"/>
-              <a:t>], [d]</a:t>
-            </a:r>
-            <a:endParaRPr lang="en-US" dirty="0"/>
-          </a:p>
-        </p:txBody>
-      </p:sp>
-      <p:sp>
-        <p:nvSpPr>
-          <p:cNvPr id="102" name="TextBox 101"/>
-          <p:cNvSpPr txBox="1"/>
-          <p:nvPr/>
-        </p:nvSpPr>
-        <p:spPr>
-          <a:xfrm>
-            <a:off x="4951135" y="4659868"/>
-            <a:ext cx="1144865" cy="369332"/>
-          </a:xfrm>
-          <a:prstGeom prst="rect">
-            <a:avLst/>
-          </a:prstGeom>
-          <a:noFill/>
-          <a:ln>
-            <a:solidFill>
-              <a:schemeClr val="bg1">
-                <a:lumMod val="65000"/>
-              </a:schemeClr>
-            </a:solidFill>
-          </a:ln>
-        </p:spPr>
-        <p:txBody>
-          <a:bodyPr wrap="none" rtlCol="0">
-            <a:spAutoFit/>
-          </a:bodyPr>
-          <a:lstStyle/>
-          <a:p>
-            <a:r>
-              <a:rPr lang="en-US" dirty="0" smtClean="0"/>
-              <a:t>[</a:t>
-            </a:r>
-            <a:r>
-              <a:rPr lang="en-US" dirty="0" err="1" smtClean="0"/>
-              <a:t>a,c,d</a:t>
-            </a:r>
-            <a:r>
-              <a:rPr lang="en-US" dirty="0" smtClean="0"/>
-              <a:t>], [</a:t>
-            </a:r>
-            <a:r>
-              <a:rPr lang="en-US" dirty="0" smtClean="0"/>
-              <a:t>b</a:t>
-            </a:r>
-            <a:r>
-              <a:rPr lang="en-US" dirty="0" smtClean="0"/>
-              <a:t>]</a:t>
+              <a:t>], []</a:t>
             </a:r>
             <a:endParaRPr lang="en-US" dirty="0"/>
           </a:p>
@@ -9592,17 +7979,17 @@
       </p:sp>
       <p:cxnSp>
         <p:nvCxnSpPr>
-          <p:cNvPr id="106" name="Straight Arrow Connector 105"/>
+          <p:cNvPr id="91" name="Straight Arrow Connector 90"/>
           <p:cNvCxnSpPr>
-            <a:stCxn id="9" idx="2"/>
-            <a:endCxn id="101" idx="0"/>
+            <a:stCxn id="4" idx="2"/>
+            <a:endCxn id="86" idx="0"/>
           </p:cNvCxnSpPr>
           <p:nvPr/>
         </p:nvCxnSpPr>
         <p:spPr>
-          <a:xfrm flipH="1">
-            <a:off x="4228168" y="4179332"/>
-            <a:ext cx="684867" cy="468868"/>
+          <a:xfrm>
+            <a:off x="4593882" y="2502932"/>
+            <a:ext cx="2670583" cy="468868"/>
           </a:xfrm>
           <a:prstGeom prst="straightConnector1">
             <a:avLst/>
@@ -9631,154 +8018,17 @@
       </p:cxnSp>
       <p:cxnSp>
         <p:nvCxnSpPr>
-          <p:cNvPr id="109" name="Straight Arrow Connector 108"/>
+          <p:cNvPr id="92" name="Straight Arrow Connector 91"/>
           <p:cNvCxnSpPr>
-            <a:stCxn id="9" idx="2"/>
-            <a:endCxn id="102" idx="0"/>
+            <a:stCxn id="86" idx="2"/>
+            <a:endCxn id="87" idx="0"/>
           </p:cNvCxnSpPr>
           <p:nvPr/>
         </p:nvCxnSpPr>
         <p:spPr>
-          <a:xfrm>
-            <a:off x="4913035" y="4179332"/>
-            <a:ext cx="610533" cy="480536"/>
-          </a:xfrm>
-          <a:prstGeom prst="straightConnector1">
-            <a:avLst/>
-          </a:prstGeom>
-          <a:ln>
-            <a:solidFill>
-              <a:srgbClr val="00B050"/>
-            </a:solidFill>
-            <a:tailEnd type="arrow"/>
-          </a:ln>
-        </p:spPr>
-        <p:style>
-          <a:lnRef idx="1">
-            <a:schemeClr val="accent1"/>
-          </a:lnRef>
-          <a:fillRef idx="0">
-            <a:schemeClr val="accent1"/>
-          </a:fillRef>
-          <a:effectRef idx="0">
-            <a:schemeClr val="accent1"/>
-          </a:effectRef>
-          <a:fontRef idx="minor">
-            <a:schemeClr val="tx1"/>
-          </a:fontRef>
-        </p:style>
-      </p:cxnSp>
-      <p:sp>
-        <p:nvSpPr>
-          <p:cNvPr id="112" name="TextBox 111"/>
-          <p:cNvSpPr txBox="1"/>
-          <p:nvPr/>
-        </p:nvSpPr>
-        <p:spPr>
-          <a:xfrm>
-            <a:off x="6283782" y="4648200"/>
-            <a:ext cx="1144865" cy="369332"/>
-          </a:xfrm>
-          <a:prstGeom prst="rect">
-            <a:avLst/>
-          </a:prstGeom>
-          <a:noFill/>
-          <a:ln>
-            <a:solidFill>
-              <a:schemeClr val="bg1">
-                <a:lumMod val="65000"/>
-              </a:schemeClr>
-            </a:solidFill>
-          </a:ln>
-        </p:spPr>
-        <p:txBody>
-          <a:bodyPr wrap="none" rtlCol="0">
-            <a:spAutoFit/>
-          </a:bodyPr>
-          <a:lstStyle/>
-          <a:p>
-            <a:r>
-              <a:rPr lang="en-US" dirty="0" smtClean="0"/>
-              <a:t>[</a:t>
-            </a:r>
-            <a:r>
-              <a:rPr lang="en-US" dirty="0" err="1" smtClean="0"/>
-              <a:t>a,d,b</a:t>
-            </a:r>
-            <a:r>
-              <a:rPr lang="en-US" dirty="0" smtClean="0"/>
-              <a:t>], [c]</a:t>
-            </a:r>
-            <a:endParaRPr lang="en-US" dirty="0"/>
-          </a:p>
-        </p:txBody>
-      </p:sp>
-      <p:sp>
-        <p:nvSpPr>
-          <p:cNvPr id="113" name="TextBox 112"/>
-          <p:cNvSpPr txBox="1"/>
-          <p:nvPr/>
-        </p:nvSpPr>
-        <p:spPr>
-          <a:xfrm>
-            <a:off x="7807782" y="4648200"/>
-            <a:ext cx="1144865" cy="369332"/>
-          </a:xfrm>
-          <a:prstGeom prst="rect">
-            <a:avLst/>
-          </a:prstGeom>
-          <a:noFill/>
-          <a:ln>
-            <a:solidFill>
-              <a:schemeClr val="bg1">
-                <a:lumMod val="65000"/>
-              </a:schemeClr>
-            </a:solidFill>
-          </a:ln>
-        </p:spPr>
-        <p:txBody>
-          <a:bodyPr wrap="none" rtlCol="0">
-            <a:spAutoFit/>
-          </a:bodyPr>
-          <a:lstStyle/>
-          <a:p>
-            <a:r>
-              <a:rPr lang="en-US" dirty="0" smtClean="0"/>
-              <a:t>[</a:t>
-            </a:r>
-            <a:r>
-              <a:rPr lang="en-US" dirty="0" err="1" smtClean="0"/>
-              <a:t>a,d,c</a:t>
-            </a:r>
-            <a:r>
-              <a:rPr lang="en-US" dirty="0" smtClean="0"/>
-              <a:t>], [</a:t>
-            </a:r>
-            <a:r>
-              <a:rPr lang="en-US" dirty="0" smtClean="0"/>
-              <a:t>b</a:t>
-            </a:r>
-            <a:r>
-              <a:rPr lang="en-US" dirty="0" smtClean="0"/>
-              <a:t>]</a:t>
-            </a:r>
-            <a:endParaRPr lang="en-US" dirty="0"/>
-          </a:p>
-        </p:txBody>
-      </p:sp>
-      <p:cxnSp>
-        <p:nvCxnSpPr>
-          <p:cNvPr id="114" name="Straight Arrow Connector 113"/>
-          <p:cNvCxnSpPr>
-            <a:stCxn id="71" idx="2"/>
-            <a:endCxn id="113" idx="0"/>
-          </p:cNvCxnSpPr>
-          <p:nvPr/>
-        </p:nvCxnSpPr>
-        <p:spPr>
-          <a:xfrm>
-            <a:off x="7883982" y="4179332"/>
-            <a:ext cx="496233" cy="468868"/>
+          <a:xfrm flipH="1">
+            <a:off x="6731065" y="3341132"/>
+            <a:ext cx="533400" cy="468868"/>
           </a:xfrm>
           <a:prstGeom prst="straightConnector1">
             <a:avLst/>
@@ -9807,17 +8057,17 @@
       </p:cxnSp>
       <p:cxnSp>
         <p:nvCxnSpPr>
-          <p:cNvPr id="117" name="Straight Arrow Connector 116"/>
+          <p:cNvPr id="93" name="Straight Arrow Connector 92"/>
           <p:cNvCxnSpPr>
-            <a:stCxn id="71" idx="2"/>
-            <a:endCxn id="112" idx="0"/>
+            <a:stCxn id="86" idx="2"/>
+            <a:endCxn id="88" idx="0"/>
           </p:cNvCxnSpPr>
           <p:nvPr/>
         </p:nvCxnSpPr>
         <p:spPr>
-          <a:xfrm flipH="1">
-            <a:off x="6856215" y="4179332"/>
-            <a:ext cx="1027767" cy="468868"/>
+          <a:xfrm>
+            <a:off x="7264465" y="3341132"/>
+            <a:ext cx="533400" cy="468868"/>
           </a:xfrm>
           <a:prstGeom prst="straightConnector1">
             <a:avLst/>
@@ -9846,17 +8096,17 @@
       </p:cxnSp>
       <p:cxnSp>
         <p:nvCxnSpPr>
-          <p:cNvPr id="120" name="Straight Arrow Connector 119"/>
+          <p:cNvPr id="94" name="Straight Arrow Connector 93"/>
           <p:cNvCxnSpPr>
-            <a:stCxn id="82" idx="2"/>
-            <a:endCxn id="7" idx="0"/>
+            <a:stCxn id="88" idx="2"/>
+            <a:endCxn id="90" idx="0"/>
           </p:cNvCxnSpPr>
           <p:nvPr/>
         </p:nvCxnSpPr>
         <p:spPr>
-          <a:xfrm flipH="1">
-            <a:off x="1618336" y="5017532"/>
-            <a:ext cx="19032" cy="937736"/>
+          <a:xfrm>
+            <a:off x="7797865" y="4179332"/>
+            <a:ext cx="257454" cy="392668"/>
           </a:xfrm>
           <a:prstGeom prst="straightConnector1">
             <a:avLst/>
@@ -9885,17 +8135,17 @@
       </p:cxnSp>
       <p:cxnSp>
         <p:nvCxnSpPr>
-          <p:cNvPr id="129" name="Straight Arrow Connector 128"/>
+          <p:cNvPr id="95" name="Straight Arrow Connector 94"/>
           <p:cNvCxnSpPr>
-            <a:stCxn id="84" idx="2"/>
-            <a:endCxn id="10" idx="0"/>
+            <a:stCxn id="87" idx="2"/>
+            <a:endCxn id="89" idx="0"/>
           </p:cNvCxnSpPr>
           <p:nvPr/>
         </p:nvCxnSpPr>
         <p:spPr>
-          <a:xfrm>
-            <a:off x="2932768" y="5029200"/>
-            <a:ext cx="93351" cy="926068"/>
+          <a:xfrm flipH="1">
+            <a:off x="6683719" y="4179332"/>
+            <a:ext cx="47346" cy="392668"/>
           </a:xfrm>
           <a:prstGeom prst="straightConnector1">
             <a:avLst/>
@@ -9924,46 +8174,29 @@
       </p:cxnSp>
       <p:sp>
         <p:nvSpPr>
-          <p:cNvPr id="132" name="TextBox 131"/>
+          <p:cNvPr id="96" name="TextBox 95"/>
           <p:cNvSpPr txBox="1"/>
           <p:nvPr/>
         </p:nvSpPr>
         <p:spPr>
           <a:xfrm>
-            <a:off x="3810000" y="5943600"/>
-            <a:ext cx="1327837" cy="369332"/>
+            <a:off x="6934200" y="2590800"/>
+            <a:ext cx="418704" cy="369332"/>
           </a:xfrm>
           <a:prstGeom prst="rect">
             <a:avLst/>
           </a:prstGeom>
           <a:noFill/>
-          <a:ln w="31750">
-            <a:solidFill>
-              <a:srgbClr val="00B050"/>
-            </a:solidFill>
-          </a:ln>
-        </p:spPr>
-        <p:txBody>
-          <a:bodyPr wrap="square" rtlCol="0">
+        </p:spPr>
+        <p:txBody>
+          <a:bodyPr wrap="none" rtlCol="0">
             <a:spAutoFit/>
           </a:bodyPr>
           <a:lstStyle/>
           <a:p>
             <a:r>
               <a:rPr lang="en-US" dirty="0" smtClean="0"/>
-              <a:t>[</a:t>
-            </a:r>
-            <a:r>
-              <a:rPr lang="en-US" dirty="0" err="1" smtClean="0"/>
-              <a:t>a,c,b,d</a:t>
-            </a:r>
-            <a:r>
-              <a:rPr lang="en-US" dirty="0" smtClean="0"/>
-              <a:t>], </a:t>
-            </a:r>
-            <a:r>
-              <a:rPr lang="en-US" dirty="0" smtClean="0"/>
-              <a:t>[]</a:t>
+              <a:t>10</a:t>
             </a:r>
             <a:endParaRPr lang="en-US" dirty="0"/>
           </a:p>
@@ -9971,129 +8204,124 @@
       </p:sp>
       <p:sp>
         <p:nvSpPr>
-          <p:cNvPr id="133" name="TextBox 132"/>
+          <p:cNvPr id="97" name="TextBox 96"/>
           <p:cNvSpPr txBox="1"/>
           <p:nvPr/>
         </p:nvSpPr>
         <p:spPr>
           <a:xfrm>
-            <a:off x="5257800" y="5943600"/>
-            <a:ext cx="1327837" cy="369332"/>
+            <a:off x="6324600" y="4202668"/>
+            <a:ext cx="301686" cy="369332"/>
           </a:xfrm>
           <a:prstGeom prst="rect">
             <a:avLst/>
           </a:prstGeom>
           <a:noFill/>
-          <a:ln w="31750">
-            <a:solidFill>
-              <a:srgbClr val="00B050"/>
-            </a:solidFill>
-          </a:ln>
-        </p:spPr>
-        <p:txBody>
-          <a:bodyPr wrap="square" rtlCol="0">
+        </p:spPr>
+        <p:txBody>
+          <a:bodyPr wrap="none" rtlCol="0">
             <a:spAutoFit/>
           </a:bodyPr>
           <a:lstStyle/>
           <a:p>
             <a:r>
               <a:rPr lang="en-US" dirty="0" smtClean="0"/>
-              <a:t>[</a:t>
-            </a:r>
-            <a:r>
-              <a:rPr lang="en-US" dirty="0" err="1" smtClean="0"/>
-              <a:t>a,c,d,b</a:t>
-            </a:r>
+              <a:t>2</a:t>
+            </a:r>
+            <a:endParaRPr lang="en-US" dirty="0"/>
+          </a:p>
+        </p:txBody>
+      </p:sp>
+      <p:sp>
+        <p:nvSpPr>
+          <p:cNvPr id="98" name="TextBox 97"/>
+          <p:cNvSpPr txBox="1"/>
+          <p:nvPr/>
+        </p:nvSpPr>
+        <p:spPr>
+          <a:xfrm>
+            <a:off x="8156514" y="4202668"/>
+            <a:ext cx="418704" cy="369332"/>
+          </a:xfrm>
+          <a:prstGeom prst="rect">
+            <a:avLst/>
+          </a:prstGeom>
+          <a:noFill/>
+        </p:spPr>
+        <p:txBody>
+          <a:bodyPr wrap="none" rtlCol="0">
+            <a:spAutoFit/>
+          </a:bodyPr>
+          <a:lstStyle/>
+          <a:p>
             <a:r>
               <a:rPr lang="en-US" dirty="0" smtClean="0"/>
-              <a:t>], </a:t>
-            </a:r>
+              <a:t>14</a:t>
+            </a:r>
+            <a:endParaRPr lang="en-US" dirty="0"/>
+          </a:p>
+        </p:txBody>
+      </p:sp>
+      <p:sp>
+        <p:nvSpPr>
+          <p:cNvPr id="99" name="TextBox 98"/>
+          <p:cNvSpPr txBox="1"/>
+          <p:nvPr/>
+        </p:nvSpPr>
+        <p:spPr>
+          <a:xfrm>
+            <a:off x="6553200" y="3440668"/>
+            <a:ext cx="418704" cy="369332"/>
+          </a:xfrm>
+          <a:prstGeom prst="rect">
+            <a:avLst/>
+          </a:prstGeom>
+          <a:noFill/>
+        </p:spPr>
+        <p:txBody>
+          <a:bodyPr wrap="none" rtlCol="0">
+            <a:spAutoFit/>
+          </a:bodyPr>
+          <a:lstStyle/>
+          <a:p>
             <a:r>
               <a:rPr lang="en-US" dirty="0" smtClean="0"/>
-              <a:t>[]</a:t>
+              <a:t>11</a:t>
             </a:r>
             <a:endParaRPr lang="en-US" dirty="0"/>
           </a:p>
         </p:txBody>
       </p:sp>
-      <p:cxnSp>
-        <p:nvCxnSpPr>
-          <p:cNvPr id="134" name="Straight Arrow Connector 133"/>
-          <p:cNvCxnSpPr>
-            <a:stCxn id="101" idx="2"/>
-            <a:endCxn id="132" idx="0"/>
-          </p:cNvCxnSpPr>
-          <p:nvPr/>
-        </p:nvCxnSpPr>
-        <p:spPr>
-          <a:xfrm>
-            <a:off x="4228168" y="5017532"/>
-            <a:ext cx="245751" cy="926068"/>
-          </a:xfrm>
-          <a:prstGeom prst="straightConnector1">
-            <a:avLst/>
-          </a:prstGeom>
-          <a:ln>
-            <a:solidFill>
-              <a:srgbClr val="00B050"/>
-            </a:solidFill>
-            <a:tailEnd type="arrow"/>
-          </a:ln>
-        </p:spPr>
-        <p:style>
-          <a:lnRef idx="1">
-            <a:schemeClr val="accent1"/>
-          </a:lnRef>
-          <a:fillRef idx="0">
-            <a:schemeClr val="accent1"/>
-          </a:fillRef>
-          <a:effectRef idx="0">
-            <a:schemeClr val="accent1"/>
-          </a:effectRef>
-          <a:fontRef idx="minor">
-            <a:schemeClr val="tx1"/>
-          </a:fontRef>
-        </p:style>
-      </p:cxnSp>
-      <p:cxnSp>
-        <p:nvCxnSpPr>
-          <p:cNvPr id="137" name="Straight Arrow Connector 136"/>
-          <p:cNvCxnSpPr>
-            <a:stCxn id="102" idx="2"/>
-            <a:endCxn id="133" idx="0"/>
-          </p:cNvCxnSpPr>
-          <p:nvPr/>
-        </p:nvCxnSpPr>
-        <p:spPr>
-          <a:xfrm>
-            <a:off x="5523568" y="5029200"/>
-            <a:ext cx="398151" cy="914400"/>
-          </a:xfrm>
-          <a:prstGeom prst="straightConnector1">
-            <a:avLst/>
-          </a:prstGeom>
-          <a:ln>
-            <a:solidFill>
-              <a:srgbClr val="00B050"/>
-            </a:solidFill>
-            <a:tailEnd type="arrow"/>
-          </a:ln>
-        </p:spPr>
-        <p:style>
-          <a:lnRef idx="1">
-            <a:schemeClr val="accent1"/>
-          </a:lnRef>
-          <a:fillRef idx="0">
-            <a:schemeClr val="accent1"/>
-          </a:fillRef>
-          <a:effectRef idx="0">
-            <a:schemeClr val="accent1"/>
-          </a:effectRef>
-          <a:fontRef idx="minor">
-            <a:schemeClr val="tx1"/>
-          </a:fontRef>
-        </p:style>
-      </p:cxnSp>
+      <p:sp>
+        <p:nvSpPr>
+          <p:cNvPr id="100" name="TextBox 99"/>
+          <p:cNvSpPr txBox="1"/>
+          <p:nvPr/>
+        </p:nvSpPr>
+        <p:spPr>
+          <a:xfrm>
+            <a:off x="7775514" y="3429000"/>
+            <a:ext cx="418704" cy="369332"/>
+          </a:xfrm>
+          <a:prstGeom prst="rect">
+            <a:avLst/>
+          </a:prstGeom>
+          <a:noFill/>
+        </p:spPr>
+        <p:txBody>
+          <a:bodyPr wrap="none" rtlCol="0">
+            <a:spAutoFit/>
+          </a:bodyPr>
+          <a:lstStyle/>
+          <a:p>
+            <a:r>
+              <a:rPr lang="en-US" dirty="0" smtClean="0"/>
+              <a:t>13</a:t>
+            </a:r>
+            <a:endParaRPr lang="en-US" dirty="0"/>
+          </a:p>
+        </p:txBody>
+      </p:sp>
     </p:spTree>
   </p:cSld>
   <p:clrMapOvr>
@@ -10121,22 +8349,44 @@
       </p:grpSpPr>
       <p:sp>
         <p:nvSpPr>
-          <p:cNvPr id="2" name="Title 1"/>
-          <p:cNvSpPr>
-            <a:spLocks noGrp="1"/>
-          </p:cNvSpPr>
-          <p:nvPr>
-            <p:ph type="title"/>
-          </p:nvPr>
-        </p:nvSpPr>
-        <p:spPr/>
-        <p:txBody>
-          <a:bodyPr/>
+          <p:cNvPr id="4" name="TextBox 3"/>
+          <p:cNvSpPr txBox="1"/>
+          <p:nvPr/>
+        </p:nvSpPr>
+        <p:spPr>
+          <a:xfrm>
+            <a:off x="4082363" y="1371600"/>
+            <a:ext cx="1202573" cy="369332"/>
+          </a:xfrm>
+          <a:prstGeom prst="rect">
+            <a:avLst/>
+          </a:prstGeom>
+          <a:noFill/>
+          <a:ln>
+            <a:solidFill>
+              <a:schemeClr val="bg1">
+                <a:lumMod val="65000"/>
+              </a:schemeClr>
+            </a:solidFill>
+          </a:ln>
+        </p:spPr>
+        <p:txBody>
+          <a:bodyPr wrap="none" rtlCol="0">
+            <a:spAutoFit/>
+          </a:bodyPr>
           <a:lstStyle/>
           <a:p>
             <a:r>
               <a:rPr lang="en-US" dirty="0" smtClean="0"/>
-              <a:t>Exhaustive recursion is ‘exhaustive’</a:t>
+              <a:t>[], [</a:t>
+            </a:r>
+            <a:r>
+              <a:rPr lang="en-US" dirty="0" err="1" smtClean="0"/>
+              <a:t>a,b,c,d</a:t>
+            </a:r>
+            <a:r>
+              <a:rPr lang="en-US" dirty="0" smtClean="0"/>
+              <a:t>]</a:t>
             </a:r>
             <a:endParaRPr lang="en-US" dirty="0"/>
           </a:p>
@@ -10144,287 +8394,1735 @@
       </p:sp>
       <p:sp>
         <p:nvSpPr>
-          <p:cNvPr id="3" name="Content Placeholder 2"/>
-          <p:cNvSpPr>
-            <a:spLocks noGrp="1"/>
-          </p:cNvSpPr>
-          <p:nvPr>
-            <p:ph idx="1"/>
-          </p:nvPr>
-        </p:nvSpPr>
-        <p:spPr/>
-        <p:txBody>
-          <a:bodyPr>
-            <a:normAutofit/>
+          <p:cNvPr id="5" name="TextBox 4"/>
+          <p:cNvSpPr txBox="1"/>
+          <p:nvPr/>
+        </p:nvSpPr>
+        <p:spPr>
+          <a:xfrm>
+            <a:off x="2362200" y="2971800"/>
+            <a:ext cx="1144865" cy="369332"/>
+          </a:xfrm>
+          <a:prstGeom prst="rect">
+            <a:avLst/>
+          </a:prstGeom>
+          <a:noFill/>
+          <a:ln>
+            <a:solidFill>
+              <a:schemeClr val="bg1">
+                <a:lumMod val="65000"/>
+              </a:schemeClr>
+            </a:solidFill>
+          </a:ln>
+        </p:spPr>
+        <p:txBody>
+          <a:bodyPr wrap="none" rtlCol="0">
+            <a:spAutoFit/>
           </a:bodyPr>
           <a:lstStyle/>
           <a:p>
-            <a:pPr>
-              <a:buNone/>
-            </a:pPr>
-            <a:r>
-              <a:rPr lang="en-US" sz="1800" dirty="0" err="1" smtClean="0"/>
-              <a:t>var</a:t>
-            </a:r>
-            <a:r>
-              <a:rPr lang="en-US" sz="1800" dirty="0" smtClean="0"/>
-              <a:t> </a:t>
-            </a:r>
-            <a:r>
-              <a:rPr lang="en-US" sz="1800" dirty="0" err="1" smtClean="0"/>
-              <a:t>recPerms</a:t>
-            </a:r>
-            <a:r>
-              <a:rPr lang="en-US" sz="1800" dirty="0" smtClean="0"/>
-              <a:t> = function(</a:t>
-            </a:r>
-            <a:r>
-              <a:rPr lang="en-US" sz="1800" dirty="0" err="1" smtClean="0"/>
-              <a:t>sofar</a:t>
-            </a:r>
-            <a:r>
-              <a:rPr lang="en-US" sz="1800" dirty="0" smtClean="0"/>
-              <a:t>, rest){ </a:t>
-            </a:r>
-          </a:p>
-          <a:p>
-            <a:pPr>
-              <a:buNone/>
-            </a:pPr>
-            <a:r>
-              <a:rPr lang="en-US" sz="1800" dirty="0" smtClean="0"/>
-              <a:t>  if( </a:t>
-            </a:r>
-            <a:r>
-              <a:rPr lang="en-US" sz="1800" dirty="0" err="1" smtClean="0"/>
-              <a:t>rest.length</a:t>
-            </a:r>
-            <a:r>
-              <a:rPr lang="en-US" sz="1800" dirty="0" smtClean="0"/>
-              <a:t> === 0) { </a:t>
-            </a:r>
-          </a:p>
-          <a:p>
-            <a:pPr>
-              <a:buNone/>
-            </a:pPr>
-            <a:r>
-              <a:rPr lang="en-US" sz="1800" dirty="0" smtClean="0"/>
-              <a:t>    console.log(‘base case reached:’, </a:t>
-            </a:r>
-            <a:r>
-              <a:rPr lang="en-US" sz="1800" dirty="0" err="1" smtClean="0"/>
-              <a:t>sofar</a:t>
-            </a:r>
-            <a:r>
-              <a:rPr lang="en-US" sz="1800" dirty="0" smtClean="0"/>
-              <a:t>);</a:t>
-            </a:r>
-          </a:p>
-          <a:p>
-            <a:pPr>
-              <a:buNone/>
-            </a:pPr>
-            <a:r>
-              <a:rPr lang="en-US" sz="1800" dirty="0" smtClean="0"/>
-              <a:t>  } else { </a:t>
-            </a:r>
-          </a:p>
-          <a:p>
-            <a:pPr>
-              <a:buNone/>
-            </a:pPr>
-            <a:r>
-              <a:rPr lang="en-US" sz="1800" dirty="0" smtClean="0"/>
-              <a:t>    for( </a:t>
-            </a:r>
-            <a:r>
-              <a:rPr lang="en-US" sz="1800" dirty="0" err="1" smtClean="0"/>
-              <a:t>var</a:t>
-            </a:r>
-            <a:r>
-              <a:rPr lang="en-US" sz="1800" dirty="0" smtClean="0"/>
-              <a:t> </a:t>
-            </a:r>
-            <a:r>
-              <a:rPr lang="en-US" sz="1800" dirty="0" err="1" smtClean="0"/>
-              <a:t>i</a:t>
-            </a:r>
-            <a:r>
-              <a:rPr lang="en-US" sz="1800" dirty="0" smtClean="0"/>
-              <a:t> = 0; </a:t>
-            </a:r>
-            <a:r>
-              <a:rPr lang="en-US" sz="1800" dirty="0" err="1" smtClean="0"/>
-              <a:t>i</a:t>
-            </a:r>
-            <a:r>
-              <a:rPr lang="en-US" sz="1800" dirty="0" smtClean="0"/>
-              <a:t> &lt; </a:t>
-            </a:r>
-            <a:r>
-              <a:rPr lang="en-US" sz="1800" dirty="0" err="1" smtClean="0"/>
-              <a:t>rest.length</a:t>
-            </a:r>
-            <a:r>
-              <a:rPr lang="en-US" sz="1800" dirty="0" smtClean="0"/>
-              <a:t>; </a:t>
-            </a:r>
-            <a:r>
-              <a:rPr lang="en-US" sz="1800" dirty="0" err="1" smtClean="0"/>
-              <a:t>i</a:t>
-            </a:r>
-            <a:r>
-              <a:rPr lang="en-US" sz="1800" dirty="0" smtClean="0"/>
-              <a:t>++ ){ </a:t>
-            </a:r>
-          </a:p>
-          <a:p>
-            <a:pPr>
-              <a:buNone/>
-            </a:pPr>
-            <a:r>
-              <a:rPr lang="en-US" sz="1800" dirty="0" smtClean="0"/>
-              <a:t>      </a:t>
-            </a:r>
-            <a:r>
-              <a:rPr lang="en-US" sz="1800" dirty="0" err="1" smtClean="0"/>
-              <a:t>var</a:t>
-            </a:r>
-            <a:r>
-              <a:rPr lang="en-US" sz="1800" dirty="0" smtClean="0"/>
-              <a:t> remaining = </a:t>
-            </a:r>
-            <a:r>
-              <a:rPr lang="en-US" sz="1800" dirty="0" err="1" smtClean="0"/>
-              <a:t>rest.slice</a:t>
-            </a:r>
-            <a:r>
-              <a:rPr lang="en-US" sz="1800" dirty="0" smtClean="0"/>
-              <a:t>(); </a:t>
-            </a:r>
-          </a:p>
-          <a:p>
-            <a:pPr>
-              <a:buNone/>
-            </a:pPr>
-            <a:r>
-              <a:rPr lang="en-US" sz="1800" dirty="0" smtClean="0"/>
-              <a:t>      </a:t>
-            </a:r>
-            <a:r>
-              <a:rPr lang="en-US" sz="1800" dirty="0" err="1" smtClean="0"/>
-              <a:t>remaining.splice</a:t>
-            </a:r>
-            <a:r>
-              <a:rPr lang="en-US" sz="1800" dirty="0" smtClean="0"/>
-              <a:t>(</a:t>
-            </a:r>
-            <a:r>
-              <a:rPr lang="en-US" sz="1800" dirty="0" err="1" smtClean="0"/>
-              <a:t>i</a:t>
-            </a:r>
-            <a:r>
-              <a:rPr lang="en-US" sz="1800" dirty="0" smtClean="0"/>
-              <a:t>, 1); </a:t>
-            </a:r>
-          </a:p>
-          <a:p>
-            <a:pPr>
-              <a:buNone/>
-            </a:pPr>
-            <a:r>
-              <a:rPr lang="en-US" sz="1800" dirty="0" smtClean="0"/>
-              <a:t>      </a:t>
-            </a:r>
-            <a:r>
-              <a:rPr lang="en-US" sz="1800" dirty="0" err="1" smtClean="0"/>
-              <a:t>var</a:t>
-            </a:r>
-            <a:r>
-              <a:rPr lang="en-US" sz="1800" dirty="0" smtClean="0"/>
-              <a:t> next = </a:t>
-            </a:r>
-            <a:r>
-              <a:rPr lang="en-US" sz="1800" dirty="0" err="1" smtClean="0"/>
-              <a:t>sofar.slice</a:t>
-            </a:r>
-            <a:r>
-              <a:rPr lang="en-US" sz="1800" dirty="0" smtClean="0"/>
-              <a:t>(); </a:t>
-            </a:r>
-          </a:p>
-          <a:p>
-            <a:pPr>
-              <a:buNone/>
-            </a:pPr>
-            <a:r>
-              <a:rPr lang="en-US" sz="1800" dirty="0" smtClean="0"/>
-              <a:t>      </a:t>
-            </a:r>
-            <a:r>
-              <a:rPr lang="en-US" sz="1800" dirty="0" err="1" smtClean="0"/>
-              <a:t>next.push</a:t>
-            </a:r>
-            <a:r>
-              <a:rPr lang="en-US" sz="1800" dirty="0" smtClean="0"/>
-              <a:t>(rest[</a:t>
-            </a:r>
-            <a:r>
-              <a:rPr lang="en-US" sz="1800" dirty="0" err="1" smtClean="0"/>
-              <a:t>i</a:t>
-            </a:r>
-            <a:r>
-              <a:rPr lang="en-US" sz="1800" dirty="0" smtClean="0"/>
-              <a:t>]); </a:t>
-            </a:r>
-          </a:p>
-          <a:p>
-            <a:pPr>
-              <a:buNone/>
-            </a:pPr>
-            <a:r>
-              <a:rPr lang="en-US" sz="1800" dirty="0" smtClean="0"/>
-              <a:t>      </a:t>
-            </a:r>
-            <a:r>
-              <a:rPr lang="en-US" sz="1800" dirty="0" err="1" smtClean="0"/>
-              <a:t>recPerms</a:t>
-            </a:r>
-            <a:r>
-              <a:rPr lang="en-US" sz="1800" dirty="0" smtClean="0"/>
-              <a:t>(next, remaining);</a:t>
-            </a:r>
-          </a:p>
-          <a:p>
-            <a:pPr>
-              <a:buNone/>
-            </a:pPr>
-            <a:r>
-              <a:rPr lang="en-US" sz="1800" dirty="0" smtClean="0"/>
-              <a:t>    }</a:t>
-            </a:r>
-          </a:p>
-          <a:p>
-            <a:pPr>
-              <a:buNone/>
-            </a:pPr>
-            <a:r>
-              <a:rPr lang="en-US" sz="1800" dirty="0" smtClean="0"/>
-              <a:t>  }</a:t>
-            </a:r>
-          </a:p>
-          <a:p>
-            <a:pPr>
-              <a:buNone/>
-            </a:pPr>
-            <a:r>
-              <a:rPr lang="en-US" sz="1800" dirty="0" smtClean="0"/>
-              <a:t>}</a:t>
-            </a:r>
-          </a:p>
-        </p:txBody>
-      </p:sp>
+            <a:r>
+              <a:rPr lang="en-US" dirty="0" smtClean="0"/>
+              <a:t>[a], [</a:t>
+            </a:r>
+            <a:r>
+              <a:rPr lang="en-US" dirty="0" err="1" smtClean="0"/>
+              <a:t>b,c,d</a:t>
+            </a:r>
+            <a:r>
+              <a:rPr lang="en-US" dirty="0" smtClean="0"/>
+              <a:t>]</a:t>
+            </a:r>
+            <a:endParaRPr lang="en-US" dirty="0"/>
+          </a:p>
+        </p:txBody>
+      </p:sp>
+      <p:sp>
+        <p:nvSpPr>
+          <p:cNvPr id="6" name="TextBox 5"/>
+          <p:cNvSpPr txBox="1"/>
+          <p:nvPr/>
+        </p:nvSpPr>
+        <p:spPr>
+          <a:xfrm>
+            <a:off x="1141135" y="3810000"/>
+            <a:ext cx="1144865" cy="369332"/>
+          </a:xfrm>
+          <a:prstGeom prst="rect">
+            <a:avLst/>
+          </a:prstGeom>
+          <a:noFill/>
+          <a:ln>
+            <a:solidFill>
+              <a:schemeClr val="bg1">
+                <a:lumMod val="65000"/>
+              </a:schemeClr>
+            </a:solidFill>
+          </a:ln>
+        </p:spPr>
+        <p:txBody>
+          <a:bodyPr wrap="none" rtlCol="0">
+            <a:spAutoFit/>
+          </a:bodyPr>
+          <a:lstStyle/>
+          <a:p>
+            <a:r>
+              <a:rPr lang="en-US" dirty="0" smtClean="0"/>
+              <a:t>[</a:t>
+            </a:r>
+            <a:r>
+              <a:rPr lang="en-US" dirty="0" err="1" smtClean="0"/>
+              <a:t>a,b</a:t>
+            </a:r>
+            <a:r>
+              <a:rPr lang="en-US" dirty="0" smtClean="0"/>
+              <a:t>], [</a:t>
+            </a:r>
+            <a:r>
+              <a:rPr lang="en-US" dirty="0" err="1" smtClean="0"/>
+              <a:t>c,d</a:t>
+            </a:r>
+            <a:r>
+              <a:rPr lang="en-US" dirty="0" smtClean="0"/>
+              <a:t>]</a:t>
+            </a:r>
+            <a:endParaRPr lang="en-US" dirty="0"/>
+          </a:p>
+        </p:txBody>
+      </p:sp>
+      <p:sp>
+        <p:nvSpPr>
+          <p:cNvPr id="7" name="TextBox 6"/>
+          <p:cNvSpPr txBox="1"/>
+          <p:nvPr/>
+        </p:nvSpPr>
+        <p:spPr>
+          <a:xfrm>
+            <a:off x="990600" y="5955268"/>
+            <a:ext cx="1255472" cy="369332"/>
+          </a:xfrm>
+          <a:prstGeom prst="rect">
+            <a:avLst/>
+          </a:prstGeom>
+          <a:noFill/>
+          <a:ln w="31750">
+            <a:solidFill>
+              <a:srgbClr val="00B050"/>
+            </a:solidFill>
+          </a:ln>
+        </p:spPr>
+        <p:txBody>
+          <a:bodyPr wrap="none" rtlCol="0">
+            <a:spAutoFit/>
+          </a:bodyPr>
+          <a:lstStyle/>
+          <a:p>
+            <a:r>
+              <a:rPr lang="en-US" dirty="0" smtClean="0"/>
+              <a:t>[</a:t>
+            </a:r>
+            <a:r>
+              <a:rPr lang="en-US" dirty="0" err="1" smtClean="0"/>
+              <a:t>a,b,c,d</a:t>
+            </a:r>
+            <a:r>
+              <a:rPr lang="en-US" dirty="0" smtClean="0"/>
+              <a:t>], [] </a:t>
+            </a:r>
+          </a:p>
+        </p:txBody>
+      </p:sp>
+      <p:sp>
+        <p:nvSpPr>
+          <p:cNvPr id="9" name="TextBox 8"/>
+          <p:cNvSpPr txBox="1"/>
+          <p:nvPr/>
+        </p:nvSpPr>
+        <p:spPr>
+          <a:xfrm>
+            <a:off x="4341535" y="3810000"/>
+            <a:ext cx="1143000" cy="369332"/>
+          </a:xfrm>
+          <a:prstGeom prst="rect">
+            <a:avLst/>
+          </a:prstGeom>
+          <a:noFill/>
+          <a:ln>
+            <a:solidFill>
+              <a:schemeClr val="bg1">
+                <a:lumMod val="65000"/>
+              </a:schemeClr>
+            </a:solidFill>
+          </a:ln>
+        </p:spPr>
+        <p:txBody>
+          <a:bodyPr wrap="square" rtlCol="0">
+            <a:spAutoFit/>
+          </a:bodyPr>
+          <a:lstStyle/>
+          <a:p>
+            <a:r>
+              <a:rPr lang="en-US" dirty="0" smtClean="0"/>
+              <a:t>[</a:t>
+            </a:r>
+            <a:r>
+              <a:rPr lang="en-US" dirty="0" err="1" smtClean="0"/>
+              <a:t>a,c</a:t>
+            </a:r>
+            <a:r>
+              <a:rPr lang="en-US" dirty="0" smtClean="0"/>
+              <a:t>], [</a:t>
+            </a:r>
+            <a:r>
+              <a:rPr lang="en-US" dirty="0" err="1" smtClean="0"/>
+              <a:t>b,d</a:t>
+            </a:r>
+            <a:r>
+              <a:rPr lang="en-US" dirty="0" smtClean="0"/>
+              <a:t>]</a:t>
+            </a:r>
+            <a:endParaRPr lang="en-US" dirty="0"/>
+          </a:p>
+        </p:txBody>
+      </p:sp>
+      <p:sp>
+        <p:nvSpPr>
+          <p:cNvPr id="10" name="TextBox 9"/>
+          <p:cNvSpPr txBox="1"/>
+          <p:nvPr/>
+        </p:nvSpPr>
+        <p:spPr>
+          <a:xfrm>
+            <a:off x="2362200" y="5955268"/>
+            <a:ext cx="1327837" cy="369332"/>
+          </a:xfrm>
+          <a:prstGeom prst="rect">
+            <a:avLst/>
+          </a:prstGeom>
+          <a:noFill/>
+          <a:ln w="31750">
+            <a:solidFill>
+              <a:srgbClr val="00B050"/>
+            </a:solidFill>
+          </a:ln>
+        </p:spPr>
+        <p:txBody>
+          <a:bodyPr wrap="square" rtlCol="0">
+            <a:spAutoFit/>
+          </a:bodyPr>
+          <a:lstStyle/>
+          <a:p>
+            <a:r>
+              <a:rPr lang="en-US" dirty="0" smtClean="0"/>
+              <a:t>[</a:t>
+            </a:r>
+            <a:r>
+              <a:rPr lang="en-US" dirty="0" err="1" smtClean="0"/>
+              <a:t>a,b,d,c</a:t>
+            </a:r>
+            <a:r>
+              <a:rPr lang="en-US" dirty="0" smtClean="0"/>
+              <a:t>], []</a:t>
+            </a:r>
+            <a:endParaRPr lang="en-US" dirty="0"/>
+          </a:p>
+        </p:txBody>
+      </p:sp>
+      <p:cxnSp>
+        <p:nvCxnSpPr>
+          <p:cNvPr id="20" name="Straight Arrow Connector 19"/>
+          <p:cNvCxnSpPr>
+            <a:stCxn id="4" idx="2"/>
+            <a:endCxn id="5" idx="0"/>
+          </p:cNvCxnSpPr>
+          <p:nvPr/>
+        </p:nvCxnSpPr>
+        <p:spPr>
+          <a:xfrm flipH="1">
+            <a:off x="2934633" y="1740932"/>
+            <a:ext cx="1749017" cy="1230868"/>
+          </a:xfrm>
+          <a:prstGeom prst="straightConnector1">
+            <a:avLst/>
+          </a:prstGeom>
+          <a:ln>
+            <a:solidFill>
+              <a:srgbClr val="00B050"/>
+            </a:solidFill>
+            <a:tailEnd type="arrow"/>
+          </a:ln>
+        </p:spPr>
+        <p:style>
+          <a:lnRef idx="1">
+            <a:schemeClr val="accent1"/>
+          </a:lnRef>
+          <a:fillRef idx="0">
+            <a:schemeClr val="accent1"/>
+          </a:fillRef>
+          <a:effectRef idx="0">
+            <a:schemeClr val="accent1"/>
+          </a:effectRef>
+          <a:fontRef idx="minor">
+            <a:schemeClr val="tx1"/>
+          </a:fontRef>
+        </p:style>
+      </p:cxnSp>
+      <p:cxnSp>
+        <p:nvCxnSpPr>
+          <p:cNvPr id="21" name="Straight Arrow Connector 20"/>
+          <p:cNvCxnSpPr>
+            <a:stCxn id="6" idx="2"/>
+            <a:endCxn id="82" idx="0"/>
+          </p:cNvCxnSpPr>
+          <p:nvPr/>
+        </p:nvCxnSpPr>
+        <p:spPr>
+          <a:xfrm flipH="1">
+            <a:off x="1637368" y="4179332"/>
+            <a:ext cx="76200" cy="468868"/>
+          </a:xfrm>
+          <a:prstGeom prst="straightConnector1">
+            <a:avLst/>
+          </a:prstGeom>
+          <a:ln>
+            <a:solidFill>
+              <a:srgbClr val="00B050"/>
+            </a:solidFill>
+            <a:tailEnd type="arrow"/>
+          </a:ln>
+        </p:spPr>
+        <p:style>
+          <a:lnRef idx="1">
+            <a:schemeClr val="accent1"/>
+          </a:lnRef>
+          <a:fillRef idx="0">
+            <a:schemeClr val="accent1"/>
+          </a:fillRef>
+          <a:effectRef idx="0">
+            <a:schemeClr val="accent1"/>
+          </a:effectRef>
+          <a:fontRef idx="minor">
+            <a:schemeClr val="tx1"/>
+          </a:fontRef>
+        </p:style>
+      </p:cxnSp>
+      <p:cxnSp>
+        <p:nvCxnSpPr>
+          <p:cNvPr id="23" name="Straight Arrow Connector 22"/>
+          <p:cNvCxnSpPr>
+            <a:stCxn id="5" idx="2"/>
+            <a:endCxn id="6" idx="0"/>
+          </p:cNvCxnSpPr>
+          <p:nvPr/>
+        </p:nvCxnSpPr>
+        <p:spPr>
+          <a:xfrm flipH="1">
+            <a:off x="1713568" y="3341132"/>
+            <a:ext cx="1221065" cy="468868"/>
+          </a:xfrm>
+          <a:prstGeom prst="straightConnector1">
+            <a:avLst/>
+          </a:prstGeom>
+          <a:ln>
+            <a:solidFill>
+              <a:srgbClr val="00B050"/>
+            </a:solidFill>
+            <a:tailEnd type="arrow"/>
+          </a:ln>
+        </p:spPr>
+        <p:style>
+          <a:lnRef idx="1">
+            <a:schemeClr val="accent1"/>
+          </a:lnRef>
+          <a:fillRef idx="0">
+            <a:schemeClr val="accent1"/>
+          </a:fillRef>
+          <a:effectRef idx="0">
+            <a:schemeClr val="accent1"/>
+          </a:effectRef>
+          <a:fontRef idx="minor">
+            <a:schemeClr val="tx1"/>
+          </a:fontRef>
+        </p:style>
+      </p:cxnSp>
+      <p:cxnSp>
+        <p:nvCxnSpPr>
+          <p:cNvPr id="30" name="Straight Arrow Connector 29"/>
+          <p:cNvCxnSpPr>
+            <a:stCxn id="6" idx="2"/>
+            <a:endCxn id="84" idx="0"/>
+          </p:cNvCxnSpPr>
+          <p:nvPr/>
+        </p:nvCxnSpPr>
+        <p:spPr>
+          <a:xfrm>
+            <a:off x="1713568" y="4179332"/>
+            <a:ext cx="1219200" cy="480536"/>
+          </a:xfrm>
+          <a:prstGeom prst="straightConnector1">
+            <a:avLst/>
+          </a:prstGeom>
+          <a:ln>
+            <a:solidFill>
+              <a:srgbClr val="00B050"/>
+            </a:solidFill>
+            <a:tailEnd type="arrow"/>
+          </a:ln>
+        </p:spPr>
+        <p:style>
+          <a:lnRef idx="1">
+            <a:schemeClr val="accent1"/>
+          </a:lnRef>
+          <a:fillRef idx="0">
+            <a:schemeClr val="accent1"/>
+          </a:fillRef>
+          <a:effectRef idx="0">
+            <a:schemeClr val="accent1"/>
+          </a:effectRef>
+          <a:fontRef idx="minor">
+            <a:schemeClr val="tx1"/>
+          </a:fontRef>
+        </p:style>
+      </p:cxnSp>
+      <p:cxnSp>
+        <p:nvCxnSpPr>
+          <p:cNvPr id="33" name="Straight Arrow Connector 32"/>
+          <p:cNvCxnSpPr>
+            <a:stCxn id="5" idx="2"/>
+            <a:endCxn id="9" idx="0"/>
+          </p:cNvCxnSpPr>
+          <p:nvPr/>
+        </p:nvCxnSpPr>
+        <p:spPr>
+          <a:xfrm>
+            <a:off x="2934633" y="3341132"/>
+            <a:ext cx="1978402" cy="468868"/>
+          </a:xfrm>
+          <a:prstGeom prst="straightConnector1">
+            <a:avLst/>
+          </a:prstGeom>
+          <a:ln>
+            <a:solidFill>
+              <a:srgbClr val="00B050"/>
+            </a:solidFill>
+            <a:tailEnd type="arrow"/>
+          </a:ln>
+        </p:spPr>
+        <p:style>
+          <a:lnRef idx="1">
+            <a:schemeClr val="accent1"/>
+          </a:lnRef>
+          <a:fillRef idx="0">
+            <a:schemeClr val="accent1"/>
+          </a:fillRef>
+          <a:effectRef idx="0">
+            <a:schemeClr val="accent1"/>
+          </a:effectRef>
+          <a:fontRef idx="minor">
+            <a:schemeClr val="tx1"/>
+          </a:fontRef>
+        </p:style>
+      </p:cxnSp>
+      <p:cxnSp>
+        <p:nvCxnSpPr>
+          <p:cNvPr id="44" name="Straight Arrow Connector 43"/>
+          <p:cNvCxnSpPr>
+            <a:stCxn id="4" idx="2"/>
+            <a:endCxn id="54" idx="0"/>
+          </p:cNvCxnSpPr>
+          <p:nvPr/>
+        </p:nvCxnSpPr>
+        <p:spPr>
+          <a:xfrm>
+            <a:off x="4683650" y="1740932"/>
+            <a:ext cx="2060983" cy="1242536"/>
+          </a:xfrm>
+          <a:prstGeom prst="straightConnector1">
+            <a:avLst/>
+          </a:prstGeom>
+          <a:ln>
+            <a:solidFill>
+              <a:schemeClr val="bg1">
+                <a:lumMod val="65000"/>
+              </a:schemeClr>
+            </a:solidFill>
+            <a:tailEnd type="arrow"/>
+          </a:ln>
+        </p:spPr>
+        <p:style>
+          <a:lnRef idx="1">
+            <a:schemeClr val="accent1"/>
+          </a:lnRef>
+          <a:fillRef idx="0">
+            <a:schemeClr val="accent1"/>
+          </a:fillRef>
+          <a:effectRef idx="0">
+            <a:schemeClr val="accent1"/>
+          </a:effectRef>
+          <a:fontRef idx="minor">
+            <a:schemeClr val="tx1"/>
+          </a:fontRef>
+        </p:style>
+      </p:cxnSp>
+      <p:sp>
+        <p:nvSpPr>
+          <p:cNvPr id="68" name="TextBox 67"/>
+          <p:cNvSpPr txBox="1"/>
+          <p:nvPr/>
+        </p:nvSpPr>
+        <p:spPr>
+          <a:xfrm>
+            <a:off x="3124200" y="2450068"/>
+            <a:ext cx="301686" cy="369332"/>
+          </a:xfrm>
+          <a:prstGeom prst="rect">
+            <a:avLst/>
+          </a:prstGeom>
+          <a:noFill/>
+        </p:spPr>
+        <p:txBody>
+          <a:bodyPr wrap="none" rtlCol="0">
+            <a:spAutoFit/>
+          </a:bodyPr>
+          <a:lstStyle/>
+          <a:p>
+            <a:r>
+              <a:rPr lang="en-US" dirty="0" smtClean="0"/>
+              <a:t>0</a:t>
+            </a:r>
+            <a:endParaRPr lang="en-US" dirty="0"/>
+          </a:p>
+        </p:txBody>
+      </p:sp>
+      <p:sp>
+        <p:nvSpPr>
+          <p:cNvPr id="69" name="TextBox 68"/>
+          <p:cNvSpPr txBox="1"/>
+          <p:nvPr/>
+        </p:nvSpPr>
+        <p:spPr>
+          <a:xfrm>
+            <a:off x="1447800" y="3440668"/>
+            <a:ext cx="301686" cy="369332"/>
+          </a:xfrm>
+          <a:prstGeom prst="rect">
+            <a:avLst/>
+          </a:prstGeom>
+          <a:noFill/>
+        </p:spPr>
+        <p:txBody>
+          <a:bodyPr wrap="none" rtlCol="0">
+            <a:spAutoFit/>
+          </a:bodyPr>
+          <a:lstStyle/>
+          <a:p>
+            <a:r>
+              <a:rPr lang="en-US" dirty="0"/>
+              <a:t>1</a:t>
+            </a:r>
+          </a:p>
+        </p:txBody>
+      </p:sp>
+      <p:sp>
+        <p:nvSpPr>
+          <p:cNvPr id="70" name="TextBox 69"/>
+          <p:cNvSpPr txBox="1"/>
+          <p:nvPr/>
+        </p:nvSpPr>
+        <p:spPr>
+          <a:xfrm>
+            <a:off x="2667000" y="3429000"/>
+            <a:ext cx="301686" cy="369332"/>
+          </a:xfrm>
+          <a:prstGeom prst="rect">
+            <a:avLst/>
+          </a:prstGeom>
+          <a:noFill/>
+        </p:spPr>
+        <p:txBody>
+          <a:bodyPr wrap="none" rtlCol="0">
+            <a:spAutoFit/>
+          </a:bodyPr>
+          <a:lstStyle/>
+          <a:p>
+            <a:r>
+              <a:rPr lang="en-US" dirty="0" smtClean="0"/>
+              <a:t>3</a:t>
+            </a:r>
+            <a:endParaRPr lang="en-US" dirty="0"/>
+          </a:p>
+        </p:txBody>
+      </p:sp>
+      <p:sp>
+        <p:nvSpPr>
+          <p:cNvPr id="72" name="TextBox 71"/>
+          <p:cNvSpPr txBox="1"/>
+          <p:nvPr/>
+        </p:nvSpPr>
+        <p:spPr>
+          <a:xfrm>
+            <a:off x="1982449" y="4191000"/>
+            <a:ext cx="301686" cy="369332"/>
+          </a:xfrm>
+          <a:prstGeom prst="rect">
+            <a:avLst/>
+          </a:prstGeom>
+          <a:noFill/>
+        </p:spPr>
+        <p:txBody>
+          <a:bodyPr wrap="none" rtlCol="0">
+            <a:spAutoFit/>
+          </a:bodyPr>
+          <a:lstStyle/>
+          <a:p>
+            <a:r>
+              <a:rPr lang="en-US" dirty="0"/>
+              <a:t>2</a:t>
+            </a:r>
+          </a:p>
+        </p:txBody>
+      </p:sp>
+      <p:sp>
+        <p:nvSpPr>
+          <p:cNvPr id="73" name="TextBox 72"/>
+          <p:cNvSpPr txBox="1"/>
+          <p:nvPr/>
+        </p:nvSpPr>
+        <p:spPr>
+          <a:xfrm>
+            <a:off x="3430249" y="4202668"/>
+            <a:ext cx="301686" cy="369332"/>
+          </a:xfrm>
+          <a:prstGeom prst="rect">
+            <a:avLst/>
+          </a:prstGeom>
+          <a:noFill/>
+        </p:spPr>
+        <p:txBody>
+          <a:bodyPr wrap="square" rtlCol="0">
+            <a:spAutoFit/>
+          </a:bodyPr>
+          <a:lstStyle/>
+          <a:p>
+            <a:r>
+              <a:rPr lang="en-US" dirty="0" smtClean="0"/>
+              <a:t>4</a:t>
+            </a:r>
+            <a:endParaRPr lang="en-US" dirty="0"/>
+          </a:p>
+        </p:txBody>
+      </p:sp>
+      <p:sp>
+        <p:nvSpPr>
+          <p:cNvPr id="75" name="TextBox 74"/>
+          <p:cNvSpPr txBox="1"/>
+          <p:nvPr/>
+        </p:nvSpPr>
+        <p:spPr>
+          <a:xfrm>
+            <a:off x="4267200" y="2590800"/>
+            <a:ext cx="301686" cy="369332"/>
+          </a:xfrm>
+          <a:prstGeom prst="rect">
+            <a:avLst/>
+          </a:prstGeom>
+          <a:noFill/>
+        </p:spPr>
+        <p:txBody>
+          <a:bodyPr wrap="none" rtlCol="0">
+            <a:spAutoFit/>
+          </a:bodyPr>
+          <a:lstStyle/>
+          <a:p>
+            <a:r>
+              <a:rPr lang="en-US" dirty="0" smtClean="0"/>
+              <a:t>5</a:t>
+            </a:r>
+            <a:endParaRPr lang="en-US" dirty="0"/>
+          </a:p>
+        </p:txBody>
+      </p:sp>
+      <p:sp>
+        <p:nvSpPr>
+          <p:cNvPr id="83" name="TextBox 82"/>
+          <p:cNvSpPr txBox="1"/>
+          <p:nvPr/>
+        </p:nvSpPr>
+        <p:spPr>
+          <a:xfrm>
+            <a:off x="-76200" y="5830669"/>
+            <a:ext cx="1117614" cy="646331"/>
+          </a:xfrm>
+          <a:prstGeom prst="rect">
+            <a:avLst/>
+          </a:prstGeom>
+          <a:noFill/>
+        </p:spPr>
+        <p:txBody>
+          <a:bodyPr wrap="none" rtlCol="0">
+            <a:spAutoFit/>
+          </a:bodyPr>
+          <a:lstStyle/>
+          <a:p>
+            <a:r>
+              <a:rPr lang="en-US" dirty="0" smtClean="0"/>
+              <a:t>Recursive</a:t>
+            </a:r>
+          </a:p>
+          <a:p>
+            <a:r>
+              <a:rPr lang="en-US" dirty="0" smtClean="0"/>
+              <a:t>Base Case</a:t>
+            </a:r>
+            <a:endParaRPr lang="en-US" dirty="0"/>
+          </a:p>
+        </p:txBody>
+      </p:sp>
+      <p:sp>
+        <p:nvSpPr>
+          <p:cNvPr id="85" name="TextBox 84"/>
+          <p:cNvSpPr txBox="1"/>
+          <p:nvPr/>
+        </p:nvSpPr>
+        <p:spPr>
+          <a:xfrm>
+            <a:off x="1828800" y="533400"/>
+            <a:ext cx="5434886" cy="369332"/>
+          </a:xfrm>
+          <a:prstGeom prst="rect">
+            <a:avLst/>
+          </a:prstGeom>
+          <a:noFill/>
+        </p:spPr>
+        <p:txBody>
+          <a:bodyPr wrap="none" rtlCol="0">
+            <a:spAutoFit/>
+          </a:bodyPr>
+          <a:lstStyle/>
+          <a:p>
+            <a:r>
+              <a:rPr lang="en-US" dirty="0" smtClean="0"/>
+              <a:t>Calls to Recursive Permutations for [</a:t>
+            </a:r>
+            <a:r>
+              <a:rPr lang="en-US" dirty="0" err="1" smtClean="0"/>
+              <a:t>a,b,c,d</a:t>
+            </a:r>
+            <a:r>
+              <a:rPr lang="en-US" dirty="0" smtClean="0"/>
+              <a:t>], one branch</a:t>
+            </a:r>
+            <a:endParaRPr lang="en-US" dirty="0"/>
+          </a:p>
+        </p:txBody>
+      </p:sp>
+      <p:cxnSp>
+        <p:nvCxnSpPr>
+          <p:cNvPr id="91" name="Straight Arrow Connector 90"/>
+          <p:cNvCxnSpPr>
+            <a:stCxn id="4" idx="2"/>
+            <a:endCxn id="55" idx="0"/>
+          </p:cNvCxnSpPr>
+          <p:nvPr/>
+        </p:nvCxnSpPr>
+        <p:spPr>
+          <a:xfrm>
+            <a:off x="4683650" y="1740932"/>
+            <a:ext cx="3583118" cy="1230868"/>
+          </a:xfrm>
+          <a:prstGeom prst="straightConnector1">
+            <a:avLst/>
+          </a:prstGeom>
+          <a:ln>
+            <a:solidFill>
+              <a:schemeClr val="bg1">
+                <a:lumMod val="65000"/>
+              </a:schemeClr>
+            </a:solidFill>
+            <a:tailEnd type="arrow"/>
+          </a:ln>
+        </p:spPr>
+        <p:style>
+          <a:lnRef idx="1">
+            <a:schemeClr val="accent1"/>
+          </a:lnRef>
+          <a:fillRef idx="0">
+            <a:schemeClr val="accent1"/>
+          </a:fillRef>
+          <a:effectRef idx="0">
+            <a:schemeClr val="accent1"/>
+          </a:effectRef>
+          <a:fontRef idx="minor">
+            <a:schemeClr val="tx1"/>
+          </a:fontRef>
+        </p:style>
+      </p:cxnSp>
+      <p:sp>
+        <p:nvSpPr>
+          <p:cNvPr id="98" name="TextBox 97"/>
+          <p:cNvSpPr txBox="1"/>
+          <p:nvPr/>
+        </p:nvSpPr>
+        <p:spPr>
+          <a:xfrm>
+            <a:off x="8649096" y="4202668"/>
+            <a:ext cx="418704" cy="369332"/>
+          </a:xfrm>
+          <a:prstGeom prst="rect">
+            <a:avLst/>
+          </a:prstGeom>
+          <a:noFill/>
+        </p:spPr>
+        <p:txBody>
+          <a:bodyPr wrap="none" rtlCol="0">
+            <a:spAutoFit/>
+          </a:bodyPr>
+          <a:lstStyle/>
+          <a:p>
+            <a:r>
+              <a:rPr lang="en-US" dirty="0" smtClean="0"/>
+              <a:t>14</a:t>
+            </a:r>
+            <a:endParaRPr lang="en-US" dirty="0"/>
+          </a:p>
+        </p:txBody>
+      </p:sp>
+      <p:sp>
+        <p:nvSpPr>
+          <p:cNvPr id="53" name="TextBox 52"/>
+          <p:cNvSpPr txBox="1"/>
+          <p:nvPr/>
+        </p:nvSpPr>
+        <p:spPr>
+          <a:xfrm>
+            <a:off x="4874935" y="2971800"/>
+            <a:ext cx="1144865" cy="369332"/>
+          </a:xfrm>
+          <a:prstGeom prst="rect">
+            <a:avLst/>
+          </a:prstGeom>
+          <a:noFill/>
+          <a:ln>
+            <a:solidFill>
+              <a:schemeClr val="bg1">
+                <a:lumMod val="65000"/>
+              </a:schemeClr>
+            </a:solidFill>
+          </a:ln>
+        </p:spPr>
+        <p:txBody>
+          <a:bodyPr wrap="none" rtlCol="0">
+            <a:spAutoFit/>
+          </a:bodyPr>
+          <a:lstStyle/>
+          <a:p>
+            <a:r>
+              <a:rPr lang="en-US" dirty="0" smtClean="0"/>
+              <a:t>[b], [</a:t>
+            </a:r>
+            <a:r>
+              <a:rPr lang="en-US" dirty="0" err="1" smtClean="0"/>
+              <a:t>a,c,d</a:t>
+            </a:r>
+            <a:r>
+              <a:rPr lang="en-US" dirty="0" smtClean="0"/>
+              <a:t>]</a:t>
+            </a:r>
+            <a:endParaRPr lang="en-US" dirty="0"/>
+          </a:p>
+        </p:txBody>
+      </p:sp>
+      <p:sp>
+        <p:nvSpPr>
+          <p:cNvPr id="54" name="TextBox 53"/>
+          <p:cNvSpPr txBox="1"/>
+          <p:nvPr/>
+        </p:nvSpPr>
+        <p:spPr>
+          <a:xfrm>
+            <a:off x="6172200" y="2983468"/>
+            <a:ext cx="1144865" cy="369332"/>
+          </a:xfrm>
+          <a:prstGeom prst="rect">
+            <a:avLst/>
+          </a:prstGeom>
+          <a:noFill/>
+          <a:ln>
+            <a:solidFill>
+              <a:schemeClr val="bg1">
+                <a:lumMod val="65000"/>
+              </a:schemeClr>
+            </a:solidFill>
+          </a:ln>
+        </p:spPr>
+        <p:txBody>
+          <a:bodyPr wrap="none" rtlCol="0">
+            <a:spAutoFit/>
+          </a:bodyPr>
+          <a:lstStyle/>
+          <a:p>
+            <a:r>
+              <a:rPr lang="en-US" dirty="0" smtClean="0"/>
+              <a:t>[c], [</a:t>
+            </a:r>
+            <a:r>
+              <a:rPr lang="en-US" dirty="0" err="1" smtClean="0"/>
+              <a:t>a,b,d</a:t>
+            </a:r>
+            <a:r>
+              <a:rPr lang="en-US" dirty="0" smtClean="0"/>
+              <a:t>]</a:t>
+            </a:r>
+            <a:endParaRPr lang="en-US" dirty="0"/>
+          </a:p>
+        </p:txBody>
+      </p:sp>
+      <p:sp>
+        <p:nvSpPr>
+          <p:cNvPr id="55" name="TextBox 54"/>
+          <p:cNvSpPr txBox="1"/>
+          <p:nvPr/>
+        </p:nvSpPr>
+        <p:spPr>
+          <a:xfrm>
+            <a:off x="7694335" y="2971800"/>
+            <a:ext cx="1144865" cy="369332"/>
+          </a:xfrm>
+          <a:prstGeom prst="rect">
+            <a:avLst/>
+          </a:prstGeom>
+          <a:noFill/>
+          <a:ln>
+            <a:solidFill>
+              <a:schemeClr val="bg1">
+                <a:lumMod val="65000"/>
+              </a:schemeClr>
+            </a:solidFill>
+          </a:ln>
+        </p:spPr>
+        <p:txBody>
+          <a:bodyPr wrap="none" rtlCol="0">
+            <a:spAutoFit/>
+          </a:bodyPr>
+          <a:lstStyle/>
+          <a:p>
+            <a:r>
+              <a:rPr lang="en-US" dirty="0" smtClean="0"/>
+              <a:t>[d], [</a:t>
+            </a:r>
+            <a:r>
+              <a:rPr lang="en-US" dirty="0" err="1" smtClean="0"/>
+              <a:t>a,b,c</a:t>
+            </a:r>
+            <a:r>
+              <a:rPr lang="en-US" dirty="0" smtClean="0"/>
+              <a:t>]</a:t>
+            </a:r>
+            <a:endParaRPr lang="en-US" dirty="0"/>
+          </a:p>
+        </p:txBody>
+      </p:sp>
+      <p:cxnSp>
+        <p:nvCxnSpPr>
+          <p:cNvPr id="58" name="Straight Arrow Connector 57"/>
+          <p:cNvCxnSpPr>
+            <a:stCxn id="4" idx="2"/>
+            <a:endCxn id="53" idx="0"/>
+          </p:cNvCxnSpPr>
+          <p:nvPr/>
+        </p:nvCxnSpPr>
+        <p:spPr>
+          <a:xfrm>
+            <a:off x="4683650" y="1740932"/>
+            <a:ext cx="763718" cy="1230868"/>
+          </a:xfrm>
+          <a:prstGeom prst="straightConnector1">
+            <a:avLst/>
+          </a:prstGeom>
+          <a:ln>
+            <a:solidFill>
+              <a:schemeClr val="bg1">
+                <a:lumMod val="65000"/>
+              </a:schemeClr>
+            </a:solidFill>
+            <a:tailEnd type="arrow"/>
+          </a:ln>
+        </p:spPr>
+        <p:style>
+          <a:lnRef idx="1">
+            <a:schemeClr val="accent1"/>
+          </a:lnRef>
+          <a:fillRef idx="0">
+            <a:schemeClr val="accent1"/>
+          </a:fillRef>
+          <a:effectRef idx="0">
+            <a:schemeClr val="accent1"/>
+          </a:effectRef>
+          <a:fontRef idx="minor">
+            <a:schemeClr val="tx1"/>
+          </a:fontRef>
+        </p:style>
+      </p:cxnSp>
+      <p:sp>
+        <p:nvSpPr>
+          <p:cNvPr id="71" name="TextBox 70"/>
+          <p:cNvSpPr txBox="1"/>
+          <p:nvPr/>
+        </p:nvSpPr>
+        <p:spPr>
+          <a:xfrm>
+            <a:off x="7274382" y="3810000"/>
+            <a:ext cx="1219200" cy="369332"/>
+          </a:xfrm>
+          <a:prstGeom prst="rect">
+            <a:avLst/>
+          </a:prstGeom>
+          <a:noFill/>
+          <a:ln>
+            <a:solidFill>
+              <a:schemeClr val="bg1">
+                <a:lumMod val="65000"/>
+              </a:schemeClr>
+            </a:solidFill>
+          </a:ln>
+        </p:spPr>
+        <p:txBody>
+          <a:bodyPr wrap="square" rtlCol="0">
+            <a:spAutoFit/>
+          </a:bodyPr>
+          <a:lstStyle/>
+          <a:p>
+            <a:r>
+              <a:rPr lang="en-US" dirty="0" smtClean="0"/>
+              <a:t>[</a:t>
+            </a:r>
+            <a:r>
+              <a:rPr lang="en-US" dirty="0" err="1" smtClean="0"/>
+              <a:t>a,d</a:t>
+            </a:r>
+            <a:r>
+              <a:rPr lang="en-US" dirty="0" smtClean="0"/>
+              <a:t>], [</a:t>
+            </a:r>
+            <a:r>
+              <a:rPr lang="en-US" dirty="0" err="1" smtClean="0"/>
+              <a:t>b,c</a:t>
+            </a:r>
+            <a:r>
+              <a:rPr lang="en-US" dirty="0" smtClean="0"/>
+              <a:t>]</a:t>
+            </a:r>
+            <a:endParaRPr lang="en-US" dirty="0"/>
+          </a:p>
+        </p:txBody>
+      </p:sp>
+      <p:cxnSp>
+        <p:nvCxnSpPr>
+          <p:cNvPr id="74" name="Straight Arrow Connector 73"/>
+          <p:cNvCxnSpPr>
+            <a:stCxn id="5" idx="2"/>
+            <a:endCxn id="71" idx="0"/>
+          </p:cNvCxnSpPr>
+          <p:nvPr/>
+        </p:nvCxnSpPr>
+        <p:spPr>
+          <a:xfrm>
+            <a:off x="2934633" y="3341132"/>
+            <a:ext cx="4949349" cy="468868"/>
+          </a:xfrm>
+          <a:prstGeom prst="straightConnector1">
+            <a:avLst/>
+          </a:prstGeom>
+          <a:ln>
+            <a:solidFill>
+              <a:srgbClr val="00B050"/>
+            </a:solidFill>
+            <a:tailEnd type="arrow"/>
+          </a:ln>
+        </p:spPr>
+        <p:style>
+          <a:lnRef idx="1">
+            <a:schemeClr val="accent1"/>
+          </a:lnRef>
+          <a:fillRef idx="0">
+            <a:schemeClr val="accent1"/>
+          </a:fillRef>
+          <a:effectRef idx="0">
+            <a:schemeClr val="accent1"/>
+          </a:effectRef>
+          <a:fontRef idx="minor">
+            <a:schemeClr val="tx1"/>
+          </a:fontRef>
+        </p:style>
+      </p:cxnSp>
+      <p:sp>
+        <p:nvSpPr>
+          <p:cNvPr id="82" name="TextBox 81"/>
+          <p:cNvSpPr txBox="1"/>
+          <p:nvPr/>
+        </p:nvSpPr>
+        <p:spPr>
+          <a:xfrm>
+            <a:off x="1064935" y="4648200"/>
+            <a:ext cx="1144865" cy="369332"/>
+          </a:xfrm>
+          <a:prstGeom prst="rect">
+            <a:avLst/>
+          </a:prstGeom>
+          <a:noFill/>
+          <a:ln>
+            <a:solidFill>
+              <a:schemeClr val="bg1">
+                <a:lumMod val="65000"/>
+              </a:schemeClr>
+            </a:solidFill>
+          </a:ln>
+        </p:spPr>
+        <p:txBody>
+          <a:bodyPr wrap="none" rtlCol="0">
+            <a:spAutoFit/>
+          </a:bodyPr>
+          <a:lstStyle/>
+          <a:p>
+            <a:r>
+              <a:rPr lang="en-US" dirty="0" smtClean="0"/>
+              <a:t>[</a:t>
+            </a:r>
+            <a:r>
+              <a:rPr lang="en-US" dirty="0" err="1" smtClean="0"/>
+              <a:t>a,b,c</a:t>
+            </a:r>
+            <a:r>
+              <a:rPr lang="en-US" dirty="0" smtClean="0"/>
+              <a:t>], [d]</a:t>
+            </a:r>
+            <a:endParaRPr lang="en-US" dirty="0"/>
+          </a:p>
+        </p:txBody>
+      </p:sp>
+      <p:sp>
+        <p:nvSpPr>
+          <p:cNvPr id="84" name="TextBox 83"/>
+          <p:cNvSpPr txBox="1"/>
+          <p:nvPr/>
+        </p:nvSpPr>
+        <p:spPr>
+          <a:xfrm>
+            <a:off x="2360335" y="4659868"/>
+            <a:ext cx="1144865" cy="369332"/>
+          </a:xfrm>
+          <a:prstGeom prst="rect">
+            <a:avLst/>
+          </a:prstGeom>
+          <a:noFill/>
+          <a:ln>
+            <a:solidFill>
+              <a:schemeClr val="bg1">
+                <a:lumMod val="65000"/>
+              </a:schemeClr>
+            </a:solidFill>
+          </a:ln>
+        </p:spPr>
+        <p:txBody>
+          <a:bodyPr wrap="none" rtlCol="0">
+            <a:spAutoFit/>
+          </a:bodyPr>
+          <a:lstStyle/>
+          <a:p>
+            <a:r>
+              <a:rPr lang="en-US" dirty="0" smtClean="0"/>
+              <a:t>[</a:t>
+            </a:r>
+            <a:r>
+              <a:rPr lang="en-US" dirty="0" err="1" smtClean="0"/>
+              <a:t>a,b,d</a:t>
+            </a:r>
+            <a:r>
+              <a:rPr lang="en-US" dirty="0" smtClean="0"/>
+              <a:t>], [c]</a:t>
+            </a:r>
+            <a:endParaRPr lang="en-US" dirty="0"/>
+          </a:p>
+        </p:txBody>
+      </p:sp>
+      <p:sp>
+        <p:nvSpPr>
+          <p:cNvPr id="101" name="TextBox 100"/>
+          <p:cNvSpPr txBox="1"/>
+          <p:nvPr/>
+        </p:nvSpPr>
+        <p:spPr>
+          <a:xfrm>
+            <a:off x="3655735" y="4648200"/>
+            <a:ext cx="1144865" cy="369332"/>
+          </a:xfrm>
+          <a:prstGeom prst="rect">
+            <a:avLst/>
+          </a:prstGeom>
+          <a:noFill/>
+          <a:ln>
+            <a:solidFill>
+              <a:schemeClr val="bg1">
+                <a:lumMod val="65000"/>
+              </a:schemeClr>
+            </a:solidFill>
+          </a:ln>
+        </p:spPr>
+        <p:txBody>
+          <a:bodyPr wrap="none" rtlCol="0">
+            <a:spAutoFit/>
+          </a:bodyPr>
+          <a:lstStyle/>
+          <a:p>
+            <a:r>
+              <a:rPr lang="en-US" dirty="0" smtClean="0"/>
+              <a:t>[</a:t>
+            </a:r>
+            <a:r>
+              <a:rPr lang="en-US" dirty="0" err="1" smtClean="0"/>
+              <a:t>a,c,b</a:t>
+            </a:r>
+            <a:r>
+              <a:rPr lang="en-US" dirty="0" smtClean="0"/>
+              <a:t>], [d]</a:t>
+            </a:r>
+            <a:endParaRPr lang="en-US" dirty="0"/>
+          </a:p>
+        </p:txBody>
+      </p:sp>
+      <p:sp>
+        <p:nvSpPr>
+          <p:cNvPr id="102" name="TextBox 101"/>
+          <p:cNvSpPr txBox="1"/>
+          <p:nvPr/>
+        </p:nvSpPr>
+        <p:spPr>
+          <a:xfrm>
+            <a:off x="4951135" y="4659868"/>
+            <a:ext cx="1144865" cy="369332"/>
+          </a:xfrm>
+          <a:prstGeom prst="rect">
+            <a:avLst/>
+          </a:prstGeom>
+          <a:noFill/>
+          <a:ln>
+            <a:solidFill>
+              <a:schemeClr val="bg1">
+                <a:lumMod val="65000"/>
+              </a:schemeClr>
+            </a:solidFill>
+          </a:ln>
+        </p:spPr>
+        <p:txBody>
+          <a:bodyPr wrap="none" rtlCol="0">
+            <a:spAutoFit/>
+          </a:bodyPr>
+          <a:lstStyle/>
+          <a:p>
+            <a:r>
+              <a:rPr lang="en-US" dirty="0" smtClean="0"/>
+              <a:t>[</a:t>
+            </a:r>
+            <a:r>
+              <a:rPr lang="en-US" dirty="0" err="1" smtClean="0"/>
+              <a:t>a,c,d</a:t>
+            </a:r>
+            <a:r>
+              <a:rPr lang="en-US" dirty="0" smtClean="0"/>
+              <a:t>], [b]</a:t>
+            </a:r>
+            <a:endParaRPr lang="en-US" dirty="0"/>
+          </a:p>
+        </p:txBody>
+      </p:sp>
+      <p:cxnSp>
+        <p:nvCxnSpPr>
+          <p:cNvPr id="106" name="Straight Arrow Connector 105"/>
+          <p:cNvCxnSpPr>
+            <a:stCxn id="9" idx="2"/>
+            <a:endCxn id="101" idx="0"/>
+          </p:cNvCxnSpPr>
+          <p:nvPr/>
+        </p:nvCxnSpPr>
+        <p:spPr>
+          <a:xfrm flipH="1">
+            <a:off x="4228168" y="4179332"/>
+            <a:ext cx="684867" cy="468868"/>
+          </a:xfrm>
+          <a:prstGeom prst="straightConnector1">
+            <a:avLst/>
+          </a:prstGeom>
+          <a:ln>
+            <a:solidFill>
+              <a:srgbClr val="00B050"/>
+            </a:solidFill>
+            <a:tailEnd type="arrow"/>
+          </a:ln>
+        </p:spPr>
+        <p:style>
+          <a:lnRef idx="1">
+            <a:schemeClr val="accent1"/>
+          </a:lnRef>
+          <a:fillRef idx="0">
+            <a:schemeClr val="accent1"/>
+          </a:fillRef>
+          <a:effectRef idx="0">
+            <a:schemeClr val="accent1"/>
+          </a:effectRef>
+          <a:fontRef idx="minor">
+            <a:schemeClr val="tx1"/>
+          </a:fontRef>
+        </p:style>
+      </p:cxnSp>
+      <p:cxnSp>
+        <p:nvCxnSpPr>
+          <p:cNvPr id="109" name="Straight Arrow Connector 108"/>
+          <p:cNvCxnSpPr>
+            <a:stCxn id="9" idx="2"/>
+            <a:endCxn id="102" idx="0"/>
+          </p:cNvCxnSpPr>
+          <p:nvPr/>
+        </p:nvCxnSpPr>
+        <p:spPr>
+          <a:xfrm>
+            <a:off x="4913035" y="4179332"/>
+            <a:ext cx="610533" cy="480536"/>
+          </a:xfrm>
+          <a:prstGeom prst="straightConnector1">
+            <a:avLst/>
+          </a:prstGeom>
+          <a:ln>
+            <a:solidFill>
+              <a:srgbClr val="00B050"/>
+            </a:solidFill>
+            <a:tailEnd type="arrow"/>
+          </a:ln>
+        </p:spPr>
+        <p:style>
+          <a:lnRef idx="1">
+            <a:schemeClr val="accent1"/>
+          </a:lnRef>
+          <a:fillRef idx="0">
+            <a:schemeClr val="accent1"/>
+          </a:fillRef>
+          <a:effectRef idx="0">
+            <a:schemeClr val="accent1"/>
+          </a:effectRef>
+          <a:fontRef idx="minor">
+            <a:schemeClr val="tx1"/>
+          </a:fontRef>
+        </p:style>
+      </p:cxnSp>
+      <p:sp>
+        <p:nvSpPr>
+          <p:cNvPr id="112" name="TextBox 111"/>
+          <p:cNvSpPr txBox="1"/>
+          <p:nvPr/>
+        </p:nvSpPr>
+        <p:spPr>
+          <a:xfrm>
+            <a:off x="6283782" y="4648200"/>
+            <a:ext cx="1144865" cy="369332"/>
+          </a:xfrm>
+          <a:prstGeom prst="rect">
+            <a:avLst/>
+          </a:prstGeom>
+          <a:noFill/>
+          <a:ln>
+            <a:solidFill>
+              <a:schemeClr val="bg1">
+                <a:lumMod val="65000"/>
+              </a:schemeClr>
+            </a:solidFill>
+          </a:ln>
+        </p:spPr>
+        <p:txBody>
+          <a:bodyPr wrap="none" rtlCol="0">
+            <a:spAutoFit/>
+          </a:bodyPr>
+          <a:lstStyle/>
+          <a:p>
+            <a:r>
+              <a:rPr lang="en-US" dirty="0" smtClean="0"/>
+              <a:t>[</a:t>
+            </a:r>
+            <a:r>
+              <a:rPr lang="en-US" dirty="0" err="1" smtClean="0"/>
+              <a:t>a,d,b</a:t>
+            </a:r>
+            <a:r>
+              <a:rPr lang="en-US" dirty="0" smtClean="0"/>
+              <a:t>], [c]</a:t>
+            </a:r>
+            <a:endParaRPr lang="en-US" dirty="0"/>
+          </a:p>
+        </p:txBody>
+      </p:sp>
+      <p:sp>
+        <p:nvSpPr>
+          <p:cNvPr id="113" name="TextBox 112"/>
+          <p:cNvSpPr txBox="1"/>
+          <p:nvPr/>
+        </p:nvSpPr>
+        <p:spPr>
+          <a:xfrm>
+            <a:off x="7807782" y="4648200"/>
+            <a:ext cx="1144865" cy="369332"/>
+          </a:xfrm>
+          <a:prstGeom prst="rect">
+            <a:avLst/>
+          </a:prstGeom>
+          <a:noFill/>
+          <a:ln>
+            <a:solidFill>
+              <a:schemeClr val="bg1">
+                <a:lumMod val="65000"/>
+              </a:schemeClr>
+            </a:solidFill>
+          </a:ln>
+        </p:spPr>
+        <p:txBody>
+          <a:bodyPr wrap="none" rtlCol="0">
+            <a:spAutoFit/>
+          </a:bodyPr>
+          <a:lstStyle/>
+          <a:p>
+            <a:r>
+              <a:rPr lang="en-US" dirty="0" smtClean="0"/>
+              <a:t>[</a:t>
+            </a:r>
+            <a:r>
+              <a:rPr lang="en-US" dirty="0" err="1" smtClean="0"/>
+              <a:t>a,d,c</a:t>
+            </a:r>
+            <a:r>
+              <a:rPr lang="en-US" dirty="0" smtClean="0"/>
+              <a:t>], [b]</a:t>
+            </a:r>
+            <a:endParaRPr lang="en-US" dirty="0"/>
+          </a:p>
+        </p:txBody>
+      </p:sp>
+      <p:cxnSp>
+        <p:nvCxnSpPr>
+          <p:cNvPr id="114" name="Straight Arrow Connector 113"/>
+          <p:cNvCxnSpPr>
+            <a:stCxn id="71" idx="2"/>
+            <a:endCxn id="113" idx="0"/>
+          </p:cNvCxnSpPr>
+          <p:nvPr/>
+        </p:nvCxnSpPr>
+        <p:spPr>
+          <a:xfrm>
+            <a:off x="7883982" y="4179332"/>
+            <a:ext cx="496233" cy="468868"/>
+          </a:xfrm>
+          <a:prstGeom prst="straightConnector1">
+            <a:avLst/>
+          </a:prstGeom>
+          <a:ln>
+            <a:solidFill>
+              <a:srgbClr val="00B050"/>
+            </a:solidFill>
+            <a:tailEnd type="arrow"/>
+          </a:ln>
+        </p:spPr>
+        <p:style>
+          <a:lnRef idx="1">
+            <a:schemeClr val="accent1"/>
+          </a:lnRef>
+          <a:fillRef idx="0">
+            <a:schemeClr val="accent1"/>
+          </a:fillRef>
+          <a:effectRef idx="0">
+            <a:schemeClr val="accent1"/>
+          </a:effectRef>
+          <a:fontRef idx="minor">
+            <a:schemeClr val="tx1"/>
+          </a:fontRef>
+        </p:style>
+      </p:cxnSp>
+      <p:cxnSp>
+        <p:nvCxnSpPr>
+          <p:cNvPr id="117" name="Straight Arrow Connector 116"/>
+          <p:cNvCxnSpPr>
+            <a:stCxn id="71" idx="2"/>
+            <a:endCxn id="112" idx="0"/>
+          </p:cNvCxnSpPr>
+          <p:nvPr/>
+        </p:nvCxnSpPr>
+        <p:spPr>
+          <a:xfrm flipH="1">
+            <a:off x="6856215" y="4179332"/>
+            <a:ext cx="1027767" cy="468868"/>
+          </a:xfrm>
+          <a:prstGeom prst="straightConnector1">
+            <a:avLst/>
+          </a:prstGeom>
+          <a:ln>
+            <a:solidFill>
+              <a:srgbClr val="00B050"/>
+            </a:solidFill>
+            <a:tailEnd type="arrow"/>
+          </a:ln>
+        </p:spPr>
+        <p:style>
+          <a:lnRef idx="1">
+            <a:schemeClr val="accent1"/>
+          </a:lnRef>
+          <a:fillRef idx="0">
+            <a:schemeClr val="accent1"/>
+          </a:fillRef>
+          <a:effectRef idx="0">
+            <a:schemeClr val="accent1"/>
+          </a:effectRef>
+          <a:fontRef idx="minor">
+            <a:schemeClr val="tx1"/>
+          </a:fontRef>
+        </p:style>
+      </p:cxnSp>
+      <p:cxnSp>
+        <p:nvCxnSpPr>
+          <p:cNvPr id="120" name="Straight Arrow Connector 119"/>
+          <p:cNvCxnSpPr>
+            <a:stCxn id="82" idx="2"/>
+            <a:endCxn id="7" idx="0"/>
+          </p:cNvCxnSpPr>
+          <p:nvPr/>
+        </p:nvCxnSpPr>
+        <p:spPr>
+          <a:xfrm flipH="1">
+            <a:off x="1618336" y="5017532"/>
+            <a:ext cx="19032" cy="937736"/>
+          </a:xfrm>
+          <a:prstGeom prst="straightConnector1">
+            <a:avLst/>
+          </a:prstGeom>
+          <a:ln>
+            <a:solidFill>
+              <a:srgbClr val="00B050"/>
+            </a:solidFill>
+            <a:tailEnd type="arrow"/>
+          </a:ln>
+        </p:spPr>
+        <p:style>
+          <a:lnRef idx="1">
+            <a:schemeClr val="accent1"/>
+          </a:lnRef>
+          <a:fillRef idx="0">
+            <a:schemeClr val="accent1"/>
+          </a:fillRef>
+          <a:effectRef idx="0">
+            <a:schemeClr val="accent1"/>
+          </a:effectRef>
+          <a:fontRef idx="minor">
+            <a:schemeClr val="tx1"/>
+          </a:fontRef>
+        </p:style>
+      </p:cxnSp>
+      <p:cxnSp>
+        <p:nvCxnSpPr>
+          <p:cNvPr id="129" name="Straight Arrow Connector 128"/>
+          <p:cNvCxnSpPr>
+            <a:stCxn id="84" idx="2"/>
+            <a:endCxn id="10" idx="0"/>
+          </p:cNvCxnSpPr>
+          <p:nvPr/>
+        </p:nvCxnSpPr>
+        <p:spPr>
+          <a:xfrm>
+            <a:off x="2932768" y="5029200"/>
+            <a:ext cx="93351" cy="926068"/>
+          </a:xfrm>
+          <a:prstGeom prst="straightConnector1">
+            <a:avLst/>
+          </a:prstGeom>
+          <a:ln>
+            <a:solidFill>
+              <a:srgbClr val="00B050"/>
+            </a:solidFill>
+            <a:tailEnd type="arrow"/>
+          </a:ln>
+        </p:spPr>
+        <p:style>
+          <a:lnRef idx="1">
+            <a:schemeClr val="accent1"/>
+          </a:lnRef>
+          <a:fillRef idx="0">
+            <a:schemeClr val="accent1"/>
+          </a:fillRef>
+          <a:effectRef idx="0">
+            <a:schemeClr val="accent1"/>
+          </a:effectRef>
+          <a:fontRef idx="minor">
+            <a:schemeClr val="tx1"/>
+          </a:fontRef>
+        </p:style>
+      </p:cxnSp>
+      <p:sp>
+        <p:nvSpPr>
+          <p:cNvPr id="132" name="TextBox 131"/>
+          <p:cNvSpPr txBox="1"/>
+          <p:nvPr/>
+        </p:nvSpPr>
+        <p:spPr>
+          <a:xfrm>
+            <a:off x="3810000" y="5943600"/>
+            <a:ext cx="1327837" cy="369332"/>
+          </a:xfrm>
+          <a:prstGeom prst="rect">
+            <a:avLst/>
+          </a:prstGeom>
+          <a:noFill/>
+          <a:ln w="31750">
+            <a:solidFill>
+              <a:srgbClr val="00B050"/>
+            </a:solidFill>
+          </a:ln>
+        </p:spPr>
+        <p:txBody>
+          <a:bodyPr wrap="square" rtlCol="0">
+            <a:spAutoFit/>
+          </a:bodyPr>
+          <a:lstStyle/>
+          <a:p>
+            <a:r>
+              <a:rPr lang="en-US" dirty="0" smtClean="0"/>
+              <a:t>[</a:t>
+            </a:r>
+            <a:r>
+              <a:rPr lang="en-US" dirty="0" err="1" smtClean="0"/>
+              <a:t>a,c,b,d</a:t>
+            </a:r>
+            <a:r>
+              <a:rPr lang="en-US" dirty="0" smtClean="0"/>
+              <a:t>], []</a:t>
+            </a:r>
+            <a:endParaRPr lang="en-US" dirty="0"/>
+          </a:p>
+        </p:txBody>
+      </p:sp>
+      <p:sp>
+        <p:nvSpPr>
+          <p:cNvPr id="133" name="TextBox 132"/>
+          <p:cNvSpPr txBox="1"/>
+          <p:nvPr/>
+        </p:nvSpPr>
+        <p:spPr>
+          <a:xfrm>
+            <a:off x="5257800" y="5943600"/>
+            <a:ext cx="1327837" cy="369332"/>
+          </a:xfrm>
+          <a:prstGeom prst="rect">
+            <a:avLst/>
+          </a:prstGeom>
+          <a:noFill/>
+          <a:ln w="31750">
+            <a:solidFill>
+              <a:srgbClr val="00B050"/>
+            </a:solidFill>
+          </a:ln>
+        </p:spPr>
+        <p:txBody>
+          <a:bodyPr wrap="square" rtlCol="0">
+            <a:spAutoFit/>
+          </a:bodyPr>
+          <a:lstStyle/>
+          <a:p>
+            <a:r>
+              <a:rPr lang="en-US" dirty="0" smtClean="0"/>
+              <a:t>[</a:t>
+            </a:r>
+            <a:r>
+              <a:rPr lang="en-US" dirty="0" err="1" smtClean="0"/>
+              <a:t>a,c,d,b</a:t>
+            </a:r>
+            <a:r>
+              <a:rPr lang="en-US" dirty="0" smtClean="0"/>
+              <a:t>], []</a:t>
+            </a:r>
+            <a:endParaRPr lang="en-US" dirty="0"/>
+          </a:p>
+        </p:txBody>
+      </p:sp>
+      <p:cxnSp>
+        <p:nvCxnSpPr>
+          <p:cNvPr id="134" name="Straight Arrow Connector 133"/>
+          <p:cNvCxnSpPr>
+            <a:stCxn id="101" idx="2"/>
+            <a:endCxn id="132" idx="0"/>
+          </p:cNvCxnSpPr>
+          <p:nvPr/>
+        </p:nvCxnSpPr>
+        <p:spPr>
+          <a:xfrm>
+            <a:off x="4228168" y="5017532"/>
+            <a:ext cx="245751" cy="926068"/>
+          </a:xfrm>
+          <a:prstGeom prst="straightConnector1">
+            <a:avLst/>
+          </a:prstGeom>
+          <a:ln>
+            <a:solidFill>
+              <a:srgbClr val="00B050"/>
+            </a:solidFill>
+            <a:tailEnd type="arrow"/>
+          </a:ln>
+        </p:spPr>
+        <p:style>
+          <a:lnRef idx="1">
+            <a:schemeClr val="accent1"/>
+          </a:lnRef>
+          <a:fillRef idx="0">
+            <a:schemeClr val="accent1"/>
+          </a:fillRef>
+          <a:effectRef idx="0">
+            <a:schemeClr val="accent1"/>
+          </a:effectRef>
+          <a:fontRef idx="minor">
+            <a:schemeClr val="tx1"/>
+          </a:fontRef>
+        </p:style>
+      </p:cxnSp>
+      <p:cxnSp>
+        <p:nvCxnSpPr>
+          <p:cNvPr id="137" name="Straight Arrow Connector 136"/>
+          <p:cNvCxnSpPr>
+            <a:stCxn id="102" idx="2"/>
+            <a:endCxn id="133" idx="0"/>
+          </p:cNvCxnSpPr>
+          <p:nvPr/>
+        </p:nvCxnSpPr>
+        <p:spPr>
+          <a:xfrm>
+            <a:off x="5523568" y="5029200"/>
+            <a:ext cx="398151" cy="914400"/>
+          </a:xfrm>
+          <a:prstGeom prst="straightConnector1">
+            <a:avLst/>
+          </a:prstGeom>
+          <a:ln>
+            <a:solidFill>
+              <a:srgbClr val="00B050"/>
+            </a:solidFill>
+            <a:tailEnd type="arrow"/>
+          </a:ln>
+        </p:spPr>
+        <p:style>
+          <a:lnRef idx="1">
+            <a:schemeClr val="accent1"/>
+          </a:lnRef>
+          <a:fillRef idx="0">
+            <a:schemeClr val="accent1"/>
+          </a:fillRef>
+          <a:effectRef idx="0">
+            <a:schemeClr val="accent1"/>
+          </a:effectRef>
+          <a:fontRef idx="minor">
+            <a:schemeClr val="tx1"/>
+          </a:fontRef>
+        </p:style>
+      </p:cxnSp>
     </p:spTree>
   </p:cSld>
   <p:clrMapOvr>
@@ -10467,15 +10165,7 @@
           <a:p>
             <a:r>
               <a:rPr lang="en-US" dirty="0" smtClean="0"/>
-              <a:t>Recursive </a:t>
-            </a:r>
-            <a:r>
-              <a:rPr lang="en-US" dirty="0" smtClean="0"/>
-              <a:t>back-</a:t>
-            </a:r>
-            <a:r>
-              <a:rPr lang="en-US" dirty="0" err="1" smtClean="0"/>
-              <a:t>trackcing</a:t>
+              <a:t>Exhaustive recursion is ‘exhaustive’</a:t>
             </a:r>
             <a:endParaRPr lang="en-US" dirty="0"/>
           </a:p>
@@ -10494,7 +10184,7 @@
         <p:spPr/>
         <p:txBody>
           <a:bodyPr>
-            <a:normAutofit fontScale="92500" lnSpcReduction="10000"/>
+            <a:normAutofit/>
           </a:bodyPr>
           <a:lstStyle/>
           <a:p>
@@ -10502,8 +10192,28 @@
               <a:buNone/>
             </a:pPr>
             <a:r>
-              <a:rPr lang="en-US" sz="1400" dirty="0" smtClean="0"/>
-              <a:t>Exhaustive recursion may be more expensive than necessary. </a:t>
+              <a:rPr lang="en-US" sz="1800" dirty="0" err="1" smtClean="0"/>
+              <a:t>var</a:t>
+            </a:r>
+            <a:r>
+              <a:rPr lang="en-US" sz="1800" dirty="0" smtClean="0"/>
+              <a:t> </a:t>
+            </a:r>
+            <a:r>
+              <a:rPr lang="en-US" sz="1800" dirty="0" err="1" smtClean="0"/>
+              <a:t>recPerms</a:t>
+            </a:r>
+            <a:r>
+              <a:rPr lang="en-US" sz="1800" dirty="0" smtClean="0"/>
+              <a:t> = function(</a:t>
+            </a:r>
+            <a:r>
+              <a:rPr lang="en-US" sz="1800" dirty="0" err="1" smtClean="0"/>
+              <a:t>sofar</a:t>
+            </a:r>
+            <a:r>
+              <a:rPr lang="en-US" sz="1800" dirty="0" smtClean="0"/>
+              <a:t>, rest){ </a:t>
             </a:r>
           </a:p>
           <a:p>
@@ -10511,8 +10221,16 @@
               <a:buNone/>
             </a:pPr>
             <a:r>
-              <a:rPr lang="en-US" sz="1400" dirty="0" smtClean="0"/>
-              <a:t>Let’s say all we want to know if a jumble of letters is a word.</a:t>
+              <a:rPr lang="en-US" sz="1800" dirty="0" smtClean="0"/>
+              <a:t>  if( </a:t>
+            </a:r>
+            <a:r>
+              <a:rPr lang="en-US" sz="1800" dirty="0" err="1" smtClean="0"/>
+              <a:t>rest.length</a:t>
+            </a:r>
+            <a:r>
+              <a:rPr lang="en-US" sz="1800" dirty="0" smtClean="0"/>
+              <a:t> === 0) { </a:t>
             </a:r>
           </a:p>
           <a:p>
@@ -10520,8 +10238,16 @@
               <a:buNone/>
             </a:pPr>
             <a:r>
-              <a:rPr lang="en-US" sz="1400" dirty="0" smtClean="0"/>
-              <a:t>Naïve approach: try all permutations of the scrambled letters to see if any are words.</a:t>
+              <a:rPr lang="en-US" sz="1800" dirty="0" smtClean="0"/>
+              <a:t>    console.log(‘base case reached:’, </a:t>
+            </a:r>
+            <a:r>
+              <a:rPr lang="en-US" sz="1800" dirty="0" err="1" smtClean="0"/>
+              <a:t>sofar</a:t>
+            </a:r>
+            <a:r>
+              <a:rPr lang="en-US" sz="1800" dirty="0" smtClean="0"/>
+              <a:t>);</a:t>
             </a:r>
           </a:p>
           <a:p>
@@ -10529,8 +10255,8 @@
               <a:buNone/>
             </a:pPr>
             <a:r>
-              <a:rPr lang="en-US" sz="1400" dirty="0" smtClean="0"/>
-              <a:t>Better approach: short circuit if we find a match</a:t>
+              <a:rPr lang="en-US" sz="1800" dirty="0" smtClean="0"/>
+              <a:t>  } else { </a:t>
             </a:r>
           </a:p>
           <a:p>
@@ -10538,43 +10264,98 @@
               <a:buNone/>
             </a:pPr>
             <a:r>
-              <a:rPr lang="en-US" sz="1400" dirty="0" smtClean="0"/>
-              <a:t>Notice this only a minor modification of the recursive permutations algorithms from the prior page</a:t>
+              <a:rPr lang="en-US" sz="1800" dirty="0" smtClean="0"/>
+              <a:t>    for( </a:t>
+            </a:r>
+            <a:r>
+              <a:rPr lang="en-US" sz="1800" dirty="0" err="1" smtClean="0"/>
+              <a:t>var</a:t>
+            </a:r>
+            <a:r>
+              <a:rPr lang="en-US" sz="1800" dirty="0" smtClean="0"/>
+              <a:t> </a:t>
+            </a:r>
+            <a:r>
+              <a:rPr lang="en-US" sz="1800" dirty="0" err="1" smtClean="0"/>
+              <a:t>i</a:t>
+            </a:r>
+            <a:r>
+              <a:rPr lang="en-US" sz="1800" dirty="0" smtClean="0"/>
+              <a:t> = 0; </a:t>
+            </a:r>
+            <a:r>
+              <a:rPr lang="en-US" sz="1800" dirty="0" err="1" smtClean="0"/>
+              <a:t>i</a:t>
+            </a:r>
+            <a:r>
+              <a:rPr lang="en-US" sz="1800" dirty="0" smtClean="0"/>
+              <a:t> &lt; </a:t>
+            </a:r>
+            <a:r>
+              <a:rPr lang="en-US" sz="1800" dirty="0" err="1" smtClean="0"/>
+              <a:t>rest.length</a:t>
+            </a:r>
+            <a:r>
+              <a:rPr lang="en-US" sz="1800" dirty="0" smtClean="0"/>
+              <a:t>; </a:t>
+            </a:r>
+            <a:r>
+              <a:rPr lang="en-US" sz="1800" dirty="0" err="1" smtClean="0"/>
+              <a:t>i</a:t>
+            </a:r>
+            <a:r>
+              <a:rPr lang="en-US" sz="1800" dirty="0" smtClean="0"/>
+              <a:t>++ ){ </a:t>
             </a:r>
           </a:p>
           <a:p>
             <a:pPr>
               <a:buNone/>
             </a:pPr>
-            <a:endParaRPr lang="en-US" sz="1400" dirty="0" smtClean="0"/>
+            <a:r>
+              <a:rPr lang="en-US" sz="1800" dirty="0" smtClean="0"/>
+              <a:t>      </a:t>
+            </a:r>
+            <a:r>
+              <a:rPr lang="en-US" sz="1800" dirty="0" err="1" smtClean="0"/>
+              <a:t>var</a:t>
+            </a:r>
+            <a:r>
+              <a:rPr lang="en-US" sz="1800" dirty="0" smtClean="0"/>
+              <a:t> remaining = </a:t>
+            </a:r>
+            <a:r>
+              <a:rPr lang="en-US" sz="1800" dirty="0" err="1" smtClean="0"/>
+              <a:t>rest.slice</a:t>
+            </a:r>
+            <a:r>
+              <a:rPr lang="en-US" sz="1800" dirty="0" smtClean="0"/>
+              <a:t>(); </a:t>
+            </a:r>
           </a:p>
           <a:p>
             <a:pPr>
               <a:buNone/>
             </a:pPr>
             <a:r>
-              <a:rPr lang="en-US" sz="1400" dirty="0" err="1" smtClean="0"/>
-              <a:t>var</a:t>
-            </a:r>
-            <a:r>
-              <a:rPr lang="en-US" sz="1400" dirty="0" smtClean="0"/>
-              <a:t> </a:t>
-            </a:r>
-            <a:r>
-              <a:rPr lang="en-US" sz="1400" dirty="0" err="1" smtClean="0"/>
-              <a:t>isAnagram</a:t>
-            </a:r>
-            <a:r>
-              <a:rPr lang="en-US" sz="1400" dirty="0" smtClean="0"/>
-              <a:t> = function(</a:t>
-            </a:r>
-            <a:r>
-              <a:rPr lang="en-US" sz="1400" dirty="0" err="1" smtClean="0"/>
-              <a:t>sofar</a:t>
-            </a:r>
-            <a:r>
-              <a:rPr lang="en-US" sz="1400" dirty="0" smtClean="0"/>
-              <a:t>, rest, dictionary){ </a:t>
+              <a:rPr lang="en-US" sz="1800" dirty="0" smtClean="0"/>
+              <a:t>      </a:t>
+            </a:r>
+            <a:r>
+              <a:rPr lang="en-US" sz="1800" dirty="0" err="1" smtClean="0"/>
+              <a:t>remaining.splice</a:t>
+            </a:r>
+            <a:r>
+              <a:rPr lang="en-US" sz="1800" dirty="0" smtClean="0"/>
+              <a:t>(</a:t>
+            </a:r>
+            <a:r>
+              <a:rPr lang="en-US" sz="1800" dirty="0" err="1" smtClean="0"/>
+              <a:t>i</a:t>
+            </a:r>
+            <a:r>
+              <a:rPr lang="en-US" sz="1800" dirty="0" smtClean="0"/>
+              <a:t>, 1); </a:t>
             </a:r>
           </a:p>
           <a:p>
@@ -10582,16 +10363,24 @@
               <a:buNone/>
             </a:pPr>
             <a:r>
-              <a:rPr lang="en-US" sz="1400" dirty="0" smtClean="0"/>
-              <a:t>  if( </a:t>
-            </a:r>
-            <a:r>
-              <a:rPr lang="en-US" sz="1400" dirty="0" err="1" smtClean="0"/>
-              <a:t>rest.length</a:t>
-            </a:r>
-            <a:r>
-              <a:rPr lang="en-US" sz="1400" dirty="0" smtClean="0"/>
-              <a:t> === 0 ) {</a:t>
+              <a:rPr lang="en-US" sz="1800" dirty="0" smtClean="0"/>
+              <a:t>      </a:t>
+            </a:r>
+            <a:r>
+              <a:rPr lang="en-US" sz="1800" dirty="0" err="1" smtClean="0"/>
+              <a:t>var</a:t>
+            </a:r>
+            <a:r>
+              <a:rPr lang="en-US" sz="1800" dirty="0" smtClean="0"/>
+              <a:t> next = </a:t>
+            </a:r>
+            <a:r>
+              <a:rPr lang="en-US" sz="1800" dirty="0" err="1" smtClean="0"/>
+              <a:t>sofar.slice</a:t>
+            </a:r>
+            <a:r>
+              <a:rPr lang="en-US" sz="1800" dirty="0" smtClean="0"/>
+              <a:t>(); </a:t>
             </a:r>
           </a:p>
           <a:p>
@@ -10599,34 +10388,41 @@
               <a:buNone/>
             </a:pPr>
             <a:r>
-              <a:rPr lang="en-US" sz="1400" dirty="0" smtClean="0"/>
-              <a:t> </a:t>
-            </a:r>
-            <a:r>
-              <a:rPr lang="en-US" sz="1400" dirty="0" smtClean="0"/>
-              <a:t>   return </a:t>
-            </a:r>
-            <a:r>
-              <a:rPr lang="en-US" sz="1400" dirty="0" smtClean="0"/>
-              <a:t>dictionary[</a:t>
-            </a:r>
-            <a:r>
-              <a:rPr lang="en-US" sz="1400" dirty="0" err="1" smtClean="0"/>
-              <a:t>sofar</a:t>
-            </a:r>
-            <a:r>
-              <a:rPr lang="en-US" sz="1400" dirty="0" smtClean="0"/>
-              <a:t>]);</a:t>
-            </a:r>
-            <a:endParaRPr lang="en-US" sz="1400" dirty="0" smtClean="0"/>
+              <a:rPr lang="en-US" sz="1800" dirty="0" smtClean="0"/>
+              <a:t>      </a:t>
+            </a:r>
+            <a:r>
+              <a:rPr lang="en-US" sz="1800" dirty="0" err="1" smtClean="0"/>
+              <a:t>next.push</a:t>
+            </a:r>
+            <a:r>
+              <a:rPr lang="en-US" sz="1800" dirty="0" smtClean="0"/>
+              <a:t>(rest[</a:t>
+            </a:r>
+            <a:r>
+              <a:rPr lang="en-US" sz="1800" dirty="0" err="1" smtClean="0"/>
+              <a:t>i</a:t>
+            </a:r>
+            <a:r>
+              <a:rPr lang="en-US" sz="1800" dirty="0" smtClean="0"/>
+              <a:t>]); </a:t>
+            </a:r>
           </a:p>
           <a:p>
             <a:pPr>
               <a:buNone/>
             </a:pPr>
             <a:r>
-              <a:rPr lang="en-US" sz="1400" dirty="0" smtClean="0"/>
-              <a:t>  } else { </a:t>
+              <a:rPr lang="en-US" sz="1800" dirty="0" smtClean="0"/>
+              <a:t>      </a:t>
+            </a:r>
+            <a:r>
+              <a:rPr lang="en-US" sz="1800" dirty="0" err="1" smtClean="0"/>
+              <a:t>recPerms</a:t>
+            </a:r>
+            <a:r>
+              <a:rPr lang="en-US" sz="1800" dirty="0" smtClean="0"/>
+              <a:t>(next, remaining);</a:t>
             </a:r>
           </a:p>
           <a:p>
@@ -10634,48 +10430,8 @@
               <a:buNone/>
             </a:pPr>
             <a:r>
-              <a:rPr lang="en-US" sz="1400" dirty="0" smtClean="0"/>
-              <a:t>    for( </a:t>
-            </a:r>
-            <a:r>
-              <a:rPr lang="en-US" sz="1400" dirty="0" err="1" smtClean="0"/>
-              <a:t>var</a:t>
-            </a:r>
-            <a:r>
-              <a:rPr lang="en-US" sz="1400" dirty="0" smtClean="0"/>
-              <a:t> </a:t>
-            </a:r>
-            <a:r>
-              <a:rPr lang="en-US" sz="1400" dirty="0" err="1" smtClean="0"/>
-              <a:t>i</a:t>
-            </a:r>
-            <a:r>
-              <a:rPr lang="en-US" sz="1400" dirty="0" smtClean="0"/>
-              <a:t> = 0; </a:t>
-            </a:r>
-            <a:r>
-              <a:rPr lang="en-US" sz="1400" dirty="0" err="1" smtClean="0"/>
-              <a:t>i</a:t>
-            </a:r>
-            <a:r>
-              <a:rPr lang="en-US" sz="1400" dirty="0" smtClean="0"/>
-              <a:t> &lt; </a:t>
-            </a:r>
-            <a:r>
-              <a:rPr lang="en-US" sz="1400" dirty="0" err="1" smtClean="0"/>
-              <a:t>rest.length</a:t>
-            </a:r>
-            <a:r>
-              <a:rPr lang="en-US" sz="1400" dirty="0" smtClean="0"/>
-              <a:t>; </a:t>
-            </a:r>
-            <a:r>
-              <a:rPr lang="en-US" sz="1400" dirty="0" err="1" smtClean="0"/>
-              <a:t>i</a:t>
-            </a:r>
-            <a:r>
-              <a:rPr lang="en-US" sz="1400" dirty="0" smtClean="0"/>
-              <a:t>++ ){ </a:t>
+              <a:rPr lang="en-US" sz="1800" dirty="0" smtClean="0"/>
+              <a:t>    }</a:t>
             </a:r>
           </a:p>
           <a:p>
@@ -10683,32 +10439,8 @@
               <a:buNone/>
             </a:pPr>
             <a:r>
-              <a:rPr lang="en-US" sz="1400" dirty="0" smtClean="0"/>
-              <a:t>      </a:t>
-            </a:r>
-            <a:r>
-              <a:rPr lang="en-US" sz="1400" dirty="0" err="1" smtClean="0"/>
-              <a:t>var</a:t>
-            </a:r>
-            <a:r>
-              <a:rPr lang="en-US" sz="1400" dirty="0" smtClean="0"/>
-              <a:t> remaining = </a:t>
-            </a:r>
-            <a:r>
-              <a:rPr lang="en-US" sz="1400" dirty="0" err="1" smtClean="0"/>
-              <a:t>rest.substring</a:t>
-            </a:r>
-            <a:r>
-              <a:rPr lang="en-US" sz="1400" dirty="0" smtClean="0"/>
-              <a:t>(0,i) + </a:t>
-            </a:r>
-            <a:r>
-              <a:rPr lang="en-US" sz="1400" dirty="0" err="1" smtClean="0"/>
-              <a:t>rest.substring</a:t>
-            </a:r>
-            <a:r>
-              <a:rPr lang="en-US" sz="1400" dirty="0" smtClean="0"/>
-              <a:t>(i+1);  </a:t>
+              <a:rPr lang="en-US" sz="1800" dirty="0" smtClean="0"/>
+              <a:t>  }</a:t>
             </a:r>
           </a:p>
           <a:p>
@@ -10716,118 +10448,9 @@
               <a:buNone/>
             </a:pPr>
             <a:r>
-              <a:rPr lang="en-US" sz="1400" dirty="0" smtClean="0"/>
-              <a:t>      </a:t>
-            </a:r>
-            <a:r>
-              <a:rPr lang="en-US" sz="1400" dirty="0" err="1" smtClean="0"/>
-              <a:t>var</a:t>
-            </a:r>
-            <a:r>
-              <a:rPr lang="en-US" sz="1400" dirty="0" smtClean="0"/>
-              <a:t> next = </a:t>
-            </a:r>
-            <a:r>
-              <a:rPr lang="en-US" sz="1400" dirty="0" err="1" smtClean="0"/>
-              <a:t>sofar</a:t>
-            </a:r>
-            <a:r>
-              <a:rPr lang="en-US" sz="1400" dirty="0" smtClean="0"/>
-              <a:t> + </a:t>
-            </a:r>
-            <a:r>
-              <a:rPr lang="en-US" sz="1400" dirty="0" err="1" smtClean="0"/>
-              <a:t>rest.charAt</a:t>
-            </a:r>
-            <a:r>
-              <a:rPr lang="en-US" sz="1400" dirty="0" smtClean="0"/>
-              <a:t>(</a:t>
-            </a:r>
-            <a:r>
-              <a:rPr lang="en-US" sz="1400" dirty="0" err="1" smtClean="0"/>
-              <a:t>i</a:t>
-            </a:r>
-            <a:r>
-              <a:rPr lang="en-US" sz="1400" dirty="0" smtClean="0"/>
-              <a:t>);</a:t>
-            </a:r>
-          </a:p>
-          <a:p>
-            <a:pPr>
-              <a:buNone/>
-            </a:pPr>
-            <a:r>
-              <a:rPr lang="en-US" sz="1400" dirty="0" smtClean="0"/>
-              <a:t>      if( </a:t>
-            </a:r>
-            <a:r>
-              <a:rPr lang="en-US" sz="1400" dirty="0" err="1" smtClean="0"/>
-              <a:t>isAnagram</a:t>
-            </a:r>
-            <a:r>
-              <a:rPr lang="en-US" sz="1400" dirty="0" smtClean="0"/>
-              <a:t>(next, remaining, dictionary) ){ </a:t>
-            </a:r>
-          </a:p>
-          <a:p>
-            <a:pPr>
-              <a:buNone/>
-            </a:pPr>
-            <a:r>
-              <a:rPr lang="en-US" sz="1400" dirty="0" smtClean="0"/>
-              <a:t>        return true; </a:t>
-            </a:r>
-          </a:p>
-          <a:p>
-            <a:pPr>
-              <a:buNone/>
-            </a:pPr>
-            <a:r>
-              <a:rPr lang="en-US" sz="1400" dirty="0" smtClean="0"/>
-              <a:t>      } </a:t>
-            </a:r>
-          </a:p>
-          <a:p>
-            <a:pPr>
-              <a:buNone/>
-            </a:pPr>
-            <a:r>
-              <a:rPr lang="en-US" sz="1400" dirty="0" smtClean="0"/>
-              <a:t>    }</a:t>
-            </a:r>
-          </a:p>
-          <a:p>
-            <a:pPr>
-              <a:buNone/>
-            </a:pPr>
-            <a:r>
-              <a:rPr lang="en-US" sz="1400" dirty="0" smtClean="0"/>
-              <a:t>  }</a:t>
-            </a:r>
-          </a:p>
-          <a:p>
-            <a:pPr>
-              <a:buNone/>
-            </a:pPr>
-            <a:r>
-              <a:rPr lang="en-US" sz="1400" dirty="0" smtClean="0"/>
-              <a:t>  return false; </a:t>
-            </a:r>
-          </a:p>
-          <a:p>
-            <a:pPr>
-              <a:buNone/>
-            </a:pPr>
-            <a:r>
-              <a:rPr lang="en-US" sz="1400" dirty="0" smtClean="0"/>
+              <a:rPr lang="en-US" sz="1800" dirty="0" smtClean="0"/>
               <a:t>}</a:t>
             </a:r>
-          </a:p>
-          <a:p>
-            <a:pPr>
-              <a:buNone/>
-            </a:pPr>
-            <a:endParaRPr lang="en-US" sz="1600" dirty="0" smtClean="0"/>
           </a:p>
         </p:txBody>
       </p:sp>
@@ -10873,7 +10496,11 @@
           <a:p>
             <a:r>
               <a:rPr lang="en-US" dirty="0" smtClean="0"/>
-              <a:t>Further Resources</a:t>
+              <a:t>Recursive back-</a:t>
+            </a:r>
+            <a:r>
+              <a:rPr lang="en-US" dirty="0" err="1" smtClean="0"/>
+              <a:t>trackcing</a:t>
             </a:r>
             <a:endParaRPr lang="en-US" dirty="0"/>
           </a:p>
@@ -10892,27 +10519,16 @@
         <p:spPr/>
         <p:txBody>
           <a:bodyPr>
-            <a:normAutofit/>
+            <a:normAutofit fontScale="92500" lnSpcReduction="10000"/>
           </a:bodyPr>
           <a:lstStyle/>
-          <a:p>
-            <a:r>
-              <a:rPr lang="en-US" sz="2400" dirty="0" smtClean="0"/>
-              <a:t>Covered well by Stanford Engineering Everywhere Programming Abstractions, lectures 8-10 on </a:t>
-            </a:r>
-            <a:r>
-              <a:rPr lang="en-US" sz="2400" dirty="0" err="1" smtClean="0"/>
-              <a:t>youtube</a:t>
-            </a:r>
-            <a:endParaRPr lang="en-US" sz="2400" dirty="0" smtClean="0"/>
-          </a:p>
           <a:p>
             <a:pPr>
               <a:buNone/>
             </a:pPr>
             <a:r>
-              <a:rPr lang="en-US" sz="2400" dirty="0" smtClean="0"/>
-              <a:t>Recursive subsets</a:t>
+              <a:rPr lang="en-US" sz="1400" dirty="0" smtClean="0"/>
+              <a:t>Exhaustive recursion may be more expensive than necessary. </a:t>
             </a:r>
           </a:p>
           <a:p>
@@ -10920,70 +10536,452 @@
               <a:buNone/>
             </a:pPr>
             <a:r>
+              <a:rPr lang="en-US" sz="1400" dirty="0" smtClean="0"/>
+              <a:t>Let’s say all we want to know if a jumble of letters is a word.</a:t>
+            </a:r>
+          </a:p>
+          <a:p>
+            <a:pPr>
+              <a:buNone/>
+            </a:pPr>
+            <a:r>
+              <a:rPr lang="en-US" sz="1400" dirty="0" smtClean="0"/>
+              <a:t>Naïve approach: try all permutations of the scrambled letters to see if any are words.</a:t>
+            </a:r>
+          </a:p>
+          <a:p>
+            <a:pPr>
+              <a:buNone/>
+            </a:pPr>
+            <a:r>
+              <a:rPr lang="en-US" sz="1400" dirty="0" smtClean="0"/>
+              <a:t>Better approach: short circuit if we find a match</a:t>
+            </a:r>
+          </a:p>
+          <a:p>
+            <a:pPr>
+              <a:buNone/>
+            </a:pPr>
+            <a:r>
+              <a:rPr lang="en-US" sz="1400" dirty="0" smtClean="0"/>
+              <a:t>Notice this only a minor modification of the recursive permutations algorithms from the prior page</a:t>
+            </a:r>
+          </a:p>
+          <a:p>
+            <a:pPr>
+              <a:buNone/>
+            </a:pPr>
+            <a:endParaRPr lang="en-US" sz="1400" dirty="0" smtClean="0"/>
+          </a:p>
+          <a:p>
+            <a:pPr>
+              <a:buNone/>
+            </a:pPr>
+            <a:r>
+              <a:rPr lang="en-US" sz="1400" dirty="0" err="1" smtClean="0"/>
+              <a:t>var</a:t>
+            </a:r>
+            <a:r>
+              <a:rPr lang="en-US" sz="1400" dirty="0" smtClean="0"/>
+              <a:t> </a:t>
+            </a:r>
+            <a:r>
+              <a:rPr lang="en-US" sz="1400" dirty="0" err="1" smtClean="0"/>
+              <a:t>isAnagram</a:t>
+            </a:r>
+            <a:r>
+              <a:rPr lang="en-US" sz="1400" dirty="0" smtClean="0"/>
+              <a:t> = function(</a:t>
+            </a:r>
+            <a:r>
+              <a:rPr lang="en-US" sz="1400" dirty="0" err="1" smtClean="0"/>
+              <a:t>sofar</a:t>
+            </a:r>
+            <a:r>
+              <a:rPr lang="en-US" sz="1400" dirty="0" smtClean="0"/>
+              <a:t>, rest, dictionary){ </a:t>
+            </a:r>
+          </a:p>
+          <a:p>
+            <a:pPr>
+              <a:buNone/>
+            </a:pPr>
+            <a:r>
+              <a:rPr lang="en-US" sz="1400" dirty="0" smtClean="0"/>
+              <a:t>  if( </a:t>
+            </a:r>
+            <a:r>
+              <a:rPr lang="en-US" sz="1400" dirty="0" err="1" smtClean="0"/>
+              <a:t>rest.length</a:t>
+            </a:r>
+            <a:r>
+              <a:rPr lang="en-US" sz="1400" dirty="0" smtClean="0"/>
+              <a:t> === 0 ) {</a:t>
+            </a:r>
+          </a:p>
+          <a:p>
+            <a:pPr>
+              <a:buNone/>
+            </a:pPr>
+            <a:r>
+              <a:rPr lang="en-US" sz="1400" dirty="0" smtClean="0"/>
+              <a:t>    return dictionary[</a:t>
+            </a:r>
+            <a:r>
+              <a:rPr lang="en-US" sz="1400" dirty="0" err="1" smtClean="0"/>
+              <a:t>sofar</a:t>
+            </a:r>
+            <a:r>
+              <a:rPr lang="en-US" sz="1400" dirty="0" smtClean="0"/>
+              <a:t>]);</a:t>
+            </a:r>
+          </a:p>
+          <a:p>
+            <a:pPr>
+              <a:buNone/>
+            </a:pPr>
+            <a:r>
+              <a:rPr lang="en-US" sz="1400" dirty="0" smtClean="0"/>
+              <a:t>  } else { </a:t>
+            </a:r>
+          </a:p>
+          <a:p>
+            <a:pPr>
+              <a:buNone/>
+            </a:pPr>
+            <a:r>
+              <a:rPr lang="en-US" sz="1400" dirty="0" smtClean="0"/>
+              <a:t>    for( </a:t>
+            </a:r>
+            <a:r>
+              <a:rPr lang="en-US" sz="1400" dirty="0" err="1" smtClean="0"/>
+              <a:t>var</a:t>
+            </a:r>
+            <a:r>
+              <a:rPr lang="en-US" sz="1400" dirty="0" smtClean="0"/>
+              <a:t> </a:t>
+            </a:r>
+            <a:r>
+              <a:rPr lang="en-US" sz="1400" dirty="0" err="1" smtClean="0"/>
+              <a:t>i</a:t>
+            </a:r>
+            <a:r>
+              <a:rPr lang="en-US" sz="1400" dirty="0" smtClean="0"/>
+              <a:t> = 0; </a:t>
+            </a:r>
+            <a:r>
+              <a:rPr lang="en-US" sz="1400" dirty="0" err="1" smtClean="0"/>
+              <a:t>i</a:t>
+            </a:r>
+            <a:r>
+              <a:rPr lang="en-US" sz="1400" dirty="0" smtClean="0"/>
+              <a:t> &lt; </a:t>
+            </a:r>
+            <a:r>
+              <a:rPr lang="en-US" sz="1400" dirty="0" err="1" smtClean="0"/>
+              <a:t>rest.length</a:t>
+            </a:r>
+            <a:r>
+              <a:rPr lang="en-US" sz="1400" dirty="0" smtClean="0"/>
+              <a:t>; </a:t>
+            </a:r>
+            <a:r>
+              <a:rPr lang="en-US" sz="1400" dirty="0" err="1" smtClean="0"/>
+              <a:t>i</a:t>
+            </a:r>
+            <a:r>
+              <a:rPr lang="en-US" sz="1400" dirty="0" smtClean="0"/>
+              <a:t>++ ){ </a:t>
+            </a:r>
+          </a:p>
+          <a:p>
+            <a:pPr>
+              <a:buNone/>
+            </a:pPr>
+            <a:r>
+              <a:rPr lang="en-US" sz="1400" dirty="0" smtClean="0"/>
+              <a:t>      </a:t>
+            </a:r>
+            <a:r>
+              <a:rPr lang="en-US" sz="1400" dirty="0" err="1" smtClean="0"/>
+              <a:t>var</a:t>
+            </a:r>
+            <a:r>
+              <a:rPr lang="en-US" sz="1400" dirty="0" smtClean="0"/>
+              <a:t> remaining = </a:t>
+            </a:r>
+            <a:r>
+              <a:rPr lang="en-US" sz="1400" dirty="0" err="1" smtClean="0"/>
+              <a:t>rest.substring</a:t>
+            </a:r>
+            <a:r>
+              <a:rPr lang="en-US" sz="1400" dirty="0" smtClean="0"/>
+              <a:t>(0,i) + </a:t>
+            </a:r>
+            <a:r>
+              <a:rPr lang="en-US" sz="1400" dirty="0" err="1" smtClean="0"/>
+              <a:t>rest.substring</a:t>
+            </a:r>
+            <a:r>
+              <a:rPr lang="en-US" sz="1400" dirty="0" smtClean="0"/>
+              <a:t>(i+1);  </a:t>
+            </a:r>
+          </a:p>
+          <a:p>
+            <a:pPr>
+              <a:buNone/>
+            </a:pPr>
+            <a:r>
+              <a:rPr lang="en-US" sz="1400" dirty="0" smtClean="0"/>
+              <a:t>      </a:t>
+            </a:r>
+            <a:r>
+              <a:rPr lang="en-US" sz="1400" dirty="0" err="1" smtClean="0"/>
+              <a:t>var</a:t>
+            </a:r>
+            <a:r>
+              <a:rPr lang="en-US" sz="1400" dirty="0" smtClean="0"/>
+              <a:t> next = </a:t>
+            </a:r>
+            <a:r>
+              <a:rPr lang="en-US" sz="1400" dirty="0" err="1" smtClean="0"/>
+              <a:t>sofar</a:t>
+            </a:r>
+            <a:r>
+              <a:rPr lang="en-US" sz="1400" dirty="0" smtClean="0"/>
+              <a:t> + </a:t>
+            </a:r>
+            <a:r>
+              <a:rPr lang="en-US" sz="1400" dirty="0" err="1" smtClean="0"/>
+              <a:t>rest.charAt</a:t>
+            </a:r>
+            <a:r>
+              <a:rPr lang="en-US" sz="1400" dirty="0" smtClean="0"/>
+              <a:t>(</a:t>
+            </a:r>
+            <a:r>
+              <a:rPr lang="en-US" sz="1400" dirty="0" err="1" smtClean="0"/>
+              <a:t>i</a:t>
+            </a:r>
+            <a:r>
+              <a:rPr lang="en-US" sz="1400" dirty="0" smtClean="0"/>
+              <a:t>);</a:t>
+            </a:r>
+          </a:p>
+          <a:p>
+            <a:pPr>
+              <a:buNone/>
+            </a:pPr>
+            <a:r>
+              <a:rPr lang="en-US" sz="1400" dirty="0" smtClean="0"/>
+              <a:t>      if( </a:t>
+            </a:r>
+            <a:r>
+              <a:rPr lang="en-US" sz="1400" dirty="0" err="1" smtClean="0"/>
+              <a:t>isAnagram</a:t>
+            </a:r>
+            <a:r>
+              <a:rPr lang="en-US" sz="1400" dirty="0" smtClean="0"/>
+              <a:t>(next, remaining, dictionary) ){ </a:t>
+            </a:r>
+          </a:p>
+          <a:p>
+            <a:pPr>
+              <a:buNone/>
+            </a:pPr>
+            <a:r>
+              <a:rPr lang="en-US" sz="1400" dirty="0" smtClean="0"/>
+              <a:t>        return true; </a:t>
+            </a:r>
+          </a:p>
+          <a:p>
+            <a:pPr>
+              <a:buNone/>
+            </a:pPr>
+            <a:r>
+              <a:rPr lang="en-US" sz="1400" dirty="0" smtClean="0"/>
+              <a:t>      } </a:t>
+            </a:r>
+          </a:p>
+          <a:p>
+            <a:pPr>
+              <a:buNone/>
+            </a:pPr>
+            <a:r>
+              <a:rPr lang="en-US" sz="1400" dirty="0" smtClean="0"/>
+              <a:t>    }</a:t>
+            </a:r>
+          </a:p>
+          <a:p>
+            <a:pPr>
+              <a:buNone/>
+            </a:pPr>
+            <a:r>
+              <a:rPr lang="en-US" sz="1400" dirty="0" smtClean="0"/>
+              <a:t>  }</a:t>
+            </a:r>
+          </a:p>
+          <a:p>
+            <a:pPr>
+              <a:buNone/>
+            </a:pPr>
+            <a:r>
+              <a:rPr lang="en-US" sz="1400" dirty="0" smtClean="0"/>
+              <a:t>  return false; </a:t>
+            </a:r>
+          </a:p>
+          <a:p>
+            <a:pPr>
+              <a:buNone/>
+            </a:pPr>
+            <a:r>
+              <a:rPr lang="en-US" sz="1400" dirty="0" smtClean="0"/>
+              <a:t>}</a:t>
+            </a:r>
+          </a:p>
+          <a:p>
+            <a:pPr>
+              <a:buNone/>
+            </a:pPr>
+            <a:endParaRPr lang="en-US" sz="1600" dirty="0" smtClean="0"/>
+          </a:p>
+        </p:txBody>
+      </p:sp>
+    </p:spTree>
+  </p:cSld>
+  <p:clrMapOvr>
+    <a:masterClrMapping/>
+  </p:clrMapOvr>
+</p:sld>
+</file>
+
+<file path=ppt/slides/slide8.xml><?xml version="1.0" encoding="utf-8"?>
+<p:sld xmlns:a="http://schemas.openxmlformats.org/drawingml/2006/main" xmlns:r="http://schemas.openxmlformats.org/officeDocument/2006/relationships" xmlns:p="http://schemas.openxmlformats.org/presentationml/2006/main">
+  <p:cSld>
+    <p:spTree>
+      <p:nvGrpSpPr>
+        <p:cNvPr id="1" name=""/>
+        <p:cNvGrpSpPr/>
+        <p:nvPr/>
+      </p:nvGrpSpPr>
+      <p:grpSpPr>
+        <a:xfrm>
+          <a:off x="0" y="0"/>
+          <a:ext cx="0" cy="0"/>
+          <a:chOff x="0" y="0"/>
+          <a:chExt cx="0" cy="0"/>
+        </a:xfrm>
+      </p:grpSpPr>
+      <p:sp>
+        <p:nvSpPr>
+          <p:cNvPr id="2" name="Title 1"/>
+          <p:cNvSpPr>
+            <a:spLocks noGrp="1"/>
+          </p:cNvSpPr>
+          <p:nvPr>
+            <p:ph type="title"/>
+          </p:nvPr>
+        </p:nvSpPr>
+        <p:spPr/>
+        <p:txBody>
+          <a:bodyPr/>
+          <a:lstStyle/>
+          <a:p>
+            <a:r>
+              <a:rPr lang="en-US" dirty="0" smtClean="0"/>
+              <a:t>Further Resources</a:t>
+            </a:r>
+            <a:endParaRPr lang="en-US" dirty="0"/>
+          </a:p>
+        </p:txBody>
+      </p:sp>
+      <p:sp>
+        <p:nvSpPr>
+          <p:cNvPr id="3" name="Content Placeholder 2"/>
+          <p:cNvSpPr>
+            <a:spLocks noGrp="1"/>
+          </p:cNvSpPr>
+          <p:nvPr>
+            <p:ph idx="1"/>
+          </p:nvPr>
+        </p:nvSpPr>
+        <p:spPr/>
+        <p:txBody>
+          <a:bodyPr>
+            <a:normAutofit/>
+          </a:bodyPr>
+          <a:lstStyle/>
+          <a:p>
+            <a:r>
+              <a:rPr lang="en-US" sz="2400" dirty="0" smtClean="0"/>
+              <a:t>Covered well by Stanford Engineering Everywhere Programming Abstractions, lectures 8-10 on </a:t>
+            </a:r>
+            <a:r>
+              <a:rPr lang="en-US" sz="2400" dirty="0" err="1" smtClean="0"/>
+              <a:t>youtube</a:t>
+            </a:r>
+            <a:endParaRPr lang="en-US" sz="2400" dirty="0" smtClean="0"/>
+          </a:p>
+          <a:p>
+            <a:pPr>
+              <a:buNone/>
+            </a:pPr>
+            <a:r>
+              <a:rPr lang="en-US" sz="2400" dirty="0" smtClean="0"/>
+              <a:t>Recursive subsets</a:t>
+            </a:r>
+          </a:p>
+          <a:p>
+            <a:pPr>
+              <a:buNone/>
+            </a:pPr>
+            <a:r>
               <a:rPr lang="en-US" sz="2400" dirty="0" smtClean="0">
                 <a:hlinkClick r:id="rId2"/>
               </a:rPr>
-              <a:t>https://</a:t>
-            </a:r>
+              <a:t>https://www.youtube.com/watch?v=NdF1QDTRkck#t=12m19s</a:t>
+            </a:r>
+            <a:endParaRPr lang="en-US" sz="2400" dirty="0" smtClean="0"/>
+          </a:p>
+          <a:p>
+            <a:pPr>
+              <a:buNone/>
+            </a:pPr>
+            <a:r>
+              <a:rPr lang="en-US" sz="2400" dirty="0" smtClean="0"/>
+              <a:t>Recursive permutations: </a:t>
+            </a:r>
+          </a:p>
+          <a:p>
+            <a:pPr>
+              <a:buNone/>
+            </a:pPr>
+            <a:r>
+              <a:rPr lang="en-US" sz="2400" dirty="0" smtClean="0">
+                <a:hlinkClick r:id="rId3"/>
+              </a:rPr>
+              <a:t>https://www.youtube.com/watch?v=uFJhEPrbycQ#t=37m00s</a:t>
+            </a:r>
+            <a:endParaRPr lang="en-US" sz="2400" dirty="0" smtClean="0"/>
+          </a:p>
+          <a:p>
+            <a:pPr>
+              <a:buNone/>
+            </a:pPr>
+            <a:r>
+              <a:rPr lang="en-US" sz="2400" dirty="0" smtClean="0"/>
+              <a:t>Recursive back-tracking: </a:t>
+            </a:r>
+          </a:p>
+          <a:p>
+            <a:pPr>
+              <a:buNone/>
+            </a:pPr>
             <a:r>
               <a:rPr lang="en-US" sz="2400" dirty="0" smtClean="0">
                 <a:hlinkClick r:id="rId2"/>
               </a:rPr>
-              <a:t>www.youtube.com/watch?v=NdF1QDTRkck#t=12m19s</a:t>
-            </a:r>
-            <a:endParaRPr lang="en-US" sz="2400" dirty="0" smtClean="0"/>
-          </a:p>
-          <a:p>
-            <a:pPr>
-              <a:buNone/>
-            </a:pPr>
-            <a:r>
-              <a:rPr lang="en-US" sz="2400" dirty="0" smtClean="0"/>
-              <a:t>Recursive permutations: </a:t>
-            </a:r>
-          </a:p>
-          <a:p>
-            <a:pPr>
-              <a:buNone/>
-            </a:pPr>
-            <a:r>
-              <a:rPr lang="en-US" sz="2400" dirty="0" smtClean="0">
-                <a:hlinkClick r:id="rId3"/>
-              </a:rPr>
-              <a:t>https://</a:t>
-            </a:r>
-            <a:r>
-              <a:rPr lang="en-US" sz="2400" dirty="0" smtClean="0">
-                <a:hlinkClick r:id="rId3"/>
-              </a:rPr>
-              <a:t>www.youtube.com/watch?v=uFJhEPrbycQ#t=37m00s</a:t>
-            </a:r>
-            <a:endParaRPr lang="en-US" sz="2400" dirty="0" smtClean="0"/>
-          </a:p>
-          <a:p>
-            <a:pPr>
-              <a:buNone/>
-            </a:pPr>
-            <a:r>
-              <a:rPr lang="en-US" sz="2400" dirty="0" smtClean="0"/>
-              <a:t>Recursive back-tracking: </a:t>
-            </a:r>
-          </a:p>
-          <a:p>
-            <a:pPr>
-              <a:buNone/>
-            </a:pPr>
-            <a:r>
-              <a:rPr lang="en-US" sz="2400" dirty="0" smtClean="0">
-                <a:hlinkClick r:id="rId2"/>
-              </a:rPr>
-              <a:t>https://</a:t>
-            </a:r>
-            <a:r>
-              <a:rPr lang="en-US" sz="2400" dirty="0" smtClean="0">
-                <a:hlinkClick r:id="rId2"/>
-              </a:rPr>
-              <a:t>www.youtube.com/watch?v=NdF1QDTRkck#t=25m00s</a:t>
+              <a:t>https://www.youtube.com/watch?v=NdF1QDTRkck#t=25m00s</a:t>
             </a:r>
             <a:endParaRPr lang="en-US" sz="2400" dirty="0" smtClean="0"/>
           </a:p>

--- a/recursivePatterns.pptx
+++ b/recursivePatterns.pptx
@@ -297,7 +297,7 @@
             <a:fld id="{8BA07F4D-B7D6-4DAF-A44F-7F2488E5B170}" type="datetimeFigureOut">
               <a:rPr lang="en-US" smtClean="0"/>
               <a:pPr/>
-              <a:t>6/18/2014</a:t>
+              <a:t>6/19/2014</a:t>
             </a:fld>
             <a:endParaRPr lang="en-US"/>
           </a:p>
@@ -464,7 +464,7 @@
             <a:fld id="{8BA07F4D-B7D6-4DAF-A44F-7F2488E5B170}" type="datetimeFigureOut">
               <a:rPr lang="en-US" smtClean="0"/>
               <a:pPr/>
-              <a:t>6/18/2014</a:t>
+              <a:t>6/19/2014</a:t>
             </a:fld>
             <a:endParaRPr lang="en-US"/>
           </a:p>
@@ -641,7 +641,7 @@
             <a:fld id="{8BA07F4D-B7D6-4DAF-A44F-7F2488E5B170}" type="datetimeFigureOut">
               <a:rPr lang="en-US" smtClean="0"/>
               <a:pPr/>
-              <a:t>6/18/2014</a:t>
+              <a:t>6/19/2014</a:t>
             </a:fld>
             <a:endParaRPr lang="en-US"/>
           </a:p>
@@ -808,7 +808,7 @@
             <a:fld id="{8BA07F4D-B7D6-4DAF-A44F-7F2488E5B170}" type="datetimeFigureOut">
               <a:rPr lang="en-US" smtClean="0"/>
               <a:pPr/>
-              <a:t>6/18/2014</a:t>
+              <a:t>6/19/2014</a:t>
             </a:fld>
             <a:endParaRPr lang="en-US"/>
           </a:p>
@@ -1051,7 +1051,7 @@
             <a:fld id="{8BA07F4D-B7D6-4DAF-A44F-7F2488E5B170}" type="datetimeFigureOut">
               <a:rPr lang="en-US" smtClean="0"/>
               <a:pPr/>
-              <a:t>6/18/2014</a:t>
+              <a:t>6/19/2014</a:t>
             </a:fld>
             <a:endParaRPr lang="en-US"/>
           </a:p>
@@ -1336,7 +1336,7 @@
             <a:fld id="{8BA07F4D-B7D6-4DAF-A44F-7F2488E5B170}" type="datetimeFigureOut">
               <a:rPr lang="en-US" smtClean="0"/>
               <a:pPr/>
-              <a:t>6/18/2014</a:t>
+              <a:t>6/19/2014</a:t>
             </a:fld>
             <a:endParaRPr lang="en-US"/>
           </a:p>
@@ -1755,7 +1755,7 @@
             <a:fld id="{8BA07F4D-B7D6-4DAF-A44F-7F2488E5B170}" type="datetimeFigureOut">
               <a:rPr lang="en-US" smtClean="0"/>
               <a:pPr/>
-              <a:t>6/18/2014</a:t>
+              <a:t>6/19/2014</a:t>
             </a:fld>
             <a:endParaRPr lang="en-US"/>
           </a:p>
@@ -1870,7 +1870,7 @@
             <a:fld id="{8BA07F4D-B7D6-4DAF-A44F-7F2488E5B170}" type="datetimeFigureOut">
               <a:rPr lang="en-US" smtClean="0"/>
               <a:pPr/>
-              <a:t>6/18/2014</a:t>
+              <a:t>6/19/2014</a:t>
             </a:fld>
             <a:endParaRPr lang="en-US"/>
           </a:p>
@@ -1962,7 +1962,7 @@
             <a:fld id="{8BA07F4D-B7D6-4DAF-A44F-7F2488E5B170}" type="datetimeFigureOut">
               <a:rPr lang="en-US" smtClean="0"/>
               <a:pPr/>
-              <a:t>6/18/2014</a:t>
+              <a:t>6/19/2014</a:t>
             </a:fld>
             <a:endParaRPr lang="en-US"/>
           </a:p>
@@ -2236,7 +2236,7 @@
             <a:fld id="{8BA07F4D-B7D6-4DAF-A44F-7F2488E5B170}" type="datetimeFigureOut">
               <a:rPr lang="en-US" smtClean="0"/>
               <a:pPr/>
-              <a:t>6/18/2014</a:t>
+              <a:t>6/19/2014</a:t>
             </a:fld>
             <a:endParaRPr lang="en-US"/>
           </a:p>
@@ -2486,7 +2486,7 @@
             <a:fld id="{8BA07F4D-B7D6-4DAF-A44F-7F2488E5B170}" type="datetimeFigureOut">
               <a:rPr lang="en-US" smtClean="0"/>
               <a:pPr/>
-              <a:t>6/18/2014</a:t>
+              <a:t>6/19/2014</a:t>
             </a:fld>
             <a:endParaRPr lang="en-US"/>
           </a:p>
@@ -2696,7 +2696,7 @@
             <a:fld id="{8BA07F4D-B7D6-4DAF-A44F-7F2488E5B170}" type="datetimeFigureOut">
               <a:rPr lang="en-US" smtClean="0"/>
               <a:pPr/>
-              <a:t>6/18/2014</a:t>
+              <a:t>6/19/2014</a:t>
             </a:fld>
             <a:endParaRPr lang="en-US"/>
           </a:p>
@@ -3135,6 +3135,13 @@
   <p:clrMapOvr>
     <a:masterClrMapping/>
   </p:clrMapOvr>
+  <p:timing>
+    <p:tnLst>
+      <p:par>
+        <p:cTn id="1" dur="indefinite" restart="never" nodeType="tmRoot"/>
+      </p:par>
+    </p:tnLst>
+  </p:timing>
 </p:sld>
 </file>
 
@@ -3212,11 +3219,7 @@
             </a:r>
             <a:r>
               <a:rPr lang="en-US" sz="2600" dirty="0" smtClean="0"/>
-              <a:t> </a:t>
-            </a:r>
-            <a:r>
-              <a:rPr lang="en-US" sz="2600" dirty="0" smtClean="0"/>
-              <a:t>= function(</a:t>
+              <a:t> = function(</a:t>
             </a:r>
             <a:r>
               <a:rPr lang="en-US" sz="2600" dirty="0" err="1" smtClean="0"/>
@@ -3308,7 +3311,7 @@
             </a:r>
             <a:r>
               <a:rPr lang="en-US" sz="2600" dirty="0" smtClean="0"/>
-              <a:t>(1); </a:t>
+              <a:t>(1)); </a:t>
             </a:r>
           </a:p>
           <a:p>
@@ -3317,11 +3320,7 @@
             </a:pPr>
             <a:r>
               <a:rPr lang="en-US" sz="2600" dirty="0" smtClean="0"/>
-              <a:t> </a:t>
-            </a:r>
-            <a:r>
-              <a:rPr lang="en-US" sz="2600" dirty="0" smtClean="0"/>
-              <a:t>   </a:t>
+              <a:t>    </a:t>
             </a:r>
             <a:r>
               <a:rPr lang="en-US" sz="2600" dirty="0" err="1" smtClean="0"/>
@@ -3345,9 +3344,8 @@
             </a:r>
             <a:r>
               <a:rPr lang="en-US" sz="2600" dirty="0" smtClean="0"/>
-              <a:t>(1); </a:t>
-            </a:r>
-            <a:endParaRPr lang="en-US" sz="2600" dirty="0" smtClean="0"/>
+              <a:t>(1)); </a:t>
+            </a:r>
           </a:p>
           <a:p>
             <a:pPr>
@@ -3380,6 +3378,13 @@
   <p:clrMapOvr>
     <a:masterClrMapping/>
   </p:clrMapOvr>
+  <p:timing>
+    <p:tnLst>
+      <p:par>
+        <p:cTn id="1" dur="indefinite" restart="never" nodeType="tmRoot"/>
+      </p:par>
+    </p:tnLst>
+  </p:timing>
 </p:sld>
 </file>
 
@@ -3459,11 +3464,7 @@
               <a:p>
                 <a:r>
                   <a:rPr lang="en-US" dirty="0" smtClean="0"/>
-                  <a:t>‘’</a:t>
-                </a:r>
-                <a:r>
-                  <a:rPr lang="en-US" dirty="0" smtClean="0"/>
-                  <a:t>, ‘</a:t>
+                  <a:t>‘’, ‘</a:t>
                 </a:r>
                 <a:r>
                   <a:rPr lang="en-US" dirty="0" err="1" smtClean="0"/>
@@ -3508,15 +3509,7 @@
               <a:p>
                 <a:r>
                   <a:rPr lang="en-US" dirty="0" smtClean="0"/>
-                  <a:t>‘a’</a:t>
-                </a:r>
-                <a:r>
-                  <a:rPr lang="en-US" dirty="0" smtClean="0"/>
-                  <a:t>, </a:t>
-                </a:r>
-                <a:r>
-                  <a:rPr lang="en-US" dirty="0" smtClean="0"/>
-                  <a:t>’</a:t>
+                  <a:t>‘a’, ’</a:t>
                 </a:r>
                 <a:r>
                   <a:rPr lang="en-US" dirty="0" err="1" smtClean="0"/>
@@ -3526,7 +3519,6 @@
                   <a:rPr lang="en-US" dirty="0" smtClean="0"/>
                   <a:t>’</a:t>
                 </a:r>
-                <a:endParaRPr lang="en-US" dirty="0" smtClean="0"/>
               </a:p>
             </p:txBody>
           </p:sp>
@@ -3569,13 +3561,8 @@
                 </a:r>
                 <a:r>
                   <a:rPr lang="en-US" dirty="0" smtClean="0"/>
-                  <a:t>’, ‘c</a:t>
+                  <a:t>’, ‘c’</a:t>
                 </a:r>
-                <a:r>
-                  <a:rPr lang="en-US" dirty="0" smtClean="0"/>
-                  <a:t>’</a:t>
-                </a:r>
-                <a:endParaRPr lang="en-US" dirty="0" smtClean="0"/>
               </a:p>
             </p:txBody>
           </p:sp>
@@ -3616,13 +3603,8 @@
                 </a:r>
                 <a:r>
                   <a:rPr lang="en-US" dirty="0" smtClean="0"/>
-                  <a:t>’</a:t>
+                  <a:t>’, ‘’ </a:t>
                 </a:r>
-                <a:r>
-                  <a:rPr lang="en-US" dirty="0" smtClean="0"/>
-                  <a:t>, ‘’ </a:t>
-                </a:r>
-                <a:endParaRPr lang="en-US" dirty="0" smtClean="0"/>
               </a:p>
             </p:txBody>
           </p:sp>
@@ -3663,11 +3645,7 @@
                 </a:r>
                 <a:r>
                   <a:rPr lang="en-US" dirty="0" smtClean="0"/>
-                  <a:t>’</a:t>
-                </a:r>
-                <a:r>
-                  <a:rPr lang="en-US" dirty="0" smtClean="0"/>
-                  <a:t>, ‘’</a:t>
+                  <a:t>’, ‘’</a:t>
                 </a:r>
                 <a:endParaRPr lang="en-US" dirty="0"/>
               </a:p>
@@ -3704,11 +3682,7 @@
               <a:p>
                 <a:r>
                   <a:rPr lang="en-US" dirty="0" smtClean="0"/>
-                  <a:t>‘a’</a:t>
-                </a:r>
-                <a:r>
-                  <a:rPr lang="en-US" dirty="0" smtClean="0"/>
-                  <a:t>, ‘c’</a:t>
+                  <a:t>‘a’, ‘c’</a:t>
                 </a:r>
                 <a:endParaRPr lang="en-US" dirty="0"/>
               </a:p>
@@ -3743,11 +3717,7 @@
               <a:p>
                 <a:r>
                   <a:rPr lang="en-US" dirty="0" smtClean="0"/>
-                  <a:t>‘ac’</a:t>
-                </a:r>
-                <a:r>
-                  <a:rPr lang="en-US" dirty="0" smtClean="0"/>
-                  <a:t>, ‘’</a:t>
+                  <a:t>‘ac’, ‘’</a:t>
                 </a:r>
                 <a:endParaRPr lang="en-US" dirty="0"/>
               </a:p>
@@ -3782,11 +3752,7 @@
               <a:p>
                 <a:r>
                   <a:rPr lang="en-US" dirty="0" smtClean="0"/>
-                  <a:t>‘a’</a:t>
-                </a:r>
-                <a:r>
-                  <a:rPr lang="en-US" dirty="0" smtClean="0"/>
-                  <a:t>, ‘’</a:t>
+                  <a:t>‘a’, ‘’</a:t>
                 </a:r>
                 <a:endParaRPr lang="en-US" dirty="0"/>
               </a:p>
@@ -3823,15 +3789,7 @@
               <a:p>
                 <a:r>
                   <a:rPr lang="en-US" dirty="0" smtClean="0"/>
-                  <a:t>‘’</a:t>
-                </a:r>
-                <a:r>
-                  <a:rPr lang="en-US" dirty="0" smtClean="0"/>
-                  <a:t>, </a:t>
-                </a:r>
-                <a:r>
-                  <a:rPr lang="en-US" dirty="0" smtClean="0"/>
-                  <a:t>‘</a:t>
+                  <a:t>‘’, ‘</a:t>
                 </a:r>
                 <a:r>
                   <a:rPr lang="en-US" dirty="0" err="1" smtClean="0"/>
@@ -3876,11 +3834,7 @@
               <a:p>
                 <a:r>
                   <a:rPr lang="en-US" dirty="0" smtClean="0"/>
-                  <a:t>‘b’</a:t>
-                </a:r>
-                <a:r>
-                  <a:rPr lang="en-US" dirty="0" smtClean="0"/>
-                  <a:t>, ‘c’</a:t>
+                  <a:t>‘b’, ‘c’</a:t>
                 </a:r>
                 <a:endParaRPr lang="en-US" dirty="0"/>
               </a:p>
@@ -3917,11 +3871,7 @@
               <a:p>
                 <a:r>
                   <a:rPr lang="en-US" dirty="0" smtClean="0"/>
-                  <a:t>‘’</a:t>
-                </a:r>
-                <a:r>
-                  <a:rPr lang="en-US" dirty="0" smtClean="0"/>
-                  <a:t>, ‘c’</a:t>
+                  <a:t>‘’, ‘c’</a:t>
                 </a:r>
                 <a:endParaRPr lang="en-US" dirty="0"/>
               </a:p>
@@ -3964,11 +3914,7 @@
                 </a:r>
                 <a:r>
                   <a:rPr lang="en-US" dirty="0" smtClean="0"/>
-                  <a:t>’</a:t>
-                </a:r>
-                <a:r>
-                  <a:rPr lang="en-US" dirty="0" smtClean="0"/>
-                  <a:t>, ‘’</a:t>
+                  <a:t>’, ‘’</a:t>
                 </a:r>
                 <a:endParaRPr lang="en-US" dirty="0"/>
               </a:p>
@@ -4003,11 +3949,7 @@
               <a:p>
                 <a:r>
                   <a:rPr lang="en-US" dirty="0" smtClean="0"/>
-                  <a:t>‘b’</a:t>
-                </a:r>
-                <a:r>
-                  <a:rPr lang="en-US" dirty="0" smtClean="0"/>
-                  <a:t>, ‘’</a:t>
+                  <a:t>‘b’, ‘’</a:t>
                 </a:r>
                 <a:endParaRPr lang="en-US" dirty="0"/>
               </a:p>
@@ -4042,11 +3984,7 @@
               <a:p>
                 <a:r>
                   <a:rPr lang="en-US" dirty="0" smtClean="0"/>
-                  <a:t>‘c’</a:t>
-                </a:r>
-                <a:r>
-                  <a:rPr lang="en-US" dirty="0" smtClean="0"/>
-                  <a:t>, ‘’</a:t>
+                  <a:t>‘c’, ‘’</a:t>
                 </a:r>
                 <a:endParaRPr lang="en-US" dirty="0"/>
               </a:p>
@@ -4081,15 +4019,7 @@
               <a:p>
                 <a:r>
                   <a:rPr lang="en-US" dirty="0" smtClean="0"/>
-                  <a:t>‘’</a:t>
-                </a:r>
-                <a:r>
-                  <a:rPr lang="en-US" dirty="0" smtClean="0"/>
-                  <a:t>, </a:t>
-                </a:r>
-                <a:r>
-                  <a:rPr lang="en-US" dirty="0" smtClean="0"/>
-                  <a:t>‘’</a:t>
+                  <a:t>‘’, ‘’</a:t>
                 </a:r>
                 <a:endParaRPr lang="en-US" dirty="0"/>
               </a:p>
@@ -5114,11 +5044,7 @@
           <a:p>
             <a:r>
               <a:rPr lang="en-US" dirty="0" smtClean="0"/>
-              <a:t>Calls to Recursive </a:t>
-            </a:r>
-            <a:r>
-              <a:rPr lang="en-US" dirty="0" smtClean="0"/>
-              <a:t>Subsets with ‘</a:t>
+              <a:t>Calls to Recursive Subsets with ‘</a:t>
             </a:r>
             <a:r>
               <a:rPr lang="en-US" dirty="0" err="1" smtClean="0"/>
@@ -5137,6 +5063,13 @@
   <p:clrMapOvr>
     <a:masterClrMapping/>
   </p:clrMapOvr>
+  <p:timing>
+    <p:tnLst>
+      <p:par>
+        <p:cTn id="1" dur="indefinite" restart="never" nodeType="tmRoot"/>
+      </p:par>
+    </p:tnLst>
+  </p:timing>
 </p:sld>
 </file>
 
@@ -6782,6 +6715,13 @@
   <p:clrMapOvr>
     <a:masterClrMapping/>
   </p:clrMapOvr>
+  <p:timing>
+    <p:tnLst>
+      <p:par>
+        <p:cTn id="1" dur="indefinite" restart="never" nodeType="tmRoot"/>
+      </p:par>
+    </p:tnLst>
+  </p:timing>
 </p:sld>
 </file>
 
@@ -7000,7 +6940,6 @@
               <a:rPr lang="en-US" sz="1800" dirty="0" smtClean="0"/>
               <a:t>(i+1); </a:t>
             </a:r>
-            <a:endParaRPr lang="en-US" sz="1800" dirty="0" smtClean="0"/>
           </a:p>
           <a:p>
             <a:pPr>
@@ -7008,11 +6947,7 @@
             </a:pPr>
             <a:r>
               <a:rPr lang="en-US" sz="1800" dirty="0" smtClean="0"/>
-              <a:t> </a:t>
-            </a:r>
-            <a:r>
-              <a:rPr lang="en-US" sz="1800" dirty="0" smtClean="0"/>
-              <a:t>     </a:t>
+              <a:t>      </a:t>
             </a:r>
             <a:r>
               <a:rPr lang="en-US" sz="1800" dirty="0" err="1" smtClean="0"/>
@@ -7020,11 +6955,7 @@
             </a:r>
             <a:r>
               <a:rPr lang="en-US" sz="1800" dirty="0" smtClean="0"/>
-              <a:t> </a:t>
-            </a:r>
-            <a:r>
-              <a:rPr lang="en-US" sz="1800" dirty="0" smtClean="0"/>
-              <a:t>next = </a:t>
+              <a:t> next = </a:t>
             </a:r>
             <a:r>
               <a:rPr lang="en-US" sz="1800" dirty="0" err="1" smtClean="0"/>
@@ -7050,7 +6981,6 @@
               <a:rPr lang="en-US" sz="1800" dirty="0" smtClean="0"/>
               <a:t>); </a:t>
             </a:r>
-            <a:endParaRPr lang="en-US" sz="1800" dirty="0" smtClean="0"/>
           </a:p>
           <a:p>
             <a:pPr>
@@ -7058,11 +6988,7 @@
             </a:pPr>
             <a:r>
               <a:rPr lang="en-US" sz="1800" dirty="0" smtClean="0"/>
-              <a:t> </a:t>
-            </a:r>
-            <a:r>
-              <a:rPr lang="en-US" sz="1800" dirty="0" smtClean="0"/>
-              <a:t>     </a:t>
+              <a:t>      </a:t>
             </a:r>
             <a:r>
               <a:rPr lang="en-US" sz="1800" dirty="0" err="1" smtClean="0"/>
@@ -7070,11 +6996,7 @@
             </a:r>
             <a:r>
               <a:rPr lang="en-US" sz="1800" dirty="0" smtClean="0"/>
-              <a:t>(next</a:t>
-            </a:r>
-            <a:r>
-              <a:rPr lang="en-US" sz="1800" dirty="0" smtClean="0"/>
-              <a:t>, remaining);</a:t>
+              <a:t>(next, remaining);</a:t>
             </a:r>
           </a:p>
           <a:p>
@@ -7111,6 +7033,13 @@
   <p:clrMapOvr>
     <a:masterClrMapping/>
   </p:clrMapOvr>
+  <p:timing>
+    <p:tnLst>
+      <p:par>
+        <p:cTn id="1" dur="indefinite" restart="never" nodeType="tmRoot"/>
+      </p:par>
+    </p:tnLst>
+  </p:timing>
 </p:sld>
 </file>
 
@@ -7162,15 +7091,7 @@
           <a:p>
             <a:r>
               <a:rPr lang="en-US" dirty="0" smtClean="0"/>
-              <a:t>‘’</a:t>
-            </a:r>
-            <a:r>
-              <a:rPr lang="en-US" dirty="0" smtClean="0"/>
-              <a:t>, </a:t>
-            </a:r>
-            <a:r>
-              <a:rPr lang="en-US" dirty="0" smtClean="0"/>
-              <a:t>‘</a:t>
+              <a:t>‘’, ‘</a:t>
             </a:r>
             <a:r>
               <a:rPr lang="en-US" dirty="0" err="1" smtClean="0"/>
@@ -7215,15 +7136,7 @@
           <a:p>
             <a:r>
               <a:rPr lang="en-US" dirty="0" smtClean="0"/>
-              <a:t>‘</a:t>
-            </a:r>
-            <a:r>
-              <a:rPr lang="en-US" dirty="0" smtClean="0"/>
-              <a:t>a’, </a:t>
-            </a:r>
-            <a:r>
-              <a:rPr lang="en-US" dirty="0" smtClean="0"/>
-              <a:t>‘</a:t>
+              <a:t>‘a’, ‘</a:t>
             </a:r>
             <a:r>
               <a:rPr lang="en-US" dirty="0" err="1" smtClean="0"/>
@@ -7276,15 +7189,7 @@
             </a:r>
             <a:r>
               <a:rPr lang="en-US" dirty="0" smtClean="0"/>
-              <a:t>’</a:t>
-            </a:r>
-            <a:r>
-              <a:rPr lang="en-US" dirty="0" smtClean="0"/>
-              <a:t>, </a:t>
-            </a:r>
-            <a:r>
-              <a:rPr lang="en-US" dirty="0" smtClean="0"/>
-              <a:t>‘c’</a:t>
+              <a:t>’, ‘c’</a:t>
             </a:r>
             <a:endParaRPr lang="en-US" dirty="0"/>
           </a:p>
@@ -7327,13 +7232,8 @@
             </a:r>
             <a:r>
               <a:rPr lang="en-US" dirty="0" smtClean="0"/>
-              <a:t>’</a:t>
-            </a:r>
-            <a:r>
-              <a:rPr lang="en-US" dirty="0" smtClean="0"/>
-              <a:t>, ‘’</a:t>
-            </a:r>
-            <a:endParaRPr lang="en-US" dirty="0" smtClean="0"/>
+              <a:t>’, ‘’</a:t>
+            </a:r>
           </a:p>
         </p:txBody>
       </p:sp>
@@ -7368,11 +7268,7 @@
           <a:p>
             <a:r>
               <a:rPr lang="en-US" dirty="0" smtClean="0"/>
-              <a:t>‘ac’</a:t>
-            </a:r>
-            <a:r>
-              <a:rPr lang="en-US" dirty="0" smtClean="0"/>
-              <a:t>, ‘b’</a:t>
+              <a:t>‘ac’, ‘b’</a:t>
             </a:r>
             <a:endParaRPr lang="en-US" dirty="0"/>
           </a:p>
@@ -7415,11 +7311,7 @@
             </a:r>
             <a:r>
               <a:rPr lang="en-US" dirty="0" smtClean="0"/>
-              <a:t>’</a:t>
-            </a:r>
-            <a:r>
-              <a:rPr lang="en-US" dirty="0" smtClean="0"/>
-              <a:t>, ‘’</a:t>
+              <a:t>’, ‘’</a:t>
             </a:r>
             <a:endParaRPr lang="en-US" dirty="0"/>
           </a:p>
@@ -7456,15 +7348,7 @@
           <a:p>
             <a:r>
               <a:rPr lang="en-US" dirty="0" smtClean="0"/>
-              <a:t>‘b’</a:t>
-            </a:r>
-            <a:r>
-              <a:rPr lang="en-US" dirty="0" smtClean="0"/>
-              <a:t>, </a:t>
-            </a:r>
-            <a:r>
-              <a:rPr lang="en-US" dirty="0" smtClean="0"/>
-              <a:t>‘ac’</a:t>
+              <a:t>‘b’, ‘ac’</a:t>
             </a:r>
             <a:endParaRPr lang="en-US" dirty="0"/>
           </a:p>
@@ -7509,11 +7393,7 @@
             </a:r>
             <a:r>
               <a:rPr lang="en-US" dirty="0" smtClean="0"/>
-              <a:t>’</a:t>
-            </a:r>
-            <a:r>
-              <a:rPr lang="en-US" dirty="0" smtClean="0"/>
-              <a:t>, ‘c’</a:t>
+              <a:t>’, ‘c’</a:t>
             </a:r>
             <a:endParaRPr lang="en-US" dirty="0"/>
           </a:p>
@@ -7558,11 +7438,7 @@
             </a:r>
             <a:r>
               <a:rPr lang="en-US" dirty="0" smtClean="0"/>
-              <a:t>’</a:t>
-            </a:r>
-            <a:r>
-              <a:rPr lang="en-US" dirty="0" smtClean="0"/>
-              <a:t>, ‘a’</a:t>
+              <a:t>’, ‘a’</a:t>
             </a:r>
             <a:endParaRPr lang="en-US" dirty="0"/>
           </a:p>
@@ -7605,11 +7481,7 @@
             </a:r>
             <a:r>
               <a:rPr lang="en-US" dirty="0" smtClean="0"/>
-              <a:t>’</a:t>
-            </a:r>
-            <a:r>
-              <a:rPr lang="en-US" dirty="0" smtClean="0"/>
-              <a:t>, ‘’</a:t>
+              <a:t>’, ‘’</a:t>
             </a:r>
             <a:endParaRPr lang="en-US" dirty="0"/>
           </a:p>
@@ -7652,11 +7524,7 @@
             </a:r>
             <a:r>
               <a:rPr lang="en-US" dirty="0" smtClean="0"/>
-              <a:t>’</a:t>
-            </a:r>
-            <a:r>
-              <a:rPr lang="en-US" dirty="0" smtClean="0"/>
-              <a:t>, ‘’</a:t>
+              <a:t>’, ‘’</a:t>
             </a:r>
             <a:endParaRPr lang="en-US" dirty="0"/>
           </a:p>
@@ -8408,11 +8276,7 @@
           <a:p>
             <a:r>
               <a:rPr lang="en-US" dirty="0" smtClean="0"/>
-              <a:t>Calls to Recursive Permutations for </a:t>
-            </a:r>
-            <a:r>
-              <a:rPr lang="en-US" dirty="0" smtClean="0"/>
-              <a:t>‘</a:t>
+              <a:t>Calls to Recursive Permutations for ‘</a:t>
             </a:r>
             <a:r>
               <a:rPr lang="en-US" dirty="0" err="1" smtClean="0"/>
@@ -8487,11 +8351,7 @@
           <a:p>
             <a:r>
               <a:rPr lang="en-US" dirty="0" smtClean="0"/>
-              <a:t>‘c’</a:t>
-            </a:r>
-            <a:r>
-              <a:rPr lang="en-US" dirty="0" smtClean="0"/>
-              <a:t>, ‘</a:t>
+              <a:t>‘c’, ‘</a:t>
             </a:r>
             <a:r>
               <a:rPr lang="en-US" dirty="0" err="1" smtClean="0"/>
@@ -8536,11 +8396,7 @@
           <a:p>
             <a:r>
               <a:rPr lang="en-US" dirty="0" smtClean="0"/>
-              <a:t>‘ca’</a:t>
-            </a:r>
-            <a:r>
-              <a:rPr lang="en-US" dirty="0" smtClean="0"/>
-              <a:t>, ‘b’</a:t>
+              <a:t>‘ca’, ‘b’</a:t>
             </a:r>
             <a:endParaRPr lang="en-US" dirty="0"/>
           </a:p>
@@ -8585,11 +8441,7 @@
             </a:r>
             <a:r>
               <a:rPr lang="en-US" dirty="0" smtClean="0"/>
-              <a:t>’</a:t>
-            </a:r>
-            <a:r>
-              <a:rPr lang="en-US" dirty="0" smtClean="0"/>
-              <a:t>, ‘a’</a:t>
+              <a:t>’, ‘a’</a:t>
             </a:r>
             <a:endParaRPr lang="en-US" dirty="0"/>
           </a:p>
@@ -8624,11 +8476,7 @@
           <a:p>
             <a:r>
               <a:rPr lang="en-US" dirty="0" smtClean="0"/>
-              <a:t>‘cab’</a:t>
-            </a:r>
-            <a:r>
-              <a:rPr lang="en-US" dirty="0" smtClean="0"/>
-              <a:t>, ‘’</a:t>
+              <a:t>‘cab’, ‘’</a:t>
             </a:r>
             <a:endParaRPr lang="en-US" dirty="0"/>
           </a:p>
@@ -8671,11 +8519,7 @@
             </a:r>
             <a:r>
               <a:rPr lang="en-US" dirty="0" smtClean="0"/>
-              <a:t>’</a:t>
-            </a:r>
-            <a:r>
-              <a:rPr lang="en-US" dirty="0" smtClean="0"/>
-              <a:t>, ‘’</a:t>
+              <a:t>’, ‘’</a:t>
             </a:r>
             <a:endParaRPr lang="en-US" dirty="0"/>
           </a:p>
@@ -9031,6 +8875,13 @@
   <p:clrMapOvr>
     <a:masterClrMapping/>
   </p:clrMapOvr>
+  <p:timing>
+    <p:tnLst>
+      <p:par>
+        <p:cTn id="1" dur="indefinite" restart="never" nodeType="tmRoot"/>
+      </p:par>
+    </p:tnLst>
+  </p:timing>
 </p:sld>
 </file>
 
@@ -9082,15 +8933,7 @@
           <a:p>
             <a:r>
               <a:rPr lang="en-US" dirty="0" smtClean="0"/>
-              <a:t>‘’</a:t>
-            </a:r>
-            <a:r>
-              <a:rPr lang="en-US" dirty="0" smtClean="0"/>
-              <a:t>, </a:t>
-            </a:r>
-            <a:r>
-              <a:rPr lang="en-US" dirty="0" smtClean="0"/>
-              <a:t>‘</a:t>
+              <a:t>‘’, ‘</a:t>
             </a:r>
             <a:r>
               <a:rPr lang="en-US" dirty="0" err="1" smtClean="0"/>
@@ -9135,15 +8978,7 @@
           <a:p>
             <a:r>
               <a:rPr lang="en-US" dirty="0" smtClean="0"/>
-              <a:t>‘</a:t>
-            </a:r>
-            <a:r>
-              <a:rPr lang="en-US" dirty="0" smtClean="0"/>
-              <a:t>a’, </a:t>
-            </a:r>
-            <a:r>
-              <a:rPr lang="en-US" dirty="0" smtClean="0"/>
-              <a:t>‘</a:t>
+              <a:t>‘a’, ‘</a:t>
             </a:r>
             <a:r>
               <a:rPr lang="en-US" dirty="0" err="1" smtClean="0"/>
@@ -9196,11 +9031,7 @@
             </a:r>
             <a:r>
               <a:rPr lang="en-US" dirty="0" smtClean="0"/>
-              <a:t>’</a:t>
-            </a:r>
-            <a:r>
-              <a:rPr lang="en-US" dirty="0" smtClean="0"/>
-              <a:t>, ‘</a:t>
+              <a:t>’, ‘</a:t>
             </a:r>
             <a:r>
               <a:rPr lang="en-US" dirty="0" err="1" smtClean="0"/>
@@ -9251,13 +9082,8 @@
             </a:r>
             <a:r>
               <a:rPr lang="en-US" dirty="0" smtClean="0"/>
-              <a:t>’</a:t>
-            </a:r>
-            <a:r>
-              <a:rPr lang="en-US" dirty="0" smtClean="0"/>
-              <a:t>, ‘’ </a:t>
-            </a:r>
-            <a:endParaRPr lang="en-US" dirty="0" smtClean="0"/>
+              <a:t>’, ‘’ </a:t>
+            </a:r>
           </a:p>
         </p:txBody>
       </p:sp>
@@ -9292,23 +9118,7 @@
           <a:p>
             <a:r>
               <a:rPr lang="en-US" dirty="0" smtClean="0"/>
-              <a:t>‘</a:t>
-            </a:r>
-            <a:r>
-              <a:rPr lang="en-US" dirty="0" smtClean="0"/>
-              <a:t>ac</a:t>
-            </a:r>
-            <a:r>
-              <a:rPr lang="en-US" dirty="0" smtClean="0"/>
-              <a:t>’</a:t>
-            </a:r>
-            <a:r>
-              <a:rPr lang="en-US" dirty="0" smtClean="0"/>
-              <a:t>, </a:t>
-            </a:r>
-            <a:r>
-              <a:rPr lang="en-US" dirty="0" smtClean="0"/>
-              <a:t>‘</a:t>
+              <a:t>‘ac’, ‘</a:t>
             </a:r>
             <a:r>
               <a:rPr lang="en-US" dirty="0" err="1" smtClean="0"/>
@@ -9359,11 +9169,7 @@
             </a:r>
             <a:r>
               <a:rPr lang="en-US" dirty="0" smtClean="0"/>
-              <a:t>’</a:t>
-            </a:r>
-            <a:r>
-              <a:rPr lang="en-US" dirty="0" smtClean="0"/>
-              <a:t>, ‘’</a:t>
+              <a:t>’, ‘’</a:t>
             </a:r>
             <a:endParaRPr lang="en-US" dirty="0"/>
           </a:p>
@@ -9837,11 +9643,7 @@
           <a:p>
             <a:r>
               <a:rPr lang="en-US" dirty="0" smtClean="0"/>
-              <a:t>Calls to Recursive Permutations for </a:t>
-            </a:r>
-            <a:r>
-              <a:rPr lang="en-US" dirty="0" smtClean="0"/>
-              <a:t>‘</a:t>
+              <a:t>Calls to Recursive Permutations for ‘</a:t>
             </a:r>
             <a:r>
               <a:rPr lang="en-US" dirty="0" err="1" smtClean="0"/>
@@ -9849,15 +9651,7 @@
             </a:r>
             <a:r>
               <a:rPr lang="en-US" dirty="0" smtClean="0"/>
-              <a:t>’</a:t>
-            </a:r>
-            <a:r>
-              <a:rPr lang="en-US" dirty="0" smtClean="0"/>
-              <a:t>, </a:t>
-            </a:r>
-            <a:r>
-              <a:rPr lang="en-US" dirty="0" smtClean="0"/>
-              <a:t>one branch</a:t>
+              <a:t>’, one branch</a:t>
             </a:r>
             <a:endParaRPr lang="en-US" dirty="0"/>
           </a:p>
@@ -9935,19 +9729,7 @@
           <a:p>
             <a:r>
               <a:rPr lang="en-US" dirty="0" smtClean="0"/>
-              <a:t>‘</a:t>
-            </a:r>
-            <a:r>
-              <a:rPr lang="en-US" dirty="0" smtClean="0"/>
-              <a:t>b</a:t>
-            </a:r>
-            <a:r>
-              <a:rPr lang="en-US" dirty="0" smtClean="0"/>
-              <a:t>’</a:t>
-            </a:r>
-            <a:r>
-              <a:rPr lang="en-US" dirty="0" smtClean="0"/>
-              <a:t>, ‘</a:t>
+              <a:t>‘b’, ‘</a:t>
             </a:r>
             <a:r>
               <a:rPr lang="en-US" dirty="0" err="1" smtClean="0"/>
@@ -9992,23 +9774,7 @@
           <a:p>
             <a:r>
               <a:rPr lang="en-US" dirty="0" smtClean="0"/>
-              <a:t>‘</a:t>
-            </a:r>
-            <a:r>
-              <a:rPr lang="en-US" dirty="0" smtClean="0"/>
-              <a:t>c</a:t>
-            </a:r>
-            <a:r>
-              <a:rPr lang="en-US" dirty="0" smtClean="0"/>
-              <a:t>’</a:t>
-            </a:r>
-            <a:r>
-              <a:rPr lang="en-US" dirty="0" smtClean="0"/>
-              <a:t>, </a:t>
-            </a:r>
-            <a:r>
-              <a:rPr lang="en-US" dirty="0" smtClean="0"/>
-              <a:t>‘</a:t>
+              <a:t>‘c’, ‘</a:t>
             </a:r>
             <a:r>
               <a:rPr lang="en-US" dirty="0" err="1" smtClean="0"/>
@@ -10053,19 +9819,7 @@
           <a:p>
             <a:r>
               <a:rPr lang="en-US" dirty="0" smtClean="0"/>
-              <a:t>‘</a:t>
-            </a:r>
-            <a:r>
-              <a:rPr lang="en-US" dirty="0" smtClean="0"/>
-              <a:t>d</a:t>
-            </a:r>
-            <a:r>
-              <a:rPr lang="en-US" dirty="0" smtClean="0"/>
-              <a:t>’</a:t>
-            </a:r>
-            <a:r>
-              <a:rPr lang="en-US" dirty="0" smtClean="0"/>
-              <a:t>, ‘</a:t>
+              <a:t>‘d’, ‘</a:t>
             </a:r>
             <a:r>
               <a:rPr lang="en-US" dirty="0" err="1" smtClean="0"/>
@@ -10151,23 +9905,7 @@
           <a:p>
             <a:r>
               <a:rPr lang="en-US" dirty="0" smtClean="0"/>
-              <a:t>‘</a:t>
-            </a:r>
-            <a:r>
-              <a:rPr lang="en-US" dirty="0" smtClean="0"/>
-              <a:t>ad</a:t>
-            </a:r>
-            <a:r>
-              <a:rPr lang="en-US" dirty="0" smtClean="0"/>
-              <a:t>’</a:t>
-            </a:r>
-            <a:r>
-              <a:rPr lang="en-US" dirty="0" smtClean="0"/>
-              <a:t>, </a:t>
-            </a:r>
-            <a:r>
-              <a:rPr lang="en-US" dirty="0" smtClean="0"/>
-              <a:t>‘</a:t>
+              <a:t>‘ad’, ‘</a:t>
             </a:r>
             <a:r>
               <a:rPr lang="en-US" dirty="0" err="1" smtClean="0"/>
@@ -10259,23 +9997,7 @@
             </a:r>
             <a:r>
               <a:rPr lang="en-US" dirty="0" smtClean="0"/>
-              <a:t>’</a:t>
-            </a:r>
-            <a:r>
-              <a:rPr lang="en-US" dirty="0" smtClean="0"/>
-              <a:t>, </a:t>
-            </a:r>
-            <a:r>
-              <a:rPr lang="en-US" dirty="0" smtClean="0"/>
-              <a:t>‘</a:t>
-            </a:r>
-            <a:r>
-              <a:rPr lang="en-US" dirty="0" smtClean="0"/>
-              <a:t>d</a:t>
-            </a:r>
-            <a:r>
-              <a:rPr lang="en-US" dirty="0" smtClean="0"/>
-              <a:t>’</a:t>
+              <a:t>’, ‘d’</a:t>
             </a:r>
             <a:endParaRPr lang="en-US" dirty="0"/>
           </a:p>
@@ -10320,23 +10042,7 @@
             </a:r>
             <a:r>
               <a:rPr lang="en-US" dirty="0" smtClean="0"/>
-              <a:t>’</a:t>
-            </a:r>
-            <a:r>
-              <a:rPr lang="en-US" dirty="0" smtClean="0"/>
-              <a:t>, </a:t>
-            </a:r>
-            <a:r>
-              <a:rPr lang="en-US" dirty="0" smtClean="0"/>
-              <a:t>‘</a:t>
-            </a:r>
-            <a:r>
-              <a:rPr lang="en-US" dirty="0" smtClean="0"/>
-              <a:t>c</a:t>
-            </a:r>
-            <a:r>
-              <a:rPr lang="en-US" dirty="0" smtClean="0"/>
-              <a:t>’</a:t>
+              <a:t>’, ‘c’</a:t>
             </a:r>
             <a:endParaRPr lang="en-US" dirty="0"/>
           </a:p>
@@ -10381,23 +10087,7 @@
             </a:r>
             <a:r>
               <a:rPr lang="en-US" dirty="0" smtClean="0"/>
-              <a:t>’</a:t>
-            </a:r>
-            <a:r>
-              <a:rPr lang="en-US" dirty="0" smtClean="0"/>
-              <a:t>, </a:t>
-            </a:r>
-            <a:r>
-              <a:rPr lang="en-US" dirty="0" smtClean="0"/>
-              <a:t>‘</a:t>
-            </a:r>
-            <a:r>
-              <a:rPr lang="en-US" dirty="0" smtClean="0"/>
-              <a:t>d</a:t>
-            </a:r>
-            <a:r>
-              <a:rPr lang="en-US" dirty="0" smtClean="0"/>
-              <a:t>’</a:t>
+              <a:t>’, ‘d’</a:t>
             </a:r>
             <a:endParaRPr lang="en-US" dirty="0"/>
           </a:p>
@@ -10442,23 +10132,7 @@
             </a:r>
             <a:r>
               <a:rPr lang="en-US" dirty="0" smtClean="0"/>
-              <a:t>’</a:t>
-            </a:r>
-            <a:r>
-              <a:rPr lang="en-US" dirty="0" smtClean="0"/>
-              <a:t>, </a:t>
-            </a:r>
-            <a:r>
-              <a:rPr lang="en-US" dirty="0" smtClean="0"/>
-              <a:t>‘</a:t>
-            </a:r>
-            <a:r>
-              <a:rPr lang="en-US" dirty="0" smtClean="0"/>
-              <a:t>b</a:t>
-            </a:r>
-            <a:r>
-              <a:rPr lang="en-US" dirty="0" smtClean="0"/>
-              <a:t>’</a:t>
+              <a:t>’, ‘b’</a:t>
             </a:r>
             <a:endParaRPr lang="en-US" dirty="0"/>
           </a:p>
@@ -10581,23 +10255,7 @@
             </a:r>
             <a:r>
               <a:rPr lang="en-US" dirty="0" smtClean="0"/>
-              <a:t>’</a:t>
-            </a:r>
-            <a:r>
-              <a:rPr lang="en-US" dirty="0" smtClean="0"/>
-              <a:t>, </a:t>
-            </a:r>
-            <a:r>
-              <a:rPr lang="en-US" dirty="0" smtClean="0"/>
-              <a:t>‘</a:t>
-            </a:r>
-            <a:r>
-              <a:rPr lang="en-US" dirty="0" smtClean="0"/>
-              <a:t>c</a:t>
-            </a:r>
-            <a:r>
-              <a:rPr lang="en-US" dirty="0" smtClean="0"/>
-              <a:t>’</a:t>
+              <a:t>’, ‘c’</a:t>
             </a:r>
             <a:endParaRPr lang="en-US" dirty="0"/>
           </a:p>
@@ -10642,23 +10300,7 @@
             </a:r>
             <a:r>
               <a:rPr lang="en-US" dirty="0" smtClean="0"/>
-              <a:t>’</a:t>
-            </a:r>
-            <a:r>
-              <a:rPr lang="en-US" dirty="0" smtClean="0"/>
-              <a:t>, </a:t>
-            </a:r>
-            <a:r>
-              <a:rPr lang="en-US" dirty="0" smtClean="0"/>
-              <a:t>‘</a:t>
-            </a:r>
-            <a:r>
-              <a:rPr lang="en-US" dirty="0" smtClean="0"/>
-              <a:t>b</a:t>
-            </a:r>
-            <a:r>
-              <a:rPr lang="en-US" dirty="0" smtClean="0"/>
-              <a:t>’</a:t>
+              <a:t>’, ‘b’</a:t>
             </a:r>
             <a:endParaRPr lang="en-US" dirty="0"/>
           </a:p>
@@ -10900,11 +10542,7 @@
             </a:r>
             <a:r>
               <a:rPr lang="en-US" dirty="0" smtClean="0"/>
-              <a:t>’</a:t>
-            </a:r>
-            <a:r>
-              <a:rPr lang="en-US" dirty="0" smtClean="0"/>
-              <a:t>, ‘’</a:t>
+              <a:t>’, ‘’</a:t>
             </a:r>
             <a:endParaRPr lang="en-US" dirty="0"/>
           </a:p>
@@ -11014,7 +10652,6 @@
               <a:rPr lang="en-US" dirty="0"/>
               <a:t>3</a:t>
             </a:r>
-            <a:endParaRPr lang="en-US" dirty="0"/>
           </a:p>
         </p:txBody>
       </p:sp>
@@ -11173,6 +10810,13 @@
   <p:clrMapOvr>
     <a:masterClrMapping/>
   </p:clrMapOvr>
+  <p:timing>
+    <p:tnLst>
+      <p:par>
+        <p:cTn id="1" dur="indefinite" restart="never" nodeType="tmRoot"/>
+      </p:par>
+    </p:tnLst>
+  </p:timing>
 </p:sld>
 </file>
 
@@ -11210,11 +10854,11 @@
           <a:p>
             <a:r>
               <a:rPr lang="en-US" dirty="0" smtClean="0"/>
-              <a:t>Recursive back-</a:t>
-            </a:r>
-            <a:r>
-              <a:rPr lang="en-US" dirty="0" err="1" smtClean="0"/>
-              <a:t>trackcing</a:t>
+              <a:t>Recursive </a:t>
+            </a:r>
+            <a:r>
+              <a:rPr lang="en-US" dirty="0" smtClean="0"/>
+              <a:t>back-tracking</a:t>
             </a:r>
             <a:endParaRPr lang="en-US" dirty="0"/>
           </a:p>
@@ -11566,6 +11210,13 @@
   <p:clrMapOvr>
     <a:masterClrMapping/>
   </p:clrMapOvr>
+  <p:timing>
+    <p:tnLst>
+      <p:par>
+        <p:cTn id="1" dur="indefinite" restart="never" nodeType="tmRoot"/>
+      </p:par>
+    </p:tnLst>
+  </p:timing>
 </p:sld>
 </file>
 
@@ -11712,6 +11363,13 @@
   <p:clrMapOvr>
     <a:masterClrMapping/>
   </p:clrMapOvr>
+  <p:timing>
+    <p:tnLst>
+      <p:par>
+        <p:cTn id="1" dur="indefinite" restart="never" nodeType="tmRoot"/>
+      </p:par>
+    </p:tnLst>
+  </p:timing>
 </p:sld>
 </file>
 
